--- a/January-Class/Zelig4_zelig2.pptx
+++ b/January-Class/Zelig4_zelig2.pptx
@@ -5,24 +5,29 @@
     <p:sldMasterId id="2147483694" r:id="rId1"/>
   </p:sldMasterIdLst>
   <p:notesMasterIdLst>
-    <p:notesMasterId r:id="rId17"/>
+    <p:notesMasterId r:id="rId22"/>
   </p:notesMasterIdLst>
   <p:sldIdLst>
     <p:sldId id="256" r:id="rId2"/>
     <p:sldId id="257" r:id="rId3"/>
-    <p:sldId id="259" r:id="rId4"/>
-    <p:sldId id="264" r:id="rId5"/>
-    <p:sldId id="266" r:id="rId6"/>
-    <p:sldId id="267" r:id="rId7"/>
-    <p:sldId id="262" r:id="rId8"/>
-    <p:sldId id="258" r:id="rId9"/>
-    <p:sldId id="268" r:id="rId10"/>
-    <p:sldId id="261" r:id="rId11"/>
-    <p:sldId id="269" r:id="rId12"/>
-    <p:sldId id="263" r:id="rId13"/>
-    <p:sldId id="270" r:id="rId14"/>
+    <p:sldId id="276" r:id="rId4"/>
+    <p:sldId id="259" r:id="rId5"/>
+    <p:sldId id="264" r:id="rId6"/>
+    <p:sldId id="266" r:id="rId7"/>
+    <p:sldId id="267" r:id="rId8"/>
+    <p:sldId id="262" r:id="rId9"/>
+    <p:sldId id="258" r:id="rId10"/>
+    <p:sldId id="268" r:id="rId11"/>
+    <p:sldId id="261" r:id="rId12"/>
+    <p:sldId id="269" r:id="rId13"/>
+    <p:sldId id="263" r:id="rId14"/>
     <p:sldId id="271" r:id="rId15"/>
     <p:sldId id="272" r:id="rId16"/>
+    <p:sldId id="270" r:id="rId17"/>
+    <p:sldId id="273" r:id="rId18"/>
+    <p:sldId id="277" r:id="rId19"/>
+    <p:sldId id="274" r:id="rId20"/>
+    <p:sldId id="275" r:id="rId21"/>
   </p:sldIdLst>
   <p:sldSz cx="9144000" cy="6858000" type="screen4x3"/>
   <p:notesSz cx="6858000" cy="9144000"/>
@@ -549,7 +554,7 @@
             <a:fld id="{7E5E9E7E-3AA4-2143-AD9D-22191B2A3400}" type="slidenum">
               <a:rPr lang="en-US"/>
               <a:pPr/>
-              <a:t>12</a:t>
+              <a:t>13</a:t>
             </a:fld>
             <a:endParaRPr lang="en-US"/>
           </a:p>
@@ -697,7 +702,7 @@
                   <a:tab pos="9144000" algn="l"/>
                 </a:tabLst>
               </a:pPr>
-              <a:t>12</a:t>
+              <a:t>13</a:t>
             </a:fld>
             <a:endParaRPr lang="en-US" sz="1200">
               <a:solidFill>
@@ -3695,6 +3700,13 @@
   <p:clrMapOvr>
     <a:masterClrMapping/>
   </p:clrMapOvr>
+  <p:timing>
+    <p:tnLst>
+      <p:par>
+        <p:cTn id="1" dur="indefinite" restart="never" nodeType="tmRoot"/>
+      </p:par>
+    </p:tnLst>
+  </p:timing>
 </p:sld>
 </file>
 
@@ -3754,16 +3766,32 @@
           <a:p>
             <a:r>
               <a:rPr lang="en-US"/>
-              <a:t>The "lm" model (as all models do) finds the function that best </a:t>
-            </a:r>
-            <a:r>
-              <a:rPr lang="en-US" b="1"/>
-              <a:t>interpolates</a:t>
-            </a:r>
-            <a:r>
-              <a:rPr lang="en-US"/>
-              <a:t> the observed data.</a:t>
-            </a:r>
+              <a:t>Consider the linear regression:</a:t>
+            </a:r>
+          </a:p>
+          <a:p>
+            <a:endParaRPr lang="en-US"/>
+          </a:p>
+          <a:p>
+            <a:r>
+              <a:rPr lang="en-US"/>
+              <a:t>lm(y ~ x)</a:t>
+            </a:r>
+          </a:p>
+          <a:p>
+            <a:endParaRPr lang="en-US"/>
+          </a:p>
+          <a:p>
+            <a:r>
+              <a:rPr lang="en-US"/>
+              <a:t>This means, the variable "y" is dependent on the variable "x"</a:t>
+            </a:r>
+          </a:p>
+          <a:p>
+            <a:pPr>
+              <a:buNone/>
+            </a:pPr>
+            <a:endParaRPr lang="en-US"/>
           </a:p>
         </p:txBody>
       </p:sp>
@@ -3776,6 +3804,83 @@
 </file>
 
 <file path=ppt/slides/slide11.xml><?xml version="1.0" encoding="utf-8"?>
+<p:sld xmlns:a="http://schemas.openxmlformats.org/drawingml/2006/main" xmlns:r="http://schemas.openxmlformats.org/officeDocument/2006/relationships" xmlns:mc="http://schemas.openxmlformats.org/markup-compatibility/2006" xmlns:mv="urn:schemas-microsoft-com:mac:vml" xmlns:p="http://schemas.openxmlformats.org/presentationml/2006/main" mc:Ignorable="mv" mc:PreserveAttributes="mv:*">
+  <p:cSld>
+    <p:spTree>
+      <p:nvGrpSpPr>
+        <p:cNvPr id="1" name=""/>
+        <p:cNvGrpSpPr/>
+        <p:nvPr/>
+      </p:nvGrpSpPr>
+      <p:grpSpPr>
+        <a:xfrm>
+          <a:off x="0" y="0"/>
+          <a:ext cx="0" cy="0"/>
+          <a:chOff x="0" y="0"/>
+          <a:chExt cx="0" cy="0"/>
+        </a:xfrm>
+      </p:grpSpPr>
+      <p:sp>
+        <p:nvSpPr>
+          <p:cNvPr id="2" name="Title 1"/>
+          <p:cNvSpPr>
+            <a:spLocks noGrp="1"/>
+          </p:cNvSpPr>
+          <p:nvPr>
+            <p:ph type="title"/>
+          </p:nvPr>
+        </p:nvSpPr>
+        <p:spPr/>
+        <p:txBody>
+          <a:bodyPr/>
+          <a:lstStyle/>
+          <a:p>
+            <a:r>
+              <a:rPr lang="en-US"/>
+              <a:t>Basics</a:t>
+            </a:r>
+          </a:p>
+        </p:txBody>
+      </p:sp>
+      <p:sp>
+        <p:nvSpPr>
+          <p:cNvPr id="3" name="Content Placeholder 2"/>
+          <p:cNvSpPr>
+            <a:spLocks noGrp="1"/>
+          </p:cNvSpPr>
+          <p:nvPr>
+            <p:ph idx="1"/>
+          </p:nvPr>
+        </p:nvSpPr>
+        <p:spPr/>
+        <p:txBody>
+          <a:bodyPr/>
+          <a:lstStyle/>
+          <a:p>
+            <a:r>
+              <a:rPr lang="en-US"/>
+              <a:t>The "lm" model (as all models do) finds the function that best </a:t>
+            </a:r>
+            <a:r>
+              <a:rPr lang="en-US" b="1"/>
+              <a:t>interpolates</a:t>
+            </a:r>
+            <a:r>
+              <a:rPr lang="en-US"/>
+              <a:t> the observed data.</a:t>
+            </a:r>
+          </a:p>
+        </p:txBody>
+      </p:sp>
+    </p:spTree>
+  </p:cSld>
+  <p:clrMapOvr>
+    <a:masterClrMapping/>
+  </p:clrMapOvr>
+</p:sld>
+</file>
+
+<file path=ppt/slides/slide12.xml><?xml version="1.0" encoding="utf-8"?>
 <p:sld xmlns:a="http://schemas.openxmlformats.org/drawingml/2006/main" xmlns:r="http://schemas.openxmlformats.org/officeDocument/2006/relationships" xmlns:mc="http://schemas.openxmlformats.org/markup-compatibility/2006" xmlns:mv="urn:schemas-microsoft-com:mac:vml" xmlns:p="http://schemas.openxmlformats.org/presentationml/2006/main" mc:Ignorable="mv" mc:PreserveAttributes="mv:*">
   <p:cSld>
     <p:spTree>
@@ -4232,7 +4337,7 @@
 </p:sld>
 </file>
 
-<file path=ppt/slides/slide12.xml><?xml version="1.0" encoding="utf-8"?>
+<file path=ppt/slides/slide13.xml><?xml version="1.0" encoding="utf-8"?>
 <p:sld xmlns:a="http://schemas.openxmlformats.org/drawingml/2006/main" xmlns:r="http://schemas.openxmlformats.org/officeDocument/2006/relationships" xmlns:mc="http://schemas.openxmlformats.org/markup-compatibility/2006" xmlns:mv="urn:schemas-microsoft-com:mac:vml" xmlns:p="http://schemas.openxmlformats.org/presentationml/2006/main" mc:Ignorable="mv" mc:PreserveAttributes="mv:*">
   <p:cSld>
     <p:spTree>
@@ -4969,53 +5074,6 @@
 </p:sld>
 </file>
 
-<file path=ppt/slides/slide13.xml><?xml version="1.0" encoding="utf-8"?>
-<p:sld xmlns:a="http://schemas.openxmlformats.org/drawingml/2006/main" xmlns:r="http://schemas.openxmlformats.org/officeDocument/2006/relationships" xmlns:mc="http://schemas.openxmlformats.org/markup-compatibility/2006" xmlns:mv="urn:schemas-microsoft-com:mac:vml" xmlns:p="http://schemas.openxmlformats.org/presentationml/2006/main" mc:Ignorable="mv" mc:PreserveAttributes="mv:*">
-  <p:cSld>
-    <p:spTree>
-      <p:nvGrpSpPr>
-        <p:cNvPr id="1" name=""/>
-        <p:cNvGrpSpPr/>
-        <p:nvPr/>
-      </p:nvGrpSpPr>
-      <p:grpSpPr>
-        <a:xfrm>
-          <a:off x="0" y="0"/>
-          <a:ext cx="0" cy="0"/>
-          <a:chOff x="0" y="0"/>
-          <a:chExt cx="0" cy="0"/>
-        </a:xfrm>
-      </p:grpSpPr>
-      <p:sp>
-        <p:nvSpPr>
-          <p:cNvPr id="2" name="Title 1"/>
-          <p:cNvSpPr>
-            <a:spLocks noGrp="1"/>
-          </p:cNvSpPr>
-          <p:nvPr>
-            <p:ph type="title"/>
-          </p:nvPr>
-        </p:nvSpPr>
-        <p:spPr/>
-        <p:txBody>
-          <a:bodyPr/>
-          <a:lstStyle/>
-          <a:p>
-            <a:r>
-              <a:rPr lang="en-US"/>
-              <a:t>zelig2</a:t>
-            </a:r>
-          </a:p>
-        </p:txBody>
-      </p:sp>
-    </p:spTree>
-  </p:cSld>
-  <p:clrMapOvr>
-    <a:masterClrMapping/>
-  </p:clrMapOvr>
-</p:sld>
-</file>
-
 <file path=ppt/slides/slide14.xml><?xml version="1.0" encoding="utf-8"?>
 <p:sld xmlns:a="http://schemas.openxmlformats.org/drawingml/2006/main" xmlns:r="http://schemas.openxmlformats.org/officeDocument/2006/relationships" xmlns:mc="http://schemas.openxmlformats.org/markup-compatibility/2006" xmlns:mv="urn:schemas-microsoft-com:mac:vml" xmlns:p="http://schemas.openxmlformats.org/presentationml/2006/main" mc:Ignorable="mv" mc:PreserveAttributes="mv:*">
   <p:cSld>
@@ -5214,6 +5272,626 @@
 </p:sld>
 </file>
 
+<file path=ppt/slides/slide16.xml><?xml version="1.0" encoding="utf-8"?>
+<p:sld xmlns:a="http://schemas.openxmlformats.org/drawingml/2006/main" xmlns:r="http://schemas.openxmlformats.org/officeDocument/2006/relationships" xmlns:mc="http://schemas.openxmlformats.org/markup-compatibility/2006" xmlns:mv="urn:schemas-microsoft-com:mac:vml" xmlns:p="http://schemas.openxmlformats.org/presentationml/2006/main" mc:Ignorable="mv" mc:PreserveAttributes="mv:*">
+  <p:cSld>
+    <p:spTree>
+      <p:nvGrpSpPr>
+        <p:cNvPr id="1" name=""/>
+        <p:cNvGrpSpPr/>
+        <p:nvPr/>
+      </p:nvGrpSpPr>
+      <p:grpSpPr>
+        <a:xfrm>
+          <a:off x="0" y="0"/>
+          <a:ext cx="0" cy="0"/>
+          <a:chOff x="0" y="0"/>
+          <a:chExt cx="0" cy="0"/>
+        </a:xfrm>
+      </p:grpSpPr>
+      <p:sp>
+        <p:nvSpPr>
+          <p:cNvPr id="2" name="Title 1"/>
+          <p:cNvSpPr>
+            <a:spLocks noGrp="1"/>
+          </p:cNvSpPr>
+          <p:nvPr>
+            <p:ph type="title"/>
+          </p:nvPr>
+        </p:nvSpPr>
+        <p:spPr/>
+        <p:txBody>
+          <a:bodyPr/>
+          <a:lstStyle/>
+          <a:p>
+            <a:r>
+              <a:rPr lang="en-US"/>
+              <a:t>zelig2</a:t>
+            </a:r>
+          </a:p>
+        </p:txBody>
+      </p:sp>
+    </p:spTree>
+  </p:cSld>
+  <p:clrMapOvr>
+    <a:masterClrMapping/>
+  </p:clrMapOvr>
+</p:sld>
+</file>
+
+<file path=ppt/slides/slide17.xml><?xml version="1.0" encoding="utf-8"?>
+<p:sld xmlns:a="http://schemas.openxmlformats.org/drawingml/2006/main" xmlns:r="http://schemas.openxmlformats.org/officeDocument/2006/relationships" xmlns:mc="http://schemas.openxmlformats.org/markup-compatibility/2006" xmlns:mv="urn:schemas-microsoft-com:mac:vml" xmlns:p="http://schemas.openxmlformats.org/presentationml/2006/main" mc:Ignorable="mv" mc:PreserveAttributes="mv:*">
+  <p:cSld>
+    <p:spTree>
+      <p:nvGrpSpPr>
+        <p:cNvPr id="1" name=""/>
+        <p:cNvGrpSpPr/>
+        <p:nvPr/>
+      </p:nvGrpSpPr>
+      <p:grpSpPr>
+        <a:xfrm>
+          <a:off x="0" y="0"/>
+          <a:ext cx="0" cy="0"/>
+          <a:chOff x="0" y="0"/>
+          <a:chExt cx="0" cy="0"/>
+        </a:xfrm>
+      </p:grpSpPr>
+      <p:sp>
+        <p:nvSpPr>
+          <p:cNvPr id="2" name="Title 1"/>
+          <p:cNvSpPr>
+            <a:spLocks noGrp="1"/>
+          </p:cNvSpPr>
+          <p:nvPr>
+            <p:ph type="title"/>
+          </p:nvPr>
+        </p:nvSpPr>
+        <p:spPr/>
+        <p:txBody>
+          <a:bodyPr/>
+          <a:lstStyle/>
+          <a:p>
+            <a:r>
+              <a:rPr lang="en-US"/>
+              <a:t>zelig2</a:t>
+            </a:r>
+          </a:p>
+        </p:txBody>
+      </p:sp>
+      <p:sp>
+        <p:nvSpPr>
+          <p:cNvPr id="3" name="Content Placeholder 2"/>
+          <p:cNvSpPr>
+            <a:spLocks noGrp="1"/>
+          </p:cNvSpPr>
+          <p:nvPr>
+            <p:ph idx="1"/>
+          </p:nvPr>
+        </p:nvSpPr>
+        <p:spPr/>
+        <p:txBody>
+          <a:bodyPr/>
+          <a:lstStyle/>
+          <a:p>
+            <a:r>
+              <a:rPr lang="en-US" b="1"/>
+              <a:t>Does not</a:t>
+            </a:r>
+            <a:r>
+              <a:rPr lang="en-US"/>
+              <a:t> fit models itself</a:t>
+            </a:r>
+          </a:p>
+          <a:p>
+            <a:r>
+              <a:rPr lang="en-US"/>
+              <a:t>Uses outside models to fit data</a:t>
+            </a:r>
+          </a:p>
+          <a:p>
+            <a:pPr lvl="1"/>
+            <a:r>
+              <a:rPr lang="en-US"/>
+              <a:t>"lm", "glm", "nlme", etc.</a:t>
+            </a:r>
+          </a:p>
+          <a:p>
+            <a:r>
+              <a:rPr lang="en-US"/>
+              <a:t>Manages how zelig interacts with these models:</a:t>
+            </a:r>
+          </a:p>
+          <a:p>
+            <a:pPr lvl="1"/>
+            <a:r>
+              <a:rPr lang="en-US"/>
+              <a:t>Specifies what function will fit the model</a:t>
+            </a:r>
+          </a:p>
+          <a:p>
+            <a:pPr lvl="1"/>
+            <a:r>
+              <a:rPr lang="en-US"/>
+              <a:t>Specifies parameters</a:t>
+            </a:r>
+          </a:p>
+          <a:p>
+            <a:pPr lvl="1"/>
+            <a:r>
+              <a:rPr lang="en-US"/>
+              <a:t>Manipulates objects</a:t>
+            </a:r>
+          </a:p>
+        </p:txBody>
+      </p:sp>
+    </p:spTree>
+  </p:cSld>
+  <p:clrMapOvr>
+    <a:masterClrMapping/>
+  </p:clrMapOvr>
+  <p:timing>
+    <p:tnLst>
+      <p:par>
+        <p:cTn id="1" dur="indefinite" restart="never" nodeType="tmRoot"/>
+      </p:par>
+    </p:tnLst>
+  </p:timing>
+</p:sld>
+</file>
+
+<file path=ppt/slides/slide18.xml><?xml version="1.0" encoding="utf-8"?>
+<p:sld xmlns:a="http://schemas.openxmlformats.org/drawingml/2006/main" xmlns:r="http://schemas.openxmlformats.org/officeDocument/2006/relationships" xmlns:mc="http://schemas.openxmlformats.org/markup-compatibility/2006" xmlns:mv="urn:schemas-microsoft-com:mac:vml" xmlns:p="http://schemas.openxmlformats.org/presentationml/2006/main" mc:Ignorable="mv" mc:PreserveAttributes="mv:*">
+  <p:cSld>
+    <p:spTree>
+      <p:nvGrpSpPr>
+        <p:cNvPr id="1" name=""/>
+        <p:cNvGrpSpPr/>
+        <p:nvPr/>
+      </p:nvGrpSpPr>
+      <p:grpSpPr>
+        <a:xfrm>
+          <a:off x="0" y="0"/>
+          <a:ext cx="0" cy="0"/>
+          <a:chOff x="0" y="0"/>
+          <a:chExt cx="0" cy="0"/>
+        </a:xfrm>
+      </p:grpSpPr>
+      <p:sp>
+        <p:nvSpPr>
+          <p:cNvPr id="2" name="Title 1"/>
+          <p:cNvSpPr>
+            <a:spLocks noGrp="1"/>
+          </p:cNvSpPr>
+          <p:nvPr>
+            <p:ph type="title"/>
+          </p:nvPr>
+        </p:nvSpPr>
+        <p:spPr/>
+        <p:txBody>
+          <a:bodyPr/>
+          <a:lstStyle/>
+          <a:p>
+            <a:endParaRPr lang="en-US"/>
+          </a:p>
+        </p:txBody>
+      </p:sp>
+      <p:sp>
+        <p:nvSpPr>
+          <p:cNvPr id="3" name="Content Placeholder 2"/>
+          <p:cNvSpPr>
+            <a:spLocks noGrp="1"/>
+          </p:cNvSpPr>
+          <p:nvPr>
+            <p:ph idx="1"/>
+          </p:nvPr>
+        </p:nvSpPr>
+        <p:spPr/>
+        <p:txBody>
+          <a:bodyPr/>
+          <a:lstStyle/>
+          <a:p>
+            <a:endParaRPr lang="en-US"/>
+          </a:p>
+        </p:txBody>
+      </p:sp>
+    </p:spTree>
+  </p:cSld>
+  <p:clrMapOvr>
+    <a:masterClrMapping/>
+  </p:clrMapOvr>
+  <p:timing>
+    <p:tnLst>
+      <p:par>
+        <p:cTn id="1" dur="indefinite" restart="never" nodeType="tmRoot"/>
+      </p:par>
+    </p:tnLst>
+  </p:timing>
+</p:sld>
+</file>
+
+<file path=ppt/slides/slide19.xml><?xml version="1.0" encoding="utf-8"?>
+<p:sld xmlns:a="http://schemas.openxmlformats.org/drawingml/2006/main" xmlns:r="http://schemas.openxmlformats.org/officeDocument/2006/relationships" xmlns:mc="http://schemas.openxmlformats.org/markup-compatibility/2006" xmlns:mv="urn:schemas-microsoft-com:mac:vml" xmlns:p="http://schemas.openxmlformats.org/presentationml/2006/main" mc:Ignorable="mv" mc:PreserveAttributes="mv:*">
+  <p:cSld>
+    <p:spTree>
+      <p:nvGrpSpPr>
+        <p:cNvPr id="1" name=""/>
+        <p:cNvGrpSpPr/>
+        <p:nvPr/>
+      </p:nvGrpSpPr>
+      <p:grpSpPr>
+        <a:xfrm>
+          <a:off x="0" y="0"/>
+          <a:ext cx="0" cy="0"/>
+          <a:chOff x="0" y="0"/>
+          <a:chExt cx="0" cy="0"/>
+        </a:xfrm>
+      </p:grpSpPr>
+      <p:sp>
+        <p:nvSpPr>
+          <p:cNvPr id="2" name="Title 1"/>
+          <p:cNvSpPr>
+            <a:spLocks noGrp="1"/>
+          </p:cNvSpPr>
+          <p:nvPr>
+            <p:ph type="title"/>
+          </p:nvPr>
+        </p:nvSpPr>
+        <p:spPr/>
+        <p:txBody>
+          <a:bodyPr/>
+          <a:lstStyle/>
+          <a:p>
+            <a:r>
+              <a:rPr lang="en-US"/>
+              <a:t>Features of a zelig2 function</a:t>
+            </a:r>
+          </a:p>
+        </p:txBody>
+      </p:sp>
+      <p:sp>
+        <p:nvSpPr>
+          <p:cNvPr id="3" name="Content Placeholder 2"/>
+          <p:cNvSpPr>
+            <a:spLocks noGrp="1"/>
+          </p:cNvSpPr>
+          <p:nvPr>
+            <p:ph idx="1"/>
+          </p:nvPr>
+        </p:nvSpPr>
+        <p:spPr/>
+        <p:txBody>
+          <a:bodyPr>
+            <a:normAutofit/>
+          </a:bodyPr>
+          <a:lstStyle/>
+          <a:p>
+            <a:pPr>
+              <a:buNone/>
+            </a:pPr>
+            <a:r>
+              <a:rPr lang="en-US" sz="1800">
+                <a:latin typeface="Courier New"/>
+                <a:cs typeface="Courier New"/>
+              </a:rPr>
+              <a:t>zelig2logit &lt;- </a:t>
+            </a:r>
+            <a:r>
+              <a:rPr lang="en-US" sz="1800">
+                <a:solidFill>
+                  <a:srgbClr val="0000FF"/>
+                </a:solidFill>
+                <a:latin typeface="Courier New"/>
+                <a:cs typeface="Courier New"/>
+              </a:rPr>
+              <a:t>function</a:t>
+            </a:r>
+            <a:r>
+              <a:rPr lang="en-US" sz="1800">
+                <a:latin typeface="Courier New"/>
+                <a:cs typeface="Courier New"/>
+              </a:rPr>
+              <a:t>(formula, weights=NULL, ..., data){</a:t>
+            </a:r>
+          </a:p>
+          <a:p>
+            <a:pPr>
+              <a:buNone/>
+            </a:pPr>
+            <a:r>
+              <a:rPr lang="en-US" sz="1800">
+                <a:latin typeface="Courier New"/>
+                <a:cs typeface="Courier New"/>
+              </a:rPr>
+              <a:t>  </a:t>
+            </a:r>
+            <a:r>
+              <a:rPr lang="en-US" sz="1800">
+                <a:solidFill>
+                  <a:srgbClr val="0000FF"/>
+                </a:solidFill>
+                <a:latin typeface="Courier New"/>
+                <a:cs typeface="Courier New"/>
+              </a:rPr>
+              <a:t>list</a:t>
+            </a:r>
+            <a:r>
+              <a:rPr lang="en-US" sz="1800">
+                <a:latin typeface="Courier New"/>
+                <a:cs typeface="Courier New"/>
+              </a:rPr>
+              <a:t>(</a:t>
+            </a:r>
+          </a:p>
+          <a:p>
+            <a:pPr>
+              <a:buNone/>
+            </a:pPr>
+            <a:r>
+              <a:rPr lang="en-US" sz="1800">
+                <a:latin typeface="Courier New"/>
+                <a:cs typeface="Courier New"/>
+              </a:rPr>
+              <a:t>       .function </a:t>
+            </a:r>
+            <a:r>
+              <a:rPr lang="en-US" sz="1800">
+                <a:solidFill>
+                  <a:schemeClr val="accent1"/>
+                </a:solidFill>
+                <a:latin typeface="Courier New"/>
+                <a:cs typeface="Courier New"/>
+              </a:rPr>
+              <a:t>=</a:t>
+            </a:r>
+            <a:r>
+              <a:rPr lang="en-US" sz="1800">
+                <a:latin typeface="Courier New"/>
+                <a:cs typeface="Courier New"/>
+              </a:rPr>
+              <a:t> </a:t>
+            </a:r>
+            <a:r>
+              <a:rPr lang="en-US" sz="1800">
+                <a:solidFill>
+                  <a:schemeClr val="accent2"/>
+                </a:solidFill>
+                <a:latin typeface="Courier New"/>
+                <a:cs typeface="Courier New"/>
+              </a:rPr>
+              <a:t>"glm"</a:t>
+            </a:r>
+            <a:r>
+              <a:rPr lang="en-US" sz="1800">
+                <a:latin typeface="Courier New"/>
+                <a:cs typeface="Courier New"/>
+              </a:rPr>
+              <a:t>,</a:t>
+            </a:r>
+          </a:p>
+          <a:p>
+            <a:pPr>
+              <a:buNone/>
+            </a:pPr>
+            <a:endParaRPr lang="en-US" sz="1800">
+              <a:latin typeface="Courier New"/>
+              <a:cs typeface="Courier New"/>
+            </a:endParaRPr>
+          </a:p>
+          <a:p>
+            <a:pPr>
+              <a:buNone/>
+            </a:pPr>
+            <a:r>
+              <a:rPr lang="en-US" sz="1800">
+                <a:latin typeface="Courier New"/>
+                <a:cs typeface="Courier New"/>
+              </a:rPr>
+              <a:t>       formula </a:t>
+            </a:r>
+            <a:r>
+              <a:rPr lang="en-US" sz="1800">
+                <a:solidFill>
+                  <a:schemeClr val="tx2">
+                    <a:lumMod val="40000"/>
+                    <a:lumOff val="60000"/>
+                  </a:schemeClr>
+                </a:solidFill>
+                <a:latin typeface="Courier New"/>
+                <a:cs typeface="Courier New"/>
+              </a:rPr>
+              <a:t>=</a:t>
+            </a:r>
+            <a:r>
+              <a:rPr lang="en-US" sz="1800">
+                <a:latin typeface="Courier New"/>
+                <a:cs typeface="Courier New"/>
+              </a:rPr>
+              <a:t> formula,</a:t>
+            </a:r>
+          </a:p>
+          <a:p>
+            <a:pPr>
+              <a:buNone/>
+            </a:pPr>
+            <a:r>
+              <a:rPr lang="en-US" sz="1800">
+                <a:latin typeface="Courier New"/>
+                <a:cs typeface="Courier New"/>
+              </a:rPr>
+              <a:t>       weights </a:t>
+            </a:r>
+            <a:r>
+              <a:rPr lang="en-US" sz="1800">
+                <a:solidFill>
+                  <a:srgbClr val="8EB4E3"/>
+                </a:solidFill>
+                <a:latin typeface="Courier New"/>
+                <a:cs typeface="Courier New"/>
+              </a:rPr>
+              <a:t>=</a:t>
+            </a:r>
+            <a:r>
+              <a:rPr lang="en-US" sz="1800">
+                <a:latin typeface="Courier New"/>
+                <a:cs typeface="Courier New"/>
+              </a:rPr>
+              <a:t> weights,</a:t>
+            </a:r>
+          </a:p>
+          <a:p>
+            <a:pPr>
+              <a:buNone/>
+            </a:pPr>
+            <a:r>
+              <a:rPr lang="en-US" sz="1800">
+                <a:latin typeface="Courier New"/>
+                <a:cs typeface="Courier New"/>
+              </a:rPr>
+              <a:t>       family  </a:t>
+            </a:r>
+            <a:r>
+              <a:rPr lang="en-US" sz="1800">
+                <a:solidFill>
+                  <a:srgbClr val="8EB4E3"/>
+                </a:solidFill>
+                <a:latin typeface="Courier New"/>
+                <a:cs typeface="Courier New"/>
+              </a:rPr>
+              <a:t>=</a:t>
+            </a:r>
+            <a:r>
+              <a:rPr lang="en-US" sz="1800">
+                <a:latin typeface="Courier New"/>
+                <a:cs typeface="Courier New"/>
+              </a:rPr>
+              <a:t> binomial(link=</a:t>
+            </a:r>
+            <a:r>
+              <a:rPr lang="en-US" sz="1800">
+                <a:solidFill>
+                  <a:srgbClr val="C0504D"/>
+                </a:solidFill>
+                <a:latin typeface="Courier New"/>
+                <a:cs typeface="Courier New"/>
+              </a:rPr>
+              <a:t>"logit"</a:t>
+            </a:r>
+            <a:r>
+              <a:rPr lang="en-US" sz="1800">
+                <a:latin typeface="Courier New"/>
+                <a:cs typeface="Courier New"/>
+              </a:rPr>
+              <a:t>),</a:t>
+            </a:r>
+          </a:p>
+          <a:p>
+            <a:pPr>
+              <a:buNone/>
+            </a:pPr>
+            <a:r>
+              <a:rPr lang="en-US" sz="1800">
+                <a:latin typeface="Courier New"/>
+                <a:cs typeface="Courier New"/>
+              </a:rPr>
+              <a:t>       model   </a:t>
+            </a:r>
+            <a:r>
+              <a:rPr lang="en-US" sz="1800">
+                <a:solidFill>
+                  <a:srgbClr val="8EB4E3"/>
+                </a:solidFill>
+                <a:latin typeface="Courier New"/>
+                <a:cs typeface="Courier New"/>
+              </a:rPr>
+              <a:t>=</a:t>
+            </a:r>
+            <a:r>
+              <a:rPr lang="en-US" sz="1800">
+                <a:latin typeface="Courier New"/>
+                <a:cs typeface="Courier New"/>
+              </a:rPr>
+              <a:t> F,</a:t>
+            </a:r>
+          </a:p>
+          <a:p>
+            <a:pPr>
+              <a:buNone/>
+            </a:pPr>
+            <a:r>
+              <a:rPr lang="en-US" sz="1800">
+                <a:latin typeface="Courier New"/>
+                <a:cs typeface="Courier New"/>
+              </a:rPr>
+              <a:t>       data    </a:t>
+            </a:r>
+            <a:r>
+              <a:rPr lang="en-US" sz="1800">
+                <a:solidFill>
+                  <a:srgbClr val="8EB4E3"/>
+                </a:solidFill>
+                <a:latin typeface="Courier New"/>
+                <a:cs typeface="Courier New"/>
+              </a:rPr>
+              <a:t>=</a:t>
+            </a:r>
+            <a:r>
+              <a:rPr lang="en-US" sz="1800">
+                <a:latin typeface="Courier New"/>
+                <a:cs typeface="Courier New"/>
+              </a:rPr>
+              <a:t> data</a:t>
+            </a:r>
+          </a:p>
+          <a:p>
+            <a:pPr>
+              <a:buNone/>
+            </a:pPr>
+            <a:r>
+              <a:rPr lang="en-US" sz="1800">
+                <a:latin typeface="Courier New"/>
+                <a:cs typeface="Courier New"/>
+              </a:rPr>
+              <a:t>       )</a:t>
+            </a:r>
+          </a:p>
+          <a:p>
+            <a:pPr>
+              <a:buNone/>
+            </a:pPr>
+            <a:r>
+              <a:rPr lang="en-US" sz="1800">
+                <a:latin typeface="Courier New"/>
+                <a:cs typeface="Courier New"/>
+              </a:rPr>
+              <a:t>}</a:t>
+            </a:r>
+          </a:p>
+          <a:p>
+            <a:pPr>
+              <a:buNone/>
+            </a:pPr>
+            <a:endParaRPr lang="en-US" sz="1800">
+              <a:latin typeface="Courier New"/>
+              <a:cs typeface="Courier New"/>
+            </a:endParaRPr>
+          </a:p>
+        </p:txBody>
+      </p:sp>
+    </p:spTree>
+  </p:cSld>
+  <p:clrMapOvr>
+    <a:masterClrMapping/>
+  </p:clrMapOvr>
+  <p:timing>
+    <p:tnLst>
+      <p:par>
+        <p:cTn id="1" dur="indefinite" restart="never" nodeType="tmRoot"/>
+      </p:par>
+    </p:tnLst>
+  </p:timing>
+</p:sld>
+</file>
+
 <file path=ppt/slides/slide2.xml><?xml version="1.0" encoding="utf-8"?>
 <p:sld xmlns:a="http://schemas.openxmlformats.org/drawingml/2006/main" xmlns:r="http://schemas.openxmlformats.org/officeDocument/2006/relationships" xmlns:mc="http://schemas.openxmlformats.org/markup-compatibility/2006" xmlns:mv="urn:schemas-microsoft-com:mac:vml" xmlns:p="http://schemas.openxmlformats.org/presentationml/2006/main" mc:Ignorable="mv" mc:PreserveAttributes="mv:*">
   <p:cSld>
@@ -5328,6 +6006,1713 @@
   <p:clrMapOvr>
     <a:masterClrMapping/>
   </p:clrMapOvr>
+  <p:timing>
+    <p:tnLst>
+      <p:par>
+        <p:cTn id="1" dur="indefinite" restart="never" nodeType="tmRoot"/>
+      </p:par>
+    </p:tnLst>
+  </p:timing>
+</p:sld>
+</file>
+
+<file path=ppt/slides/slide20.xml><?xml version="1.0" encoding="utf-8"?>
+<p:sld xmlns:a="http://schemas.openxmlformats.org/drawingml/2006/main" xmlns:r="http://schemas.openxmlformats.org/officeDocument/2006/relationships" xmlns:mc="http://schemas.openxmlformats.org/markup-compatibility/2006" xmlns:mv="urn:schemas-microsoft-com:mac:vml" xmlns:p="http://schemas.openxmlformats.org/presentationml/2006/main" mc:Ignorable="mv" mc:PreserveAttributes="mv:*">
+  <p:cSld>
+    <p:spTree>
+      <p:nvGrpSpPr>
+        <p:cNvPr id="1" name=""/>
+        <p:cNvGrpSpPr/>
+        <p:nvPr/>
+      </p:nvGrpSpPr>
+      <p:grpSpPr>
+        <a:xfrm>
+          <a:off x="0" y="0"/>
+          <a:ext cx="0" cy="0"/>
+          <a:chOff x="0" y="0"/>
+          <a:chExt cx="0" cy="0"/>
+        </a:xfrm>
+      </p:grpSpPr>
+      <p:sp>
+        <p:nvSpPr>
+          <p:cNvPr id="2" name="Title 1"/>
+          <p:cNvSpPr>
+            <a:spLocks noGrp="1"/>
+          </p:cNvSpPr>
+          <p:nvPr>
+            <p:ph type="title"/>
+          </p:nvPr>
+        </p:nvSpPr>
+        <p:spPr/>
+        <p:txBody>
+          <a:bodyPr/>
+          <a:lstStyle/>
+          <a:p>
+            <a:r>
+              <a:rPr lang="en-US"/>
+              <a:t>Features of a zelig2 function</a:t>
+            </a:r>
+          </a:p>
+        </p:txBody>
+      </p:sp>
+      <p:sp>
+        <p:nvSpPr>
+          <p:cNvPr id="3" name="Content Placeholder 2"/>
+          <p:cNvSpPr>
+            <a:spLocks noGrp="1"/>
+          </p:cNvSpPr>
+          <p:nvPr>
+            <p:ph idx="1"/>
+          </p:nvPr>
+        </p:nvSpPr>
+        <p:spPr>
+          <a:xfrm>
+            <a:off x="457199" y="1600201"/>
+            <a:ext cx="6343827" cy="2885600"/>
+          </a:xfrm>
+        </p:spPr>
+        <p:txBody>
+          <a:bodyPr>
+            <a:normAutofit/>
+          </a:bodyPr>
+          <a:lstStyle/>
+          <a:p>
+            <a:pPr>
+              <a:buNone/>
+            </a:pPr>
+            <a:r>
+              <a:rPr lang="en-US" sz="1400">
+                <a:latin typeface="Courier New"/>
+                <a:cs typeface="Courier New"/>
+              </a:rPr>
+              <a:t>zelig2logit &lt;- </a:t>
+            </a:r>
+            <a:r>
+              <a:rPr lang="en-US" sz="1400">
+                <a:solidFill>
+                  <a:srgbClr val="0000FF"/>
+                </a:solidFill>
+                <a:latin typeface="Courier New"/>
+                <a:cs typeface="Courier New"/>
+              </a:rPr>
+              <a:t>function</a:t>
+            </a:r>
+            <a:r>
+              <a:rPr lang="en-US" sz="1400">
+                <a:latin typeface="Courier New"/>
+                <a:cs typeface="Courier New"/>
+              </a:rPr>
+              <a:t>(formula, weights</a:t>
+            </a:r>
+            <a:r>
+              <a:rPr lang="en-US" sz="1400">
+                <a:solidFill>
+                  <a:schemeClr val="accent1"/>
+                </a:solidFill>
+                <a:latin typeface="Courier New"/>
+                <a:cs typeface="Courier New"/>
+              </a:rPr>
+              <a:t>=</a:t>
+            </a:r>
+            <a:r>
+              <a:rPr lang="en-US" sz="1400">
+                <a:latin typeface="Courier New"/>
+                <a:cs typeface="Courier New"/>
+              </a:rPr>
+              <a:t>NULL, ..., data)   </a:t>
+            </a:r>
+          </a:p>
+          <a:p>
+            <a:pPr>
+              <a:buNone/>
+            </a:pPr>
+            <a:endParaRPr lang="en-US" sz="1400">
+              <a:solidFill>
+                <a:srgbClr val="0000FF"/>
+              </a:solidFill>
+              <a:latin typeface="Courier New"/>
+              <a:cs typeface="Courier New"/>
+            </a:endParaRPr>
+          </a:p>
+          <a:p>
+            <a:pPr>
+              <a:buNone/>
+            </a:pPr>
+            <a:r>
+              <a:rPr lang="en-US" sz="1400">
+                <a:solidFill>
+                  <a:srgbClr val="0000FF"/>
+                </a:solidFill>
+                <a:latin typeface="Courier New"/>
+                <a:cs typeface="Courier New"/>
+              </a:rPr>
+              <a:t>  list</a:t>
+            </a:r>
+            <a:r>
+              <a:rPr lang="en-US" sz="1400">
+                <a:latin typeface="Courier New"/>
+                <a:cs typeface="Courier New"/>
+              </a:rPr>
+              <a:t>(.function </a:t>
+            </a:r>
+            <a:r>
+              <a:rPr lang="en-US" sz="1400">
+                <a:solidFill>
+                  <a:schemeClr val="accent1"/>
+                </a:solidFill>
+                <a:latin typeface="Courier New"/>
+                <a:cs typeface="Courier New"/>
+              </a:rPr>
+              <a:t>=</a:t>
+            </a:r>
+            <a:r>
+              <a:rPr lang="en-US" sz="1400">
+                <a:latin typeface="Courier New"/>
+                <a:cs typeface="Courier New"/>
+              </a:rPr>
+              <a:t> </a:t>
+            </a:r>
+            <a:r>
+              <a:rPr lang="en-US" sz="1400">
+                <a:solidFill>
+                  <a:schemeClr val="accent2"/>
+                </a:solidFill>
+                <a:latin typeface="Courier New"/>
+                <a:cs typeface="Courier New"/>
+              </a:rPr>
+              <a:t>"glm"</a:t>
+            </a:r>
+            <a:r>
+              <a:rPr lang="en-US" sz="1400">
+                <a:latin typeface="Courier New"/>
+                <a:cs typeface="Courier New"/>
+              </a:rPr>
+              <a:t>,</a:t>
+            </a:r>
+          </a:p>
+          <a:p>
+            <a:pPr>
+              <a:buNone/>
+            </a:pPr>
+            <a:endParaRPr lang="en-US" sz="1400">
+              <a:latin typeface="Courier New"/>
+              <a:cs typeface="Courier New"/>
+            </a:endParaRPr>
+          </a:p>
+          <a:p>
+            <a:pPr>
+              <a:buNone/>
+            </a:pPr>
+            <a:r>
+              <a:rPr lang="en-US" sz="1400">
+                <a:latin typeface="Courier New"/>
+                <a:cs typeface="Courier New"/>
+              </a:rPr>
+              <a:t>        formula </a:t>
+            </a:r>
+            <a:r>
+              <a:rPr lang="en-US" sz="1400">
+                <a:solidFill>
+                  <a:schemeClr val="tx2">
+                    <a:lumMod val="40000"/>
+                    <a:lumOff val="60000"/>
+                  </a:schemeClr>
+                </a:solidFill>
+                <a:latin typeface="Courier New"/>
+                <a:cs typeface="Courier New"/>
+              </a:rPr>
+              <a:t>=</a:t>
+            </a:r>
+            <a:r>
+              <a:rPr lang="en-US" sz="1400">
+                <a:latin typeface="Courier New"/>
+                <a:cs typeface="Courier New"/>
+              </a:rPr>
+              <a:t> formula,</a:t>
+            </a:r>
+          </a:p>
+          <a:p>
+            <a:pPr>
+              <a:buNone/>
+            </a:pPr>
+            <a:r>
+              <a:rPr lang="en-US" sz="1400">
+                <a:latin typeface="Courier New"/>
+                <a:cs typeface="Courier New"/>
+              </a:rPr>
+              <a:t>        weights </a:t>
+            </a:r>
+            <a:r>
+              <a:rPr lang="en-US" sz="1400">
+                <a:solidFill>
+                  <a:srgbClr val="8EB4E3"/>
+                </a:solidFill>
+                <a:latin typeface="Courier New"/>
+                <a:cs typeface="Courier New"/>
+              </a:rPr>
+              <a:t>=</a:t>
+            </a:r>
+            <a:r>
+              <a:rPr lang="en-US" sz="1400">
+                <a:latin typeface="Courier New"/>
+                <a:cs typeface="Courier New"/>
+              </a:rPr>
+              <a:t> weights,</a:t>
+            </a:r>
+          </a:p>
+          <a:p>
+            <a:pPr>
+              <a:buNone/>
+            </a:pPr>
+            <a:r>
+              <a:rPr lang="en-US" sz="1400">
+                <a:latin typeface="Courier New"/>
+                <a:cs typeface="Courier New"/>
+              </a:rPr>
+              <a:t>        family  </a:t>
+            </a:r>
+            <a:r>
+              <a:rPr lang="en-US" sz="1400">
+                <a:solidFill>
+                  <a:srgbClr val="8EB4E3"/>
+                </a:solidFill>
+                <a:latin typeface="Courier New"/>
+                <a:cs typeface="Courier New"/>
+              </a:rPr>
+              <a:t>=</a:t>
+            </a:r>
+            <a:r>
+              <a:rPr lang="en-US" sz="1400">
+                <a:latin typeface="Courier New"/>
+                <a:cs typeface="Courier New"/>
+              </a:rPr>
+              <a:t> binomial(link=</a:t>
+            </a:r>
+            <a:r>
+              <a:rPr lang="en-US" sz="1400">
+                <a:solidFill>
+                  <a:srgbClr val="C0504D"/>
+                </a:solidFill>
+                <a:latin typeface="Courier New"/>
+                <a:cs typeface="Courier New"/>
+              </a:rPr>
+              <a:t>"logit"</a:t>
+            </a:r>
+            <a:r>
+              <a:rPr lang="en-US" sz="1400">
+                <a:latin typeface="Courier New"/>
+                <a:cs typeface="Courier New"/>
+              </a:rPr>
+              <a:t>),</a:t>
+            </a:r>
+          </a:p>
+          <a:p>
+            <a:pPr>
+              <a:buNone/>
+            </a:pPr>
+            <a:r>
+              <a:rPr lang="en-US" sz="1400">
+                <a:latin typeface="Courier New"/>
+                <a:cs typeface="Courier New"/>
+              </a:rPr>
+              <a:t>        model   </a:t>
+            </a:r>
+            <a:r>
+              <a:rPr lang="en-US" sz="1400">
+                <a:solidFill>
+                  <a:srgbClr val="8EB4E3"/>
+                </a:solidFill>
+                <a:latin typeface="Courier New"/>
+                <a:cs typeface="Courier New"/>
+              </a:rPr>
+              <a:t>=</a:t>
+            </a:r>
+            <a:r>
+              <a:rPr lang="en-US" sz="1400">
+                <a:latin typeface="Courier New"/>
+                <a:cs typeface="Courier New"/>
+              </a:rPr>
+              <a:t> </a:t>
+            </a:r>
+            <a:r>
+              <a:rPr lang="en-US" sz="1400">
+                <a:solidFill>
+                  <a:schemeClr val="accent2"/>
+                </a:solidFill>
+                <a:latin typeface="Courier New"/>
+                <a:cs typeface="Courier New"/>
+              </a:rPr>
+              <a:t>F</a:t>
+            </a:r>
+            <a:r>
+              <a:rPr lang="en-US" sz="1400">
+                <a:latin typeface="Courier New"/>
+                <a:cs typeface="Courier New"/>
+              </a:rPr>
+              <a:t>,</a:t>
+            </a:r>
+          </a:p>
+          <a:p>
+            <a:pPr>
+              <a:buNone/>
+            </a:pPr>
+            <a:r>
+              <a:rPr lang="en-US" sz="1400">
+                <a:latin typeface="Courier New"/>
+                <a:cs typeface="Courier New"/>
+              </a:rPr>
+              <a:t>        data    </a:t>
+            </a:r>
+            <a:r>
+              <a:rPr lang="en-US" sz="1400">
+                <a:solidFill>
+                  <a:srgbClr val="8EB4E3"/>
+                </a:solidFill>
+                <a:latin typeface="Courier New"/>
+                <a:cs typeface="Courier New"/>
+              </a:rPr>
+              <a:t>=</a:t>
+            </a:r>
+            <a:r>
+              <a:rPr lang="en-US" sz="1400">
+                <a:latin typeface="Courier New"/>
+                <a:cs typeface="Courier New"/>
+              </a:rPr>
+              <a:t> data</a:t>
+            </a:r>
+          </a:p>
+          <a:p>
+            <a:pPr>
+              <a:buNone/>
+            </a:pPr>
+            <a:r>
+              <a:rPr lang="en-US" sz="1400">
+                <a:latin typeface="Courier New"/>
+                <a:cs typeface="Courier New"/>
+              </a:rPr>
+              <a:t>        )</a:t>
+            </a:r>
+          </a:p>
+          <a:p>
+            <a:pPr>
+              <a:buNone/>
+            </a:pPr>
+            <a:endParaRPr lang="en-US" sz="1400">
+              <a:latin typeface="Courier New"/>
+              <a:cs typeface="Courier New"/>
+            </a:endParaRPr>
+          </a:p>
+        </p:txBody>
+      </p:sp>
+      <p:sp>
+        <p:nvSpPr>
+          <p:cNvPr id="4" name="TextBox 3"/>
+          <p:cNvSpPr txBox="1"/>
+          <p:nvPr/>
+        </p:nvSpPr>
+        <p:spPr>
+          <a:xfrm>
+            <a:off x="7293819" y="1600201"/>
+            <a:ext cx="1392981" cy="369332"/>
+          </a:xfrm>
+          <a:prstGeom prst="rect">
+            <a:avLst/>
+          </a:prstGeom>
+        </p:spPr>
+        <p:style>
+          <a:lnRef idx="2">
+            <a:schemeClr val="accent5">
+              <a:shade val="50000"/>
+            </a:schemeClr>
+          </a:lnRef>
+          <a:fillRef idx="1">
+            <a:schemeClr val="accent5"/>
+          </a:fillRef>
+          <a:effectRef idx="0">
+            <a:schemeClr val="accent5"/>
+          </a:effectRef>
+          <a:fontRef idx="minor">
+            <a:schemeClr val="lt1"/>
+          </a:fontRef>
+        </p:style>
+        <p:txBody>
+          <a:bodyPr wrap="square" rtlCol="0">
+            <a:spAutoFit/>
+          </a:bodyPr>
+          <a:lstStyle/>
+          <a:p>
+            <a:pPr algn="ctr"/>
+            <a:r>
+              <a:rPr lang="en-US"/>
+              <a:t>SIGNATURE</a:t>
+            </a:r>
+          </a:p>
+        </p:txBody>
+      </p:sp>
+      <p:sp>
+        <p:nvSpPr>
+          <p:cNvPr id="5" name="TextBox 4"/>
+          <p:cNvSpPr txBox="1"/>
+          <p:nvPr/>
+        </p:nvSpPr>
+        <p:spPr>
+          <a:xfrm>
+            <a:off x="6801026" y="2170570"/>
+            <a:ext cx="1885774" cy="369332"/>
+          </a:xfrm>
+          <a:prstGeom prst="rect">
+            <a:avLst/>
+          </a:prstGeom>
+        </p:spPr>
+        <p:style>
+          <a:lnRef idx="2">
+            <a:schemeClr val="accent5">
+              <a:shade val="50000"/>
+            </a:schemeClr>
+          </a:lnRef>
+          <a:fillRef idx="1">
+            <a:schemeClr val="accent5"/>
+          </a:fillRef>
+          <a:effectRef idx="0">
+            <a:schemeClr val="accent5"/>
+          </a:effectRef>
+          <a:fontRef idx="minor">
+            <a:schemeClr val="lt1"/>
+          </a:fontRef>
+        </p:style>
+        <p:txBody>
+          <a:bodyPr wrap="square" rtlCol="0">
+            <a:spAutoFit/>
+          </a:bodyPr>
+          <a:lstStyle/>
+          <a:p>
+            <a:pPr algn="ctr"/>
+            <a:r>
+              <a:rPr lang="en-US"/>
+              <a:t>EXTERNAL MODEL</a:t>
+            </a:r>
+          </a:p>
+        </p:txBody>
+      </p:sp>
+      <p:sp>
+        <p:nvSpPr>
+          <p:cNvPr id="6" name="TextBox 5"/>
+          <p:cNvSpPr txBox="1"/>
+          <p:nvPr/>
+        </p:nvSpPr>
+        <p:spPr>
+          <a:xfrm>
+            <a:off x="7160666" y="3439572"/>
+            <a:ext cx="1526134" cy="369332"/>
+          </a:xfrm>
+          <a:prstGeom prst="rect">
+            <a:avLst/>
+          </a:prstGeom>
+        </p:spPr>
+        <p:style>
+          <a:lnRef idx="2">
+            <a:schemeClr val="accent5">
+              <a:shade val="50000"/>
+            </a:schemeClr>
+          </a:lnRef>
+          <a:fillRef idx="1">
+            <a:schemeClr val="accent5"/>
+          </a:fillRef>
+          <a:effectRef idx="0">
+            <a:schemeClr val="accent5"/>
+          </a:effectRef>
+          <a:fontRef idx="minor">
+            <a:schemeClr val="lt1"/>
+          </a:fontRef>
+        </p:style>
+        <p:txBody>
+          <a:bodyPr wrap="square" rtlCol="0">
+            <a:spAutoFit/>
+          </a:bodyPr>
+          <a:lstStyle/>
+          <a:p>
+            <a:pPr algn="ctr"/>
+            <a:r>
+              <a:rPr lang="en-US"/>
+              <a:t>PARAMETERS</a:t>
+            </a:r>
+          </a:p>
+        </p:txBody>
+      </p:sp>
+      <p:sp>
+        <p:nvSpPr>
+          <p:cNvPr id="7" name="TextBox 6"/>
+          <p:cNvSpPr txBox="1"/>
+          <p:nvPr/>
+        </p:nvSpPr>
+        <p:spPr>
+          <a:xfrm>
+            <a:off x="457200" y="4648551"/>
+            <a:ext cx="6770303" cy="646331"/>
+          </a:xfrm>
+          <a:prstGeom prst="rect">
+            <a:avLst/>
+          </a:prstGeom>
+          <a:noFill/>
+        </p:spPr>
+        <p:txBody>
+          <a:bodyPr wrap="square" rtlCol="0">
+            <a:spAutoFit/>
+          </a:bodyPr>
+          <a:lstStyle/>
+          <a:p>
+            <a:r>
+              <a:rPr lang="en-US"/>
+              <a:t>Tip: Use the method "args" to determine the parameters that can be submitted to your external model.</a:t>
+            </a:r>
+          </a:p>
+        </p:txBody>
+      </p:sp>
+      <p:cxnSp>
+        <p:nvCxnSpPr>
+          <p:cNvPr id="9" name="Straight Arrow Connector 8"/>
+          <p:cNvCxnSpPr>
+            <a:stCxn id="4" idx="1"/>
+          </p:cNvCxnSpPr>
+          <p:nvPr/>
+        </p:nvCxnSpPr>
+        <p:spPr>
+          <a:xfrm rot="10800000" flipV="1">
+            <a:off x="6801027" y="1784866"/>
+            <a:ext cx="492793" cy="7405"/>
+          </a:xfrm>
+          <a:prstGeom prst="straightConnector1">
+            <a:avLst/>
+          </a:prstGeom>
+          <a:ln>
+            <a:tailEnd type="arrow"/>
+          </a:ln>
+        </p:spPr>
+        <p:style>
+          <a:lnRef idx="2">
+            <a:schemeClr val="accent1"/>
+          </a:lnRef>
+          <a:fillRef idx="0">
+            <a:schemeClr val="accent1"/>
+          </a:fillRef>
+          <a:effectRef idx="1">
+            <a:schemeClr val="accent1"/>
+          </a:effectRef>
+          <a:fontRef idx="minor">
+            <a:schemeClr val="tx1"/>
+          </a:fontRef>
+        </p:style>
+      </p:cxnSp>
+      <p:cxnSp>
+        <p:nvCxnSpPr>
+          <p:cNvPr id="10" name="Straight Arrow Connector 9"/>
+          <p:cNvCxnSpPr/>
+          <p:nvPr/>
+        </p:nvCxnSpPr>
+        <p:spPr>
+          <a:xfrm rot="10800000">
+            <a:off x="3738517" y="2273936"/>
+            <a:ext cx="3062511" cy="1588"/>
+          </a:xfrm>
+          <a:prstGeom prst="straightConnector1">
+            <a:avLst/>
+          </a:prstGeom>
+          <a:ln>
+            <a:tailEnd type="arrow"/>
+          </a:ln>
+        </p:spPr>
+        <p:style>
+          <a:lnRef idx="2">
+            <a:schemeClr val="accent1"/>
+          </a:lnRef>
+          <a:fillRef idx="0">
+            <a:schemeClr val="accent1"/>
+          </a:fillRef>
+          <a:effectRef idx="1">
+            <a:schemeClr val="accent1"/>
+          </a:effectRef>
+          <a:fontRef idx="minor">
+            <a:schemeClr val="tx1"/>
+          </a:fontRef>
+        </p:style>
+      </p:cxnSp>
+      <p:cxnSp>
+        <p:nvCxnSpPr>
+          <p:cNvPr id="11" name="Straight Arrow Connector 10"/>
+          <p:cNvCxnSpPr/>
+          <p:nvPr/>
+        </p:nvCxnSpPr>
+        <p:spPr>
+          <a:xfrm rot="10800000">
+            <a:off x="4988103" y="3624604"/>
+            <a:ext cx="2172565" cy="1588"/>
+          </a:xfrm>
+          <a:prstGeom prst="straightConnector1">
+            <a:avLst/>
+          </a:prstGeom>
+          <a:ln>
+            <a:tailEnd type="arrow"/>
+          </a:ln>
+        </p:spPr>
+        <p:style>
+          <a:lnRef idx="2">
+            <a:schemeClr val="accent1"/>
+          </a:lnRef>
+          <a:fillRef idx="0">
+            <a:schemeClr val="accent1"/>
+          </a:fillRef>
+          <a:effectRef idx="1">
+            <a:schemeClr val="accent1"/>
+          </a:effectRef>
+          <a:fontRef idx="minor">
+            <a:schemeClr val="tx1"/>
+          </a:fontRef>
+        </p:style>
+      </p:cxnSp>
+      <p:sp>
+        <p:nvSpPr>
+          <p:cNvPr id="17" name="TextBox 16"/>
+          <p:cNvSpPr txBox="1"/>
+          <p:nvPr/>
+        </p:nvSpPr>
+        <p:spPr>
+          <a:xfrm>
+            <a:off x="1311047" y="2130238"/>
+            <a:ext cx="2396746" cy="317495"/>
+          </a:xfrm>
+          <a:prstGeom prst="rect">
+            <a:avLst/>
+          </a:prstGeom>
+          <a:noFill/>
+          <a:ln>
+            <a:solidFill>
+              <a:schemeClr val="bg1">
+                <a:lumMod val="65000"/>
+                <a:alpha val="73000"/>
+              </a:schemeClr>
+            </a:solidFill>
+          </a:ln>
+        </p:spPr>
+        <p:style>
+          <a:lnRef idx="2">
+            <a:schemeClr val="accent1"/>
+          </a:lnRef>
+          <a:fillRef idx="1">
+            <a:schemeClr val="lt1"/>
+          </a:fillRef>
+          <a:effectRef idx="0">
+            <a:schemeClr val="accent1"/>
+          </a:effectRef>
+          <a:fontRef idx="minor">
+            <a:schemeClr val="dk1"/>
+          </a:fontRef>
+        </p:style>
+        <p:txBody>
+          <a:bodyPr wrap="square" rtlCol="0">
+            <a:spAutoFit/>
+          </a:bodyPr>
+          <a:lstStyle/>
+          <a:p>
+            <a:endParaRPr lang="en-US"/>
+          </a:p>
+        </p:txBody>
+      </p:sp>
+      <p:sp>
+        <p:nvSpPr>
+          <p:cNvPr id="18" name="TextBox 17"/>
+          <p:cNvSpPr txBox="1"/>
+          <p:nvPr/>
+        </p:nvSpPr>
+        <p:spPr>
+          <a:xfrm>
+            <a:off x="1311047" y="2579649"/>
+            <a:ext cx="3656570" cy="1373590"/>
+          </a:xfrm>
+          <a:prstGeom prst="rect">
+            <a:avLst/>
+          </a:prstGeom>
+          <a:noFill/>
+          <a:ln>
+            <a:solidFill>
+              <a:schemeClr val="bg1">
+                <a:lumMod val="65000"/>
+                <a:alpha val="73000"/>
+              </a:schemeClr>
+            </a:solidFill>
+          </a:ln>
+        </p:spPr>
+        <p:style>
+          <a:lnRef idx="2">
+            <a:schemeClr val="accent1"/>
+          </a:lnRef>
+          <a:fillRef idx="1">
+            <a:schemeClr val="lt1"/>
+          </a:fillRef>
+          <a:effectRef idx="0">
+            <a:schemeClr val="accent1"/>
+          </a:effectRef>
+          <a:fontRef idx="minor">
+            <a:schemeClr val="dk1"/>
+          </a:fontRef>
+        </p:style>
+        <p:txBody>
+          <a:bodyPr wrap="square" rtlCol="0">
+            <a:spAutoFit/>
+          </a:bodyPr>
+          <a:lstStyle/>
+          <a:p>
+            <a:endParaRPr lang="en-US"/>
+          </a:p>
+        </p:txBody>
+      </p:sp>
+      <p:sp>
+        <p:nvSpPr>
+          <p:cNvPr id="19" name="TextBox 18"/>
+          <p:cNvSpPr txBox="1"/>
+          <p:nvPr/>
+        </p:nvSpPr>
+        <p:spPr>
+          <a:xfrm>
+            <a:off x="457199" y="1615876"/>
+            <a:ext cx="6292612" cy="343415"/>
+          </a:xfrm>
+          <a:prstGeom prst="rect">
+            <a:avLst/>
+          </a:prstGeom>
+          <a:noFill/>
+          <a:ln>
+            <a:solidFill>
+              <a:schemeClr val="bg1">
+                <a:lumMod val="65000"/>
+                <a:alpha val="73000"/>
+              </a:schemeClr>
+            </a:solidFill>
+          </a:ln>
+        </p:spPr>
+        <p:style>
+          <a:lnRef idx="2">
+            <a:schemeClr val="accent1"/>
+          </a:lnRef>
+          <a:fillRef idx="1">
+            <a:schemeClr val="lt1"/>
+          </a:fillRef>
+          <a:effectRef idx="0">
+            <a:schemeClr val="accent1"/>
+          </a:effectRef>
+          <a:fontRef idx="minor">
+            <a:schemeClr val="dk1"/>
+          </a:fontRef>
+        </p:style>
+        <p:txBody>
+          <a:bodyPr wrap="square" rtlCol="0">
+            <a:spAutoFit/>
+          </a:bodyPr>
+          <a:lstStyle/>
+          <a:p>
+            <a:endParaRPr lang="en-US"/>
+          </a:p>
+        </p:txBody>
+      </p:sp>
+    </p:spTree>
+  </p:cSld>
+  <p:clrMapOvr>
+    <a:masterClrMapping/>
+  </p:clrMapOvr>
+  <p:timing>
+    <p:tnLst>
+      <p:par>
+        <p:cTn id="1" dur="indefinite" restart="never" nodeType="tmRoot">
+          <p:childTnLst>
+            <p:seq concurrent="1" nextAc="seek">
+              <p:cTn id="2" dur="indefinite" nodeType="mainSeq">
+                <p:childTnLst>
+                  <p:par>
+                    <p:cTn id="3" fill="hold">
+                      <p:stCondLst>
+                        <p:cond delay="indefinite"/>
+                      </p:stCondLst>
+                      <p:childTnLst>
+                        <p:par>
+                          <p:cTn id="4" fill="hold">
+                            <p:stCondLst>
+                              <p:cond delay="0"/>
+                            </p:stCondLst>
+                            <p:childTnLst>
+                              <p:par>
+                                <p:cTn id="5" presetID="1" presetClass="entr" presetSubtype="0" fill="hold" grpId="0" nodeType="clickEffect">
+                                  <p:stCondLst>
+                                    <p:cond delay="0"/>
+                                  </p:stCondLst>
+                                  <p:childTnLst>
+                                    <p:set>
+                                      <p:cBhvr>
+                                        <p:cTn id="6" dur="1" fill="hold">
+                                          <p:stCondLst>
+                                            <p:cond delay="0"/>
+                                          </p:stCondLst>
+                                        </p:cTn>
+                                        <p:tgtEl>
+                                          <p:spTgt spid="19"/>
+                                        </p:tgtEl>
+                                        <p:attrNameLst>
+                                          <p:attrName>style.visibility</p:attrName>
+                                        </p:attrNameLst>
+                                      </p:cBhvr>
+                                      <p:to>
+                                        <p:strVal val="visible"/>
+                                      </p:to>
+                                    </p:set>
+                                  </p:childTnLst>
+                                </p:cTn>
+                              </p:par>
+                              <p:par>
+                                <p:cTn id="7" presetID="1" presetClass="entr" presetSubtype="0" fill="hold" grpId="0" nodeType="withEffect">
+                                  <p:stCondLst>
+                                    <p:cond delay="0"/>
+                                  </p:stCondLst>
+                                  <p:childTnLst>
+                                    <p:set>
+                                      <p:cBhvr>
+                                        <p:cTn id="8" dur="1" fill="hold">
+                                          <p:stCondLst>
+                                            <p:cond delay="0"/>
+                                          </p:stCondLst>
+                                        </p:cTn>
+                                        <p:tgtEl>
+                                          <p:spTgt spid="4"/>
+                                        </p:tgtEl>
+                                        <p:attrNameLst>
+                                          <p:attrName>style.visibility</p:attrName>
+                                        </p:attrNameLst>
+                                      </p:cBhvr>
+                                      <p:to>
+                                        <p:strVal val="visible"/>
+                                      </p:to>
+                                    </p:set>
+                                  </p:childTnLst>
+                                </p:cTn>
+                              </p:par>
+                              <p:par>
+                                <p:cTn id="9" presetID="1" presetClass="entr" presetSubtype="0" fill="hold" nodeType="withEffect">
+                                  <p:stCondLst>
+                                    <p:cond delay="0"/>
+                                  </p:stCondLst>
+                                  <p:childTnLst>
+                                    <p:set>
+                                      <p:cBhvr>
+                                        <p:cTn id="10" dur="1" fill="hold">
+                                          <p:stCondLst>
+                                            <p:cond delay="0"/>
+                                          </p:stCondLst>
+                                        </p:cTn>
+                                        <p:tgtEl>
+                                          <p:spTgt spid="9"/>
+                                        </p:tgtEl>
+                                        <p:attrNameLst>
+                                          <p:attrName>style.visibility</p:attrName>
+                                        </p:attrNameLst>
+                                      </p:cBhvr>
+                                      <p:to>
+                                        <p:strVal val="visible"/>
+                                      </p:to>
+                                    </p:set>
+                                  </p:childTnLst>
+                                </p:cTn>
+                              </p:par>
+                            </p:childTnLst>
+                          </p:cTn>
+                        </p:par>
+                      </p:childTnLst>
+                    </p:cTn>
+                  </p:par>
+                  <p:par>
+                    <p:cTn id="11" fill="hold">
+                      <p:stCondLst>
+                        <p:cond delay="indefinite"/>
+                      </p:stCondLst>
+                      <p:childTnLst>
+                        <p:par>
+                          <p:cTn id="12" fill="hold">
+                            <p:stCondLst>
+                              <p:cond delay="0"/>
+                            </p:stCondLst>
+                            <p:childTnLst>
+                              <p:par>
+                                <p:cTn id="13" presetID="1" presetClass="exit" presetSubtype="0" fill="hold" grpId="1" nodeType="clickEffect">
+                                  <p:stCondLst>
+                                    <p:cond delay="0"/>
+                                  </p:stCondLst>
+                                  <p:childTnLst>
+                                    <p:set>
+                                      <p:cBhvr>
+                                        <p:cTn id="14" dur="1" fill="hold">
+                                          <p:stCondLst>
+                                            <p:cond delay="0"/>
+                                          </p:stCondLst>
+                                        </p:cTn>
+                                        <p:tgtEl>
+                                          <p:spTgt spid="19"/>
+                                        </p:tgtEl>
+                                        <p:attrNameLst>
+                                          <p:attrName>style.visibility</p:attrName>
+                                        </p:attrNameLst>
+                                      </p:cBhvr>
+                                      <p:to>
+                                        <p:strVal val="hidden"/>
+                                      </p:to>
+                                    </p:set>
+                                  </p:childTnLst>
+                                </p:cTn>
+                              </p:par>
+                              <p:par>
+                                <p:cTn id="15" presetID="1" presetClass="exit" presetSubtype="0" fill="hold" grpId="1" nodeType="withEffect">
+                                  <p:stCondLst>
+                                    <p:cond delay="0"/>
+                                  </p:stCondLst>
+                                  <p:childTnLst>
+                                    <p:set>
+                                      <p:cBhvr>
+                                        <p:cTn id="16" dur="1" fill="hold">
+                                          <p:stCondLst>
+                                            <p:cond delay="0"/>
+                                          </p:stCondLst>
+                                        </p:cTn>
+                                        <p:tgtEl>
+                                          <p:spTgt spid="4"/>
+                                        </p:tgtEl>
+                                        <p:attrNameLst>
+                                          <p:attrName>style.visibility</p:attrName>
+                                        </p:attrNameLst>
+                                      </p:cBhvr>
+                                      <p:to>
+                                        <p:strVal val="hidden"/>
+                                      </p:to>
+                                    </p:set>
+                                  </p:childTnLst>
+                                </p:cTn>
+                              </p:par>
+                              <p:par>
+                                <p:cTn id="17" presetID="1" presetClass="exit" presetSubtype="0" fill="hold" nodeType="withEffect">
+                                  <p:stCondLst>
+                                    <p:cond delay="0"/>
+                                  </p:stCondLst>
+                                  <p:childTnLst>
+                                    <p:set>
+                                      <p:cBhvr>
+                                        <p:cTn id="18" dur="1" fill="hold">
+                                          <p:stCondLst>
+                                            <p:cond delay="0"/>
+                                          </p:stCondLst>
+                                        </p:cTn>
+                                        <p:tgtEl>
+                                          <p:spTgt spid="9"/>
+                                        </p:tgtEl>
+                                        <p:attrNameLst>
+                                          <p:attrName>style.visibility</p:attrName>
+                                        </p:attrNameLst>
+                                      </p:cBhvr>
+                                      <p:to>
+                                        <p:strVal val="hidden"/>
+                                      </p:to>
+                                    </p:set>
+                                  </p:childTnLst>
+                                </p:cTn>
+                              </p:par>
+                              <p:par>
+                                <p:cTn id="19" presetID="1" presetClass="entr" presetSubtype="0" fill="hold" grpId="0" nodeType="withEffect">
+                                  <p:stCondLst>
+                                    <p:cond delay="0"/>
+                                  </p:stCondLst>
+                                  <p:childTnLst>
+                                    <p:set>
+                                      <p:cBhvr>
+                                        <p:cTn id="20" dur="1" fill="hold">
+                                          <p:stCondLst>
+                                            <p:cond delay="0"/>
+                                          </p:stCondLst>
+                                        </p:cTn>
+                                        <p:tgtEl>
+                                          <p:spTgt spid="17"/>
+                                        </p:tgtEl>
+                                        <p:attrNameLst>
+                                          <p:attrName>style.visibility</p:attrName>
+                                        </p:attrNameLst>
+                                      </p:cBhvr>
+                                      <p:to>
+                                        <p:strVal val="visible"/>
+                                      </p:to>
+                                    </p:set>
+                                  </p:childTnLst>
+                                </p:cTn>
+                              </p:par>
+                              <p:par>
+                                <p:cTn id="21" presetID="1" presetClass="entr" presetSubtype="0" fill="hold" nodeType="withEffect">
+                                  <p:stCondLst>
+                                    <p:cond delay="0"/>
+                                  </p:stCondLst>
+                                  <p:childTnLst>
+                                    <p:set>
+                                      <p:cBhvr>
+                                        <p:cTn id="22" dur="1" fill="hold">
+                                          <p:stCondLst>
+                                            <p:cond delay="0"/>
+                                          </p:stCondLst>
+                                        </p:cTn>
+                                        <p:tgtEl>
+                                          <p:spTgt spid="10"/>
+                                        </p:tgtEl>
+                                        <p:attrNameLst>
+                                          <p:attrName>style.visibility</p:attrName>
+                                        </p:attrNameLst>
+                                      </p:cBhvr>
+                                      <p:to>
+                                        <p:strVal val="visible"/>
+                                      </p:to>
+                                    </p:set>
+                                  </p:childTnLst>
+                                </p:cTn>
+                              </p:par>
+                              <p:par>
+                                <p:cTn id="23" presetID="1" presetClass="entr" presetSubtype="0" fill="hold" grpId="0" nodeType="withEffect">
+                                  <p:stCondLst>
+                                    <p:cond delay="0"/>
+                                  </p:stCondLst>
+                                  <p:childTnLst>
+                                    <p:set>
+                                      <p:cBhvr>
+                                        <p:cTn id="24" dur="1" fill="hold">
+                                          <p:stCondLst>
+                                            <p:cond delay="0"/>
+                                          </p:stCondLst>
+                                        </p:cTn>
+                                        <p:tgtEl>
+                                          <p:spTgt spid="5"/>
+                                        </p:tgtEl>
+                                        <p:attrNameLst>
+                                          <p:attrName>style.visibility</p:attrName>
+                                        </p:attrNameLst>
+                                      </p:cBhvr>
+                                      <p:to>
+                                        <p:strVal val="visible"/>
+                                      </p:to>
+                                    </p:set>
+                                  </p:childTnLst>
+                                </p:cTn>
+                              </p:par>
+                            </p:childTnLst>
+                          </p:cTn>
+                        </p:par>
+                      </p:childTnLst>
+                    </p:cTn>
+                  </p:par>
+                  <p:par>
+                    <p:cTn id="25" fill="hold">
+                      <p:stCondLst>
+                        <p:cond delay="indefinite"/>
+                      </p:stCondLst>
+                      <p:childTnLst>
+                        <p:par>
+                          <p:cTn id="26" fill="hold">
+                            <p:stCondLst>
+                              <p:cond delay="0"/>
+                            </p:stCondLst>
+                            <p:childTnLst>
+                              <p:par>
+                                <p:cTn id="27" presetID="1" presetClass="exit" presetSubtype="0" fill="hold" grpId="1" nodeType="clickEffect">
+                                  <p:stCondLst>
+                                    <p:cond delay="0"/>
+                                  </p:stCondLst>
+                                  <p:childTnLst>
+                                    <p:set>
+                                      <p:cBhvr>
+                                        <p:cTn id="28" dur="1" fill="hold">
+                                          <p:stCondLst>
+                                            <p:cond delay="0"/>
+                                          </p:stCondLst>
+                                        </p:cTn>
+                                        <p:tgtEl>
+                                          <p:spTgt spid="17"/>
+                                        </p:tgtEl>
+                                        <p:attrNameLst>
+                                          <p:attrName>style.visibility</p:attrName>
+                                        </p:attrNameLst>
+                                      </p:cBhvr>
+                                      <p:to>
+                                        <p:strVal val="hidden"/>
+                                      </p:to>
+                                    </p:set>
+                                  </p:childTnLst>
+                                </p:cTn>
+                              </p:par>
+                              <p:par>
+                                <p:cTn id="29" presetID="1" presetClass="exit" presetSubtype="0" fill="hold" nodeType="withEffect">
+                                  <p:stCondLst>
+                                    <p:cond delay="0"/>
+                                  </p:stCondLst>
+                                  <p:childTnLst>
+                                    <p:set>
+                                      <p:cBhvr>
+                                        <p:cTn id="30" dur="1" fill="hold">
+                                          <p:stCondLst>
+                                            <p:cond delay="0"/>
+                                          </p:stCondLst>
+                                        </p:cTn>
+                                        <p:tgtEl>
+                                          <p:spTgt spid="10"/>
+                                        </p:tgtEl>
+                                        <p:attrNameLst>
+                                          <p:attrName>style.visibility</p:attrName>
+                                        </p:attrNameLst>
+                                      </p:cBhvr>
+                                      <p:to>
+                                        <p:strVal val="hidden"/>
+                                      </p:to>
+                                    </p:set>
+                                  </p:childTnLst>
+                                </p:cTn>
+                              </p:par>
+                              <p:par>
+                                <p:cTn id="31" presetID="1" presetClass="exit" presetSubtype="0" fill="hold" grpId="1" nodeType="withEffect">
+                                  <p:stCondLst>
+                                    <p:cond delay="0"/>
+                                  </p:stCondLst>
+                                  <p:childTnLst>
+                                    <p:set>
+                                      <p:cBhvr>
+                                        <p:cTn id="32" dur="1" fill="hold">
+                                          <p:stCondLst>
+                                            <p:cond delay="0"/>
+                                          </p:stCondLst>
+                                        </p:cTn>
+                                        <p:tgtEl>
+                                          <p:spTgt spid="5"/>
+                                        </p:tgtEl>
+                                        <p:attrNameLst>
+                                          <p:attrName>style.visibility</p:attrName>
+                                        </p:attrNameLst>
+                                      </p:cBhvr>
+                                      <p:to>
+                                        <p:strVal val="hidden"/>
+                                      </p:to>
+                                    </p:set>
+                                  </p:childTnLst>
+                                </p:cTn>
+                              </p:par>
+                              <p:par>
+                                <p:cTn id="33" presetID="1" presetClass="entr" presetSubtype="0" fill="hold" grpId="0" nodeType="withEffect">
+                                  <p:stCondLst>
+                                    <p:cond delay="0"/>
+                                  </p:stCondLst>
+                                  <p:childTnLst>
+                                    <p:set>
+                                      <p:cBhvr>
+                                        <p:cTn id="34" dur="1" fill="hold">
+                                          <p:stCondLst>
+                                            <p:cond delay="0"/>
+                                          </p:stCondLst>
+                                        </p:cTn>
+                                        <p:tgtEl>
+                                          <p:spTgt spid="6"/>
+                                        </p:tgtEl>
+                                        <p:attrNameLst>
+                                          <p:attrName>style.visibility</p:attrName>
+                                        </p:attrNameLst>
+                                      </p:cBhvr>
+                                      <p:to>
+                                        <p:strVal val="visible"/>
+                                      </p:to>
+                                    </p:set>
+                                  </p:childTnLst>
+                                </p:cTn>
+                              </p:par>
+                              <p:par>
+                                <p:cTn id="35" presetID="1" presetClass="entr" presetSubtype="0" fill="hold" grpId="0" nodeType="withEffect">
+                                  <p:stCondLst>
+                                    <p:cond delay="0"/>
+                                  </p:stCondLst>
+                                  <p:childTnLst>
+                                    <p:set>
+                                      <p:cBhvr>
+                                        <p:cTn id="36" dur="1" fill="hold">
+                                          <p:stCondLst>
+                                            <p:cond delay="0"/>
+                                          </p:stCondLst>
+                                        </p:cTn>
+                                        <p:tgtEl>
+                                          <p:spTgt spid="18"/>
+                                        </p:tgtEl>
+                                        <p:attrNameLst>
+                                          <p:attrName>style.visibility</p:attrName>
+                                        </p:attrNameLst>
+                                      </p:cBhvr>
+                                      <p:to>
+                                        <p:strVal val="visible"/>
+                                      </p:to>
+                                    </p:set>
+                                  </p:childTnLst>
+                                </p:cTn>
+                              </p:par>
+                              <p:par>
+                                <p:cTn id="37" presetID="1" presetClass="entr" presetSubtype="0" fill="hold" nodeType="withEffect">
+                                  <p:stCondLst>
+                                    <p:cond delay="0"/>
+                                  </p:stCondLst>
+                                  <p:childTnLst>
+                                    <p:set>
+                                      <p:cBhvr>
+                                        <p:cTn id="38" dur="1" fill="hold">
+                                          <p:stCondLst>
+                                            <p:cond delay="0"/>
+                                          </p:stCondLst>
+                                        </p:cTn>
+                                        <p:tgtEl>
+                                          <p:spTgt spid="11"/>
+                                        </p:tgtEl>
+                                        <p:attrNameLst>
+                                          <p:attrName>style.visibility</p:attrName>
+                                        </p:attrNameLst>
+                                      </p:cBhvr>
+                                      <p:to>
+                                        <p:strVal val="visible"/>
+                                      </p:to>
+                                    </p:set>
+                                  </p:childTnLst>
+                                </p:cTn>
+                              </p:par>
+                            </p:childTnLst>
+                          </p:cTn>
+                        </p:par>
+                      </p:childTnLst>
+                    </p:cTn>
+                  </p:par>
+                  <p:par>
+                    <p:cTn id="39" fill="hold">
+                      <p:stCondLst>
+                        <p:cond delay="indefinite"/>
+                      </p:stCondLst>
+                      <p:childTnLst>
+                        <p:par>
+                          <p:cTn id="40" fill="hold">
+                            <p:stCondLst>
+                              <p:cond delay="0"/>
+                            </p:stCondLst>
+                            <p:childTnLst>
+                              <p:par>
+                                <p:cTn id="41" presetID="1" presetClass="exit" presetSubtype="0" fill="hold" grpId="0" nodeType="clickEffect">
+                                  <p:stCondLst>
+                                    <p:cond delay="0"/>
+                                  </p:stCondLst>
+                                  <p:childTnLst>
+                                    <p:set>
+                                      <p:cBhvr>
+                                        <p:cTn id="42" dur="1" fill="hold">
+                                          <p:stCondLst>
+                                            <p:cond delay="0"/>
+                                          </p:stCondLst>
+                                        </p:cTn>
+                                        <p:tgtEl>
+                                          <p:spTgt spid="6"/>
+                                        </p:tgtEl>
+                                        <p:attrNameLst>
+                                          <p:attrName>style.visibility</p:attrName>
+                                        </p:attrNameLst>
+                                      </p:cBhvr>
+                                      <p:to>
+                                        <p:strVal val="hidden"/>
+                                      </p:to>
+                                    </p:set>
+                                  </p:childTnLst>
+                                </p:cTn>
+                              </p:par>
+                              <p:par>
+                                <p:cTn id="43" presetID="1" presetClass="exit" presetSubtype="0" fill="hold" grpId="0" nodeType="withEffect">
+                                  <p:stCondLst>
+                                    <p:cond delay="0"/>
+                                  </p:stCondLst>
+                                  <p:childTnLst>
+                                    <p:set>
+                                      <p:cBhvr>
+                                        <p:cTn id="44" dur="1" fill="hold">
+                                          <p:stCondLst>
+                                            <p:cond delay="0"/>
+                                          </p:stCondLst>
+                                        </p:cTn>
+                                        <p:tgtEl>
+                                          <p:spTgt spid="18"/>
+                                        </p:tgtEl>
+                                        <p:attrNameLst>
+                                          <p:attrName>style.visibility</p:attrName>
+                                        </p:attrNameLst>
+                                      </p:cBhvr>
+                                      <p:to>
+                                        <p:strVal val="hidden"/>
+                                      </p:to>
+                                    </p:set>
+                                  </p:childTnLst>
+                                </p:cTn>
+                              </p:par>
+                              <p:par>
+                                <p:cTn id="45" presetID="1" presetClass="exit" presetSubtype="0" fill="hold" nodeType="withEffect">
+                                  <p:stCondLst>
+                                    <p:cond delay="0"/>
+                                  </p:stCondLst>
+                                  <p:childTnLst>
+                                    <p:set>
+                                      <p:cBhvr>
+                                        <p:cTn id="46" dur="1" fill="hold">
+                                          <p:stCondLst>
+                                            <p:cond delay="0"/>
+                                          </p:stCondLst>
+                                        </p:cTn>
+                                        <p:tgtEl>
+                                          <p:spTgt spid="11"/>
+                                        </p:tgtEl>
+                                        <p:attrNameLst>
+                                          <p:attrName>style.visibility</p:attrName>
+                                        </p:attrNameLst>
+                                      </p:cBhvr>
+                                      <p:to>
+                                        <p:strVal val="hidden"/>
+                                      </p:to>
+                                    </p:set>
+                                  </p:childTnLst>
+                                </p:cTn>
+                              </p:par>
+                              <p:par>
+                                <p:cTn id="47" presetID="1" presetClass="entr" presetSubtype="0" fill="hold" grpId="0" nodeType="withEffect">
+                                  <p:stCondLst>
+                                    <p:cond delay="0"/>
+                                  </p:stCondLst>
+                                  <p:childTnLst>
+                                    <p:set>
+                                      <p:cBhvr>
+                                        <p:cTn id="48" dur="1" fill="hold">
+                                          <p:stCondLst>
+                                            <p:cond delay="0"/>
+                                          </p:stCondLst>
+                                        </p:cTn>
+                                        <p:tgtEl>
+                                          <p:spTgt spid="7"/>
+                                        </p:tgtEl>
+                                        <p:attrNameLst>
+                                          <p:attrName>style.visibility</p:attrName>
+                                        </p:attrNameLst>
+                                      </p:cBhvr>
+                                      <p:to>
+                                        <p:strVal val="visible"/>
+                                      </p:to>
+                                    </p:set>
+                                  </p:childTnLst>
+                                </p:cTn>
+                              </p:par>
+                            </p:childTnLst>
+                          </p:cTn>
+                        </p:par>
+                      </p:childTnLst>
+                    </p:cTn>
+                  </p:par>
+                  <p:par>
+                    <p:cTn id="49" fill="hold">
+                      <p:stCondLst>
+                        <p:cond delay="indefinite"/>
+                      </p:stCondLst>
+                      <p:childTnLst>
+                        <p:par>
+                          <p:cTn id="50" fill="hold">
+                            <p:stCondLst>
+                              <p:cond delay="0"/>
+                            </p:stCondLst>
+                            <p:childTnLst>
+                              <p:par>
+                                <p:cTn id="51" presetID="1" presetClass="entr" presetSubtype="0" fill="hold" grpId="2" nodeType="clickEffect">
+                                  <p:stCondLst>
+                                    <p:cond delay="0"/>
+                                  </p:stCondLst>
+                                  <p:childTnLst>
+                                    <p:set>
+                                      <p:cBhvr>
+                                        <p:cTn id="52" dur="1" fill="hold">
+                                          <p:stCondLst>
+                                            <p:cond delay="0"/>
+                                          </p:stCondLst>
+                                        </p:cTn>
+                                        <p:tgtEl>
+                                          <p:spTgt spid="19"/>
+                                        </p:tgtEl>
+                                        <p:attrNameLst>
+                                          <p:attrName>style.visibility</p:attrName>
+                                        </p:attrNameLst>
+                                      </p:cBhvr>
+                                      <p:to>
+                                        <p:strVal val="visible"/>
+                                      </p:to>
+                                    </p:set>
+                                  </p:childTnLst>
+                                </p:cTn>
+                              </p:par>
+                              <p:par>
+                                <p:cTn id="53" presetID="1" presetClass="entr" presetSubtype="0" fill="hold" grpId="2" nodeType="withEffect">
+                                  <p:stCondLst>
+                                    <p:cond delay="0"/>
+                                  </p:stCondLst>
+                                  <p:childTnLst>
+                                    <p:set>
+                                      <p:cBhvr>
+                                        <p:cTn id="54" dur="1" fill="hold">
+                                          <p:stCondLst>
+                                            <p:cond delay="0"/>
+                                          </p:stCondLst>
+                                        </p:cTn>
+                                        <p:tgtEl>
+                                          <p:spTgt spid="17"/>
+                                        </p:tgtEl>
+                                        <p:attrNameLst>
+                                          <p:attrName>style.visibility</p:attrName>
+                                        </p:attrNameLst>
+                                      </p:cBhvr>
+                                      <p:to>
+                                        <p:strVal val="visible"/>
+                                      </p:to>
+                                    </p:set>
+                                  </p:childTnLst>
+                                </p:cTn>
+                              </p:par>
+                              <p:par>
+                                <p:cTn id="55" presetID="1" presetClass="entr" presetSubtype="0" fill="hold" grpId="1" nodeType="withEffect">
+                                  <p:stCondLst>
+                                    <p:cond delay="0"/>
+                                  </p:stCondLst>
+                                  <p:childTnLst>
+                                    <p:set>
+                                      <p:cBhvr>
+                                        <p:cTn id="56" dur="1" fill="hold">
+                                          <p:stCondLst>
+                                            <p:cond delay="0"/>
+                                          </p:stCondLst>
+                                        </p:cTn>
+                                        <p:tgtEl>
+                                          <p:spTgt spid="6"/>
+                                        </p:tgtEl>
+                                        <p:attrNameLst>
+                                          <p:attrName>style.visibility</p:attrName>
+                                        </p:attrNameLst>
+                                      </p:cBhvr>
+                                      <p:to>
+                                        <p:strVal val="visible"/>
+                                      </p:to>
+                                    </p:set>
+                                  </p:childTnLst>
+                                </p:cTn>
+                              </p:par>
+                              <p:par>
+                                <p:cTn id="57" presetID="1" presetClass="entr" presetSubtype="0" fill="hold" grpId="2" nodeType="withEffect">
+                                  <p:stCondLst>
+                                    <p:cond delay="0"/>
+                                  </p:stCondLst>
+                                  <p:childTnLst>
+                                    <p:set>
+                                      <p:cBhvr>
+                                        <p:cTn id="58" dur="1" fill="hold">
+                                          <p:stCondLst>
+                                            <p:cond delay="0"/>
+                                          </p:stCondLst>
+                                        </p:cTn>
+                                        <p:tgtEl>
+                                          <p:spTgt spid="4"/>
+                                        </p:tgtEl>
+                                        <p:attrNameLst>
+                                          <p:attrName>style.visibility</p:attrName>
+                                        </p:attrNameLst>
+                                      </p:cBhvr>
+                                      <p:to>
+                                        <p:strVal val="visible"/>
+                                      </p:to>
+                                    </p:set>
+                                  </p:childTnLst>
+                                </p:cTn>
+                              </p:par>
+                              <p:par>
+                                <p:cTn id="59" presetID="1" presetClass="entr" presetSubtype="0" fill="hold" nodeType="withEffect">
+                                  <p:stCondLst>
+                                    <p:cond delay="0"/>
+                                  </p:stCondLst>
+                                  <p:childTnLst>
+                                    <p:set>
+                                      <p:cBhvr>
+                                        <p:cTn id="60" dur="1" fill="hold">
+                                          <p:stCondLst>
+                                            <p:cond delay="0"/>
+                                          </p:stCondLst>
+                                        </p:cTn>
+                                        <p:tgtEl>
+                                          <p:spTgt spid="10"/>
+                                        </p:tgtEl>
+                                        <p:attrNameLst>
+                                          <p:attrName>style.visibility</p:attrName>
+                                        </p:attrNameLst>
+                                      </p:cBhvr>
+                                      <p:to>
+                                        <p:strVal val="visible"/>
+                                      </p:to>
+                                    </p:set>
+                                  </p:childTnLst>
+                                </p:cTn>
+                              </p:par>
+                              <p:par>
+                                <p:cTn id="61" presetID="1" presetClass="entr" presetSubtype="0" fill="hold" grpId="1" nodeType="withEffect">
+                                  <p:stCondLst>
+                                    <p:cond delay="0"/>
+                                  </p:stCondLst>
+                                  <p:childTnLst>
+                                    <p:set>
+                                      <p:cBhvr>
+                                        <p:cTn id="62" dur="1" fill="hold">
+                                          <p:stCondLst>
+                                            <p:cond delay="0"/>
+                                          </p:stCondLst>
+                                        </p:cTn>
+                                        <p:tgtEl>
+                                          <p:spTgt spid="18"/>
+                                        </p:tgtEl>
+                                        <p:attrNameLst>
+                                          <p:attrName>style.visibility</p:attrName>
+                                        </p:attrNameLst>
+                                      </p:cBhvr>
+                                      <p:to>
+                                        <p:strVal val="visible"/>
+                                      </p:to>
+                                    </p:set>
+                                  </p:childTnLst>
+                                </p:cTn>
+                              </p:par>
+                              <p:par>
+                                <p:cTn id="63" presetID="1" presetClass="entr" presetSubtype="0" fill="hold" nodeType="withEffect">
+                                  <p:stCondLst>
+                                    <p:cond delay="0"/>
+                                  </p:stCondLst>
+                                  <p:childTnLst>
+                                    <p:set>
+                                      <p:cBhvr>
+                                        <p:cTn id="64" dur="1" fill="hold">
+                                          <p:stCondLst>
+                                            <p:cond delay="0"/>
+                                          </p:stCondLst>
+                                        </p:cTn>
+                                        <p:tgtEl>
+                                          <p:spTgt spid="9"/>
+                                        </p:tgtEl>
+                                        <p:attrNameLst>
+                                          <p:attrName>style.visibility</p:attrName>
+                                        </p:attrNameLst>
+                                      </p:cBhvr>
+                                      <p:to>
+                                        <p:strVal val="visible"/>
+                                      </p:to>
+                                    </p:set>
+                                  </p:childTnLst>
+                                </p:cTn>
+                              </p:par>
+                              <p:par>
+                                <p:cTn id="65" presetID="1" presetClass="entr" presetSubtype="0" fill="hold" grpId="2" nodeType="withEffect">
+                                  <p:stCondLst>
+                                    <p:cond delay="0"/>
+                                  </p:stCondLst>
+                                  <p:childTnLst>
+                                    <p:set>
+                                      <p:cBhvr>
+                                        <p:cTn id="66" dur="1" fill="hold">
+                                          <p:stCondLst>
+                                            <p:cond delay="0"/>
+                                          </p:stCondLst>
+                                        </p:cTn>
+                                        <p:tgtEl>
+                                          <p:spTgt spid="5"/>
+                                        </p:tgtEl>
+                                        <p:attrNameLst>
+                                          <p:attrName>style.visibility</p:attrName>
+                                        </p:attrNameLst>
+                                      </p:cBhvr>
+                                      <p:to>
+                                        <p:strVal val="visible"/>
+                                      </p:to>
+                                    </p:set>
+                                  </p:childTnLst>
+                                </p:cTn>
+                              </p:par>
+                              <p:par>
+                                <p:cTn id="67" presetID="1" presetClass="entr" presetSubtype="0" fill="hold" nodeType="withEffect">
+                                  <p:stCondLst>
+                                    <p:cond delay="0"/>
+                                  </p:stCondLst>
+                                  <p:childTnLst>
+                                    <p:set>
+                                      <p:cBhvr>
+                                        <p:cTn id="68" dur="1" fill="hold">
+                                          <p:stCondLst>
+                                            <p:cond delay="0"/>
+                                          </p:stCondLst>
+                                        </p:cTn>
+                                        <p:tgtEl>
+                                          <p:spTgt spid="11"/>
+                                        </p:tgtEl>
+                                        <p:attrNameLst>
+                                          <p:attrName>style.visibility</p:attrName>
+                                        </p:attrNameLst>
+                                      </p:cBhvr>
+                                      <p:to>
+                                        <p:strVal val="visible"/>
+                                      </p:to>
+                                    </p:set>
+                                  </p:childTnLst>
+                                </p:cTn>
+                              </p:par>
+                            </p:childTnLst>
+                          </p:cTn>
+                        </p:par>
+                      </p:childTnLst>
+                    </p:cTn>
+                  </p:par>
+                </p:childTnLst>
+              </p:cTn>
+              <p:prevCondLst>
+                <p:cond evt="onPrev" delay="0">
+                  <p:tgtEl>
+                    <p:sldTgt/>
+                  </p:tgtEl>
+                </p:cond>
+              </p:prevCondLst>
+              <p:nextCondLst>
+                <p:cond evt="onNext" delay="0">
+                  <p:tgtEl>
+                    <p:sldTgt/>
+                  </p:tgtEl>
+                </p:cond>
+              </p:nextCondLst>
+            </p:seq>
+          </p:childTnLst>
+        </p:cTn>
+      </p:par>
+    </p:tnLst>
+    <p:bldLst>
+      <p:bldP spid="4" grpId="0" animBg="1"/>
+      <p:bldP spid="4" grpId="1" animBg="1"/>
+      <p:bldP spid="4" grpId="2" animBg="1"/>
+      <p:bldP spid="5" grpId="0" animBg="1"/>
+      <p:bldP spid="5" grpId="1" animBg="1"/>
+      <p:bldP spid="5" grpId="2" animBg="1"/>
+      <p:bldP spid="6" grpId="0" animBg="1"/>
+      <p:bldP spid="6" grpId="1" animBg="1"/>
+      <p:bldP spid="7" grpId="0"/>
+      <p:bldP spid="17" grpId="0" animBg="1"/>
+      <p:bldP spid="17" grpId="1" animBg="1"/>
+      <p:bldP spid="17" grpId="2" animBg="1"/>
+      <p:bldP spid="18" grpId="0" animBg="1"/>
+      <p:bldP spid="18" grpId="1" animBg="1"/>
+      <p:bldP spid="19" grpId="0" animBg="1"/>
+      <p:bldP spid="19" grpId="1" animBg="1"/>
+      <p:bldP spid="19" grpId="2" animBg="1"/>
+    </p:bldLst>
+  </p:timing>
 </p:sld>
 </file>
 
@@ -5350,12 +7735,12 @@
       </p:grpSpPr>
       <p:sp>
         <p:nvSpPr>
-          <p:cNvPr id="6" name="Title 5"/>
-          <p:cNvSpPr>
-            <a:spLocks noGrp="1"/>
-          </p:cNvSpPr>
-          <p:nvPr>
-            <p:ph type="ctrTitle"/>
+          <p:cNvPr id="2" name="Title 1"/>
+          <p:cNvSpPr>
+            <a:spLocks noGrp="1"/>
+          </p:cNvSpPr>
+          <p:nvPr>
+            <p:ph type="title"/>
           </p:nvPr>
         </p:nvSpPr>
         <p:spPr/>
@@ -5365,19 +7750,19 @@
           <a:p>
             <a:r>
               <a:rPr lang="en-US"/>
-              <a:t>Introduction</a:t>
-            </a:r>
-          </a:p>
-        </p:txBody>
-      </p:sp>
-      <p:sp>
-        <p:nvSpPr>
-          <p:cNvPr id="7" name="Subtitle 6"/>
-          <p:cNvSpPr>
-            <a:spLocks noGrp="1"/>
-          </p:cNvSpPr>
-          <p:nvPr>
-            <p:ph type="subTitle" idx="1"/>
+              <a:t>Outline</a:t>
+            </a:r>
+          </a:p>
+        </p:txBody>
+      </p:sp>
+      <p:sp>
+        <p:nvSpPr>
+          <p:cNvPr id="3" name="Content Placeholder 2"/>
+          <p:cNvSpPr>
+            <a:spLocks noGrp="1"/>
+          </p:cNvSpPr>
+          <p:nvPr>
+            <p:ph idx="1"/>
           </p:nvPr>
         </p:nvSpPr>
         <p:spPr/>
@@ -5385,6 +7770,55 @@
           <a:bodyPr/>
           <a:lstStyle/>
           <a:p>
+            <a:r>
+              <a:rPr lang="en-US"/>
+              <a:t>What is a statistical package</a:t>
+            </a:r>
+          </a:p>
+          <a:p>
+            <a:r>
+              <a:rPr lang="en-US"/>
+              <a:t>Creating a statistical package</a:t>
+            </a:r>
+          </a:p>
+          <a:p>
+            <a:r>
+              <a:rPr lang="en-US"/>
+              <a:t>Model fitting functions</a:t>
+            </a:r>
+          </a:p>
+          <a:p>
+            <a:r>
+              <a:rPr lang="en-US"/>
+              <a:t>Writing the zelig2 function</a:t>
+            </a:r>
+          </a:p>
+          <a:p>
+            <a:r>
+              <a:rPr lang="en-US"/>
+              <a:t>Looking adhead</a:t>
+            </a:r>
+          </a:p>
+          <a:p>
+            <a:pPr lvl="1"/>
+            <a:r>
+              <a:rPr lang="en-US"/>
+              <a:t>Design (a.k.a. model) matrices</a:t>
+            </a:r>
+          </a:p>
+          <a:p>
+            <a:pPr lvl="1"/>
+            <a:r>
+              <a:rPr lang="en-US"/>
+              <a:t>Counterfactuals and interaction terms</a:t>
+            </a:r>
+          </a:p>
+          <a:p>
+            <a:pPr lvl="1"/>
+            <a:endParaRPr lang="en-US"/>
+          </a:p>
+          <a:p>
+            <a:pPr lvl="1"/>
             <a:endParaRPr lang="en-US"/>
           </a:p>
         </p:txBody>
@@ -5394,6 +7828,13 @@
   <p:clrMapOvr>
     <a:masterClrMapping/>
   </p:clrMapOvr>
+  <p:timing>
+    <p:tnLst>
+      <p:par>
+        <p:cTn id="1" dur="indefinite" restart="never" nodeType="tmRoot"/>
+      </p:par>
+    </p:tnLst>
+  </p:timing>
 </p:sld>
 </file>
 
@@ -5416,12 +7857,12 @@
       </p:grpSpPr>
       <p:sp>
         <p:nvSpPr>
-          <p:cNvPr id="2" name="Title 1"/>
-          <p:cNvSpPr>
-            <a:spLocks noGrp="1"/>
-          </p:cNvSpPr>
-          <p:nvPr>
-            <p:ph type="title"/>
+          <p:cNvPr id="6" name="Title 5"/>
+          <p:cNvSpPr>
+            <a:spLocks noGrp="1"/>
+          </p:cNvSpPr>
+          <p:nvPr>
+            <p:ph type="ctrTitle"/>
           </p:nvPr>
         </p:nvSpPr>
         <p:spPr/>
@@ -5431,86 +7872,27 @@
           <a:p>
             <a:r>
               <a:rPr lang="en-US"/>
-              <a:t>What is linear regression?</a:t>
-            </a:r>
-          </a:p>
-        </p:txBody>
-      </p:sp>
-      <p:sp>
-        <p:nvSpPr>
-          <p:cNvPr id="3" name="Content Placeholder 2"/>
-          <p:cNvSpPr>
-            <a:spLocks noGrp="1"/>
-          </p:cNvSpPr>
-          <p:nvPr>
-            <p:ph idx="1"/>
+              <a:t>Introduction</a:t>
+            </a:r>
+          </a:p>
+        </p:txBody>
+      </p:sp>
+      <p:sp>
+        <p:nvSpPr>
+          <p:cNvPr id="7" name="Subtitle 6"/>
+          <p:cNvSpPr>
+            <a:spLocks noGrp="1"/>
+          </p:cNvSpPr>
+          <p:nvPr>
+            <p:ph type="subTitle" idx="1"/>
           </p:nvPr>
         </p:nvSpPr>
         <p:spPr/>
         <p:txBody>
-          <a:bodyPr>
-            <a:normAutofit lnSpcReduction="10000"/>
-          </a:bodyPr>
-          <a:lstStyle/>
-          <a:p>
-            <a:r>
-              <a:rPr lang="en-US"/>
-              <a:t>A method for </a:t>
-            </a:r>
-            <a:r>
-              <a:rPr lang="en-US" b="1"/>
-              <a:t>explaining</a:t>
-            </a:r>
-            <a:r>
-              <a:rPr lang="en-US"/>
-              <a:t> and </a:t>
-            </a:r>
-            <a:r>
-              <a:rPr lang="en-US" b="1"/>
-              <a:t>predicting</a:t>
-            </a:r>
-            <a:r>
-              <a:rPr lang="en-US"/>
-              <a:t> observations using data</a:t>
-            </a:r>
-          </a:p>
-          <a:p>
-            <a:r>
-              <a:rPr lang="en-US"/>
-              <a:t>A method for determining </a:t>
-            </a:r>
-            <a:r>
-              <a:rPr lang="en-US" b="1"/>
-              <a:t>unknown parameters</a:t>
-            </a:r>
-            <a:r>
-              <a:rPr lang="en-US"/>
-              <a:t> derived from a data set</a:t>
-            </a:r>
-          </a:p>
-          <a:p>
-            <a:pPr lvl="1"/>
-            <a:r>
-              <a:rPr lang="en-US"/>
-              <a:t>How dependent is my response variable on a particular parameter?</a:t>
-            </a:r>
-          </a:p>
-          <a:p>
-            <a:r>
-              <a:rPr lang="en-US"/>
-              <a:t>Specifically, a method for determining </a:t>
-            </a:r>
-            <a:r>
-              <a:rPr lang="en-US" b="1"/>
-              <a:t>conditional expected values</a:t>
-            </a:r>
-          </a:p>
-          <a:p>
-            <a:pPr lvl="1"/>
-            <a:r>
-              <a:rPr lang="en-US"/>
-              <a:t>"Given x and y, the expected value is…"</a:t>
-            </a:r>
+          <a:bodyPr/>
+          <a:lstStyle/>
+          <a:p>
+            <a:endParaRPr lang="en-US"/>
           </a:p>
         </p:txBody>
       </p:sp>
@@ -5556,30 +7938,89 @@
           <a:p>
             <a:r>
               <a:rPr lang="en-US"/>
-              <a:t>Example: Data</a:t>
-            </a:r>
-          </a:p>
-        </p:txBody>
-      </p:sp>
-      <p:pic>
-        <p:nvPicPr>
-          <p:cNvPr id="6" name="Content Placeholder 5" descr="Linear_Data.png"/>
-          <p:cNvPicPr>
-            <a:picLocks noGrp="1" noChangeAspect="1"/>
-          </p:cNvPicPr>
+              <a:t>What is linear regression?</a:t>
+            </a:r>
+          </a:p>
+        </p:txBody>
+      </p:sp>
+      <p:sp>
+        <p:nvSpPr>
+          <p:cNvPr id="3" name="Content Placeholder 2"/>
+          <p:cNvSpPr>
+            <a:spLocks noGrp="1"/>
+          </p:cNvSpPr>
           <p:nvPr>
             <p:ph idx="1"/>
           </p:nvPr>
-        </p:nvPicPr>
-        <p:blipFill>
-          <a:blip r:embed="rId2"/>
-          <a:srcRect l="-40915" r="-40915"/>
-          <a:stretch>
-            <a:fillRect/>
-          </a:stretch>
-        </p:blipFill>
+        </p:nvSpPr>
         <p:spPr/>
-      </p:pic>
+        <p:txBody>
+          <a:bodyPr>
+            <a:normAutofit lnSpcReduction="10000"/>
+          </a:bodyPr>
+          <a:lstStyle/>
+          <a:p>
+            <a:r>
+              <a:rPr lang="en-US"/>
+              <a:t>A method for </a:t>
+            </a:r>
+            <a:r>
+              <a:rPr lang="en-US" b="1"/>
+              <a:t>explaining</a:t>
+            </a:r>
+            <a:r>
+              <a:rPr lang="en-US"/>
+              <a:t> and </a:t>
+            </a:r>
+            <a:r>
+              <a:rPr lang="en-US" b="1"/>
+              <a:t>predicting</a:t>
+            </a:r>
+            <a:r>
+              <a:rPr lang="en-US"/>
+              <a:t> observations using data</a:t>
+            </a:r>
+          </a:p>
+          <a:p>
+            <a:r>
+              <a:rPr lang="en-US"/>
+              <a:t>A method for determining </a:t>
+            </a:r>
+            <a:r>
+              <a:rPr lang="en-US" b="1"/>
+              <a:t>unknown parameters</a:t>
+            </a:r>
+            <a:r>
+              <a:rPr lang="en-US"/>
+              <a:t> derived from a data set</a:t>
+            </a:r>
+          </a:p>
+          <a:p>
+            <a:pPr lvl="1"/>
+            <a:r>
+              <a:rPr lang="en-US"/>
+              <a:t>How dependent is my response variable on a particular parameter?</a:t>
+            </a:r>
+          </a:p>
+          <a:p>
+            <a:r>
+              <a:rPr lang="en-US"/>
+              <a:t>Specifically, a method for determining </a:t>
+            </a:r>
+            <a:r>
+              <a:rPr lang="en-US" b="1"/>
+              <a:t>conditional expected values</a:t>
+            </a:r>
+          </a:p>
+          <a:p>
+            <a:pPr lvl="1"/>
+            <a:r>
+              <a:rPr lang="en-US"/>
+              <a:t>"Given x and y, the expected value is…"</a:t>
+            </a:r>
+          </a:p>
+        </p:txBody>
+      </p:sp>
     </p:spTree>
   </p:cSld>
   <p:clrMapOvr>
@@ -5622,14 +8063,14 @@
           <a:p>
             <a:r>
               <a:rPr lang="en-US"/>
-              <a:t>Example: Linear Regression</a:t>
+              <a:t>Example: Data</a:t>
             </a:r>
           </a:p>
         </p:txBody>
       </p:sp>
       <p:pic>
         <p:nvPicPr>
-          <p:cNvPr id="4" name="Content Placeholder 3" descr="Linear_Regression.png"/>
+          <p:cNvPr id="6" name="Content Placeholder 5" descr="Linear_Data.png"/>
           <p:cNvPicPr>
             <a:picLocks noGrp="1" noChangeAspect="1"/>
           </p:cNvPicPr>
@@ -5683,101 +8124,44 @@
         </p:nvSpPr>
         <p:spPr/>
         <p:txBody>
-          <a:bodyPr/>
-          <a:lstStyle/>
-          <a:p>
-            <a:r>
-              <a:rPr lang="en-US"/>
-              <a:t>Basics</a:t>
-            </a:r>
-          </a:p>
-        </p:txBody>
-      </p:sp>
-      <p:sp>
-        <p:nvSpPr>
-          <p:cNvPr id="3" name="Content Placeholder 2"/>
-          <p:cNvSpPr>
-            <a:spLocks noGrp="1"/>
-          </p:cNvSpPr>
+          <a:bodyPr>
+            <a:normAutofit fontScale="90000"/>
+          </a:bodyPr>
+          <a:lstStyle/>
+          <a:p>
+            <a:r>
+              <a:rPr lang="en-US"/>
+              <a:t>Example: Data</a:t>
+            </a:r>
+            <a:br>
+              <a:rPr lang="en-US"/>
+            </a:br>
+            <a:r>
+              <a:rPr lang="en-US"/>
+              <a:t>(and Linear Regression)</a:t>
+            </a:r>
+          </a:p>
+        </p:txBody>
+      </p:sp>
+      <p:pic>
+        <p:nvPicPr>
+          <p:cNvPr id="4" name="Content Placeholder 3" descr="Linear_Regression.png"/>
+          <p:cNvPicPr>
+            <a:picLocks noGrp="1" noChangeAspect="1"/>
+          </p:cNvPicPr>
           <p:nvPr>
             <p:ph idx="1"/>
           </p:nvPr>
-        </p:nvSpPr>
+        </p:nvPicPr>
+        <p:blipFill>
+          <a:blip r:embed="rId2"/>
+          <a:srcRect l="-40915" r="-40915"/>
+          <a:stretch>
+            <a:fillRect/>
+          </a:stretch>
+        </p:blipFill>
         <p:spPr/>
-        <p:txBody>
-          <a:bodyPr/>
-          <a:lstStyle/>
-          <a:p>
-            <a:pPr>
-              <a:buNone/>
-            </a:pPr>
-            <a:r>
-              <a:rPr lang="en-US"/>
-              <a:t>There are three necessary components to any statistical model:</a:t>
-            </a:r>
-          </a:p>
-          <a:p>
-            <a:r>
-              <a:rPr lang="en-US"/>
-              <a:t>A formula specifying </a:t>
-            </a:r>
-            <a:r>
-              <a:rPr lang="en-US" b="1"/>
-              <a:t>predictor</a:t>
-            </a:r>
-            <a:r>
-              <a:rPr lang="en-US"/>
-              <a:t> and </a:t>
-            </a:r>
-            <a:r>
-              <a:rPr lang="en-US" b="1"/>
-              <a:t>response</a:t>
-            </a:r>
-            <a:r>
-              <a:rPr lang="en-US"/>
-              <a:t> variables: </a:t>
-            </a:r>
-            <a:r>
-              <a:rPr lang="en-US" i="1">
-                <a:latin typeface="Courier New"/>
-                <a:cs typeface="Courier New"/>
-              </a:rPr>
-              <a:t>y ~ x1 + x2 + x3</a:t>
-            </a:r>
-            <a:endParaRPr lang="en-US" b="1" i="1">
-              <a:latin typeface="Courier New"/>
-              <a:cs typeface="Courier New"/>
-            </a:endParaRPr>
-          </a:p>
-          <a:p>
-            <a:r>
-              <a:rPr lang="en-US"/>
-              <a:t>A model – </a:t>
-            </a:r>
-            <a:r>
-              <a:rPr lang="en-US" i="1"/>
-              <a:t>logit, probit, gamma, normal</a:t>
-            </a:r>
-          </a:p>
-          <a:p>
-            <a:r>
-              <a:rPr lang="en-US"/>
-              <a:t>Data – </a:t>
-            </a:r>
-            <a:r>
-              <a:rPr lang="en-US" i="1"/>
-              <a:t>a data-set stored as a </a:t>
-            </a:r>
-            <a:r>
-              <a:rPr lang="en-US" b="1" i="1"/>
-              <a:t>data.frame</a:t>
-            </a:r>
-          </a:p>
-          <a:p>
-            <a:endParaRPr lang="en-US"/>
-          </a:p>
-        </p:txBody>
-      </p:sp>
+      </p:pic>
     </p:spTree>
   </p:cSld>
   <p:clrMapOvr>
@@ -5820,7 +8204,7 @@
           <a:p>
             <a:r>
               <a:rPr lang="en-US"/>
-              <a:t>Generalized Linear Models</a:t>
+              <a:t>Basics</a:t>
             </a:r>
           </a:p>
         </p:txBody>
@@ -5840,30 +8224,73 @@
           <a:bodyPr/>
           <a:lstStyle/>
           <a:p>
-            <a:r>
-              <a:rPr lang="en-US"/>
-              <a:t>The "least squares" method is the foundation of fitting generalized linear models (GLM's)</a:t>
-            </a:r>
-          </a:p>
-          <a:p>
-            <a:r>
-              <a:rPr lang="en-US"/>
-              <a:t>Provides information on the </a:t>
+            <a:pPr>
+              <a:buNone/>
+            </a:pPr>
+            <a:r>
+              <a:rPr lang="en-US"/>
+              <a:t>There are three necessary components to any statistical model:</a:t>
+            </a:r>
+          </a:p>
+          <a:p>
+            <a:r>
+              <a:rPr lang="en-US"/>
+              <a:t>A formula specifying </a:t>
             </a:r>
             <a:r>
               <a:rPr lang="en-US" b="1"/>
-              <a:t>correlation</a:t>
-            </a:r>
-            <a:r>
-              <a:rPr lang="en-US"/>
-              <a:t> of predictor variables</a:t>
-            </a:r>
-          </a:p>
-          <a:p>
-            <a:r>
-              <a:rPr lang="en-US"/>
-              <a:t>And information on how significantly the response variables varies with the predictor variables</a:t>
-            </a:r>
+              <a:t>predictor</a:t>
+            </a:r>
+            <a:r>
+              <a:rPr lang="en-US"/>
+              <a:t> and </a:t>
+            </a:r>
+            <a:r>
+              <a:rPr lang="en-US" b="1"/>
+              <a:t>response</a:t>
+            </a:r>
+            <a:r>
+              <a:rPr lang="en-US"/>
+              <a:t> variables: </a:t>
+            </a:r>
+            <a:r>
+              <a:rPr lang="en-US" i="1">
+                <a:latin typeface="Courier New"/>
+                <a:cs typeface="Courier New"/>
+              </a:rPr>
+              <a:t>y ~ x1 + x2 + x3</a:t>
+            </a:r>
+            <a:endParaRPr lang="en-US" b="1" i="1">
+              <a:latin typeface="Courier New"/>
+              <a:cs typeface="Courier New"/>
+            </a:endParaRPr>
+          </a:p>
+          <a:p>
+            <a:r>
+              <a:rPr lang="en-US"/>
+              <a:t>A model – </a:t>
+            </a:r>
+            <a:r>
+              <a:rPr lang="en-US" i="1"/>
+              <a:t>logit, probit, gamma, normal</a:t>
+            </a:r>
+          </a:p>
+          <a:p>
+            <a:r>
+              <a:rPr lang="en-US"/>
+              <a:t>Data – </a:t>
+            </a:r>
+            <a:r>
+              <a:rPr lang="en-US" i="1"/>
+              <a:t>a data-set stored as a </a:t>
+            </a:r>
+            <a:r>
+              <a:rPr lang="en-US" b="1" i="1"/>
+              <a:t>data.frame</a:t>
+            </a:r>
+          </a:p>
+          <a:p>
+            <a:endParaRPr lang="en-US"/>
           </a:p>
         </p:txBody>
       </p:sp>
@@ -5909,7 +8336,7 @@
           <a:p>
             <a:r>
               <a:rPr lang="en-US"/>
-              <a:t>Basics</a:t>
+              <a:t>Generalized Linear Models</a:t>
             </a:r>
           </a:p>
         </p:txBody>
@@ -5931,32 +8358,28 @@
           <a:p>
             <a:r>
               <a:rPr lang="en-US"/>
-              <a:t>Consider the linear regression:</a:t>
-            </a:r>
-          </a:p>
-          <a:p>
-            <a:endParaRPr lang="en-US"/>
-          </a:p>
-          <a:p>
-            <a:r>
-              <a:rPr lang="en-US"/>
-              <a:t>lm(y ~ x)</a:t>
-            </a:r>
-          </a:p>
-          <a:p>
-            <a:endParaRPr lang="en-US"/>
-          </a:p>
-          <a:p>
-            <a:r>
-              <a:rPr lang="en-US"/>
-              <a:t>This means, the variable "y" is dependent on the variable "x"</a:t>
-            </a:r>
-          </a:p>
-          <a:p>
-            <a:pPr>
-              <a:buNone/>
-            </a:pPr>
-            <a:endParaRPr lang="en-US"/>
+              <a:t>The "least squares" method is the foundation of fitting generalized linear models (GLM's)</a:t>
+            </a:r>
+          </a:p>
+          <a:p>
+            <a:r>
+              <a:rPr lang="en-US"/>
+              <a:t>Provides information on the </a:t>
+            </a:r>
+            <a:r>
+              <a:rPr lang="en-US" b="1"/>
+              <a:t>correlation</a:t>
+            </a:r>
+            <a:r>
+              <a:rPr lang="en-US"/>
+              <a:t> of predictor variables</a:t>
+            </a:r>
+          </a:p>
+          <a:p>
+            <a:r>
+              <a:rPr lang="en-US"/>
+              <a:t>And information on how significantly the response variables varies with the predictor variables</a:t>
+            </a:r>
           </a:p>
         </p:txBody>
       </p:sp>

--- a/January-Class/Zelig4_zelig2.pptx
+++ b/January-Class/Zelig4_zelig2.pptx
@@ -5,7 +5,7 @@
     <p:sldMasterId id="2147483694" r:id="rId1"/>
   </p:sldMasterIdLst>
   <p:notesMasterIdLst>
-    <p:notesMasterId r:id="rId22"/>
+    <p:notesMasterId r:id="rId23"/>
   </p:notesMasterIdLst>
   <p:sldIdLst>
     <p:sldId id="256" r:id="rId2"/>
@@ -26,8 +26,9 @@
     <p:sldId id="270" r:id="rId17"/>
     <p:sldId id="273" r:id="rId18"/>
     <p:sldId id="277" r:id="rId19"/>
-    <p:sldId id="274" r:id="rId20"/>
-    <p:sldId id="275" r:id="rId21"/>
+    <p:sldId id="278" r:id="rId20"/>
+    <p:sldId id="274" r:id="rId21"/>
+    <p:sldId id="275" r:id="rId22"/>
   </p:sldIdLst>
   <p:sldSz cx="9144000" cy="6858000" type="screen4x3"/>
   <p:notesSz cx="6858000" cy="9144000"/>
@@ -5471,7 +5472,10 @@
           <a:bodyPr/>
           <a:lstStyle/>
           <a:p>
-            <a:endParaRPr lang="en-US"/>
+            <a:r>
+              <a:rPr lang="en-US"/>
+              <a:t>Why Zelig2</a:t>
+            </a:r>
           </a:p>
         </p:txBody>
       </p:sp>
@@ -5543,7 +5547,7 @@
           <a:p>
             <a:r>
               <a:rPr lang="en-US"/>
-              <a:t>Features of a zelig2 function</a:t>
+              <a:t>Workflow</a:t>
             </a:r>
           </a:p>
         </p:txBody>
@@ -5560,320 +5564,43 @@
         </p:nvSpPr>
         <p:spPr/>
         <p:txBody>
-          <a:bodyPr>
-            <a:normAutofit/>
-          </a:bodyPr>
-          <a:lstStyle/>
-          <a:p>
-            <a:pPr>
-              <a:buNone/>
-            </a:pPr>
-            <a:r>
-              <a:rPr lang="en-US" sz="1800">
-                <a:latin typeface="Courier New"/>
-                <a:cs typeface="Courier New"/>
-              </a:rPr>
-              <a:t>zelig2logit &lt;- </a:t>
-            </a:r>
-            <a:r>
-              <a:rPr lang="en-US" sz="1800">
-                <a:solidFill>
-                  <a:srgbClr val="0000FF"/>
-                </a:solidFill>
-                <a:latin typeface="Courier New"/>
-                <a:cs typeface="Courier New"/>
-              </a:rPr>
-              <a:t>function</a:t>
-            </a:r>
-            <a:r>
-              <a:rPr lang="en-US" sz="1800">
-                <a:latin typeface="Courier New"/>
-                <a:cs typeface="Courier New"/>
-              </a:rPr>
-              <a:t>(formula, weights=NULL, ..., data){</a:t>
-            </a:r>
-          </a:p>
-          <a:p>
-            <a:pPr>
-              <a:buNone/>
-            </a:pPr>
-            <a:r>
-              <a:rPr lang="en-US" sz="1800">
-                <a:latin typeface="Courier New"/>
-                <a:cs typeface="Courier New"/>
-              </a:rPr>
-              <a:t>  </a:t>
-            </a:r>
-            <a:r>
-              <a:rPr lang="en-US" sz="1800">
-                <a:solidFill>
-                  <a:srgbClr val="0000FF"/>
-                </a:solidFill>
-                <a:latin typeface="Courier New"/>
-                <a:cs typeface="Courier New"/>
-              </a:rPr>
-              <a:t>list</a:t>
-            </a:r>
-            <a:r>
-              <a:rPr lang="en-US" sz="1800">
-                <a:latin typeface="Courier New"/>
-                <a:cs typeface="Courier New"/>
-              </a:rPr>
-              <a:t>(</a:t>
-            </a:r>
-          </a:p>
-          <a:p>
-            <a:pPr>
-              <a:buNone/>
-            </a:pPr>
-            <a:r>
-              <a:rPr lang="en-US" sz="1800">
-                <a:latin typeface="Courier New"/>
-                <a:cs typeface="Courier New"/>
-              </a:rPr>
-              <a:t>       .function </a:t>
-            </a:r>
-            <a:r>
-              <a:rPr lang="en-US" sz="1800">
-                <a:solidFill>
-                  <a:schemeClr val="accent1"/>
-                </a:solidFill>
-                <a:latin typeface="Courier New"/>
-                <a:cs typeface="Courier New"/>
-              </a:rPr>
-              <a:t>=</a:t>
-            </a:r>
-            <a:r>
-              <a:rPr lang="en-US" sz="1800">
-                <a:latin typeface="Courier New"/>
-                <a:cs typeface="Courier New"/>
-              </a:rPr>
-              <a:t> </a:t>
-            </a:r>
-            <a:r>
-              <a:rPr lang="en-US" sz="1800">
-                <a:solidFill>
-                  <a:schemeClr val="accent2"/>
-                </a:solidFill>
-                <a:latin typeface="Courier New"/>
-                <a:cs typeface="Courier New"/>
-              </a:rPr>
-              <a:t>"glm"</a:t>
-            </a:r>
-            <a:r>
-              <a:rPr lang="en-US" sz="1800">
-                <a:latin typeface="Courier New"/>
-                <a:cs typeface="Courier New"/>
-              </a:rPr>
-              <a:t>,</a:t>
-            </a:r>
-          </a:p>
-          <a:p>
-            <a:pPr>
-              <a:buNone/>
-            </a:pPr>
-            <a:endParaRPr lang="en-US" sz="1800">
-              <a:latin typeface="Courier New"/>
-              <a:cs typeface="Courier New"/>
-            </a:endParaRPr>
-          </a:p>
-          <a:p>
-            <a:pPr>
-              <a:buNone/>
-            </a:pPr>
-            <a:r>
-              <a:rPr lang="en-US" sz="1800">
-                <a:latin typeface="Courier New"/>
-                <a:cs typeface="Courier New"/>
-              </a:rPr>
-              <a:t>       formula </a:t>
-            </a:r>
-            <a:r>
-              <a:rPr lang="en-US" sz="1800">
-                <a:solidFill>
-                  <a:schemeClr val="tx2">
-                    <a:lumMod val="40000"/>
-                    <a:lumOff val="60000"/>
-                  </a:schemeClr>
-                </a:solidFill>
-                <a:latin typeface="Courier New"/>
-                <a:cs typeface="Courier New"/>
-              </a:rPr>
-              <a:t>=</a:t>
-            </a:r>
-            <a:r>
-              <a:rPr lang="en-US" sz="1800">
-                <a:latin typeface="Courier New"/>
-                <a:cs typeface="Courier New"/>
-              </a:rPr>
-              <a:t> formula,</a:t>
-            </a:r>
-          </a:p>
-          <a:p>
-            <a:pPr>
-              <a:buNone/>
-            </a:pPr>
-            <a:r>
-              <a:rPr lang="en-US" sz="1800">
-                <a:latin typeface="Courier New"/>
-                <a:cs typeface="Courier New"/>
-              </a:rPr>
-              <a:t>       weights </a:t>
-            </a:r>
-            <a:r>
-              <a:rPr lang="en-US" sz="1800">
-                <a:solidFill>
-                  <a:srgbClr val="8EB4E3"/>
-                </a:solidFill>
-                <a:latin typeface="Courier New"/>
-                <a:cs typeface="Courier New"/>
-              </a:rPr>
-              <a:t>=</a:t>
-            </a:r>
-            <a:r>
-              <a:rPr lang="en-US" sz="1800">
-                <a:latin typeface="Courier New"/>
-                <a:cs typeface="Courier New"/>
-              </a:rPr>
-              <a:t> weights,</a:t>
-            </a:r>
-          </a:p>
-          <a:p>
-            <a:pPr>
-              <a:buNone/>
-            </a:pPr>
-            <a:r>
-              <a:rPr lang="en-US" sz="1800">
-                <a:latin typeface="Courier New"/>
-                <a:cs typeface="Courier New"/>
-              </a:rPr>
-              <a:t>       family  </a:t>
-            </a:r>
-            <a:r>
-              <a:rPr lang="en-US" sz="1800">
-                <a:solidFill>
-                  <a:srgbClr val="8EB4E3"/>
-                </a:solidFill>
-                <a:latin typeface="Courier New"/>
-                <a:cs typeface="Courier New"/>
-              </a:rPr>
-              <a:t>=</a:t>
-            </a:r>
-            <a:r>
-              <a:rPr lang="en-US" sz="1800">
-                <a:latin typeface="Courier New"/>
-                <a:cs typeface="Courier New"/>
-              </a:rPr>
-              <a:t> binomial(link=</a:t>
-            </a:r>
-            <a:r>
-              <a:rPr lang="en-US" sz="1800">
-                <a:solidFill>
-                  <a:srgbClr val="C0504D"/>
-                </a:solidFill>
-                <a:latin typeface="Courier New"/>
-                <a:cs typeface="Courier New"/>
-              </a:rPr>
-              <a:t>"logit"</a:t>
-            </a:r>
-            <a:r>
-              <a:rPr lang="en-US" sz="1800">
-                <a:latin typeface="Courier New"/>
-                <a:cs typeface="Courier New"/>
-              </a:rPr>
-              <a:t>),</a:t>
-            </a:r>
-          </a:p>
-          <a:p>
-            <a:pPr>
-              <a:buNone/>
-            </a:pPr>
-            <a:r>
-              <a:rPr lang="en-US" sz="1800">
-                <a:latin typeface="Courier New"/>
-                <a:cs typeface="Courier New"/>
-              </a:rPr>
-              <a:t>       model   </a:t>
-            </a:r>
-            <a:r>
-              <a:rPr lang="en-US" sz="1800">
-                <a:solidFill>
-                  <a:srgbClr val="8EB4E3"/>
-                </a:solidFill>
-                <a:latin typeface="Courier New"/>
-                <a:cs typeface="Courier New"/>
-              </a:rPr>
-              <a:t>=</a:t>
-            </a:r>
-            <a:r>
-              <a:rPr lang="en-US" sz="1800">
-                <a:latin typeface="Courier New"/>
-                <a:cs typeface="Courier New"/>
-              </a:rPr>
-              <a:t> F,</a:t>
-            </a:r>
-          </a:p>
-          <a:p>
-            <a:pPr>
-              <a:buNone/>
-            </a:pPr>
-            <a:r>
-              <a:rPr lang="en-US" sz="1800">
-                <a:latin typeface="Courier New"/>
-                <a:cs typeface="Courier New"/>
-              </a:rPr>
-              <a:t>       data    </a:t>
-            </a:r>
-            <a:r>
-              <a:rPr lang="en-US" sz="1800">
-                <a:solidFill>
-                  <a:srgbClr val="8EB4E3"/>
-                </a:solidFill>
-                <a:latin typeface="Courier New"/>
-                <a:cs typeface="Courier New"/>
-              </a:rPr>
-              <a:t>=</a:t>
-            </a:r>
-            <a:r>
-              <a:rPr lang="en-US" sz="1800">
-                <a:latin typeface="Courier New"/>
-                <a:cs typeface="Courier New"/>
-              </a:rPr>
-              <a:t> data</a:t>
-            </a:r>
-          </a:p>
-          <a:p>
-            <a:pPr>
-              <a:buNone/>
-            </a:pPr>
-            <a:r>
-              <a:rPr lang="en-US" sz="1800">
-                <a:latin typeface="Courier New"/>
-                <a:cs typeface="Courier New"/>
-              </a:rPr>
-              <a:t>       )</a:t>
-            </a:r>
-          </a:p>
-          <a:p>
-            <a:pPr>
-              <a:buNone/>
-            </a:pPr>
-            <a:r>
-              <a:rPr lang="en-US" sz="1800">
-                <a:latin typeface="Courier New"/>
-                <a:cs typeface="Courier New"/>
-              </a:rPr>
-              <a:t>}</a:t>
-            </a:r>
-          </a:p>
-          <a:p>
-            <a:pPr>
-              <a:buNone/>
-            </a:pPr>
-            <a:endParaRPr lang="en-US" sz="1800">
-              <a:latin typeface="Courier New"/>
-              <a:cs typeface="Courier New"/>
-            </a:endParaRPr>
+          <a:bodyPr/>
+          <a:lstStyle/>
+          <a:p>
+            <a:r>
+              <a:rPr lang="en-US"/>
+              <a:t>Find existing model</a:t>
+            </a:r>
+          </a:p>
+          <a:p>
+            <a:r>
+              <a:rPr lang="en-US"/>
+              <a:t>Determine what the arguments are</a:t>
+            </a:r>
+          </a:p>
+          <a:p>
+            <a:r>
+              <a:rPr lang="en-US"/>
+              <a:t>Return a list at the bottom of the function</a:t>
+            </a:r>
+          </a:p>
+          <a:p>
+            <a:r>
+              <a:rPr lang="en-US"/>
+              <a:t>Manipulate objects</a:t>
+            </a:r>
+          </a:p>
+          <a:p>
+            <a:r>
+              <a:rPr lang="en-US"/>
+              <a:t>Write warnigns</a:t>
+            </a:r>
+          </a:p>
+          <a:p>
+            <a:r>
+              <a:rPr lang="en-US"/>
+              <a:t>Document</a:t>
+            </a:r>
           </a:p>
         </p:txBody>
       </p:sp>
@@ -6017,6 +5744,389 @@
 </file>
 
 <file path=ppt/slides/slide20.xml><?xml version="1.0" encoding="utf-8"?>
+<p:sld xmlns:a="http://schemas.openxmlformats.org/drawingml/2006/main" xmlns:r="http://schemas.openxmlformats.org/officeDocument/2006/relationships" xmlns:mc="http://schemas.openxmlformats.org/markup-compatibility/2006" xmlns:mv="urn:schemas-microsoft-com:mac:vml" xmlns:p="http://schemas.openxmlformats.org/presentationml/2006/main" mc:Ignorable="mv" mc:PreserveAttributes="mv:*">
+  <p:cSld>
+    <p:spTree>
+      <p:nvGrpSpPr>
+        <p:cNvPr id="1" name=""/>
+        <p:cNvGrpSpPr/>
+        <p:nvPr/>
+      </p:nvGrpSpPr>
+      <p:grpSpPr>
+        <a:xfrm>
+          <a:off x="0" y="0"/>
+          <a:ext cx="0" cy="0"/>
+          <a:chOff x="0" y="0"/>
+          <a:chExt cx="0" cy="0"/>
+        </a:xfrm>
+      </p:grpSpPr>
+      <p:sp>
+        <p:nvSpPr>
+          <p:cNvPr id="2" name="Title 1"/>
+          <p:cNvSpPr>
+            <a:spLocks noGrp="1"/>
+          </p:cNvSpPr>
+          <p:nvPr>
+            <p:ph type="title"/>
+          </p:nvPr>
+        </p:nvSpPr>
+        <p:spPr/>
+        <p:txBody>
+          <a:bodyPr/>
+          <a:lstStyle/>
+          <a:p>
+            <a:r>
+              <a:rPr lang="en-US"/>
+              <a:t>Features of a zelig2 function</a:t>
+            </a:r>
+          </a:p>
+        </p:txBody>
+      </p:sp>
+      <p:sp>
+        <p:nvSpPr>
+          <p:cNvPr id="3" name="Content Placeholder 2"/>
+          <p:cNvSpPr>
+            <a:spLocks noGrp="1"/>
+          </p:cNvSpPr>
+          <p:nvPr>
+            <p:ph idx="1"/>
+          </p:nvPr>
+        </p:nvSpPr>
+        <p:spPr/>
+        <p:txBody>
+          <a:bodyPr>
+            <a:normAutofit/>
+          </a:bodyPr>
+          <a:lstStyle/>
+          <a:p>
+            <a:pPr>
+              <a:buNone/>
+            </a:pPr>
+            <a:r>
+              <a:rPr lang="en-US" sz="1800">
+                <a:latin typeface="Courier New"/>
+                <a:cs typeface="Courier New"/>
+              </a:rPr>
+              <a:t>zelig2logit &lt;- </a:t>
+            </a:r>
+            <a:r>
+              <a:rPr lang="en-US" sz="1800">
+                <a:solidFill>
+                  <a:srgbClr val="0000FF"/>
+                </a:solidFill>
+                <a:latin typeface="Courier New"/>
+                <a:cs typeface="Courier New"/>
+              </a:rPr>
+              <a:t>function</a:t>
+            </a:r>
+            <a:r>
+              <a:rPr lang="en-US" sz="1800">
+                <a:latin typeface="Courier New"/>
+                <a:cs typeface="Courier New"/>
+              </a:rPr>
+              <a:t>(formula, weights=NULL, ..., data){</a:t>
+            </a:r>
+          </a:p>
+          <a:p>
+            <a:pPr>
+              <a:buNone/>
+            </a:pPr>
+            <a:r>
+              <a:rPr lang="en-US" sz="1800">
+                <a:latin typeface="Courier New"/>
+                <a:cs typeface="Courier New"/>
+              </a:rPr>
+              <a:t>  </a:t>
+            </a:r>
+            <a:r>
+              <a:rPr lang="en-US" sz="1800">
+                <a:solidFill>
+                  <a:srgbClr val="0000FF"/>
+                </a:solidFill>
+                <a:latin typeface="Courier New"/>
+                <a:cs typeface="Courier New"/>
+              </a:rPr>
+              <a:t>list</a:t>
+            </a:r>
+            <a:r>
+              <a:rPr lang="en-US" sz="1800">
+                <a:latin typeface="Courier New"/>
+                <a:cs typeface="Courier New"/>
+              </a:rPr>
+              <a:t>(</a:t>
+            </a:r>
+          </a:p>
+          <a:p>
+            <a:pPr>
+              <a:buNone/>
+            </a:pPr>
+            <a:r>
+              <a:rPr lang="en-US" sz="1800">
+                <a:latin typeface="Courier New"/>
+                <a:cs typeface="Courier New"/>
+              </a:rPr>
+              <a:t>       .function </a:t>
+            </a:r>
+            <a:r>
+              <a:rPr lang="en-US" sz="1800">
+                <a:solidFill>
+                  <a:schemeClr val="accent1"/>
+                </a:solidFill>
+                <a:latin typeface="Courier New"/>
+                <a:cs typeface="Courier New"/>
+              </a:rPr>
+              <a:t>=</a:t>
+            </a:r>
+            <a:r>
+              <a:rPr lang="en-US" sz="1800">
+                <a:latin typeface="Courier New"/>
+                <a:cs typeface="Courier New"/>
+              </a:rPr>
+              <a:t> </a:t>
+            </a:r>
+            <a:r>
+              <a:rPr lang="en-US" sz="1800">
+                <a:solidFill>
+                  <a:schemeClr val="accent2"/>
+                </a:solidFill>
+                <a:latin typeface="Courier New"/>
+                <a:cs typeface="Courier New"/>
+              </a:rPr>
+              <a:t>"glm"</a:t>
+            </a:r>
+            <a:r>
+              <a:rPr lang="en-US" sz="1800">
+                <a:latin typeface="Courier New"/>
+                <a:cs typeface="Courier New"/>
+              </a:rPr>
+              <a:t>,</a:t>
+            </a:r>
+          </a:p>
+          <a:p>
+            <a:pPr>
+              <a:buNone/>
+            </a:pPr>
+            <a:endParaRPr lang="en-US" sz="1800">
+              <a:latin typeface="Courier New"/>
+              <a:cs typeface="Courier New"/>
+            </a:endParaRPr>
+          </a:p>
+          <a:p>
+            <a:pPr>
+              <a:buNone/>
+            </a:pPr>
+            <a:r>
+              <a:rPr lang="en-US" sz="1800">
+                <a:latin typeface="Courier New"/>
+                <a:cs typeface="Courier New"/>
+              </a:rPr>
+              <a:t>       formula </a:t>
+            </a:r>
+            <a:r>
+              <a:rPr lang="en-US" sz="1800">
+                <a:solidFill>
+                  <a:schemeClr val="tx2">
+                    <a:lumMod val="40000"/>
+                    <a:lumOff val="60000"/>
+                  </a:schemeClr>
+                </a:solidFill>
+                <a:latin typeface="Courier New"/>
+                <a:cs typeface="Courier New"/>
+              </a:rPr>
+              <a:t>=</a:t>
+            </a:r>
+            <a:r>
+              <a:rPr lang="en-US" sz="1800">
+                <a:latin typeface="Courier New"/>
+                <a:cs typeface="Courier New"/>
+              </a:rPr>
+              <a:t> formula,</a:t>
+            </a:r>
+          </a:p>
+          <a:p>
+            <a:pPr>
+              <a:buNone/>
+            </a:pPr>
+            <a:r>
+              <a:rPr lang="en-US" sz="1800">
+                <a:latin typeface="Courier New"/>
+                <a:cs typeface="Courier New"/>
+              </a:rPr>
+              <a:t>       weights </a:t>
+            </a:r>
+            <a:r>
+              <a:rPr lang="en-US" sz="1800">
+                <a:solidFill>
+                  <a:srgbClr val="8EB4E3"/>
+                </a:solidFill>
+                <a:latin typeface="Courier New"/>
+                <a:cs typeface="Courier New"/>
+              </a:rPr>
+              <a:t>=</a:t>
+            </a:r>
+            <a:r>
+              <a:rPr lang="en-US" sz="1800">
+                <a:latin typeface="Courier New"/>
+                <a:cs typeface="Courier New"/>
+              </a:rPr>
+              <a:t> weights,</a:t>
+            </a:r>
+          </a:p>
+          <a:p>
+            <a:pPr>
+              <a:buNone/>
+            </a:pPr>
+            <a:r>
+              <a:rPr lang="en-US" sz="1800">
+                <a:latin typeface="Courier New"/>
+                <a:cs typeface="Courier New"/>
+              </a:rPr>
+              <a:t>       family  </a:t>
+            </a:r>
+            <a:r>
+              <a:rPr lang="en-US" sz="1800">
+                <a:solidFill>
+                  <a:srgbClr val="8EB4E3"/>
+                </a:solidFill>
+                <a:latin typeface="Courier New"/>
+                <a:cs typeface="Courier New"/>
+              </a:rPr>
+              <a:t>=</a:t>
+            </a:r>
+            <a:r>
+              <a:rPr lang="en-US" sz="1800">
+                <a:latin typeface="Courier New"/>
+                <a:cs typeface="Courier New"/>
+              </a:rPr>
+              <a:t> binomial(link=</a:t>
+            </a:r>
+            <a:r>
+              <a:rPr lang="en-US" sz="1800">
+                <a:solidFill>
+                  <a:srgbClr val="C0504D"/>
+                </a:solidFill>
+                <a:latin typeface="Courier New"/>
+                <a:cs typeface="Courier New"/>
+              </a:rPr>
+              <a:t>"logit"</a:t>
+            </a:r>
+            <a:r>
+              <a:rPr lang="en-US" sz="1800">
+                <a:latin typeface="Courier New"/>
+                <a:cs typeface="Courier New"/>
+              </a:rPr>
+              <a:t>),</a:t>
+            </a:r>
+          </a:p>
+          <a:p>
+            <a:pPr>
+              <a:buNone/>
+            </a:pPr>
+            <a:r>
+              <a:rPr lang="en-US" sz="1800">
+                <a:latin typeface="Courier New"/>
+                <a:cs typeface="Courier New"/>
+              </a:rPr>
+              <a:t>       model   </a:t>
+            </a:r>
+            <a:r>
+              <a:rPr lang="en-US" sz="1800">
+                <a:solidFill>
+                  <a:srgbClr val="8EB4E3"/>
+                </a:solidFill>
+                <a:latin typeface="Courier New"/>
+                <a:cs typeface="Courier New"/>
+              </a:rPr>
+              <a:t>=</a:t>
+            </a:r>
+            <a:r>
+              <a:rPr lang="en-US" sz="1800">
+                <a:latin typeface="Courier New"/>
+                <a:cs typeface="Courier New"/>
+              </a:rPr>
+              <a:t> F,</a:t>
+            </a:r>
+          </a:p>
+          <a:p>
+            <a:pPr>
+              <a:buNone/>
+            </a:pPr>
+            <a:r>
+              <a:rPr lang="en-US" sz="1800">
+                <a:latin typeface="Courier New"/>
+                <a:cs typeface="Courier New"/>
+              </a:rPr>
+              <a:t>       data    </a:t>
+            </a:r>
+            <a:r>
+              <a:rPr lang="en-US" sz="1800">
+                <a:solidFill>
+                  <a:srgbClr val="8EB4E3"/>
+                </a:solidFill>
+                <a:latin typeface="Courier New"/>
+                <a:cs typeface="Courier New"/>
+              </a:rPr>
+              <a:t>=</a:t>
+            </a:r>
+            <a:r>
+              <a:rPr lang="en-US" sz="1800">
+                <a:latin typeface="Courier New"/>
+                <a:cs typeface="Courier New"/>
+              </a:rPr>
+              <a:t> data</a:t>
+            </a:r>
+          </a:p>
+          <a:p>
+            <a:pPr>
+              <a:buNone/>
+            </a:pPr>
+            <a:r>
+              <a:rPr lang="en-US" sz="1800">
+                <a:latin typeface="Courier New"/>
+                <a:cs typeface="Courier New"/>
+              </a:rPr>
+              <a:t>       )</a:t>
+            </a:r>
+          </a:p>
+          <a:p>
+            <a:pPr>
+              <a:buNone/>
+            </a:pPr>
+            <a:r>
+              <a:rPr lang="en-US" sz="1800">
+                <a:latin typeface="Courier New"/>
+                <a:cs typeface="Courier New"/>
+              </a:rPr>
+              <a:t>}</a:t>
+            </a:r>
+          </a:p>
+          <a:p>
+            <a:pPr>
+              <a:buNone/>
+            </a:pPr>
+            <a:endParaRPr lang="en-US" sz="1800">
+              <a:latin typeface="Courier New"/>
+              <a:cs typeface="Courier New"/>
+            </a:endParaRPr>
+          </a:p>
+        </p:txBody>
+      </p:sp>
+    </p:spTree>
+  </p:cSld>
+  <p:clrMapOvr>
+    <a:masterClrMapping/>
+  </p:clrMapOvr>
+  <p:timing>
+    <p:tnLst>
+      <p:par>
+        <p:cTn id="1" dur="indefinite" restart="never" nodeType="tmRoot"/>
+      </p:par>
+    </p:tnLst>
+  </p:timing>
+</p:sld>
+</file>
+
+<file path=ppt/slides/slide21.xml><?xml version="1.0" encoding="utf-8"?>
 <p:sld xmlns:a="http://schemas.openxmlformats.org/drawingml/2006/main" xmlns:r="http://schemas.openxmlformats.org/officeDocument/2006/relationships" xmlns:mc="http://schemas.openxmlformats.org/markup-compatibility/2006" xmlns:mv="urn:schemas-microsoft-com:mac:vml" xmlns:p="http://schemas.openxmlformats.org/presentationml/2006/main" mc:Ignorable="mv" mc:PreserveAttributes="mv:*">
   <p:cSld>
     <p:spTree>

--- a/January-Class/Zelig4_zelig2.pptx
+++ b/January-Class/Zelig4_zelig2.pptx
@@ -5,7 +5,7 @@
     <p:sldMasterId id="2147483694" r:id="rId1"/>
   </p:sldMasterIdLst>
   <p:notesMasterIdLst>
-    <p:notesMasterId r:id="rId23"/>
+    <p:notesMasterId r:id="rId29"/>
   </p:notesMasterIdLst>
   <p:sldIdLst>
     <p:sldId id="256" r:id="rId2"/>
@@ -20,15 +20,21 @@
     <p:sldId id="268" r:id="rId11"/>
     <p:sldId id="261" r:id="rId12"/>
     <p:sldId id="269" r:id="rId13"/>
-    <p:sldId id="263" r:id="rId14"/>
-    <p:sldId id="271" r:id="rId15"/>
-    <p:sldId id="272" r:id="rId16"/>
-    <p:sldId id="270" r:id="rId17"/>
-    <p:sldId id="273" r:id="rId18"/>
-    <p:sldId id="277" r:id="rId19"/>
-    <p:sldId id="278" r:id="rId20"/>
-    <p:sldId id="274" r:id="rId21"/>
-    <p:sldId id="275" r:id="rId22"/>
+    <p:sldId id="271" r:id="rId14"/>
+    <p:sldId id="272" r:id="rId15"/>
+    <p:sldId id="270" r:id="rId16"/>
+    <p:sldId id="273" r:id="rId17"/>
+    <p:sldId id="277" r:id="rId18"/>
+    <p:sldId id="278" r:id="rId19"/>
+    <p:sldId id="274" r:id="rId20"/>
+    <p:sldId id="275" r:id="rId21"/>
+    <p:sldId id="279" r:id="rId22"/>
+    <p:sldId id="280" r:id="rId23"/>
+    <p:sldId id="281" r:id="rId24"/>
+    <p:sldId id="282" r:id="rId25"/>
+    <p:sldId id="283" r:id="rId26"/>
+    <p:sldId id="263" r:id="rId27"/>
+    <p:sldId id="284" r:id="rId28"/>
   </p:sldIdLst>
   <p:sldSz cx="9144000" cy="6858000" type="screen4x3"/>
   <p:notesSz cx="6858000" cy="9144000"/>
@@ -211,7 +217,9 @@
           </a:lstStyle>
           <a:p>
             <a:fld id="{A425829C-BC0A-2947-AC1D-CBD687136EF9}" type="datetimeFigureOut">
-              <a:t>12/14/11</a:t>
+              <a:rPr lang="en-US"/>
+              <a:pPr/>
+              <a:t>12/15/11</a:t>
             </a:fld>
             <a:endParaRPr lang="en-US"/>
           </a:p>
@@ -370,6 +378,8 @@
           </a:lstStyle>
           <a:p>
             <a:fld id="{8182FEB5-60B9-AD42-9F7A-A6753FAA144B}" type="slidenum">
+              <a:rPr/>
+              <a:pPr/>
               <a:t>‹#›</a:t>
             </a:fld>
             <a:endParaRPr lang="en-US"/>
@@ -555,7 +565,7 @@
             <a:fld id="{7E5E9E7E-3AA4-2143-AD9D-22191B2A3400}" type="slidenum">
               <a:rPr lang="en-US"/>
               <a:pPr/>
-              <a:t>13</a:t>
+              <a:t>26</a:t>
             </a:fld>
             <a:endParaRPr lang="en-US"/>
           </a:p>
@@ -703,7 +713,7 @@
                   <a:tab pos="9144000" algn="l"/>
                 </a:tabLst>
               </a:pPr>
-              <a:t>13</a:t>
+              <a:t>26</a:t>
             </a:fld>
             <a:endParaRPr lang="en-US" sz="1200">
               <a:solidFill>
@@ -901,7 +911,7 @@
             <a:fld id="{52146219-D444-4949-8B82-1A0079A42925}" type="datetimeFigureOut">
               <a:rPr lang="en-US"/>
               <a:pPr/>
-              <a:t>12/14/11</a:t>
+              <a:t>12/15/11</a:t>
             </a:fld>
             <a:endParaRPr lang="en-US"/>
           </a:p>
@@ -1066,7 +1076,7 @@
             <a:fld id="{52146219-D444-4949-8B82-1A0079A42925}" type="datetimeFigureOut">
               <a:rPr lang="en-US"/>
               <a:pPr/>
-              <a:t>12/14/11</a:t>
+              <a:t>12/15/11</a:t>
             </a:fld>
             <a:endParaRPr lang="en-US"/>
           </a:p>
@@ -1241,7 +1251,7 @@
             <a:fld id="{52146219-D444-4949-8B82-1A0079A42925}" type="datetimeFigureOut">
               <a:rPr lang="en-US"/>
               <a:pPr/>
-              <a:t>12/14/11</a:t>
+              <a:t>12/15/11</a:t>
             </a:fld>
             <a:endParaRPr lang="en-US"/>
           </a:p>
@@ -1406,7 +1416,7 @@
             <a:fld id="{52146219-D444-4949-8B82-1A0079A42925}" type="datetimeFigureOut">
               <a:rPr lang="en-US"/>
               <a:pPr/>
-              <a:t>12/14/11</a:t>
+              <a:t>12/15/11</a:t>
             </a:fld>
             <a:endParaRPr lang="en-US"/>
           </a:p>
@@ -1648,7 +1658,7 @@
             <a:fld id="{52146219-D444-4949-8B82-1A0079A42925}" type="datetimeFigureOut">
               <a:rPr lang="en-US"/>
               <a:pPr/>
-              <a:t>12/14/11</a:t>
+              <a:t>12/15/11</a:t>
             </a:fld>
             <a:endParaRPr lang="en-US"/>
           </a:p>
@@ -1930,7 +1940,7 @@
             <a:fld id="{52146219-D444-4949-8B82-1A0079A42925}" type="datetimeFigureOut">
               <a:rPr lang="en-US"/>
               <a:pPr/>
-              <a:t>12/14/11</a:t>
+              <a:t>12/15/11</a:t>
             </a:fld>
             <a:endParaRPr lang="en-US"/>
           </a:p>
@@ -2346,7 +2356,7 @@
             <a:fld id="{52146219-D444-4949-8B82-1A0079A42925}" type="datetimeFigureOut">
               <a:rPr lang="en-US"/>
               <a:pPr/>
-              <a:t>12/14/11</a:t>
+              <a:t>12/15/11</a:t>
             </a:fld>
             <a:endParaRPr lang="en-US"/>
           </a:p>
@@ -2460,7 +2470,7 @@
             <a:fld id="{52146219-D444-4949-8B82-1A0079A42925}" type="datetimeFigureOut">
               <a:rPr lang="en-US"/>
               <a:pPr/>
-              <a:t>12/14/11</a:t>
+              <a:t>12/15/11</a:t>
             </a:fld>
             <a:endParaRPr lang="en-US"/>
           </a:p>
@@ -2552,7 +2562,7 @@
             <a:fld id="{52146219-D444-4949-8B82-1A0079A42925}" type="datetimeFigureOut">
               <a:rPr lang="en-US"/>
               <a:pPr/>
-              <a:t>12/14/11</a:t>
+              <a:t>12/15/11</a:t>
             </a:fld>
             <a:endParaRPr lang="en-US"/>
           </a:p>
@@ -2824,7 +2834,7 @@
             <a:fld id="{52146219-D444-4949-8B82-1A0079A42925}" type="datetimeFigureOut">
               <a:rPr lang="en-US"/>
               <a:pPr/>
-              <a:t>12/14/11</a:t>
+              <a:t>12/15/11</a:t>
             </a:fld>
             <a:endParaRPr lang="en-US"/>
           </a:p>
@@ -3073,7 +3083,7 @@
             <a:fld id="{52146219-D444-4949-8B82-1A0079A42925}" type="datetimeFigureOut">
               <a:rPr lang="en-US"/>
               <a:pPr/>
-              <a:t>12/14/11</a:t>
+              <a:t>12/15/11</a:t>
             </a:fld>
             <a:endParaRPr lang="en-US"/>
           </a:p>
@@ -3281,7 +3291,7 @@
             <a:fld id="{52146219-D444-4949-8B82-1A0079A42925}" type="datetimeFigureOut">
               <a:rPr lang="en-US"/>
               <a:pPr/>
-              <a:t>12/14/11</a:t>
+              <a:t>12/15/11</a:t>
             </a:fld>
             <a:endParaRPr lang="en-US"/>
           </a:p>
@@ -4357,516 +4367,92 @@
       </p:grpSpPr>
       <p:sp>
         <p:nvSpPr>
-          <p:cNvPr id="5122" name="Text Box 1"/>
-          <p:cNvSpPr txBox="1">
-            <a:spLocks noChangeArrowheads="1"/>
-          </p:cNvSpPr>
-          <p:nvPr/>
-        </p:nvSpPr>
-        <p:spPr bwMode="auto">
-          <a:xfrm>
-            <a:off x="457200" y="274638"/>
-            <a:ext cx="8229600" cy="1143000"/>
-          </a:xfrm>
-          <a:prstGeom prst="rect">
-            <a:avLst/>
-          </a:prstGeom>
-          <a:noFill/>
-          <a:ln w="9525">
-            <a:noFill/>
-            <a:round/>
-            <a:headEnd/>
-            <a:tailEnd/>
-          </a:ln>
-        </p:spPr>
-        <p:txBody>
-          <a:bodyPr anchor="ctr">
-            <a:prstTxWarp prst="textNoShape">
-              <a:avLst/>
-            </a:prstTxWarp>
-          </a:bodyPr>
-          <a:lstStyle/>
-          <a:p>
-            <a:pPr algn="ctr">
-              <a:buClrTx/>
-              <a:buFontTx/>
-              <a:buNone/>
-              <a:tabLst>
-                <a:tab pos="0" algn="l"/>
-                <a:tab pos="457200" algn="l"/>
-                <a:tab pos="914400" algn="l"/>
-                <a:tab pos="1371600" algn="l"/>
-                <a:tab pos="1828800" algn="l"/>
-                <a:tab pos="2286000" algn="l"/>
-                <a:tab pos="2743200" algn="l"/>
-                <a:tab pos="3200400" algn="l"/>
-                <a:tab pos="3657600" algn="l"/>
-                <a:tab pos="4114800" algn="l"/>
-                <a:tab pos="4572000" algn="l"/>
-                <a:tab pos="5029200" algn="l"/>
-                <a:tab pos="5486400" algn="l"/>
-                <a:tab pos="5943600" algn="l"/>
-                <a:tab pos="6400800" algn="l"/>
-                <a:tab pos="6858000" algn="l"/>
-                <a:tab pos="7315200" algn="l"/>
-                <a:tab pos="7772400" algn="l"/>
-                <a:tab pos="8229600" algn="l"/>
-                <a:tab pos="8686800" algn="l"/>
-                <a:tab pos="9144000" algn="l"/>
-              </a:tabLst>
-            </a:pPr>
-            <a:r>
-              <a:rPr lang="en-US" sz="4400">
-                <a:solidFill>
-                  <a:srgbClr val="000000"/>
-                </a:solidFill>
-                <a:latin typeface="Calibri" charset="0"/>
-              </a:rPr>
-              <a:t>Format for Slides</a:t>
-            </a:r>
-          </a:p>
-        </p:txBody>
-      </p:sp>
-      <p:sp>
-        <p:nvSpPr>
-          <p:cNvPr id="6146" name="Text Box 2"/>
-          <p:cNvSpPr txBox="1">
-            <a:spLocks noChangeArrowheads="1"/>
-          </p:cNvSpPr>
-          <p:nvPr/>
-        </p:nvSpPr>
-        <p:spPr bwMode="auto">
-          <a:xfrm>
-            <a:off x="457200" y="1593850"/>
-            <a:ext cx="8229600" cy="368300"/>
-          </a:xfrm>
-          <a:prstGeom prst="rect">
-            <a:avLst/>
-          </a:prstGeom>
-          <a:noFill/>
-          <a:ln w="9525">
-            <a:noFill/>
-            <a:round/>
-            <a:headEnd/>
-            <a:tailEnd/>
-          </a:ln>
-        </p:spPr>
-        <p:txBody>
-          <a:bodyPr lIns="90000" tIns="46800" rIns="90000" bIns="46800">
-            <a:prstTxWarp prst="textNoShape">
-              <a:avLst/>
-            </a:prstTxWarp>
-            <a:spAutoFit/>
-          </a:bodyPr>
-          <a:lstStyle/>
-          <a:p>
-            <a:pPr>
-              <a:buClrTx/>
-              <a:buFontTx/>
-              <a:buNone/>
-              <a:tabLst>
-                <a:tab pos="0" algn="l"/>
-                <a:tab pos="457200" algn="l"/>
-                <a:tab pos="914400" algn="l"/>
-                <a:tab pos="1371600" algn="l"/>
-                <a:tab pos="1828800" algn="l"/>
-                <a:tab pos="2286000" algn="l"/>
-                <a:tab pos="2743200" algn="l"/>
-                <a:tab pos="3200400" algn="l"/>
-                <a:tab pos="3657600" algn="l"/>
-                <a:tab pos="4114800" algn="l"/>
-                <a:tab pos="4572000" algn="l"/>
-                <a:tab pos="5029200" algn="l"/>
-                <a:tab pos="5486400" algn="l"/>
-                <a:tab pos="5943600" algn="l"/>
-                <a:tab pos="6400800" algn="l"/>
-                <a:tab pos="6858000" algn="l"/>
-                <a:tab pos="7315200" algn="l"/>
-                <a:tab pos="7772400" algn="l"/>
-                <a:tab pos="8229600" algn="l"/>
-                <a:tab pos="8686800" algn="l"/>
-                <a:tab pos="9144000" algn="l"/>
-              </a:tabLst>
-            </a:pPr>
-            <a:r>
-              <a:rPr lang="en-US" sz="1800" dirty="0">
-                <a:solidFill>
-                  <a:srgbClr val="000000"/>
-                </a:solidFill>
-              </a:rPr>
-              <a:t>Regular text will be presented just like this.</a:t>
-            </a:r>
-          </a:p>
-        </p:txBody>
-      </p:sp>
-      <p:sp>
-        <p:nvSpPr>
-          <p:cNvPr id="6148" name="Text Box 4"/>
-          <p:cNvSpPr txBox="1">
-            <a:spLocks noChangeArrowheads="1"/>
-          </p:cNvSpPr>
-          <p:nvPr/>
-        </p:nvSpPr>
-        <p:spPr bwMode="auto">
-          <a:xfrm>
-            <a:off x="457200" y="2514600"/>
-            <a:ext cx="8229600" cy="1130300"/>
-          </a:xfrm>
-          <a:prstGeom prst="rect">
-            <a:avLst/>
-          </a:prstGeom>
-          <a:noFill/>
-          <a:ln w="9360">
-            <a:solidFill>
-              <a:srgbClr val="000000"/>
-            </a:solidFill>
-            <a:prstDash val="dashDot"/>
-            <a:miter lim="800000"/>
-            <a:headEnd/>
-            <a:tailEnd/>
-          </a:ln>
-        </p:spPr>
-        <p:txBody>
-          <a:bodyPr wrap="square" lIns="90000" tIns="46800" rIns="90000" bIns="46800">
-            <a:prstTxWarp prst="textNoShape">
-              <a:avLst/>
-            </a:prstTxWarp>
-            <a:spAutoFit/>
-          </a:bodyPr>
-          <a:lstStyle/>
-          <a:p>
-            <a:pPr>
-              <a:buClrTx/>
-              <a:buFontTx/>
-              <a:buNone/>
-              <a:tabLst>
-                <a:tab pos="0" algn="l"/>
-                <a:tab pos="457200" algn="l"/>
-                <a:tab pos="914400" algn="l"/>
-                <a:tab pos="1371600" algn="l"/>
-                <a:tab pos="1828800" algn="l"/>
-                <a:tab pos="2286000" algn="l"/>
-                <a:tab pos="2743200" algn="l"/>
-                <a:tab pos="3200400" algn="l"/>
-                <a:tab pos="3657600" algn="l"/>
-                <a:tab pos="4114800" algn="l"/>
-                <a:tab pos="4572000" algn="l"/>
-                <a:tab pos="5029200" algn="l"/>
-                <a:tab pos="5486400" algn="l"/>
-                <a:tab pos="5943600" algn="l"/>
-                <a:tab pos="6400800" algn="l"/>
-                <a:tab pos="6858000" algn="l"/>
-                <a:tab pos="7315200" algn="l"/>
-                <a:tab pos="7772400" algn="l"/>
-                <a:tab pos="8229600" algn="l"/>
-                <a:tab pos="8686800" algn="l"/>
-                <a:tab pos="9144000" algn="l"/>
-              </a:tabLst>
-            </a:pPr>
-            <a:r>
-              <a:rPr lang="en-US" sz="1700" dirty="0">
-                <a:solidFill>
-                  <a:srgbClr val="7F7F7F"/>
-                </a:solidFill>
-                <a:latin typeface="Courier New" charset="0"/>
-                <a:ea typeface="Courier New" charset="0"/>
-                <a:cs typeface="Courier New" charset="0"/>
-              </a:rPr>
-              <a:t># Comments will be grayed-out and preceded by a hash</a:t>
-            </a:r>
-          </a:p>
-          <a:p>
-            <a:pPr>
-              <a:buClrTx/>
-              <a:buFontTx/>
-              <a:buNone/>
-              <a:tabLst>
-                <a:tab pos="0" algn="l"/>
-                <a:tab pos="457200" algn="l"/>
-                <a:tab pos="914400" algn="l"/>
-                <a:tab pos="1371600" algn="l"/>
-                <a:tab pos="1828800" algn="l"/>
-                <a:tab pos="2286000" algn="l"/>
-                <a:tab pos="2743200" algn="l"/>
-                <a:tab pos="3200400" algn="l"/>
-                <a:tab pos="3657600" algn="l"/>
-                <a:tab pos="4114800" algn="l"/>
-                <a:tab pos="4572000" algn="l"/>
-                <a:tab pos="5029200" algn="l"/>
-                <a:tab pos="5486400" algn="l"/>
-                <a:tab pos="5943600" algn="l"/>
-                <a:tab pos="6400800" algn="l"/>
-                <a:tab pos="6858000" algn="l"/>
-                <a:tab pos="7315200" algn="l"/>
-                <a:tab pos="7772400" algn="l"/>
-                <a:tab pos="8229600" algn="l"/>
-                <a:tab pos="8686800" algn="l"/>
-                <a:tab pos="9144000" algn="l"/>
-              </a:tabLst>
-            </a:pPr>
-            <a:endParaRPr lang="en-US" sz="1700" dirty="0">
-              <a:solidFill>
-                <a:srgbClr val="7F7F7F"/>
-              </a:solidFill>
-              <a:latin typeface="Courier New" charset="0"/>
-              <a:ea typeface="Courier New" charset="0"/>
-              <a:cs typeface="Courier New" charset="0"/>
-            </a:endParaRPr>
-          </a:p>
-          <a:p>
-            <a:pPr>
-              <a:buClrTx/>
-              <a:buFontTx/>
-              <a:buNone/>
-              <a:tabLst>
-                <a:tab pos="0" algn="l"/>
-                <a:tab pos="457200" algn="l"/>
-                <a:tab pos="914400" algn="l"/>
-                <a:tab pos="1371600" algn="l"/>
-                <a:tab pos="1828800" algn="l"/>
-                <a:tab pos="2286000" algn="l"/>
-                <a:tab pos="2743200" algn="l"/>
-                <a:tab pos="3200400" algn="l"/>
-                <a:tab pos="3657600" algn="l"/>
-                <a:tab pos="4114800" algn="l"/>
-                <a:tab pos="4572000" algn="l"/>
-                <a:tab pos="5029200" algn="l"/>
-                <a:tab pos="5486400" algn="l"/>
-                <a:tab pos="5943600" algn="l"/>
-                <a:tab pos="6400800" algn="l"/>
-                <a:tab pos="6858000" algn="l"/>
-                <a:tab pos="7315200" algn="l"/>
-                <a:tab pos="7772400" algn="l"/>
-                <a:tab pos="8229600" algn="l"/>
-                <a:tab pos="8686800" algn="l"/>
-                <a:tab pos="9144000" algn="l"/>
-              </a:tabLst>
-            </a:pPr>
-            <a:r>
-              <a:rPr lang="en-US" sz="1700" dirty="0">
-                <a:solidFill>
-                  <a:srgbClr val="7F7F7F"/>
-                </a:solidFill>
-                <a:latin typeface="Courier New" charset="0"/>
-                <a:ea typeface="Courier New" charset="0"/>
-                <a:cs typeface="Courier New" charset="0"/>
-              </a:rPr>
-              <a:t># Code will be in preceded by “&gt; ”</a:t>
-            </a:r>
-          </a:p>
-          <a:p>
-            <a:pPr>
-              <a:buClrTx/>
-              <a:buFontTx/>
-              <a:buNone/>
-              <a:tabLst>
-                <a:tab pos="0" algn="l"/>
-                <a:tab pos="457200" algn="l"/>
-                <a:tab pos="914400" algn="l"/>
-                <a:tab pos="1371600" algn="l"/>
-                <a:tab pos="1828800" algn="l"/>
-                <a:tab pos="2286000" algn="l"/>
-                <a:tab pos="2743200" algn="l"/>
-                <a:tab pos="3200400" algn="l"/>
-                <a:tab pos="3657600" algn="l"/>
-                <a:tab pos="4114800" algn="l"/>
-                <a:tab pos="4572000" algn="l"/>
-                <a:tab pos="5029200" algn="l"/>
-                <a:tab pos="5486400" algn="l"/>
-                <a:tab pos="5943600" algn="l"/>
-                <a:tab pos="6400800" algn="l"/>
-                <a:tab pos="6858000" algn="l"/>
-                <a:tab pos="7315200" algn="l"/>
-                <a:tab pos="7772400" algn="l"/>
-                <a:tab pos="8229600" algn="l"/>
-                <a:tab pos="8686800" algn="l"/>
-                <a:tab pos="9144000" algn="l"/>
-              </a:tabLst>
-            </a:pPr>
-            <a:r>
-              <a:rPr lang="en-US" sz="1700" dirty="0">
-                <a:solidFill>
-                  <a:srgbClr val="000000"/>
-                </a:solidFill>
-                <a:latin typeface="Courier New" charset="0"/>
-                <a:ea typeface="Courier New" charset="0"/>
-                <a:cs typeface="Courier New" charset="0"/>
-              </a:rPr>
-              <a:t>&gt; sin(</a:t>
-            </a:r>
-            <a:r>
-              <a:rPr lang="en-US" sz="1700" dirty="0">
-                <a:solidFill>
-                  <a:srgbClr val="C0504D"/>
-                </a:solidFill>
-                <a:latin typeface="Courier New" charset="0"/>
-                <a:ea typeface="Courier New" charset="0"/>
-                <a:cs typeface="Courier New" charset="0"/>
-              </a:rPr>
-              <a:t>1.3</a:t>
-            </a:r>
-            <a:r>
-              <a:rPr lang="en-US" sz="1700" dirty="0">
-                <a:solidFill>
-                  <a:srgbClr val="000000"/>
-                </a:solidFill>
-                <a:latin typeface="Courier New" charset="0"/>
-                <a:ea typeface="Courier New" charset="0"/>
-                <a:cs typeface="Courier New" charset="0"/>
-              </a:rPr>
-              <a:t>)</a:t>
-            </a:r>
-          </a:p>
-        </p:txBody>
-      </p:sp>
-      <p:sp>
-        <p:nvSpPr>
-          <p:cNvPr id="6149" name="Text Box 5"/>
-          <p:cNvSpPr txBox="1">
-            <a:spLocks noChangeArrowheads="1"/>
-          </p:cNvSpPr>
-          <p:nvPr/>
-        </p:nvSpPr>
-        <p:spPr bwMode="auto">
-          <a:xfrm>
-            <a:off x="457200" y="4694238"/>
-            <a:ext cx="8229599" cy="368300"/>
-          </a:xfrm>
-          <a:prstGeom prst="rect">
-            <a:avLst/>
-          </a:prstGeom>
-          <a:solidFill>
-            <a:srgbClr val="F2F2F2"/>
-          </a:solidFill>
-          <a:ln w="9360">
-            <a:solidFill>
-              <a:srgbClr val="77933C"/>
-            </a:solidFill>
-            <a:prstDash val="lgDashDotDot"/>
-            <a:miter lim="800000"/>
-            <a:headEnd/>
-            <a:tailEnd/>
-          </a:ln>
-        </p:spPr>
-        <p:txBody>
-          <a:bodyPr wrap="square" lIns="90000" tIns="46800" rIns="90000" bIns="46800">
-            <a:prstTxWarp prst="textNoShape">
-              <a:avLst/>
-            </a:prstTxWarp>
-            <a:spAutoFit/>
-          </a:bodyPr>
-          <a:lstStyle/>
-          <a:p>
-            <a:pPr>
-              <a:buClrTx/>
-              <a:buFontTx/>
-              <a:buNone/>
-              <a:tabLst>
-                <a:tab pos="0" algn="l"/>
-                <a:tab pos="457200" algn="l"/>
-                <a:tab pos="914400" algn="l"/>
-                <a:tab pos="1371600" algn="l"/>
-                <a:tab pos="1828800" algn="l"/>
-                <a:tab pos="2286000" algn="l"/>
-                <a:tab pos="2743200" algn="l"/>
-                <a:tab pos="3200400" algn="l"/>
-                <a:tab pos="3657600" algn="l"/>
-                <a:tab pos="4114800" algn="l"/>
-                <a:tab pos="4572000" algn="l"/>
-                <a:tab pos="5029200" algn="l"/>
-                <a:tab pos="5486400" algn="l"/>
-                <a:tab pos="5943600" algn="l"/>
-                <a:tab pos="6400800" algn="l"/>
-                <a:tab pos="6858000" algn="l"/>
-                <a:tab pos="7315200" algn="l"/>
-                <a:tab pos="7772400" algn="l"/>
-                <a:tab pos="8229600" algn="l"/>
-                <a:tab pos="8686800" algn="l"/>
-                <a:tab pos="9144000" algn="l"/>
-              </a:tabLst>
-            </a:pPr>
-            <a:r>
-              <a:rPr lang="en-US" sz="1800" b="1">
-                <a:solidFill>
-                  <a:srgbClr val="000000"/>
-                </a:solidFill>
-                <a:latin typeface="Courier New" charset="0"/>
-                <a:ea typeface="Courier New" charset="0"/>
-                <a:cs typeface="Courier New" charset="0"/>
-              </a:rPr>
-              <a:t>[1] 0.9635582</a:t>
-            </a:r>
-          </a:p>
-        </p:txBody>
-      </p:sp>
-      <p:sp>
-        <p:nvSpPr>
-          <p:cNvPr id="6150" name="Text Box 6"/>
-          <p:cNvSpPr txBox="1">
-            <a:spLocks noChangeArrowheads="1"/>
-          </p:cNvSpPr>
-          <p:nvPr/>
-        </p:nvSpPr>
-        <p:spPr bwMode="auto">
-          <a:xfrm>
-            <a:off x="392113" y="4314825"/>
-            <a:ext cx="8229600" cy="368300"/>
-          </a:xfrm>
-          <a:prstGeom prst="rect">
-            <a:avLst/>
-          </a:prstGeom>
-          <a:noFill/>
-          <a:ln w="9525">
-            <a:noFill/>
-            <a:round/>
-            <a:headEnd/>
-            <a:tailEnd/>
-          </a:ln>
-        </p:spPr>
-        <p:txBody>
-          <a:bodyPr lIns="90000" tIns="46800" rIns="90000" bIns="46800">
-            <a:prstTxWarp prst="textNoShape">
-              <a:avLst/>
-            </a:prstTxWarp>
-            <a:spAutoFit/>
-          </a:bodyPr>
-          <a:lstStyle/>
-          <a:p>
-            <a:pPr>
-              <a:buClrTx/>
-              <a:buFontTx/>
-              <a:buNone/>
-              <a:tabLst>
-                <a:tab pos="0" algn="l"/>
-                <a:tab pos="457200" algn="l"/>
-                <a:tab pos="914400" algn="l"/>
-                <a:tab pos="1371600" algn="l"/>
-                <a:tab pos="1828800" algn="l"/>
-                <a:tab pos="2286000" algn="l"/>
-                <a:tab pos="2743200" algn="l"/>
-                <a:tab pos="3200400" algn="l"/>
-                <a:tab pos="3657600" algn="l"/>
-                <a:tab pos="4114800" algn="l"/>
-                <a:tab pos="4572000" algn="l"/>
-                <a:tab pos="5029200" algn="l"/>
-                <a:tab pos="5486400" algn="l"/>
-                <a:tab pos="5943600" algn="l"/>
-                <a:tab pos="6400800" algn="l"/>
-                <a:tab pos="6858000" algn="l"/>
-                <a:tab pos="7315200" algn="l"/>
-                <a:tab pos="7772400" algn="l"/>
-                <a:tab pos="8229600" algn="l"/>
-                <a:tab pos="8686800" algn="l"/>
-                <a:tab pos="9144000" algn="l"/>
-              </a:tabLst>
-            </a:pPr>
-            <a:r>
-              <a:rPr lang="en-US" sz="1800">
-                <a:solidFill>
-                  <a:srgbClr val="000000"/>
-                </a:solidFill>
-              </a:rPr>
-              <a:t>Results from code example will be in a grayed out box with a dashed border.</a:t>
+          <p:cNvPr id="2" name="Title 1"/>
+          <p:cNvSpPr>
+            <a:spLocks noGrp="1"/>
+          </p:cNvSpPr>
+          <p:nvPr>
+            <p:ph type="title"/>
+          </p:nvPr>
+        </p:nvSpPr>
+        <p:spPr/>
+        <p:txBody>
+          <a:bodyPr/>
+          <a:lstStyle/>
+          <a:p>
+            <a:r>
+              <a:rPr lang="en-US"/>
+              <a:t>Overview</a:t>
+            </a:r>
+          </a:p>
+        </p:txBody>
+      </p:sp>
+      <p:sp>
+        <p:nvSpPr>
+          <p:cNvPr id="3" name="Content Placeholder 2"/>
+          <p:cNvSpPr>
+            <a:spLocks noGrp="1"/>
+          </p:cNvSpPr>
+          <p:nvPr>
+            <p:ph idx="1"/>
+          </p:nvPr>
+        </p:nvSpPr>
+        <p:spPr/>
+        <p:txBody>
+          <a:bodyPr/>
+          <a:lstStyle/>
+          <a:p>
+            <a:r>
+              <a:rPr lang="en-US"/>
+              <a:t>Writing a zelig model is a three-stage process:</a:t>
+            </a:r>
+          </a:p>
+          <a:p>
+            <a:pPr lvl="1"/>
+            <a:r>
+              <a:rPr lang="en-US"/>
+              <a:t>zelig2 method</a:t>
+            </a:r>
+          </a:p>
+          <a:p>
+            <a:pPr lvl="1"/>
+            <a:r>
+              <a:rPr lang="en-US"/>
+              <a:t>param method</a:t>
+            </a:r>
+          </a:p>
+          <a:p>
+            <a:pPr lvl="1"/>
+            <a:r>
+              <a:rPr lang="en-US"/>
+              <a:t>qi method</a:t>
+            </a:r>
+          </a:p>
+          <a:p>
+            <a:r>
+              <a:rPr lang="en-US"/>
+              <a:t>These correspond to</a:t>
+            </a:r>
+          </a:p>
+          <a:p>
+            <a:pPr lvl="1"/>
+            <a:r>
+              <a:rPr lang="en-US"/>
+              <a:t>Fitting the statistical model (zelig2)</a:t>
+            </a:r>
+          </a:p>
+          <a:p>
+            <a:pPr lvl="1"/>
+            <a:r>
+              <a:rPr lang="en-US"/>
+              <a:t>Parameter simulation (param)</a:t>
+            </a:r>
+          </a:p>
+          <a:p>
+            <a:pPr lvl="1"/>
+            <a:r>
+              <a:rPr lang="en-US"/>
+              <a:t>Quantity of interest simulation (qi)</a:t>
             </a:r>
           </a:p>
         </p:txBody>
@@ -4876,202 +4462,6 @@
   <p:clrMapOvr>
     <a:masterClrMapping/>
   </p:clrMapOvr>
-  <p:transition spd="med"/>
-  <p:timing>
-    <p:tnLst>
-      <p:par>
-        <p:cTn id="1" dur="indefinite" restart="never" nodeType="tmRoot">
-          <p:childTnLst>
-            <p:seq concurrent="1" nextAc="seek">
-              <p:cTn id="2" dur="indefinite" nodeType="mainSeq">
-                <p:childTnLst>
-                  <p:par>
-                    <p:cTn id="3" fill="hold" nodeType="clickPar">
-                      <p:stCondLst>
-                        <p:cond delay="indefinite"/>
-                        <p:cond evt="onBegin" delay="0">
-                          <p:tn val="2"/>
-                        </p:cond>
-                      </p:stCondLst>
-                      <p:childTnLst>
-                        <p:par>
-                          <p:cTn id="4" fill="hold" nodeType="withGroup">
-                            <p:stCondLst>
-                              <p:cond delay="0"/>
-                            </p:stCondLst>
-                            <p:childTnLst>
-                              <p:par>
-                                <p:cTn id="5" presetID="1" presetClass="entr" fill="hold" nodeType="withEffect">
-                                  <p:stCondLst>
-                                    <p:cond delay="0"/>
-                                  </p:stCondLst>
-                                  <p:childTnLst>
-                                    <p:set>
-                                      <p:cBhvr additive="repl">
-                                        <p:cTn id="6" dur="1" fill="hold">
-                                          <p:stCondLst>
-                                            <p:cond delay="0"/>
-                                          </p:stCondLst>
-                                        </p:cTn>
-                                        <p:tgtEl>
-                                          <p:spTgt spid="6146"/>
-                                        </p:tgtEl>
-                                        <p:attrNameLst>
-                                          <p:attrName>style.visibility</p:attrName>
-                                        </p:attrNameLst>
-                                      </p:cBhvr>
-                                      <p:to>
-                                        <p:strVal val="visible"/>
-                                      </p:to>
-                                    </p:set>
-                                  </p:childTnLst>
-                                </p:cTn>
-                              </p:par>
-                            </p:childTnLst>
-                          </p:cTn>
-                        </p:par>
-                      </p:childTnLst>
-                    </p:cTn>
-                  </p:par>
-                  <p:par>
-                    <p:cTn id="7" fill="hold">
-                      <p:stCondLst>
-                        <p:cond delay="indefinite"/>
-                      </p:stCondLst>
-                      <p:childTnLst>
-                        <p:par>
-                          <p:cTn id="8" fill="hold">
-                            <p:stCondLst>
-                              <p:cond delay="0"/>
-                            </p:stCondLst>
-                            <p:childTnLst>
-                              <p:par>
-                                <p:cTn id="9" presetID="1" presetClass="entr" fill="hold" nodeType="clickEffect">
-                                  <p:stCondLst>
-                                    <p:cond delay="0"/>
-                                  </p:stCondLst>
-                                  <p:childTnLst>
-                                    <p:set>
-                                      <p:cBhvr additive="repl">
-                                        <p:cTn id="10" dur="1" fill="hold">
-                                          <p:stCondLst>
-                                            <p:cond delay="0"/>
-                                          </p:stCondLst>
-                                        </p:cTn>
-                                        <p:tgtEl>
-                                          <p:spTgt spid="6148"/>
-                                        </p:tgtEl>
-                                        <p:attrNameLst>
-                                          <p:attrName>style.visibility</p:attrName>
-                                        </p:attrNameLst>
-                                      </p:cBhvr>
-                                      <p:to>
-                                        <p:strVal val="visible"/>
-                                      </p:to>
-                                    </p:set>
-                                  </p:childTnLst>
-                                </p:cTn>
-                              </p:par>
-                            </p:childTnLst>
-                          </p:cTn>
-                        </p:par>
-                      </p:childTnLst>
-                    </p:cTn>
-                  </p:par>
-                  <p:par>
-                    <p:cTn id="11" fill="hold" nodeType="clickPar">
-                      <p:stCondLst>
-                        <p:cond delay="indefinite"/>
-                      </p:stCondLst>
-                      <p:childTnLst>
-                        <p:par>
-                          <p:cTn id="12" fill="hold" nodeType="withGroup">
-                            <p:stCondLst>
-                              <p:cond delay="0"/>
-                            </p:stCondLst>
-                            <p:childTnLst>
-                              <p:par>
-                                <p:cTn id="13" presetID="1" presetClass="entr" fill="hold" nodeType="clickEffect">
-                                  <p:stCondLst>
-                                    <p:cond delay="0"/>
-                                  </p:stCondLst>
-                                  <p:childTnLst>
-                                    <p:set>
-                                      <p:cBhvr additive="repl">
-                                        <p:cTn id="14" dur="1" fill="hold">
-                                          <p:stCondLst>
-                                            <p:cond delay="0"/>
-                                          </p:stCondLst>
-                                        </p:cTn>
-                                        <p:tgtEl>
-                                          <p:spTgt spid="6150"/>
-                                        </p:tgtEl>
-                                        <p:attrNameLst>
-                                          <p:attrName>style.visibility</p:attrName>
-                                        </p:attrNameLst>
-                                      </p:cBhvr>
-                                      <p:to>
-                                        <p:strVal val="visible"/>
-                                      </p:to>
-                                    </p:set>
-                                  </p:childTnLst>
-                                </p:cTn>
-                              </p:par>
-                              <p:par>
-                                <p:cTn id="15" presetID="1" presetClass="entr" fill="hold" nodeType="withEffect">
-                                  <p:stCondLst>
-                                    <p:cond delay="0"/>
-                                  </p:stCondLst>
-                                  <p:childTnLst>
-                                    <p:set>
-                                      <p:cBhvr additive="repl">
-                                        <p:cTn id="16" dur="1" fill="hold">
-                                          <p:stCondLst>
-                                            <p:cond delay="0"/>
-                                          </p:stCondLst>
-                                        </p:cTn>
-                                        <p:tgtEl>
-                                          <p:spTgt spid="6149"/>
-                                        </p:tgtEl>
-                                        <p:attrNameLst>
-                                          <p:attrName>style.visibility</p:attrName>
-                                        </p:attrNameLst>
-                                      </p:cBhvr>
-                                      <p:to>
-                                        <p:strVal val="visible"/>
-                                      </p:to>
-                                    </p:set>
-                                  </p:childTnLst>
-                                </p:cTn>
-                              </p:par>
-                            </p:childTnLst>
-                          </p:cTn>
-                        </p:par>
-                      </p:childTnLst>
-                    </p:cTn>
-                  </p:par>
-                </p:childTnLst>
-              </p:cTn>
-              <p:prevCondLst>
-                <p:cond evt="onPrev" delay="0">
-                  <p:tgtEl>
-                    <p:sldTgt/>
-                  </p:tgtEl>
-                </p:cond>
-              </p:prevCondLst>
-              <p:nextCondLst>
-                <p:cond evt="onNext" delay="0">
-                  <p:tgtEl>
-                    <p:sldTgt/>
-                  </p:tgtEl>
-                </p:cond>
-              </p:nextCondLst>
-            </p:seq>
-          </p:childTnLst>
-        </p:cTn>
-      </p:par>
-    </p:tnLst>
-  </p:timing>
 </p:sld>
 </file>
 
@@ -5131,55 +4521,19 @@
           <a:p>
             <a:r>
               <a:rPr lang="en-US"/>
-              <a:t>Writing a zelig model is a three-stage process:</a:t>
-            </a:r>
-          </a:p>
-          <a:p>
-            <a:pPr lvl="1"/>
-            <a:r>
-              <a:rPr lang="en-US"/>
-              <a:t>zelig2 method</a:t>
-            </a:r>
-          </a:p>
-          <a:p>
-            <a:pPr lvl="1"/>
-            <a:r>
-              <a:rPr lang="en-US"/>
-              <a:t>param method</a:t>
-            </a:r>
-          </a:p>
-          <a:p>
-            <a:pPr lvl="1"/>
-            <a:r>
-              <a:rPr lang="en-US"/>
-              <a:t>qi method</a:t>
-            </a:r>
-          </a:p>
-          <a:p>
-            <a:r>
-              <a:rPr lang="en-US"/>
-              <a:t>These correspond to</a:t>
-            </a:r>
-          </a:p>
-          <a:p>
-            <a:pPr lvl="1"/>
-            <a:r>
-              <a:rPr lang="en-US"/>
-              <a:t>Fitting the statistical model (zelig2)</a:t>
-            </a:r>
-          </a:p>
-          <a:p>
-            <a:pPr lvl="1"/>
-            <a:r>
-              <a:rPr lang="en-US"/>
-              <a:t>Parameter simulation (param)</a:t>
-            </a:r>
-          </a:p>
-          <a:p>
-            <a:pPr lvl="1"/>
-            <a:r>
-              <a:rPr lang="en-US"/>
-              <a:t>Quantity of interest simulation (qi)</a:t>
+              <a:t>Today we are focusing on fitting the statistical model</a:t>
+            </a:r>
+          </a:p>
+          <a:p>
+            <a:r>
+              <a:rPr lang="en-US"/>
+              <a:t>Zelig requires (typically) that the model is fitted externally</a:t>
+            </a:r>
+          </a:p>
+          <a:p>
+            <a:r>
+              <a:rPr lang="en-US"/>
+              <a:t>Most models are based on "lm" or "glm" because of their general nature</a:t>
             </a:r>
           </a:p>
         </p:txBody>
@@ -5226,41 +4580,7 @@
           <a:p>
             <a:r>
               <a:rPr lang="en-US"/>
-              <a:t>Overview</a:t>
-            </a:r>
-          </a:p>
-        </p:txBody>
-      </p:sp>
-      <p:sp>
-        <p:nvSpPr>
-          <p:cNvPr id="3" name="Content Placeholder 2"/>
-          <p:cNvSpPr>
-            <a:spLocks noGrp="1"/>
-          </p:cNvSpPr>
-          <p:nvPr>
-            <p:ph idx="1"/>
-          </p:nvPr>
-        </p:nvSpPr>
-        <p:spPr/>
-        <p:txBody>
-          <a:bodyPr/>
-          <a:lstStyle/>
-          <a:p>
-            <a:r>
-              <a:rPr lang="en-US"/>
-              <a:t>Today we are focusing on fitting the statistical model</a:t>
-            </a:r>
-          </a:p>
-          <a:p>
-            <a:r>
-              <a:rPr lang="en-US"/>
-              <a:t>Zelig requires (typically) that the model is fitted externally</a:t>
-            </a:r>
-          </a:p>
-          <a:p>
-            <a:r>
-              <a:rPr lang="en-US"/>
-              <a:t>Most models are based on "lm" or "glm" because of their general nature</a:t>
+              <a:t>zelig2</a:t>
             </a:r>
           </a:p>
         </p:txBody>
@@ -5312,11 +4632,84 @@
           </a:p>
         </p:txBody>
       </p:sp>
+      <p:sp>
+        <p:nvSpPr>
+          <p:cNvPr id="3" name="Content Placeholder 2"/>
+          <p:cNvSpPr>
+            <a:spLocks noGrp="1"/>
+          </p:cNvSpPr>
+          <p:nvPr>
+            <p:ph idx="1"/>
+          </p:nvPr>
+        </p:nvSpPr>
+        <p:spPr/>
+        <p:txBody>
+          <a:bodyPr/>
+          <a:lstStyle/>
+          <a:p>
+            <a:r>
+              <a:rPr lang="en-US" b="1"/>
+              <a:t>Does not</a:t>
+            </a:r>
+            <a:r>
+              <a:rPr lang="en-US"/>
+              <a:t> fit models itself</a:t>
+            </a:r>
+          </a:p>
+          <a:p>
+            <a:r>
+              <a:rPr lang="en-US"/>
+              <a:t>Uses outside models to fit data</a:t>
+            </a:r>
+          </a:p>
+          <a:p>
+            <a:pPr lvl="1"/>
+            <a:r>
+              <a:rPr lang="en-US"/>
+              <a:t>"lm", "glm", "nlme", etc.</a:t>
+            </a:r>
+          </a:p>
+          <a:p>
+            <a:r>
+              <a:rPr lang="en-US"/>
+              <a:t>Manages how zelig interacts with these models:</a:t>
+            </a:r>
+          </a:p>
+          <a:p>
+            <a:pPr lvl="1"/>
+            <a:r>
+              <a:rPr lang="en-US"/>
+              <a:t>Specifies what function will fit the model</a:t>
+            </a:r>
+          </a:p>
+          <a:p>
+            <a:pPr lvl="1"/>
+            <a:r>
+              <a:rPr lang="en-US"/>
+              <a:t>Specifies parameters</a:t>
+            </a:r>
+          </a:p>
+          <a:p>
+            <a:pPr lvl="1"/>
+            <a:r>
+              <a:rPr lang="en-US"/>
+              <a:t>Manipulates objects</a:t>
+            </a:r>
+          </a:p>
+        </p:txBody>
+      </p:sp>
     </p:spTree>
   </p:cSld>
   <p:clrMapOvr>
     <a:masterClrMapping/>
   </p:clrMapOvr>
+  <p:timing>
+    <p:tnLst>
+      <p:par>
+        <p:cTn id="1" dur="indefinite" restart="never" nodeType="tmRoot"/>
+      </p:par>
+    </p:tnLst>
+  </p:timing>
 </p:sld>
 </file>
 
@@ -5354,7 +4747,7 @@
           <a:p>
             <a:r>
               <a:rPr lang="en-US"/>
-              <a:t>zelig2</a:t>
+              <a:t>Why Zelig2</a:t>
             </a:r>
           </a:p>
         </p:txBody>
@@ -5374,54 +4767,7 @@
           <a:bodyPr/>
           <a:lstStyle/>
           <a:p>
-            <a:r>
-              <a:rPr lang="en-US" b="1"/>
-              <a:t>Does not</a:t>
-            </a:r>
-            <a:r>
-              <a:rPr lang="en-US"/>
-              <a:t> fit models itself</a:t>
-            </a:r>
-          </a:p>
-          <a:p>
-            <a:r>
-              <a:rPr lang="en-US"/>
-              <a:t>Uses outside models to fit data</a:t>
-            </a:r>
-          </a:p>
-          <a:p>
-            <a:pPr lvl="1"/>
-            <a:r>
-              <a:rPr lang="en-US"/>
-              <a:t>"lm", "glm", "nlme", etc.</a:t>
-            </a:r>
-          </a:p>
-          <a:p>
-            <a:r>
-              <a:rPr lang="en-US"/>
-              <a:t>Manages how zelig interacts with these models:</a:t>
-            </a:r>
-          </a:p>
-          <a:p>
-            <a:pPr lvl="1"/>
-            <a:r>
-              <a:rPr lang="en-US"/>
-              <a:t>Specifies what function will fit the model</a:t>
-            </a:r>
-          </a:p>
-          <a:p>
-            <a:pPr lvl="1"/>
-            <a:r>
-              <a:rPr lang="en-US"/>
-              <a:t>Specifies parameters</a:t>
-            </a:r>
-          </a:p>
-          <a:p>
-            <a:pPr lvl="1"/>
-            <a:r>
-              <a:rPr lang="en-US"/>
-              <a:t>Manipulates objects</a:t>
-            </a:r>
+            <a:endParaRPr lang="en-US"/>
           </a:p>
         </p:txBody>
       </p:sp>
@@ -5474,7 +4820,7 @@
           <a:p>
             <a:r>
               <a:rPr lang="en-US"/>
-              <a:t>Why Zelig2</a:t>
+              <a:t>Workflow</a:t>
             </a:r>
           </a:p>
         </p:txBody>
@@ -5494,7 +4840,40 @@
           <a:bodyPr/>
           <a:lstStyle/>
           <a:p>
-            <a:endParaRPr lang="en-US"/>
+            <a:r>
+              <a:rPr lang="en-US"/>
+              <a:t>Find existing model</a:t>
+            </a:r>
+          </a:p>
+          <a:p>
+            <a:r>
+              <a:rPr lang="en-US"/>
+              <a:t>Determine what the arguments are</a:t>
+            </a:r>
+          </a:p>
+          <a:p>
+            <a:r>
+              <a:rPr lang="en-US"/>
+              <a:t>Return a list at the bottom of the function</a:t>
+            </a:r>
+          </a:p>
+          <a:p>
+            <a:r>
+              <a:rPr lang="en-US"/>
+              <a:t>Manipulate objects</a:t>
+            </a:r>
+          </a:p>
+          <a:p>
+            <a:r>
+              <a:rPr lang="en-US"/>
+              <a:t>Write warnigns</a:t>
+            </a:r>
+          </a:p>
+          <a:p>
+            <a:r>
+              <a:rPr lang="en-US"/>
+              <a:t>Document</a:t>
+            </a:r>
           </a:p>
         </p:txBody>
       </p:sp>
@@ -5547,7 +4926,7 @@
           <a:p>
             <a:r>
               <a:rPr lang="en-US"/>
-              <a:t>Workflow</a:t>
+              <a:t>Features of a zelig2 function</a:t>
             </a:r>
           </a:p>
         </p:txBody>
@@ -5564,43 +4943,320 @@
         </p:nvSpPr>
         <p:spPr/>
         <p:txBody>
-          <a:bodyPr/>
-          <a:lstStyle/>
-          <a:p>
-            <a:r>
-              <a:rPr lang="en-US"/>
-              <a:t>Find existing model</a:t>
-            </a:r>
-          </a:p>
-          <a:p>
-            <a:r>
-              <a:rPr lang="en-US"/>
-              <a:t>Determine what the arguments are</a:t>
-            </a:r>
-          </a:p>
-          <a:p>
-            <a:r>
-              <a:rPr lang="en-US"/>
-              <a:t>Return a list at the bottom of the function</a:t>
-            </a:r>
-          </a:p>
-          <a:p>
-            <a:r>
-              <a:rPr lang="en-US"/>
-              <a:t>Manipulate objects</a:t>
-            </a:r>
-          </a:p>
-          <a:p>
-            <a:r>
-              <a:rPr lang="en-US"/>
-              <a:t>Write warnigns</a:t>
-            </a:r>
-          </a:p>
-          <a:p>
-            <a:r>
-              <a:rPr lang="en-US"/>
-              <a:t>Document</a:t>
-            </a:r>
+          <a:bodyPr>
+            <a:normAutofit/>
+          </a:bodyPr>
+          <a:lstStyle/>
+          <a:p>
+            <a:pPr>
+              <a:buNone/>
+            </a:pPr>
+            <a:r>
+              <a:rPr lang="en-US" sz="1800">
+                <a:latin typeface="Courier New"/>
+                <a:cs typeface="Courier New"/>
+              </a:rPr>
+              <a:t>zelig2logit &lt;- </a:t>
+            </a:r>
+            <a:r>
+              <a:rPr lang="en-US" sz="1800">
+                <a:solidFill>
+                  <a:srgbClr val="0000FF"/>
+                </a:solidFill>
+                <a:latin typeface="Courier New"/>
+                <a:cs typeface="Courier New"/>
+              </a:rPr>
+              <a:t>function</a:t>
+            </a:r>
+            <a:r>
+              <a:rPr lang="en-US" sz="1800">
+                <a:latin typeface="Courier New"/>
+                <a:cs typeface="Courier New"/>
+              </a:rPr>
+              <a:t>(formula, weights=NULL, ..., data){</a:t>
+            </a:r>
+          </a:p>
+          <a:p>
+            <a:pPr>
+              <a:buNone/>
+            </a:pPr>
+            <a:r>
+              <a:rPr lang="en-US" sz="1800">
+                <a:latin typeface="Courier New"/>
+                <a:cs typeface="Courier New"/>
+              </a:rPr>
+              <a:t>  </a:t>
+            </a:r>
+            <a:r>
+              <a:rPr lang="en-US" sz="1800">
+                <a:solidFill>
+                  <a:srgbClr val="0000FF"/>
+                </a:solidFill>
+                <a:latin typeface="Courier New"/>
+                <a:cs typeface="Courier New"/>
+              </a:rPr>
+              <a:t>list</a:t>
+            </a:r>
+            <a:r>
+              <a:rPr lang="en-US" sz="1800">
+                <a:latin typeface="Courier New"/>
+                <a:cs typeface="Courier New"/>
+              </a:rPr>
+              <a:t>(</a:t>
+            </a:r>
+          </a:p>
+          <a:p>
+            <a:pPr>
+              <a:buNone/>
+            </a:pPr>
+            <a:r>
+              <a:rPr lang="en-US" sz="1800">
+                <a:latin typeface="Courier New"/>
+                <a:cs typeface="Courier New"/>
+              </a:rPr>
+              <a:t>       .function </a:t>
+            </a:r>
+            <a:r>
+              <a:rPr lang="en-US" sz="1800">
+                <a:solidFill>
+                  <a:schemeClr val="accent1"/>
+                </a:solidFill>
+                <a:latin typeface="Courier New"/>
+                <a:cs typeface="Courier New"/>
+              </a:rPr>
+              <a:t>=</a:t>
+            </a:r>
+            <a:r>
+              <a:rPr lang="en-US" sz="1800">
+                <a:latin typeface="Courier New"/>
+                <a:cs typeface="Courier New"/>
+              </a:rPr>
+              <a:t> </a:t>
+            </a:r>
+            <a:r>
+              <a:rPr lang="en-US" sz="1800">
+                <a:solidFill>
+                  <a:schemeClr val="accent2"/>
+                </a:solidFill>
+                <a:latin typeface="Courier New"/>
+                <a:cs typeface="Courier New"/>
+              </a:rPr>
+              <a:t>"glm"</a:t>
+            </a:r>
+            <a:r>
+              <a:rPr lang="en-US" sz="1800">
+                <a:latin typeface="Courier New"/>
+                <a:cs typeface="Courier New"/>
+              </a:rPr>
+              <a:t>,</a:t>
+            </a:r>
+          </a:p>
+          <a:p>
+            <a:pPr>
+              <a:buNone/>
+            </a:pPr>
+            <a:endParaRPr lang="en-US" sz="1800">
+              <a:latin typeface="Courier New"/>
+              <a:cs typeface="Courier New"/>
+            </a:endParaRPr>
+          </a:p>
+          <a:p>
+            <a:pPr>
+              <a:buNone/>
+            </a:pPr>
+            <a:r>
+              <a:rPr lang="en-US" sz="1800">
+                <a:latin typeface="Courier New"/>
+                <a:cs typeface="Courier New"/>
+              </a:rPr>
+              <a:t>       formula </a:t>
+            </a:r>
+            <a:r>
+              <a:rPr lang="en-US" sz="1800">
+                <a:solidFill>
+                  <a:schemeClr val="tx2">
+                    <a:lumMod val="40000"/>
+                    <a:lumOff val="60000"/>
+                  </a:schemeClr>
+                </a:solidFill>
+                <a:latin typeface="Courier New"/>
+                <a:cs typeface="Courier New"/>
+              </a:rPr>
+              <a:t>=</a:t>
+            </a:r>
+            <a:r>
+              <a:rPr lang="en-US" sz="1800">
+                <a:latin typeface="Courier New"/>
+                <a:cs typeface="Courier New"/>
+              </a:rPr>
+              <a:t> formula,</a:t>
+            </a:r>
+          </a:p>
+          <a:p>
+            <a:pPr>
+              <a:buNone/>
+            </a:pPr>
+            <a:r>
+              <a:rPr lang="en-US" sz="1800">
+                <a:latin typeface="Courier New"/>
+                <a:cs typeface="Courier New"/>
+              </a:rPr>
+              <a:t>       weights </a:t>
+            </a:r>
+            <a:r>
+              <a:rPr lang="en-US" sz="1800">
+                <a:solidFill>
+                  <a:srgbClr val="8EB4E3"/>
+                </a:solidFill>
+                <a:latin typeface="Courier New"/>
+                <a:cs typeface="Courier New"/>
+              </a:rPr>
+              <a:t>=</a:t>
+            </a:r>
+            <a:r>
+              <a:rPr lang="en-US" sz="1800">
+                <a:latin typeface="Courier New"/>
+                <a:cs typeface="Courier New"/>
+              </a:rPr>
+              <a:t> weights,</a:t>
+            </a:r>
+          </a:p>
+          <a:p>
+            <a:pPr>
+              <a:buNone/>
+            </a:pPr>
+            <a:r>
+              <a:rPr lang="en-US" sz="1800">
+                <a:latin typeface="Courier New"/>
+                <a:cs typeface="Courier New"/>
+              </a:rPr>
+              <a:t>       family  </a:t>
+            </a:r>
+            <a:r>
+              <a:rPr lang="en-US" sz="1800">
+                <a:solidFill>
+                  <a:srgbClr val="8EB4E3"/>
+                </a:solidFill>
+                <a:latin typeface="Courier New"/>
+                <a:cs typeface="Courier New"/>
+              </a:rPr>
+              <a:t>=</a:t>
+            </a:r>
+            <a:r>
+              <a:rPr lang="en-US" sz="1800">
+                <a:latin typeface="Courier New"/>
+                <a:cs typeface="Courier New"/>
+              </a:rPr>
+              <a:t> binomial(link=</a:t>
+            </a:r>
+            <a:r>
+              <a:rPr lang="en-US" sz="1800">
+                <a:solidFill>
+                  <a:srgbClr val="C0504D"/>
+                </a:solidFill>
+                <a:latin typeface="Courier New"/>
+                <a:cs typeface="Courier New"/>
+              </a:rPr>
+              <a:t>"logit"</a:t>
+            </a:r>
+            <a:r>
+              <a:rPr lang="en-US" sz="1800">
+                <a:latin typeface="Courier New"/>
+                <a:cs typeface="Courier New"/>
+              </a:rPr>
+              <a:t>),</a:t>
+            </a:r>
+          </a:p>
+          <a:p>
+            <a:pPr>
+              <a:buNone/>
+            </a:pPr>
+            <a:r>
+              <a:rPr lang="en-US" sz="1800">
+                <a:latin typeface="Courier New"/>
+                <a:cs typeface="Courier New"/>
+              </a:rPr>
+              <a:t>       model   </a:t>
+            </a:r>
+            <a:r>
+              <a:rPr lang="en-US" sz="1800">
+                <a:solidFill>
+                  <a:srgbClr val="8EB4E3"/>
+                </a:solidFill>
+                <a:latin typeface="Courier New"/>
+                <a:cs typeface="Courier New"/>
+              </a:rPr>
+              <a:t>=</a:t>
+            </a:r>
+            <a:r>
+              <a:rPr lang="en-US" sz="1800">
+                <a:latin typeface="Courier New"/>
+                <a:cs typeface="Courier New"/>
+              </a:rPr>
+              <a:t> F,</a:t>
+            </a:r>
+          </a:p>
+          <a:p>
+            <a:pPr>
+              <a:buNone/>
+            </a:pPr>
+            <a:r>
+              <a:rPr lang="en-US" sz="1800">
+                <a:latin typeface="Courier New"/>
+                <a:cs typeface="Courier New"/>
+              </a:rPr>
+              <a:t>       data    </a:t>
+            </a:r>
+            <a:r>
+              <a:rPr lang="en-US" sz="1800">
+                <a:solidFill>
+                  <a:srgbClr val="8EB4E3"/>
+                </a:solidFill>
+                <a:latin typeface="Courier New"/>
+                <a:cs typeface="Courier New"/>
+              </a:rPr>
+              <a:t>=</a:t>
+            </a:r>
+            <a:r>
+              <a:rPr lang="en-US" sz="1800">
+                <a:latin typeface="Courier New"/>
+                <a:cs typeface="Courier New"/>
+              </a:rPr>
+              <a:t> data</a:t>
+            </a:r>
+          </a:p>
+          <a:p>
+            <a:pPr>
+              <a:buNone/>
+            </a:pPr>
+            <a:r>
+              <a:rPr lang="en-US" sz="1800">
+                <a:latin typeface="Courier New"/>
+                <a:cs typeface="Courier New"/>
+              </a:rPr>
+              <a:t>       )</a:t>
+            </a:r>
+          </a:p>
+          <a:p>
+            <a:pPr>
+              <a:buNone/>
+            </a:pPr>
+            <a:r>
+              <a:rPr lang="en-US" sz="1800">
+                <a:latin typeface="Courier New"/>
+                <a:cs typeface="Courier New"/>
+              </a:rPr>
+              <a:t>}</a:t>
+            </a:r>
+          </a:p>
+          <a:p>
+            <a:pPr>
+              <a:buNone/>
+            </a:pPr>
+            <a:endParaRPr lang="en-US" sz="1800">
+              <a:latin typeface="Courier New"/>
+              <a:cs typeface="Courier New"/>
+            </a:endParaRPr>
           </a:p>
         </p:txBody>
       </p:sp>
@@ -5744,389 +5400,6 @@
 </file>
 
 <file path=ppt/slides/slide20.xml><?xml version="1.0" encoding="utf-8"?>
-<p:sld xmlns:a="http://schemas.openxmlformats.org/drawingml/2006/main" xmlns:r="http://schemas.openxmlformats.org/officeDocument/2006/relationships" xmlns:mc="http://schemas.openxmlformats.org/markup-compatibility/2006" xmlns:mv="urn:schemas-microsoft-com:mac:vml" xmlns:p="http://schemas.openxmlformats.org/presentationml/2006/main" mc:Ignorable="mv" mc:PreserveAttributes="mv:*">
-  <p:cSld>
-    <p:spTree>
-      <p:nvGrpSpPr>
-        <p:cNvPr id="1" name=""/>
-        <p:cNvGrpSpPr/>
-        <p:nvPr/>
-      </p:nvGrpSpPr>
-      <p:grpSpPr>
-        <a:xfrm>
-          <a:off x="0" y="0"/>
-          <a:ext cx="0" cy="0"/>
-          <a:chOff x="0" y="0"/>
-          <a:chExt cx="0" cy="0"/>
-        </a:xfrm>
-      </p:grpSpPr>
-      <p:sp>
-        <p:nvSpPr>
-          <p:cNvPr id="2" name="Title 1"/>
-          <p:cNvSpPr>
-            <a:spLocks noGrp="1"/>
-          </p:cNvSpPr>
-          <p:nvPr>
-            <p:ph type="title"/>
-          </p:nvPr>
-        </p:nvSpPr>
-        <p:spPr/>
-        <p:txBody>
-          <a:bodyPr/>
-          <a:lstStyle/>
-          <a:p>
-            <a:r>
-              <a:rPr lang="en-US"/>
-              <a:t>Features of a zelig2 function</a:t>
-            </a:r>
-          </a:p>
-        </p:txBody>
-      </p:sp>
-      <p:sp>
-        <p:nvSpPr>
-          <p:cNvPr id="3" name="Content Placeholder 2"/>
-          <p:cNvSpPr>
-            <a:spLocks noGrp="1"/>
-          </p:cNvSpPr>
-          <p:nvPr>
-            <p:ph idx="1"/>
-          </p:nvPr>
-        </p:nvSpPr>
-        <p:spPr/>
-        <p:txBody>
-          <a:bodyPr>
-            <a:normAutofit/>
-          </a:bodyPr>
-          <a:lstStyle/>
-          <a:p>
-            <a:pPr>
-              <a:buNone/>
-            </a:pPr>
-            <a:r>
-              <a:rPr lang="en-US" sz="1800">
-                <a:latin typeface="Courier New"/>
-                <a:cs typeface="Courier New"/>
-              </a:rPr>
-              <a:t>zelig2logit &lt;- </a:t>
-            </a:r>
-            <a:r>
-              <a:rPr lang="en-US" sz="1800">
-                <a:solidFill>
-                  <a:srgbClr val="0000FF"/>
-                </a:solidFill>
-                <a:latin typeface="Courier New"/>
-                <a:cs typeface="Courier New"/>
-              </a:rPr>
-              <a:t>function</a:t>
-            </a:r>
-            <a:r>
-              <a:rPr lang="en-US" sz="1800">
-                <a:latin typeface="Courier New"/>
-                <a:cs typeface="Courier New"/>
-              </a:rPr>
-              <a:t>(formula, weights=NULL, ..., data){</a:t>
-            </a:r>
-          </a:p>
-          <a:p>
-            <a:pPr>
-              <a:buNone/>
-            </a:pPr>
-            <a:r>
-              <a:rPr lang="en-US" sz="1800">
-                <a:latin typeface="Courier New"/>
-                <a:cs typeface="Courier New"/>
-              </a:rPr>
-              <a:t>  </a:t>
-            </a:r>
-            <a:r>
-              <a:rPr lang="en-US" sz="1800">
-                <a:solidFill>
-                  <a:srgbClr val="0000FF"/>
-                </a:solidFill>
-                <a:latin typeface="Courier New"/>
-                <a:cs typeface="Courier New"/>
-              </a:rPr>
-              <a:t>list</a:t>
-            </a:r>
-            <a:r>
-              <a:rPr lang="en-US" sz="1800">
-                <a:latin typeface="Courier New"/>
-                <a:cs typeface="Courier New"/>
-              </a:rPr>
-              <a:t>(</a:t>
-            </a:r>
-          </a:p>
-          <a:p>
-            <a:pPr>
-              <a:buNone/>
-            </a:pPr>
-            <a:r>
-              <a:rPr lang="en-US" sz="1800">
-                <a:latin typeface="Courier New"/>
-                <a:cs typeface="Courier New"/>
-              </a:rPr>
-              <a:t>       .function </a:t>
-            </a:r>
-            <a:r>
-              <a:rPr lang="en-US" sz="1800">
-                <a:solidFill>
-                  <a:schemeClr val="accent1"/>
-                </a:solidFill>
-                <a:latin typeface="Courier New"/>
-                <a:cs typeface="Courier New"/>
-              </a:rPr>
-              <a:t>=</a:t>
-            </a:r>
-            <a:r>
-              <a:rPr lang="en-US" sz="1800">
-                <a:latin typeface="Courier New"/>
-                <a:cs typeface="Courier New"/>
-              </a:rPr>
-              <a:t> </a:t>
-            </a:r>
-            <a:r>
-              <a:rPr lang="en-US" sz="1800">
-                <a:solidFill>
-                  <a:schemeClr val="accent2"/>
-                </a:solidFill>
-                <a:latin typeface="Courier New"/>
-                <a:cs typeface="Courier New"/>
-              </a:rPr>
-              <a:t>"glm"</a:t>
-            </a:r>
-            <a:r>
-              <a:rPr lang="en-US" sz="1800">
-                <a:latin typeface="Courier New"/>
-                <a:cs typeface="Courier New"/>
-              </a:rPr>
-              <a:t>,</a:t>
-            </a:r>
-          </a:p>
-          <a:p>
-            <a:pPr>
-              <a:buNone/>
-            </a:pPr>
-            <a:endParaRPr lang="en-US" sz="1800">
-              <a:latin typeface="Courier New"/>
-              <a:cs typeface="Courier New"/>
-            </a:endParaRPr>
-          </a:p>
-          <a:p>
-            <a:pPr>
-              <a:buNone/>
-            </a:pPr>
-            <a:r>
-              <a:rPr lang="en-US" sz="1800">
-                <a:latin typeface="Courier New"/>
-                <a:cs typeface="Courier New"/>
-              </a:rPr>
-              <a:t>       formula </a:t>
-            </a:r>
-            <a:r>
-              <a:rPr lang="en-US" sz="1800">
-                <a:solidFill>
-                  <a:schemeClr val="tx2">
-                    <a:lumMod val="40000"/>
-                    <a:lumOff val="60000"/>
-                  </a:schemeClr>
-                </a:solidFill>
-                <a:latin typeface="Courier New"/>
-                <a:cs typeface="Courier New"/>
-              </a:rPr>
-              <a:t>=</a:t>
-            </a:r>
-            <a:r>
-              <a:rPr lang="en-US" sz="1800">
-                <a:latin typeface="Courier New"/>
-                <a:cs typeface="Courier New"/>
-              </a:rPr>
-              <a:t> formula,</a:t>
-            </a:r>
-          </a:p>
-          <a:p>
-            <a:pPr>
-              <a:buNone/>
-            </a:pPr>
-            <a:r>
-              <a:rPr lang="en-US" sz="1800">
-                <a:latin typeface="Courier New"/>
-                <a:cs typeface="Courier New"/>
-              </a:rPr>
-              <a:t>       weights </a:t>
-            </a:r>
-            <a:r>
-              <a:rPr lang="en-US" sz="1800">
-                <a:solidFill>
-                  <a:srgbClr val="8EB4E3"/>
-                </a:solidFill>
-                <a:latin typeface="Courier New"/>
-                <a:cs typeface="Courier New"/>
-              </a:rPr>
-              <a:t>=</a:t>
-            </a:r>
-            <a:r>
-              <a:rPr lang="en-US" sz="1800">
-                <a:latin typeface="Courier New"/>
-                <a:cs typeface="Courier New"/>
-              </a:rPr>
-              <a:t> weights,</a:t>
-            </a:r>
-          </a:p>
-          <a:p>
-            <a:pPr>
-              <a:buNone/>
-            </a:pPr>
-            <a:r>
-              <a:rPr lang="en-US" sz="1800">
-                <a:latin typeface="Courier New"/>
-                <a:cs typeface="Courier New"/>
-              </a:rPr>
-              <a:t>       family  </a:t>
-            </a:r>
-            <a:r>
-              <a:rPr lang="en-US" sz="1800">
-                <a:solidFill>
-                  <a:srgbClr val="8EB4E3"/>
-                </a:solidFill>
-                <a:latin typeface="Courier New"/>
-                <a:cs typeface="Courier New"/>
-              </a:rPr>
-              <a:t>=</a:t>
-            </a:r>
-            <a:r>
-              <a:rPr lang="en-US" sz="1800">
-                <a:latin typeface="Courier New"/>
-                <a:cs typeface="Courier New"/>
-              </a:rPr>
-              <a:t> binomial(link=</a:t>
-            </a:r>
-            <a:r>
-              <a:rPr lang="en-US" sz="1800">
-                <a:solidFill>
-                  <a:srgbClr val="C0504D"/>
-                </a:solidFill>
-                <a:latin typeface="Courier New"/>
-                <a:cs typeface="Courier New"/>
-              </a:rPr>
-              <a:t>"logit"</a:t>
-            </a:r>
-            <a:r>
-              <a:rPr lang="en-US" sz="1800">
-                <a:latin typeface="Courier New"/>
-                <a:cs typeface="Courier New"/>
-              </a:rPr>
-              <a:t>),</a:t>
-            </a:r>
-          </a:p>
-          <a:p>
-            <a:pPr>
-              <a:buNone/>
-            </a:pPr>
-            <a:r>
-              <a:rPr lang="en-US" sz="1800">
-                <a:latin typeface="Courier New"/>
-                <a:cs typeface="Courier New"/>
-              </a:rPr>
-              <a:t>       model   </a:t>
-            </a:r>
-            <a:r>
-              <a:rPr lang="en-US" sz="1800">
-                <a:solidFill>
-                  <a:srgbClr val="8EB4E3"/>
-                </a:solidFill>
-                <a:latin typeface="Courier New"/>
-                <a:cs typeface="Courier New"/>
-              </a:rPr>
-              <a:t>=</a:t>
-            </a:r>
-            <a:r>
-              <a:rPr lang="en-US" sz="1800">
-                <a:latin typeface="Courier New"/>
-                <a:cs typeface="Courier New"/>
-              </a:rPr>
-              <a:t> F,</a:t>
-            </a:r>
-          </a:p>
-          <a:p>
-            <a:pPr>
-              <a:buNone/>
-            </a:pPr>
-            <a:r>
-              <a:rPr lang="en-US" sz="1800">
-                <a:latin typeface="Courier New"/>
-                <a:cs typeface="Courier New"/>
-              </a:rPr>
-              <a:t>       data    </a:t>
-            </a:r>
-            <a:r>
-              <a:rPr lang="en-US" sz="1800">
-                <a:solidFill>
-                  <a:srgbClr val="8EB4E3"/>
-                </a:solidFill>
-                <a:latin typeface="Courier New"/>
-                <a:cs typeface="Courier New"/>
-              </a:rPr>
-              <a:t>=</a:t>
-            </a:r>
-            <a:r>
-              <a:rPr lang="en-US" sz="1800">
-                <a:latin typeface="Courier New"/>
-                <a:cs typeface="Courier New"/>
-              </a:rPr>
-              <a:t> data</a:t>
-            </a:r>
-          </a:p>
-          <a:p>
-            <a:pPr>
-              <a:buNone/>
-            </a:pPr>
-            <a:r>
-              <a:rPr lang="en-US" sz="1800">
-                <a:latin typeface="Courier New"/>
-                <a:cs typeface="Courier New"/>
-              </a:rPr>
-              <a:t>       )</a:t>
-            </a:r>
-          </a:p>
-          <a:p>
-            <a:pPr>
-              <a:buNone/>
-            </a:pPr>
-            <a:r>
-              <a:rPr lang="en-US" sz="1800">
-                <a:latin typeface="Courier New"/>
-                <a:cs typeface="Courier New"/>
-              </a:rPr>
-              <a:t>}</a:t>
-            </a:r>
-          </a:p>
-          <a:p>
-            <a:pPr>
-              <a:buNone/>
-            </a:pPr>
-            <a:endParaRPr lang="en-US" sz="1800">
-              <a:latin typeface="Courier New"/>
-              <a:cs typeface="Courier New"/>
-            </a:endParaRPr>
-          </a:p>
-        </p:txBody>
-      </p:sp>
-    </p:spTree>
-  </p:cSld>
-  <p:clrMapOvr>
-    <a:masterClrMapping/>
-  </p:clrMapOvr>
-  <p:timing>
-    <p:tnLst>
-      <p:par>
-        <p:cTn id="1" dur="indefinite" restart="never" nodeType="tmRoot"/>
-      </p:par>
-    </p:tnLst>
-  </p:timing>
-</p:sld>
-</file>
-
-<file path=ppt/slides/slide21.xml><?xml version="1.0" encoding="utf-8"?>
 <p:sld xmlns:a="http://schemas.openxmlformats.org/drawingml/2006/main" xmlns:r="http://schemas.openxmlformats.org/officeDocument/2006/relationships" xmlns:mc="http://schemas.openxmlformats.org/markup-compatibility/2006" xmlns:mv="urn:schemas-microsoft-com:mac:vml" xmlns:p="http://schemas.openxmlformats.org/presentationml/2006/main" mc:Ignorable="mv" mc:PreserveAttributes="mv:*">
   <p:cSld>
     <p:spTree>
@@ -7322,7 +6595,11 @@
                                           </p:stCondLst>
                                         </p:cTn>
                                         <p:tgtEl>
-                                          <p:spTgt spid="6"/>
+                                          <p:spTgt spid="6">
+                                            <p:txEl>
+                                              <p:charRg st="4294967295" end="4294967295"/>
+                                            </p:txEl>
+                                          </p:spTgt>
                                         </p:tgtEl>
                                         <p:attrNameLst>
                                           <p:attrName>style.visibility</p:attrName>
@@ -7336,10 +6613,15 @@
                                 </p:cTn>
                               </p:par>
                               <p:par>
-                                <p:cTn id="35" presetID="1" presetClass="entr" presetSubtype="0" fill="hold" grpId="0" nodeType="withEffect">
+                                <p:cTn id="35" presetID="1" presetClass="entr" presetSubtype="0" fill="hold" grpId="0" nodeType="withEffect" nodePh="1">
                                   <p:stCondLst>
                                     <p:cond delay="0"/>
                                   </p:stCondLst>
+                                  <p:endCondLst>
+                                    <p:cond evt="begin" delay="0">
+                                      <p:tn val="35"/>
+                                    </p:cond>
+                                  </p:endCondLst>
                                   <p:childTnLst>
                                     <p:set>
                                       <p:cBhvr>
@@ -7349,7 +6631,11 @@
                                           </p:stCondLst>
                                         </p:cTn>
                                         <p:tgtEl>
-                                          <p:spTgt spid="18"/>
+                                          <p:spTgt spid="18">
+                                            <p:txEl>
+                                              <p:charRg st="4294967295" end="4294967295"/>
+                                            </p:txEl>
+                                          </p:spTgt>
                                         </p:tgtEl>
                                         <p:attrNameLst>
                                           <p:attrName>style.visibility</p:attrName>
@@ -7389,87 +6675,15 @@
                                   </p:childTnLst>
                                 </p:cTn>
                               </p:par>
-                            </p:childTnLst>
-                          </p:cTn>
-                        </p:par>
-                      </p:childTnLst>
-                    </p:cTn>
-                  </p:par>
-                  <p:par>
-                    <p:cTn id="39" fill="hold">
-                      <p:stCondLst>
-                        <p:cond delay="indefinite"/>
-                      </p:stCondLst>
-                      <p:childTnLst>
-                        <p:par>
-                          <p:cTn id="40" fill="hold">
-                            <p:stCondLst>
-                              <p:cond delay="0"/>
-                            </p:stCondLst>
-                            <p:childTnLst>
                               <p:par>
-                                <p:cTn id="41" presetID="1" presetClass="exit" presetSubtype="0" fill="hold" grpId="0" nodeType="clickEffect">
+                                <p:cTn id="39" presetID="1" presetClass="exit" presetSubtype="0" fill="hold" nodeType="withEffect">
                                   <p:stCondLst>
                                     <p:cond delay="0"/>
                                   </p:stCondLst>
                                   <p:childTnLst>
                                     <p:set>
                                       <p:cBhvr>
-                                        <p:cTn id="42" dur="1" fill="hold">
-                                          <p:stCondLst>
-                                            <p:cond delay="0"/>
-                                          </p:stCondLst>
-                                        </p:cTn>
-                                        <p:tgtEl>
-                                          <p:spTgt spid="6"/>
-                                        </p:tgtEl>
-                                        <p:attrNameLst>
-                                          <p:attrName>style.visibility</p:attrName>
-                                        </p:attrNameLst>
-                                      </p:cBhvr>
-                                      <p:to>
-                                        <p:strVal val="hidden"/>
-                                      </p:to>
-                                    </p:set>
-                                  </p:childTnLst>
-                                </p:cTn>
-                              </p:par>
-                              <p:par>
-                                <p:cTn id="43" presetID="1" presetClass="exit" presetSubtype="0" fill="hold" grpId="0" nodeType="withEffect">
-                                  <p:stCondLst>
-                                    <p:cond delay="0"/>
-                                  </p:stCondLst>
-                                  <p:childTnLst>
-                                    <p:set>
-                                      <p:cBhvr>
-                                        <p:cTn id="44" dur="1" fill="hold">
-                                          <p:stCondLst>
-                                            <p:cond delay="0"/>
-                                          </p:stCondLst>
-                                        </p:cTn>
-                                        <p:tgtEl>
-                                          <p:spTgt spid="18"/>
-                                        </p:tgtEl>
-                                        <p:attrNameLst>
-                                          <p:attrName>style.visibility</p:attrName>
-                                        </p:attrNameLst>
-                                      </p:cBhvr>
-                                      <p:to>
-                                        <p:strVal val="hidden"/>
-                                      </p:to>
-                                    </p:set>
-                                  </p:childTnLst>
-                                </p:cTn>
-                              </p:par>
-                              <p:par>
-                                <p:cTn id="45" presetID="1" presetClass="exit" presetSubtype="0" fill="hold" nodeType="withEffect">
-                                  <p:stCondLst>
-                                    <p:cond delay="0"/>
-                                  </p:stCondLst>
-                                  <p:childTnLst>
-                                    <p:set>
-                                      <p:cBhvr>
-                                        <p:cTn id="46" dur="1" fill="hold">
+                                        <p:cTn id="40" dur="1" fill="hold">
                                           <p:stCondLst>
                                             <p:cond delay="0"/>
                                           </p:stCondLst>
@@ -7489,14 +6703,14 @@
                                 </p:cTn>
                               </p:par>
                               <p:par>
-                                <p:cTn id="47" presetID="1" presetClass="entr" presetSubtype="0" fill="hold" grpId="0" nodeType="withEffect">
+                                <p:cTn id="41" presetID="1" presetClass="entr" presetSubtype="0" fill="hold" grpId="0" nodeType="withEffect">
                                   <p:stCondLst>
                                     <p:cond delay="0"/>
                                   </p:stCondLst>
                                   <p:childTnLst>
                                     <p:set>
                                       <p:cBhvr>
-                                        <p:cTn id="48" dur="1" fill="hold">
+                                        <p:cTn id="42" dur="1" fill="hold">
                                           <p:stCondLst>
                                             <p:cond delay="0"/>
                                           </p:stCondLst>
@@ -7522,26 +6736,26 @@
                     </p:cTn>
                   </p:par>
                   <p:par>
-                    <p:cTn id="49" fill="hold">
+                    <p:cTn id="43" fill="hold">
                       <p:stCondLst>
                         <p:cond delay="indefinite"/>
                       </p:stCondLst>
                       <p:childTnLst>
                         <p:par>
-                          <p:cTn id="50" fill="hold">
+                          <p:cTn id="44" fill="hold">
                             <p:stCondLst>
                               <p:cond delay="0"/>
                             </p:stCondLst>
                             <p:childTnLst>
                               <p:par>
-                                <p:cTn id="51" presetID="1" presetClass="entr" presetSubtype="0" fill="hold" grpId="2" nodeType="clickEffect">
+                                <p:cTn id="45" presetID="1" presetClass="entr" presetSubtype="0" fill="hold" grpId="2" nodeType="clickEffect">
                                   <p:stCondLst>
                                     <p:cond delay="0"/>
                                   </p:stCondLst>
                                   <p:childTnLst>
                                     <p:set>
                                       <p:cBhvr>
-                                        <p:cTn id="52" dur="1" fill="hold">
+                                        <p:cTn id="46" dur="1" fill="hold">
                                           <p:stCondLst>
                                             <p:cond delay="0"/>
                                           </p:stCondLst>
@@ -7561,7 +6775,88 @@
                                 </p:cTn>
                               </p:par>
                               <p:par>
-                                <p:cTn id="53" presetID="1" presetClass="entr" presetSubtype="0" fill="hold" grpId="2" nodeType="withEffect">
+                                <p:cTn id="47" presetID="1" presetClass="entr" presetSubtype="0" fill="hold" grpId="2" nodeType="withEffect">
+                                  <p:stCondLst>
+                                    <p:cond delay="0"/>
+                                  </p:stCondLst>
+                                  <p:childTnLst>
+                                    <p:set>
+                                      <p:cBhvr>
+                                        <p:cTn id="48" dur="1" fill="hold">
+                                          <p:stCondLst>
+                                            <p:cond delay="0"/>
+                                          </p:stCondLst>
+                                        </p:cTn>
+                                        <p:tgtEl>
+                                          <p:spTgt spid="17"/>
+                                        </p:tgtEl>
+                                        <p:attrNameLst>
+                                          <p:attrName>style.visibility</p:attrName>
+                                        </p:attrNameLst>
+                                      </p:cBhvr>
+                                      <p:to>
+                                        <p:strVal val="visible"/>
+                                      </p:to>
+                                    </p:set>
+                                  </p:childTnLst>
+                                </p:cTn>
+                              </p:par>
+                              <p:par>
+                                <p:cTn id="49" presetID="1" presetClass="entr" presetSubtype="0" fill="hold" grpId="1" nodeType="withEffect">
+                                  <p:stCondLst>
+                                    <p:cond delay="0"/>
+                                  </p:stCondLst>
+                                  <p:childTnLst>
+                                    <p:set>
+                                      <p:cBhvr>
+                                        <p:cTn id="50" dur="1" fill="hold">
+                                          <p:stCondLst>
+                                            <p:cond delay="0"/>
+                                          </p:stCondLst>
+                                        </p:cTn>
+                                        <p:tgtEl>
+                                          <p:spTgt spid="6"/>
+                                        </p:tgtEl>
+                                        <p:attrNameLst>
+                                          <p:attrName>style.visibility</p:attrName>
+                                        </p:attrNameLst>
+                                      </p:cBhvr>
+                                      <p:to>
+                                        <p:strVal val="visible"/>
+                                      </p:to>
+                                    </p:set>
+                                  </p:childTnLst>
+                                </p:cTn>
+                              </p:par>
+                              <p:par>
+                                <p:cTn id="51" presetID="1" presetClass="entr" presetSubtype="0" fill="hold" grpId="2" nodeType="withEffect">
+                                  <p:stCondLst>
+                                    <p:cond delay="0"/>
+                                  </p:stCondLst>
+                                  <p:childTnLst>
+                                    <p:set>
+                                      <p:cBhvr>
+                                        <p:cTn id="52" dur="1" fill="hold">
+                                          <p:stCondLst>
+                                            <p:cond delay="0"/>
+                                          </p:stCondLst>
+                                        </p:cTn>
+                                        <p:tgtEl>
+                                          <p:spTgt spid="4"/>
+                                        </p:tgtEl>
+                                        <p:attrNameLst>
+                                          <p:attrName>style.visibility</p:attrName>
+                                        </p:attrNameLst>
+                                      </p:cBhvr>
+                                      <p:to>
+                                        <p:strVal val="visible"/>
+                                      </p:to>
+                                    </p:set>
+                                  </p:childTnLst>
+                                </p:cTn>
+                              </p:par>
+                              <p:par>
+                                <p:cTn id="53" presetID="1" presetClass="entr" presetSubtype="0" fill="hold" nodeType="withEffect">
                                   <p:stCondLst>
                                     <p:cond delay="0"/>
                                   </p:stCondLst>
@@ -7574,7 +6869,7 @@
                                           </p:stCondLst>
                                         </p:cTn>
                                         <p:tgtEl>
-                                          <p:spTgt spid="17"/>
+                                          <p:spTgt spid="10"/>
                                         </p:tgtEl>
                                         <p:attrNameLst>
                                           <p:attrName>style.visibility</p:attrName>
@@ -7601,87 +6896,6 @@
                                           </p:stCondLst>
                                         </p:cTn>
                                         <p:tgtEl>
-                                          <p:spTgt spid="6"/>
-                                        </p:tgtEl>
-                                        <p:attrNameLst>
-                                          <p:attrName>style.visibility</p:attrName>
-                                        </p:attrNameLst>
-                                      </p:cBhvr>
-                                      <p:to>
-                                        <p:strVal val="visible"/>
-                                      </p:to>
-                                    </p:set>
-                                  </p:childTnLst>
-                                </p:cTn>
-                              </p:par>
-                              <p:par>
-                                <p:cTn id="57" presetID="1" presetClass="entr" presetSubtype="0" fill="hold" grpId="2" nodeType="withEffect">
-                                  <p:stCondLst>
-                                    <p:cond delay="0"/>
-                                  </p:stCondLst>
-                                  <p:childTnLst>
-                                    <p:set>
-                                      <p:cBhvr>
-                                        <p:cTn id="58" dur="1" fill="hold">
-                                          <p:stCondLst>
-                                            <p:cond delay="0"/>
-                                          </p:stCondLst>
-                                        </p:cTn>
-                                        <p:tgtEl>
-                                          <p:spTgt spid="4"/>
-                                        </p:tgtEl>
-                                        <p:attrNameLst>
-                                          <p:attrName>style.visibility</p:attrName>
-                                        </p:attrNameLst>
-                                      </p:cBhvr>
-                                      <p:to>
-                                        <p:strVal val="visible"/>
-                                      </p:to>
-                                    </p:set>
-                                  </p:childTnLst>
-                                </p:cTn>
-                              </p:par>
-                              <p:par>
-                                <p:cTn id="59" presetID="1" presetClass="entr" presetSubtype="0" fill="hold" nodeType="withEffect">
-                                  <p:stCondLst>
-                                    <p:cond delay="0"/>
-                                  </p:stCondLst>
-                                  <p:childTnLst>
-                                    <p:set>
-                                      <p:cBhvr>
-                                        <p:cTn id="60" dur="1" fill="hold">
-                                          <p:stCondLst>
-                                            <p:cond delay="0"/>
-                                          </p:stCondLst>
-                                        </p:cTn>
-                                        <p:tgtEl>
-                                          <p:spTgt spid="10"/>
-                                        </p:tgtEl>
-                                        <p:attrNameLst>
-                                          <p:attrName>style.visibility</p:attrName>
-                                        </p:attrNameLst>
-                                      </p:cBhvr>
-                                      <p:to>
-                                        <p:strVal val="visible"/>
-                                      </p:to>
-                                    </p:set>
-                                  </p:childTnLst>
-                                </p:cTn>
-                              </p:par>
-                              <p:par>
-                                <p:cTn id="61" presetID="1" presetClass="entr" presetSubtype="0" fill="hold" grpId="1" nodeType="withEffect">
-                                  <p:stCondLst>
-                                    <p:cond delay="0"/>
-                                  </p:stCondLst>
-                                  <p:childTnLst>
-                                    <p:set>
-                                      <p:cBhvr>
-                                        <p:cTn id="62" dur="1" fill="hold">
-                                          <p:stCondLst>
-                                            <p:cond delay="0"/>
-                                          </p:stCondLst>
-                                        </p:cTn>
-                                        <p:tgtEl>
                                           <p:spTgt spid="18"/>
                                         </p:tgtEl>
                                         <p:attrNameLst>
@@ -7696,14 +6910,14 @@
                                 </p:cTn>
                               </p:par>
                               <p:par>
-                                <p:cTn id="63" presetID="1" presetClass="entr" presetSubtype="0" fill="hold" nodeType="withEffect">
+                                <p:cTn id="57" presetID="1" presetClass="entr" presetSubtype="0" fill="hold" nodeType="withEffect">
                                   <p:stCondLst>
                                     <p:cond delay="0"/>
                                   </p:stCondLst>
                                   <p:childTnLst>
                                     <p:set>
                                       <p:cBhvr>
-                                        <p:cTn id="64" dur="1" fill="hold">
+                                        <p:cTn id="58" dur="1" fill="hold">
                                           <p:stCondLst>
                                             <p:cond delay="0"/>
                                           </p:stCondLst>
@@ -7723,14 +6937,14 @@
                                 </p:cTn>
                               </p:par>
                               <p:par>
-                                <p:cTn id="65" presetID="1" presetClass="entr" presetSubtype="0" fill="hold" grpId="2" nodeType="withEffect">
+                                <p:cTn id="59" presetID="1" presetClass="entr" presetSubtype="0" fill="hold" grpId="2" nodeType="withEffect">
                                   <p:stCondLst>
                                     <p:cond delay="0"/>
                                   </p:stCondLst>
                                   <p:childTnLst>
                                     <p:set>
                                       <p:cBhvr>
-                                        <p:cTn id="66" dur="1" fill="hold">
+                                        <p:cTn id="60" dur="1" fill="hold">
                                           <p:stCondLst>
                                             <p:cond delay="0"/>
                                           </p:stCondLst>
@@ -7750,14 +6964,14 @@
                                 </p:cTn>
                               </p:par>
                               <p:par>
-                                <p:cTn id="67" presetID="1" presetClass="entr" presetSubtype="0" fill="hold" nodeType="withEffect">
+                                <p:cTn id="61" presetID="1" presetClass="entr" presetSubtype="0" fill="hold" nodeType="withEffect">
                                   <p:stCondLst>
                                     <p:cond delay="0"/>
                                   </p:stCondLst>
                                   <p:childTnLst>
                                     <p:set>
                                       <p:cBhvr>
-                                        <p:cTn id="68" dur="1" fill="hold">
+                                        <p:cTn id="62" dur="1" fill="hold">
                                           <p:stCondLst>
                                             <p:cond delay="0"/>
                                           </p:stCondLst>
@@ -7810,18 +7024,1755 @@
       <p:bldP spid="5" grpId="0" animBg="1"/>
       <p:bldP spid="5" grpId="1" animBg="1"/>
       <p:bldP spid="5" grpId="2" animBg="1"/>
-      <p:bldP spid="6" grpId="0" animBg="1"/>
+      <p:bldP spid="6" grpId="0"/>
       <p:bldP spid="6" grpId="1" animBg="1"/>
       <p:bldP spid="7" grpId="0"/>
       <p:bldP spid="17" grpId="0" animBg="1"/>
       <p:bldP spid="17" grpId="1" animBg="1"/>
       <p:bldP spid="17" grpId="2" animBg="1"/>
-      <p:bldP spid="18" grpId="0" animBg="1"/>
+      <p:bldP spid="18" grpId="0"/>
       <p:bldP spid="18" grpId="1" animBg="1"/>
       <p:bldP spid="19" grpId="0" animBg="1"/>
       <p:bldP spid="19" grpId="1" animBg="1"/>
       <p:bldP spid="19" grpId="2" animBg="1"/>
     </p:bldLst>
+  </p:timing>
+</p:sld>
+</file>
+
+<file path=ppt/slides/slide21.xml><?xml version="1.0" encoding="utf-8"?>
+<p:sld xmlns:a="http://schemas.openxmlformats.org/drawingml/2006/main" xmlns:r="http://schemas.openxmlformats.org/officeDocument/2006/relationships" xmlns:mc="http://schemas.openxmlformats.org/markup-compatibility/2006" xmlns:mv="urn:schemas-microsoft-com:mac:vml" xmlns:p="http://schemas.openxmlformats.org/presentationml/2006/main" mc:Ignorable="mv" mc:PreserveAttributes="mv:*">
+  <p:cSld>
+    <p:spTree>
+      <p:nvGrpSpPr>
+        <p:cNvPr id="1" name=""/>
+        <p:cNvGrpSpPr/>
+        <p:nvPr/>
+      </p:nvGrpSpPr>
+      <p:grpSpPr>
+        <a:xfrm>
+          <a:off x="0" y="0"/>
+          <a:ext cx="0" cy="0"/>
+          <a:chOff x="0" y="0"/>
+          <a:chExt cx="0" cy="0"/>
+        </a:xfrm>
+      </p:grpSpPr>
+      <p:sp>
+        <p:nvSpPr>
+          <p:cNvPr id="2" name="Title 1"/>
+          <p:cNvSpPr>
+            <a:spLocks noGrp="1"/>
+          </p:cNvSpPr>
+          <p:nvPr>
+            <p:ph type="title"/>
+          </p:nvPr>
+        </p:nvSpPr>
+        <p:spPr/>
+        <p:txBody>
+          <a:bodyPr/>
+          <a:lstStyle/>
+          <a:p>
+            <a:r>
+              <a:rPr lang="en-US"/>
+              <a:t>Family Objects</a:t>
+            </a:r>
+          </a:p>
+        </p:txBody>
+      </p:sp>
+      <p:sp>
+        <p:nvSpPr>
+          <p:cNvPr id="3" name="Content Placeholder 2"/>
+          <p:cNvSpPr>
+            <a:spLocks noGrp="1"/>
+          </p:cNvSpPr>
+          <p:nvPr>
+            <p:ph idx="1"/>
+          </p:nvPr>
+        </p:nvSpPr>
+        <p:spPr/>
+        <p:txBody>
+          <a:bodyPr/>
+          <a:lstStyle/>
+          <a:p>
+            <a:r>
+              <a:rPr lang="en-US"/>
+              <a:t>Store information about link functions</a:t>
+            </a:r>
+          </a:p>
+          <a:p>
+            <a:pPr lvl="1"/>
+            <a:r>
+              <a:rPr lang="en-US"/>
+              <a:t>"Link" functions help specify the relationship between the observed value and the underlying linear predictors</a:t>
+            </a:r>
+          </a:p>
+          <a:p>
+            <a:pPr lvl="1"/>
+            <a:r>
+              <a:rPr lang="en-US"/>
+              <a:t>"Inverse Link" simply inverse this process</a:t>
+            </a:r>
+          </a:p>
+          <a:p>
+            <a:r>
+              <a:rPr lang="en-US"/>
+              <a:t>Used by model-fitting functions</a:t>
+            </a:r>
+          </a:p>
+          <a:p>
+            <a:r>
+              <a:rPr lang="en-US"/>
+              <a:t>Inverse link functions are used in qi simulation</a:t>
+            </a:r>
+          </a:p>
+          <a:p>
+            <a:r>
+              <a:rPr lang="en-US"/>
+              <a:t>See help documentation: "?family"</a:t>
+            </a:r>
+          </a:p>
+          <a:p>
+            <a:endParaRPr lang="en-US"/>
+          </a:p>
+        </p:txBody>
+      </p:sp>
+    </p:spTree>
+  </p:cSld>
+  <p:clrMapOvr>
+    <a:masterClrMapping/>
+  </p:clrMapOvr>
+</p:sld>
+</file>
+
+<file path=ppt/slides/slide22.xml><?xml version="1.0" encoding="utf-8"?>
+<p:sld xmlns:a="http://schemas.openxmlformats.org/drawingml/2006/main" xmlns:r="http://schemas.openxmlformats.org/officeDocument/2006/relationships" xmlns:mc="http://schemas.openxmlformats.org/markup-compatibility/2006" xmlns:mv="urn:schemas-microsoft-com:mac:vml" xmlns:p="http://schemas.openxmlformats.org/presentationml/2006/main" mc:Ignorable="mv" mc:PreserveAttributes="mv:*">
+  <p:cSld>
+    <p:spTree>
+      <p:nvGrpSpPr>
+        <p:cNvPr id="1" name=""/>
+        <p:cNvGrpSpPr/>
+        <p:nvPr/>
+      </p:nvGrpSpPr>
+      <p:grpSpPr>
+        <a:xfrm>
+          <a:off x="0" y="0"/>
+          <a:ext cx="0" cy="0"/>
+          <a:chOff x="0" y="0"/>
+          <a:chExt cx="0" cy="0"/>
+        </a:xfrm>
+      </p:grpSpPr>
+      <p:sp>
+        <p:nvSpPr>
+          <p:cNvPr id="2" name="Title 1"/>
+          <p:cNvSpPr>
+            <a:spLocks noGrp="1"/>
+          </p:cNvSpPr>
+          <p:nvPr>
+            <p:ph type="title"/>
+          </p:nvPr>
+        </p:nvSpPr>
+        <p:spPr/>
+        <p:txBody>
+          <a:bodyPr/>
+          <a:lstStyle/>
+          <a:p>
+            <a:r>
+              <a:rPr lang="en-US"/>
+              <a:t>Zelig Format</a:t>
+            </a:r>
+          </a:p>
+        </p:txBody>
+      </p:sp>
+      <p:sp>
+        <p:nvSpPr>
+          <p:cNvPr id="3" name="Content Placeholder 2"/>
+          <p:cNvSpPr>
+            <a:spLocks noGrp="1"/>
+          </p:cNvSpPr>
+          <p:nvPr>
+            <p:ph idx="1"/>
+          </p:nvPr>
+        </p:nvSpPr>
+        <p:spPr/>
+        <p:txBody>
+          <a:bodyPr/>
+          <a:lstStyle/>
+          <a:p>
+            <a:r>
+              <a:rPr lang="en-US"/>
+              <a:t>For any "model" three functions must be written:</a:t>
+            </a:r>
+          </a:p>
+          <a:p>
+            <a:pPr lvl="1"/>
+            <a:r>
+              <a:rPr lang="en-US"/>
+              <a:t>zelig2: linearly fit the data</a:t>
+            </a:r>
+          </a:p>
+          <a:p>
+            <a:pPr lvl="1"/>
+            <a:r>
+              <a:rPr lang="en-US"/>
+              <a:t>param: simulate parameters</a:t>
+            </a:r>
+          </a:p>
+          <a:p>
+            <a:pPr lvl="1"/>
+            <a:r>
+              <a:rPr lang="en-US"/>
+              <a:t>qi: simulate quantities of interest (expected value, etc.)</a:t>
+            </a:r>
+          </a:p>
+          <a:p>
+            <a:endParaRPr lang="en-US"/>
+          </a:p>
+        </p:txBody>
+      </p:sp>
+    </p:spTree>
+  </p:cSld>
+  <p:clrMapOvr>
+    <a:masterClrMapping/>
+  </p:clrMapOvr>
+</p:sld>
+</file>
+
+<file path=ppt/slides/slide23.xml><?xml version="1.0" encoding="utf-8"?>
+<p:sld xmlns:a="http://schemas.openxmlformats.org/drawingml/2006/main" xmlns:r="http://schemas.openxmlformats.org/officeDocument/2006/relationships" xmlns:mc="http://schemas.openxmlformats.org/markup-compatibility/2006" xmlns:mv="urn:schemas-microsoft-com:mac:vml" xmlns:p="http://schemas.openxmlformats.org/presentationml/2006/main" mc:Ignorable="mv" mc:PreserveAttributes="mv:*">
+  <p:cSld>
+    <p:spTree>
+      <p:nvGrpSpPr>
+        <p:cNvPr id="1" name=""/>
+        <p:cNvGrpSpPr/>
+        <p:nvPr/>
+      </p:nvGrpSpPr>
+      <p:grpSpPr>
+        <a:xfrm>
+          <a:off x="0" y="0"/>
+          <a:ext cx="0" cy="0"/>
+          <a:chOff x="0" y="0"/>
+          <a:chExt cx="0" cy="0"/>
+        </a:xfrm>
+      </p:grpSpPr>
+      <p:sp>
+        <p:nvSpPr>
+          <p:cNvPr id="2" name="Title 1"/>
+          <p:cNvSpPr>
+            <a:spLocks noGrp="1"/>
+          </p:cNvSpPr>
+          <p:nvPr>
+            <p:ph type="title"/>
+          </p:nvPr>
+        </p:nvSpPr>
+        <p:spPr/>
+        <p:txBody>
+          <a:bodyPr/>
+          <a:lstStyle/>
+          <a:p>
+            <a:r>
+              <a:rPr lang="en-US"/>
+              <a:t>Naming files</a:t>
+            </a:r>
+          </a:p>
+        </p:txBody>
+      </p:sp>
+      <p:sp>
+        <p:nvSpPr>
+          <p:cNvPr id="3" name="Content Placeholder 2"/>
+          <p:cNvSpPr>
+            <a:spLocks noGrp="1"/>
+          </p:cNvSpPr>
+          <p:nvPr>
+            <p:ph idx="1"/>
+          </p:nvPr>
+        </p:nvSpPr>
+        <p:spPr/>
+        <p:txBody>
+          <a:bodyPr/>
+          <a:lstStyle/>
+          <a:p>
+            <a:r>
+              <a:rPr lang="en-US"/>
+              <a:t>Note that "</a:t>
+            </a:r>
+            <a:r>
+              <a:rPr lang="en-US" i="1"/>
+              <a:t>&lt;model-name&gt;</a:t>
+            </a:r>
+            <a:r>
+              <a:rPr lang="en-US"/>
+              <a:t>" should be replaced with the name of your model.</a:t>
+            </a:r>
+          </a:p>
+          <a:p>
+            <a:pPr lvl="1"/>
+            <a:r>
+              <a:rPr lang="en-US"/>
+              <a:t>zelig2&lt;</a:t>
+            </a:r>
+            <a:r>
+              <a:rPr lang="en-US" i="1"/>
+              <a:t>model-name&gt;</a:t>
+            </a:r>
+            <a:endParaRPr lang="en-US"/>
+          </a:p>
+          <a:p>
+            <a:pPr lvl="1"/>
+            <a:r>
+              <a:rPr lang="en-US"/>
+              <a:t>param.</a:t>
+            </a:r>
+            <a:r>
+              <a:rPr lang="en-US" i="1"/>
+              <a:t>&lt;model-name&gt;</a:t>
+            </a:r>
+            <a:endParaRPr lang="en-US"/>
+          </a:p>
+          <a:p>
+            <a:pPr lvl="1"/>
+            <a:r>
+              <a:rPr lang="en-US"/>
+              <a:t>qi.</a:t>
+            </a:r>
+            <a:r>
+              <a:rPr lang="en-US" i="1"/>
+              <a:t>&lt;model-name&gt;</a:t>
+            </a:r>
+            <a:endParaRPr lang="en-US"/>
+          </a:p>
+          <a:p>
+            <a:r>
+              <a:rPr lang="en-US"/>
+              <a:t>Use "zelig.skeleton" as an aid to generate all these files.</a:t>
+            </a:r>
+          </a:p>
+        </p:txBody>
+      </p:sp>
+    </p:spTree>
+  </p:cSld>
+  <p:clrMapOvr>
+    <a:masterClrMapping/>
+  </p:clrMapOvr>
+</p:sld>
+</file>
+
+<file path=ppt/slides/slide24.xml><?xml version="1.0" encoding="utf-8"?>
+<p:sld xmlns:a="http://schemas.openxmlformats.org/drawingml/2006/main" xmlns:r="http://schemas.openxmlformats.org/officeDocument/2006/relationships" xmlns:mc="http://schemas.openxmlformats.org/markup-compatibility/2006" xmlns:mv="urn:schemas-microsoft-com:mac:vml" xmlns:p="http://schemas.openxmlformats.org/presentationml/2006/main" mc:Ignorable="mv" mc:PreserveAttributes="mv:*">
+  <p:cSld>
+    <p:spTree>
+      <p:nvGrpSpPr>
+        <p:cNvPr id="1" name=""/>
+        <p:cNvGrpSpPr/>
+        <p:nvPr/>
+      </p:nvGrpSpPr>
+      <p:grpSpPr>
+        <a:xfrm>
+          <a:off x="0" y="0"/>
+          <a:ext cx="0" cy="0"/>
+          <a:chOff x="0" y="0"/>
+          <a:chExt cx="0" cy="0"/>
+        </a:xfrm>
+      </p:grpSpPr>
+      <p:sp>
+        <p:nvSpPr>
+          <p:cNvPr id="9" name="Title 8"/>
+          <p:cNvSpPr>
+            <a:spLocks noGrp="1"/>
+          </p:cNvSpPr>
+          <p:nvPr>
+            <p:ph type="title"/>
+          </p:nvPr>
+        </p:nvSpPr>
+        <p:spPr/>
+        <p:txBody>
+          <a:bodyPr/>
+          <a:lstStyle/>
+          <a:p>
+            <a:r>
+              <a:rPr lang="en-US"/>
+              <a:t>Using zelig.skeleton</a:t>
+            </a:r>
+          </a:p>
+        </p:txBody>
+      </p:sp>
+      <p:sp>
+        <p:nvSpPr>
+          <p:cNvPr id="10" name="Content Placeholder 9"/>
+          <p:cNvSpPr>
+            <a:spLocks noGrp="1"/>
+          </p:cNvSpPr>
+          <p:nvPr>
+            <p:ph idx="1"/>
+          </p:nvPr>
+        </p:nvSpPr>
+        <p:spPr/>
+        <p:txBody>
+          <a:bodyPr/>
+          <a:lstStyle/>
+          <a:p>
+            <a:pPr>
+              <a:buNone/>
+            </a:pPr>
+            <a:r>
+              <a:rPr lang="en-US"/>
+              <a:t>Getting started:</a:t>
+            </a:r>
+          </a:p>
+          <a:p>
+            <a:r>
+              <a:rPr lang="en-US"/>
+              <a:t>Pick a name for the Zelig package. For example:</a:t>
+            </a:r>
+          </a:p>
+          <a:p>
+            <a:pPr lvl="1"/>
+            <a:r>
+              <a:rPr lang="en-US"/>
+              <a:t>"ZeligBayesian"</a:t>
+            </a:r>
+          </a:p>
+          <a:p>
+            <a:pPr lvl="1"/>
+            <a:r>
+              <a:rPr lang="en-US"/>
+              <a:t>"ZeligLeastSquares"</a:t>
+            </a:r>
+          </a:p>
+          <a:p>
+            <a:r>
+              <a:rPr lang="en-US"/>
+              <a:t>Pick a model name:</a:t>
+            </a:r>
+          </a:p>
+          <a:p>
+            <a:pPr lvl="1"/>
+            <a:r>
+              <a:rPr lang="en-US"/>
+              <a:t>"logit"</a:t>
+            </a:r>
+          </a:p>
+          <a:p>
+            <a:pPr lvl="1"/>
+            <a:r>
+              <a:rPr lang="en-US"/>
+              <a:t>"gamma"</a:t>
+            </a:r>
+          </a:p>
+          <a:p>
+            <a:endParaRPr lang="en-US"/>
+          </a:p>
+        </p:txBody>
+      </p:sp>
+    </p:spTree>
+  </p:cSld>
+  <p:clrMapOvr>
+    <a:masterClrMapping/>
+  </p:clrMapOvr>
+  <p:timing>
+    <p:tnLst>
+      <p:par>
+        <p:cTn id="1" dur="indefinite" restart="never" nodeType="tmRoot"/>
+      </p:par>
+    </p:tnLst>
+  </p:timing>
+</p:sld>
+</file>
+
+<file path=ppt/slides/slide25.xml><?xml version="1.0" encoding="utf-8"?>
+<p:sld xmlns:a="http://schemas.openxmlformats.org/drawingml/2006/main" xmlns:r="http://schemas.openxmlformats.org/officeDocument/2006/relationships" xmlns:mc="http://schemas.openxmlformats.org/markup-compatibility/2006" xmlns:mv="urn:schemas-microsoft-com:mac:vml" xmlns:p="http://schemas.openxmlformats.org/presentationml/2006/main" mc:Ignorable="mv" mc:PreserveAttributes="mv:*">
+  <p:cSld>
+    <p:spTree>
+      <p:nvGrpSpPr>
+        <p:cNvPr id="1" name=""/>
+        <p:cNvGrpSpPr/>
+        <p:nvPr/>
+      </p:nvGrpSpPr>
+      <p:grpSpPr>
+        <a:xfrm>
+          <a:off x="0" y="0"/>
+          <a:ext cx="0" cy="0"/>
+          <a:chOff x="0" y="0"/>
+          <a:chExt cx="0" cy="0"/>
+        </a:xfrm>
+      </p:grpSpPr>
+      <p:sp>
+        <p:nvSpPr>
+          <p:cNvPr id="2" name="Title 1"/>
+          <p:cNvSpPr>
+            <a:spLocks noGrp="1"/>
+          </p:cNvSpPr>
+          <p:nvPr>
+            <p:ph type="title"/>
+          </p:nvPr>
+        </p:nvSpPr>
+        <p:spPr/>
+        <p:txBody>
+          <a:bodyPr/>
+          <a:lstStyle/>
+          <a:p>
+            <a:r>
+              <a:rPr lang="en-US"/>
+              <a:t>R Package Checklist</a:t>
+            </a:r>
+          </a:p>
+        </p:txBody>
+      </p:sp>
+      <p:sp>
+        <p:nvSpPr>
+          <p:cNvPr id="3" name="Content Placeholder 2"/>
+          <p:cNvSpPr>
+            <a:spLocks noGrp="1"/>
+          </p:cNvSpPr>
+          <p:nvPr>
+            <p:ph idx="1"/>
+          </p:nvPr>
+        </p:nvSpPr>
+        <p:spPr/>
+        <p:txBody>
+          <a:bodyPr/>
+          <a:lstStyle/>
+          <a:p>
+            <a:r>
+              <a:rPr lang="en-US"/>
+              <a:t>Package Name, e.g. "ZeligLeastSquares"</a:t>
+            </a:r>
+          </a:p>
+          <a:p>
+            <a:r>
+              <a:rPr lang="en-US"/>
+              <a:t>Model Names, e.g. "logit" or "gamma"</a:t>
+            </a:r>
+          </a:p>
+          <a:p>
+            <a:r>
+              <a:rPr lang="en-US"/>
+              <a:t>R-package dependencies, e.g. "lme4"</a:t>
+            </a:r>
+          </a:p>
+          <a:p>
+            <a:r>
+              <a:rPr lang="en-US"/>
+              <a:t>Author Name</a:t>
+            </a:r>
+          </a:p>
+          <a:p>
+            <a:r>
+              <a:rPr lang="en-US"/>
+              <a:t>Author Email (for use with CRAN)</a:t>
+            </a:r>
+          </a:p>
+        </p:txBody>
+      </p:sp>
+    </p:spTree>
+  </p:cSld>
+  <p:clrMapOvr>
+    <a:masterClrMapping/>
+  </p:clrMapOvr>
+</p:sld>
+</file>
+
+<file path=ppt/slides/slide26.xml><?xml version="1.0" encoding="utf-8"?>
+<p:sld xmlns:a="http://schemas.openxmlformats.org/drawingml/2006/main" xmlns:r="http://schemas.openxmlformats.org/officeDocument/2006/relationships" xmlns:mc="http://schemas.openxmlformats.org/markup-compatibility/2006" xmlns:mv="urn:schemas-microsoft-com:mac:vml" xmlns:p="http://schemas.openxmlformats.org/presentationml/2006/main" mc:Ignorable="mv" mc:PreserveAttributes="mv:*">
+  <p:cSld>
+    <p:spTree>
+      <p:nvGrpSpPr>
+        <p:cNvPr id="1" name=""/>
+        <p:cNvGrpSpPr/>
+        <p:nvPr/>
+      </p:nvGrpSpPr>
+      <p:grpSpPr>
+        <a:xfrm>
+          <a:off x="0" y="0"/>
+          <a:ext cx="0" cy="0"/>
+          <a:chOff x="0" y="0"/>
+          <a:chExt cx="0" cy="0"/>
+        </a:xfrm>
+      </p:grpSpPr>
+      <p:sp>
+        <p:nvSpPr>
+          <p:cNvPr id="5122" name="Text Box 1"/>
+          <p:cNvSpPr txBox="1">
+            <a:spLocks noChangeArrowheads="1"/>
+          </p:cNvSpPr>
+          <p:nvPr/>
+        </p:nvSpPr>
+        <p:spPr bwMode="auto">
+          <a:xfrm>
+            <a:off x="457200" y="274638"/>
+            <a:ext cx="8229600" cy="1143000"/>
+          </a:xfrm>
+          <a:prstGeom prst="rect">
+            <a:avLst/>
+          </a:prstGeom>
+          <a:noFill/>
+          <a:ln w="9525">
+            <a:noFill/>
+            <a:round/>
+            <a:headEnd/>
+            <a:tailEnd/>
+          </a:ln>
+        </p:spPr>
+        <p:txBody>
+          <a:bodyPr anchor="ctr">
+            <a:prstTxWarp prst="textNoShape">
+              <a:avLst/>
+            </a:prstTxWarp>
+          </a:bodyPr>
+          <a:lstStyle/>
+          <a:p>
+            <a:pPr algn="ctr">
+              <a:buClrTx/>
+              <a:buFontTx/>
+              <a:buNone/>
+              <a:tabLst>
+                <a:tab pos="0" algn="l"/>
+                <a:tab pos="457200" algn="l"/>
+                <a:tab pos="914400" algn="l"/>
+                <a:tab pos="1371600" algn="l"/>
+                <a:tab pos="1828800" algn="l"/>
+                <a:tab pos="2286000" algn="l"/>
+                <a:tab pos="2743200" algn="l"/>
+                <a:tab pos="3200400" algn="l"/>
+                <a:tab pos="3657600" algn="l"/>
+                <a:tab pos="4114800" algn="l"/>
+                <a:tab pos="4572000" algn="l"/>
+                <a:tab pos="5029200" algn="l"/>
+                <a:tab pos="5486400" algn="l"/>
+                <a:tab pos="5943600" algn="l"/>
+                <a:tab pos="6400800" algn="l"/>
+                <a:tab pos="6858000" algn="l"/>
+                <a:tab pos="7315200" algn="l"/>
+                <a:tab pos="7772400" algn="l"/>
+                <a:tab pos="8229600" algn="l"/>
+                <a:tab pos="8686800" algn="l"/>
+                <a:tab pos="9144000" algn="l"/>
+              </a:tabLst>
+            </a:pPr>
+            <a:r>
+              <a:rPr lang="en-US" sz="4400">
+                <a:solidFill>
+                  <a:srgbClr val="000000"/>
+                </a:solidFill>
+                <a:latin typeface="Calibri" charset="0"/>
+              </a:rPr>
+              <a:t>Format for Slides</a:t>
+            </a:r>
+          </a:p>
+        </p:txBody>
+      </p:sp>
+      <p:sp>
+        <p:nvSpPr>
+          <p:cNvPr id="6146" name="Text Box 2"/>
+          <p:cNvSpPr txBox="1">
+            <a:spLocks noChangeArrowheads="1"/>
+          </p:cNvSpPr>
+          <p:nvPr/>
+        </p:nvSpPr>
+        <p:spPr bwMode="auto">
+          <a:xfrm>
+            <a:off x="457200" y="1593850"/>
+            <a:ext cx="8229600" cy="368300"/>
+          </a:xfrm>
+          <a:prstGeom prst="rect">
+            <a:avLst/>
+          </a:prstGeom>
+          <a:noFill/>
+          <a:ln w="9525">
+            <a:noFill/>
+            <a:round/>
+            <a:headEnd/>
+            <a:tailEnd/>
+          </a:ln>
+        </p:spPr>
+        <p:txBody>
+          <a:bodyPr lIns="90000" tIns="46800" rIns="90000" bIns="46800">
+            <a:prstTxWarp prst="textNoShape">
+              <a:avLst/>
+            </a:prstTxWarp>
+            <a:spAutoFit/>
+          </a:bodyPr>
+          <a:lstStyle/>
+          <a:p>
+            <a:pPr>
+              <a:buClrTx/>
+              <a:buFontTx/>
+              <a:buNone/>
+              <a:tabLst>
+                <a:tab pos="0" algn="l"/>
+                <a:tab pos="457200" algn="l"/>
+                <a:tab pos="914400" algn="l"/>
+                <a:tab pos="1371600" algn="l"/>
+                <a:tab pos="1828800" algn="l"/>
+                <a:tab pos="2286000" algn="l"/>
+                <a:tab pos="2743200" algn="l"/>
+                <a:tab pos="3200400" algn="l"/>
+                <a:tab pos="3657600" algn="l"/>
+                <a:tab pos="4114800" algn="l"/>
+                <a:tab pos="4572000" algn="l"/>
+                <a:tab pos="5029200" algn="l"/>
+                <a:tab pos="5486400" algn="l"/>
+                <a:tab pos="5943600" algn="l"/>
+                <a:tab pos="6400800" algn="l"/>
+                <a:tab pos="6858000" algn="l"/>
+                <a:tab pos="7315200" algn="l"/>
+                <a:tab pos="7772400" algn="l"/>
+                <a:tab pos="8229600" algn="l"/>
+                <a:tab pos="8686800" algn="l"/>
+                <a:tab pos="9144000" algn="l"/>
+              </a:tabLst>
+            </a:pPr>
+            <a:r>
+              <a:rPr lang="en-US" sz="1800" dirty="0">
+                <a:solidFill>
+                  <a:srgbClr val="000000"/>
+                </a:solidFill>
+              </a:rPr>
+              <a:t>Regular text will be presented just like this.</a:t>
+            </a:r>
+          </a:p>
+        </p:txBody>
+      </p:sp>
+      <p:sp>
+        <p:nvSpPr>
+          <p:cNvPr id="6148" name="Text Box 4"/>
+          <p:cNvSpPr txBox="1">
+            <a:spLocks noChangeArrowheads="1"/>
+          </p:cNvSpPr>
+          <p:nvPr/>
+        </p:nvSpPr>
+        <p:spPr bwMode="auto">
+          <a:xfrm>
+            <a:off x="457200" y="2514600"/>
+            <a:ext cx="8229600" cy="1130300"/>
+          </a:xfrm>
+          <a:prstGeom prst="rect">
+            <a:avLst/>
+          </a:prstGeom>
+          <a:noFill/>
+          <a:ln w="9360">
+            <a:solidFill>
+              <a:srgbClr val="000000"/>
+            </a:solidFill>
+            <a:prstDash val="dashDot"/>
+            <a:miter lim="800000"/>
+            <a:headEnd/>
+            <a:tailEnd/>
+          </a:ln>
+        </p:spPr>
+        <p:txBody>
+          <a:bodyPr wrap="square" lIns="90000" tIns="46800" rIns="90000" bIns="46800">
+            <a:prstTxWarp prst="textNoShape">
+              <a:avLst/>
+            </a:prstTxWarp>
+            <a:spAutoFit/>
+          </a:bodyPr>
+          <a:lstStyle/>
+          <a:p>
+            <a:pPr>
+              <a:buClrTx/>
+              <a:buFontTx/>
+              <a:buNone/>
+              <a:tabLst>
+                <a:tab pos="0" algn="l"/>
+                <a:tab pos="457200" algn="l"/>
+                <a:tab pos="914400" algn="l"/>
+                <a:tab pos="1371600" algn="l"/>
+                <a:tab pos="1828800" algn="l"/>
+                <a:tab pos="2286000" algn="l"/>
+                <a:tab pos="2743200" algn="l"/>
+                <a:tab pos="3200400" algn="l"/>
+                <a:tab pos="3657600" algn="l"/>
+                <a:tab pos="4114800" algn="l"/>
+                <a:tab pos="4572000" algn="l"/>
+                <a:tab pos="5029200" algn="l"/>
+                <a:tab pos="5486400" algn="l"/>
+                <a:tab pos="5943600" algn="l"/>
+                <a:tab pos="6400800" algn="l"/>
+                <a:tab pos="6858000" algn="l"/>
+                <a:tab pos="7315200" algn="l"/>
+                <a:tab pos="7772400" algn="l"/>
+                <a:tab pos="8229600" algn="l"/>
+                <a:tab pos="8686800" algn="l"/>
+                <a:tab pos="9144000" algn="l"/>
+              </a:tabLst>
+            </a:pPr>
+            <a:r>
+              <a:rPr lang="en-US" sz="1700" dirty="0">
+                <a:solidFill>
+                  <a:srgbClr val="7F7F7F"/>
+                </a:solidFill>
+                <a:latin typeface="Courier New" charset="0"/>
+                <a:ea typeface="Courier New" charset="0"/>
+                <a:cs typeface="Courier New" charset="0"/>
+              </a:rPr>
+              <a:t># Comments will be grayed-out and preceded by a hash</a:t>
+            </a:r>
+          </a:p>
+          <a:p>
+            <a:pPr>
+              <a:buClrTx/>
+              <a:buFontTx/>
+              <a:buNone/>
+              <a:tabLst>
+                <a:tab pos="0" algn="l"/>
+                <a:tab pos="457200" algn="l"/>
+                <a:tab pos="914400" algn="l"/>
+                <a:tab pos="1371600" algn="l"/>
+                <a:tab pos="1828800" algn="l"/>
+                <a:tab pos="2286000" algn="l"/>
+                <a:tab pos="2743200" algn="l"/>
+                <a:tab pos="3200400" algn="l"/>
+                <a:tab pos="3657600" algn="l"/>
+                <a:tab pos="4114800" algn="l"/>
+                <a:tab pos="4572000" algn="l"/>
+                <a:tab pos="5029200" algn="l"/>
+                <a:tab pos="5486400" algn="l"/>
+                <a:tab pos="5943600" algn="l"/>
+                <a:tab pos="6400800" algn="l"/>
+                <a:tab pos="6858000" algn="l"/>
+                <a:tab pos="7315200" algn="l"/>
+                <a:tab pos="7772400" algn="l"/>
+                <a:tab pos="8229600" algn="l"/>
+                <a:tab pos="8686800" algn="l"/>
+                <a:tab pos="9144000" algn="l"/>
+              </a:tabLst>
+            </a:pPr>
+            <a:endParaRPr lang="en-US" sz="1700" dirty="0">
+              <a:solidFill>
+                <a:srgbClr val="7F7F7F"/>
+              </a:solidFill>
+              <a:latin typeface="Courier New" charset="0"/>
+              <a:ea typeface="Courier New" charset="0"/>
+              <a:cs typeface="Courier New" charset="0"/>
+            </a:endParaRPr>
+          </a:p>
+          <a:p>
+            <a:pPr>
+              <a:buClrTx/>
+              <a:buFontTx/>
+              <a:buNone/>
+              <a:tabLst>
+                <a:tab pos="0" algn="l"/>
+                <a:tab pos="457200" algn="l"/>
+                <a:tab pos="914400" algn="l"/>
+                <a:tab pos="1371600" algn="l"/>
+                <a:tab pos="1828800" algn="l"/>
+                <a:tab pos="2286000" algn="l"/>
+                <a:tab pos="2743200" algn="l"/>
+                <a:tab pos="3200400" algn="l"/>
+                <a:tab pos="3657600" algn="l"/>
+                <a:tab pos="4114800" algn="l"/>
+                <a:tab pos="4572000" algn="l"/>
+                <a:tab pos="5029200" algn="l"/>
+                <a:tab pos="5486400" algn="l"/>
+                <a:tab pos="5943600" algn="l"/>
+                <a:tab pos="6400800" algn="l"/>
+                <a:tab pos="6858000" algn="l"/>
+                <a:tab pos="7315200" algn="l"/>
+                <a:tab pos="7772400" algn="l"/>
+                <a:tab pos="8229600" algn="l"/>
+                <a:tab pos="8686800" algn="l"/>
+                <a:tab pos="9144000" algn="l"/>
+              </a:tabLst>
+            </a:pPr>
+            <a:r>
+              <a:rPr lang="en-US" sz="1700" dirty="0">
+                <a:solidFill>
+                  <a:srgbClr val="7F7F7F"/>
+                </a:solidFill>
+                <a:latin typeface="Courier New" charset="0"/>
+                <a:ea typeface="Courier New" charset="0"/>
+                <a:cs typeface="Courier New" charset="0"/>
+              </a:rPr>
+              <a:t># Code will be in preceded by “&gt; ”</a:t>
+            </a:r>
+          </a:p>
+          <a:p>
+            <a:pPr>
+              <a:buClrTx/>
+              <a:buFontTx/>
+              <a:buNone/>
+              <a:tabLst>
+                <a:tab pos="0" algn="l"/>
+                <a:tab pos="457200" algn="l"/>
+                <a:tab pos="914400" algn="l"/>
+                <a:tab pos="1371600" algn="l"/>
+                <a:tab pos="1828800" algn="l"/>
+                <a:tab pos="2286000" algn="l"/>
+                <a:tab pos="2743200" algn="l"/>
+                <a:tab pos="3200400" algn="l"/>
+                <a:tab pos="3657600" algn="l"/>
+                <a:tab pos="4114800" algn="l"/>
+                <a:tab pos="4572000" algn="l"/>
+                <a:tab pos="5029200" algn="l"/>
+                <a:tab pos="5486400" algn="l"/>
+                <a:tab pos="5943600" algn="l"/>
+                <a:tab pos="6400800" algn="l"/>
+                <a:tab pos="6858000" algn="l"/>
+                <a:tab pos="7315200" algn="l"/>
+                <a:tab pos="7772400" algn="l"/>
+                <a:tab pos="8229600" algn="l"/>
+                <a:tab pos="8686800" algn="l"/>
+                <a:tab pos="9144000" algn="l"/>
+              </a:tabLst>
+            </a:pPr>
+            <a:r>
+              <a:rPr lang="en-US" sz="1700" dirty="0">
+                <a:solidFill>
+                  <a:srgbClr val="000000"/>
+                </a:solidFill>
+                <a:latin typeface="Courier New" charset="0"/>
+                <a:ea typeface="Courier New" charset="0"/>
+                <a:cs typeface="Courier New" charset="0"/>
+              </a:rPr>
+              <a:t>&gt; sin(</a:t>
+            </a:r>
+            <a:r>
+              <a:rPr lang="en-US" sz="1700" dirty="0">
+                <a:solidFill>
+                  <a:srgbClr val="C0504D"/>
+                </a:solidFill>
+                <a:latin typeface="Courier New" charset="0"/>
+                <a:ea typeface="Courier New" charset="0"/>
+                <a:cs typeface="Courier New" charset="0"/>
+              </a:rPr>
+              <a:t>1.3</a:t>
+            </a:r>
+            <a:r>
+              <a:rPr lang="en-US" sz="1700" dirty="0">
+                <a:solidFill>
+                  <a:srgbClr val="000000"/>
+                </a:solidFill>
+                <a:latin typeface="Courier New" charset="0"/>
+                <a:ea typeface="Courier New" charset="0"/>
+                <a:cs typeface="Courier New" charset="0"/>
+              </a:rPr>
+              <a:t>)</a:t>
+            </a:r>
+          </a:p>
+        </p:txBody>
+      </p:sp>
+      <p:sp>
+        <p:nvSpPr>
+          <p:cNvPr id="6149" name="Text Box 5"/>
+          <p:cNvSpPr txBox="1">
+            <a:spLocks noChangeArrowheads="1"/>
+          </p:cNvSpPr>
+          <p:nvPr/>
+        </p:nvSpPr>
+        <p:spPr bwMode="auto">
+          <a:xfrm>
+            <a:off x="457200" y="4694238"/>
+            <a:ext cx="8229599" cy="368300"/>
+          </a:xfrm>
+          <a:prstGeom prst="rect">
+            <a:avLst/>
+          </a:prstGeom>
+          <a:solidFill>
+            <a:srgbClr val="F2F2F2"/>
+          </a:solidFill>
+          <a:ln w="9360">
+            <a:solidFill>
+              <a:srgbClr val="77933C"/>
+            </a:solidFill>
+            <a:prstDash val="lgDashDotDot"/>
+            <a:miter lim="800000"/>
+            <a:headEnd/>
+            <a:tailEnd/>
+          </a:ln>
+        </p:spPr>
+        <p:txBody>
+          <a:bodyPr wrap="square" lIns="90000" tIns="46800" rIns="90000" bIns="46800">
+            <a:prstTxWarp prst="textNoShape">
+              <a:avLst/>
+            </a:prstTxWarp>
+            <a:spAutoFit/>
+          </a:bodyPr>
+          <a:lstStyle/>
+          <a:p>
+            <a:pPr>
+              <a:buClrTx/>
+              <a:buFontTx/>
+              <a:buNone/>
+              <a:tabLst>
+                <a:tab pos="0" algn="l"/>
+                <a:tab pos="457200" algn="l"/>
+                <a:tab pos="914400" algn="l"/>
+                <a:tab pos="1371600" algn="l"/>
+                <a:tab pos="1828800" algn="l"/>
+                <a:tab pos="2286000" algn="l"/>
+                <a:tab pos="2743200" algn="l"/>
+                <a:tab pos="3200400" algn="l"/>
+                <a:tab pos="3657600" algn="l"/>
+                <a:tab pos="4114800" algn="l"/>
+                <a:tab pos="4572000" algn="l"/>
+                <a:tab pos="5029200" algn="l"/>
+                <a:tab pos="5486400" algn="l"/>
+                <a:tab pos="5943600" algn="l"/>
+                <a:tab pos="6400800" algn="l"/>
+                <a:tab pos="6858000" algn="l"/>
+                <a:tab pos="7315200" algn="l"/>
+                <a:tab pos="7772400" algn="l"/>
+                <a:tab pos="8229600" algn="l"/>
+                <a:tab pos="8686800" algn="l"/>
+                <a:tab pos="9144000" algn="l"/>
+              </a:tabLst>
+            </a:pPr>
+            <a:r>
+              <a:rPr lang="en-US" sz="1800" b="1">
+                <a:solidFill>
+                  <a:srgbClr val="000000"/>
+                </a:solidFill>
+                <a:latin typeface="Courier New" charset="0"/>
+                <a:ea typeface="Courier New" charset="0"/>
+                <a:cs typeface="Courier New" charset="0"/>
+              </a:rPr>
+              <a:t>[1] 0.9635582</a:t>
+            </a:r>
+          </a:p>
+        </p:txBody>
+      </p:sp>
+      <p:sp>
+        <p:nvSpPr>
+          <p:cNvPr id="6150" name="Text Box 6"/>
+          <p:cNvSpPr txBox="1">
+            <a:spLocks noChangeArrowheads="1"/>
+          </p:cNvSpPr>
+          <p:nvPr/>
+        </p:nvSpPr>
+        <p:spPr bwMode="auto">
+          <a:xfrm>
+            <a:off x="392113" y="4314825"/>
+            <a:ext cx="8229600" cy="368300"/>
+          </a:xfrm>
+          <a:prstGeom prst="rect">
+            <a:avLst/>
+          </a:prstGeom>
+          <a:noFill/>
+          <a:ln w="9525">
+            <a:noFill/>
+            <a:round/>
+            <a:headEnd/>
+            <a:tailEnd/>
+          </a:ln>
+        </p:spPr>
+        <p:txBody>
+          <a:bodyPr lIns="90000" tIns="46800" rIns="90000" bIns="46800">
+            <a:prstTxWarp prst="textNoShape">
+              <a:avLst/>
+            </a:prstTxWarp>
+            <a:spAutoFit/>
+          </a:bodyPr>
+          <a:lstStyle/>
+          <a:p>
+            <a:pPr>
+              <a:buClrTx/>
+              <a:buFontTx/>
+              <a:buNone/>
+              <a:tabLst>
+                <a:tab pos="0" algn="l"/>
+                <a:tab pos="457200" algn="l"/>
+                <a:tab pos="914400" algn="l"/>
+                <a:tab pos="1371600" algn="l"/>
+                <a:tab pos="1828800" algn="l"/>
+                <a:tab pos="2286000" algn="l"/>
+                <a:tab pos="2743200" algn="l"/>
+                <a:tab pos="3200400" algn="l"/>
+                <a:tab pos="3657600" algn="l"/>
+                <a:tab pos="4114800" algn="l"/>
+                <a:tab pos="4572000" algn="l"/>
+                <a:tab pos="5029200" algn="l"/>
+                <a:tab pos="5486400" algn="l"/>
+                <a:tab pos="5943600" algn="l"/>
+                <a:tab pos="6400800" algn="l"/>
+                <a:tab pos="6858000" algn="l"/>
+                <a:tab pos="7315200" algn="l"/>
+                <a:tab pos="7772400" algn="l"/>
+                <a:tab pos="8229600" algn="l"/>
+                <a:tab pos="8686800" algn="l"/>
+                <a:tab pos="9144000" algn="l"/>
+              </a:tabLst>
+            </a:pPr>
+            <a:r>
+              <a:rPr lang="en-US" sz="1800">
+                <a:solidFill>
+                  <a:srgbClr val="000000"/>
+                </a:solidFill>
+              </a:rPr>
+              <a:t>Results from code example will be in a grayed out box with a dashed border.</a:t>
+            </a:r>
+          </a:p>
+        </p:txBody>
+      </p:sp>
+    </p:spTree>
+  </p:cSld>
+  <p:clrMapOvr>
+    <a:masterClrMapping/>
+  </p:clrMapOvr>
+  <p:transition spd="med"/>
+  <p:timing>
+    <p:tnLst>
+      <p:par>
+        <p:cTn id="1" dur="indefinite" restart="never" nodeType="tmRoot">
+          <p:childTnLst>
+            <p:seq concurrent="1" nextAc="seek">
+              <p:cTn id="2" dur="indefinite" nodeType="mainSeq">
+                <p:childTnLst>
+                  <p:par>
+                    <p:cTn id="3" fill="hold" nodeType="clickPar">
+                      <p:stCondLst>
+                        <p:cond delay="indefinite"/>
+                        <p:cond evt="onBegin" delay="0">
+                          <p:tn val="2"/>
+                        </p:cond>
+                      </p:stCondLst>
+                      <p:childTnLst>
+                        <p:par>
+                          <p:cTn id="4" fill="hold" nodeType="withGroup">
+                            <p:stCondLst>
+                              <p:cond delay="0"/>
+                            </p:stCondLst>
+                            <p:childTnLst>
+                              <p:par>
+                                <p:cTn id="5" presetID="1" presetClass="entr" fill="hold" nodeType="withEffect">
+                                  <p:stCondLst>
+                                    <p:cond delay="0"/>
+                                  </p:stCondLst>
+                                  <p:childTnLst>
+                                    <p:set>
+                                      <p:cBhvr additive="repl">
+                                        <p:cTn id="6" dur="1" fill="hold">
+                                          <p:stCondLst>
+                                            <p:cond delay="0"/>
+                                          </p:stCondLst>
+                                        </p:cTn>
+                                        <p:tgtEl>
+                                          <p:spTgt spid="6146"/>
+                                        </p:tgtEl>
+                                        <p:attrNameLst>
+                                          <p:attrName>style.visibility</p:attrName>
+                                        </p:attrNameLst>
+                                      </p:cBhvr>
+                                      <p:to>
+                                        <p:strVal val="visible"/>
+                                      </p:to>
+                                    </p:set>
+                                  </p:childTnLst>
+                                </p:cTn>
+                              </p:par>
+                            </p:childTnLst>
+                          </p:cTn>
+                        </p:par>
+                      </p:childTnLst>
+                    </p:cTn>
+                  </p:par>
+                  <p:par>
+                    <p:cTn id="7" fill="hold">
+                      <p:stCondLst>
+                        <p:cond delay="indefinite"/>
+                      </p:stCondLst>
+                      <p:childTnLst>
+                        <p:par>
+                          <p:cTn id="8" fill="hold">
+                            <p:stCondLst>
+                              <p:cond delay="0"/>
+                            </p:stCondLst>
+                            <p:childTnLst>
+                              <p:par>
+                                <p:cTn id="9" presetID="1" presetClass="entr" fill="hold" nodeType="clickEffect">
+                                  <p:stCondLst>
+                                    <p:cond delay="0"/>
+                                  </p:stCondLst>
+                                  <p:childTnLst>
+                                    <p:set>
+                                      <p:cBhvr additive="repl">
+                                        <p:cTn id="10" dur="1" fill="hold">
+                                          <p:stCondLst>
+                                            <p:cond delay="0"/>
+                                          </p:stCondLst>
+                                        </p:cTn>
+                                        <p:tgtEl>
+                                          <p:spTgt spid="6148"/>
+                                        </p:tgtEl>
+                                        <p:attrNameLst>
+                                          <p:attrName>style.visibility</p:attrName>
+                                        </p:attrNameLst>
+                                      </p:cBhvr>
+                                      <p:to>
+                                        <p:strVal val="visible"/>
+                                      </p:to>
+                                    </p:set>
+                                  </p:childTnLst>
+                                </p:cTn>
+                              </p:par>
+                            </p:childTnLst>
+                          </p:cTn>
+                        </p:par>
+                      </p:childTnLst>
+                    </p:cTn>
+                  </p:par>
+                  <p:par>
+                    <p:cTn id="11" fill="hold" nodeType="clickPar">
+                      <p:stCondLst>
+                        <p:cond delay="indefinite"/>
+                      </p:stCondLst>
+                      <p:childTnLst>
+                        <p:par>
+                          <p:cTn id="12" fill="hold" nodeType="withGroup">
+                            <p:stCondLst>
+                              <p:cond delay="0"/>
+                            </p:stCondLst>
+                            <p:childTnLst>
+                              <p:par>
+                                <p:cTn id="13" presetID="1" presetClass="entr" fill="hold" nodeType="clickEffect">
+                                  <p:stCondLst>
+                                    <p:cond delay="0"/>
+                                  </p:stCondLst>
+                                  <p:childTnLst>
+                                    <p:set>
+                                      <p:cBhvr additive="repl">
+                                        <p:cTn id="14" dur="1" fill="hold">
+                                          <p:stCondLst>
+                                            <p:cond delay="0"/>
+                                          </p:stCondLst>
+                                        </p:cTn>
+                                        <p:tgtEl>
+                                          <p:spTgt spid="6150"/>
+                                        </p:tgtEl>
+                                        <p:attrNameLst>
+                                          <p:attrName>style.visibility</p:attrName>
+                                        </p:attrNameLst>
+                                      </p:cBhvr>
+                                      <p:to>
+                                        <p:strVal val="visible"/>
+                                      </p:to>
+                                    </p:set>
+                                  </p:childTnLst>
+                                </p:cTn>
+                              </p:par>
+                              <p:par>
+                                <p:cTn id="15" presetID="1" presetClass="entr" fill="hold" nodeType="withEffect">
+                                  <p:stCondLst>
+                                    <p:cond delay="0"/>
+                                  </p:stCondLst>
+                                  <p:childTnLst>
+                                    <p:set>
+                                      <p:cBhvr additive="repl">
+                                        <p:cTn id="16" dur="1" fill="hold">
+                                          <p:stCondLst>
+                                            <p:cond delay="0"/>
+                                          </p:stCondLst>
+                                        </p:cTn>
+                                        <p:tgtEl>
+                                          <p:spTgt spid="6149"/>
+                                        </p:tgtEl>
+                                        <p:attrNameLst>
+                                          <p:attrName>style.visibility</p:attrName>
+                                        </p:attrNameLst>
+                                      </p:cBhvr>
+                                      <p:to>
+                                        <p:strVal val="visible"/>
+                                      </p:to>
+                                    </p:set>
+                                  </p:childTnLst>
+                                </p:cTn>
+                              </p:par>
+                            </p:childTnLst>
+                          </p:cTn>
+                        </p:par>
+                      </p:childTnLst>
+                    </p:cTn>
+                  </p:par>
+                </p:childTnLst>
+              </p:cTn>
+              <p:prevCondLst>
+                <p:cond evt="onPrev" delay="0">
+                  <p:tgtEl>
+                    <p:sldTgt/>
+                  </p:tgtEl>
+                </p:cond>
+              </p:prevCondLst>
+              <p:nextCondLst>
+                <p:cond evt="onNext" delay="0">
+                  <p:tgtEl>
+                    <p:sldTgt/>
+                  </p:tgtEl>
+                </p:cond>
+              </p:nextCondLst>
+            </p:seq>
+          </p:childTnLst>
+        </p:cTn>
+      </p:par>
+    </p:tnLst>
+  </p:timing>
+</p:sld>
+</file>
+
+<file path=ppt/slides/slide27.xml><?xml version="1.0" encoding="utf-8"?>
+<p:sld xmlns:a="http://schemas.openxmlformats.org/drawingml/2006/main" xmlns:r="http://schemas.openxmlformats.org/officeDocument/2006/relationships" xmlns:mc="http://schemas.openxmlformats.org/markup-compatibility/2006" xmlns:mv="urn:schemas-microsoft-com:mac:vml" xmlns:p="http://schemas.openxmlformats.org/presentationml/2006/main" mc:Ignorable="mv" mc:PreserveAttributes="mv:*">
+  <p:cSld>
+    <p:spTree>
+      <p:nvGrpSpPr>
+        <p:cNvPr id="1" name=""/>
+        <p:cNvGrpSpPr/>
+        <p:nvPr/>
+      </p:nvGrpSpPr>
+      <p:grpSpPr>
+        <a:xfrm>
+          <a:off x="0" y="0"/>
+          <a:ext cx="0" cy="0"/>
+          <a:chOff x="0" y="0"/>
+          <a:chExt cx="0" cy="0"/>
+        </a:xfrm>
+      </p:grpSpPr>
+      <p:sp>
+        <p:nvSpPr>
+          <p:cNvPr id="2" name="Title 1"/>
+          <p:cNvSpPr>
+            <a:spLocks noGrp="1"/>
+          </p:cNvSpPr>
+          <p:nvPr>
+            <p:ph type="title"/>
+          </p:nvPr>
+        </p:nvSpPr>
+        <p:spPr/>
+        <p:txBody>
+          <a:bodyPr/>
+          <a:lstStyle/>
+          <a:p>
+            <a:r>
+              <a:rPr lang="en-US"/>
+              <a:t>zelig.skeleton Example</a:t>
+            </a:r>
+          </a:p>
+        </p:txBody>
+      </p:sp>
+      <p:sp>
+        <p:nvSpPr>
+          <p:cNvPr id="4" name="Text Box 4"/>
+          <p:cNvSpPr txBox="1">
+            <a:spLocks noChangeArrowheads="1"/>
+          </p:cNvSpPr>
+          <p:nvPr/>
+        </p:nvSpPr>
+        <p:spPr bwMode="auto">
+          <a:xfrm>
+            <a:off x="457200" y="1949450"/>
+            <a:ext cx="8229600" cy="2187395"/>
+          </a:xfrm>
+          <a:prstGeom prst="rect">
+            <a:avLst/>
+          </a:prstGeom>
+          <a:noFill/>
+          <a:ln w="9360">
+            <a:solidFill>
+              <a:srgbClr val="000000"/>
+            </a:solidFill>
+            <a:prstDash val="dashDot"/>
+            <a:miter lim="800000"/>
+            <a:headEnd/>
+            <a:tailEnd/>
+          </a:ln>
+        </p:spPr>
+        <p:txBody>
+          <a:bodyPr wrap="square" lIns="90000" tIns="46800" rIns="90000" bIns="46800">
+            <a:prstTxWarp prst="textNoShape">
+              <a:avLst/>
+            </a:prstTxWarp>
+            <a:spAutoFit/>
+          </a:bodyPr>
+          <a:lstStyle/>
+          <a:p>
+            <a:pPr>
+              <a:buClrTx/>
+              <a:buFontTx/>
+              <a:buNone/>
+              <a:tabLst>
+                <a:tab pos="0" algn="l"/>
+                <a:tab pos="457200" algn="l"/>
+                <a:tab pos="914400" algn="l"/>
+                <a:tab pos="1371600" algn="l"/>
+                <a:tab pos="1828800" algn="l"/>
+                <a:tab pos="2286000" algn="l"/>
+                <a:tab pos="2743200" algn="l"/>
+                <a:tab pos="3200400" algn="l"/>
+                <a:tab pos="3657600" algn="l"/>
+                <a:tab pos="4114800" algn="l"/>
+                <a:tab pos="4572000" algn="l"/>
+                <a:tab pos="5029200" algn="l"/>
+                <a:tab pos="5486400" algn="l"/>
+                <a:tab pos="5943600" algn="l"/>
+                <a:tab pos="6400800" algn="l"/>
+                <a:tab pos="6858000" algn="l"/>
+                <a:tab pos="7315200" algn="l"/>
+                <a:tab pos="7772400" algn="l"/>
+                <a:tab pos="8229600" algn="l"/>
+                <a:tab pos="8686800" algn="l"/>
+                <a:tab pos="9144000" algn="l"/>
+              </a:tabLst>
+            </a:pPr>
+            <a:r>
+              <a:rPr lang="en-US" sz="1700" dirty="0">
+                <a:solidFill>
+                  <a:srgbClr val="7F7F7F"/>
+                </a:solidFill>
+                <a:latin typeface="Courier New" charset="0"/>
+                <a:ea typeface="Courier New" charset="0"/>
+                <a:cs typeface="Courier New" charset="0"/>
+              </a:rPr>
+              <a:t># The first parameter is the package name</a:t>
+            </a:r>
+          </a:p>
+          <a:p>
+            <a:pPr>
+              <a:buClrTx/>
+              <a:buFontTx/>
+              <a:buNone/>
+              <a:tabLst>
+                <a:tab pos="0" algn="l"/>
+                <a:tab pos="457200" algn="l"/>
+                <a:tab pos="914400" algn="l"/>
+                <a:tab pos="1371600" algn="l"/>
+                <a:tab pos="1828800" algn="l"/>
+                <a:tab pos="2286000" algn="l"/>
+                <a:tab pos="2743200" algn="l"/>
+                <a:tab pos="3200400" algn="l"/>
+                <a:tab pos="3657600" algn="l"/>
+                <a:tab pos="4114800" algn="l"/>
+                <a:tab pos="4572000" algn="l"/>
+                <a:tab pos="5029200" algn="l"/>
+                <a:tab pos="5486400" algn="l"/>
+                <a:tab pos="5943600" algn="l"/>
+                <a:tab pos="6400800" algn="l"/>
+                <a:tab pos="6858000" algn="l"/>
+                <a:tab pos="7315200" algn="l"/>
+                <a:tab pos="7772400" algn="l"/>
+                <a:tab pos="8229600" algn="l"/>
+                <a:tab pos="8686800" algn="l"/>
+                <a:tab pos="9144000" algn="l"/>
+              </a:tabLst>
+            </a:pPr>
+            <a:r>
+              <a:rPr lang="en-US" sz="1700" dirty="0">
+                <a:solidFill>
+                  <a:srgbClr val="000000"/>
+                </a:solidFill>
+                <a:latin typeface="Courier New" charset="0"/>
+                <a:ea typeface="Courier New" charset="0"/>
+                <a:cs typeface="Courier New" charset="0"/>
+              </a:rPr>
+              <a:t>&gt; pkgName &lt;- "ZeligLeastSquares"</a:t>
+            </a:r>
+          </a:p>
+          <a:p>
+            <a:pPr>
+              <a:tabLst>
+                <a:tab pos="0" algn="l"/>
+                <a:tab pos="457200" algn="l"/>
+                <a:tab pos="914400" algn="l"/>
+                <a:tab pos="1371600" algn="l"/>
+                <a:tab pos="1828800" algn="l"/>
+                <a:tab pos="2286000" algn="l"/>
+                <a:tab pos="2743200" algn="l"/>
+                <a:tab pos="3200400" algn="l"/>
+                <a:tab pos="3657600" algn="l"/>
+                <a:tab pos="4114800" algn="l"/>
+                <a:tab pos="4572000" algn="l"/>
+                <a:tab pos="5029200" algn="l"/>
+                <a:tab pos="5486400" algn="l"/>
+                <a:tab pos="5943600" algn="l"/>
+                <a:tab pos="6400800" algn="l"/>
+                <a:tab pos="6858000" algn="l"/>
+                <a:tab pos="7315200" algn="l"/>
+                <a:tab pos="7772400" algn="l"/>
+                <a:tab pos="8229600" algn="l"/>
+                <a:tab pos="8686800" algn="l"/>
+                <a:tab pos="9144000" algn="l"/>
+              </a:tabLst>
+            </a:pPr>
+            <a:r>
+              <a:rPr lang="en-US" sz="1700" dirty="0">
+                <a:solidFill>
+                  <a:srgbClr val="000000"/>
+                </a:solidFill>
+                <a:latin typeface="Courier New" charset="0"/>
+                <a:ea typeface="Courier New" charset="0"/>
+                <a:cs typeface="Courier New" charset="0"/>
+              </a:rPr>
+              <a:t>&gt; model &lt;- "twostage"</a:t>
+            </a:r>
+          </a:p>
+          <a:p>
+            <a:pPr>
+              <a:tabLst>
+                <a:tab pos="0" algn="l"/>
+                <a:tab pos="457200" algn="l"/>
+                <a:tab pos="914400" algn="l"/>
+                <a:tab pos="1371600" algn="l"/>
+                <a:tab pos="1828800" algn="l"/>
+                <a:tab pos="2286000" algn="l"/>
+                <a:tab pos="2743200" algn="l"/>
+                <a:tab pos="3200400" algn="l"/>
+                <a:tab pos="3657600" algn="l"/>
+                <a:tab pos="4114800" algn="l"/>
+                <a:tab pos="4572000" algn="l"/>
+                <a:tab pos="5029200" algn="l"/>
+                <a:tab pos="5486400" algn="l"/>
+                <a:tab pos="5943600" algn="l"/>
+                <a:tab pos="6400800" algn="l"/>
+                <a:tab pos="6858000" algn="l"/>
+                <a:tab pos="7315200" algn="l"/>
+                <a:tab pos="7772400" algn="l"/>
+                <a:tab pos="8229600" algn="l"/>
+                <a:tab pos="8686800" algn="l"/>
+                <a:tab pos="9144000" algn="l"/>
+              </a:tabLst>
+            </a:pPr>
+            <a:r>
+              <a:rPr lang="en-US" sz="1700" dirty="0">
+                <a:solidFill>
+                  <a:srgbClr val="000000"/>
+                </a:solidFill>
+                <a:latin typeface="Courier New" charset="0"/>
+                <a:ea typeface="Courier New" charset="0"/>
+                <a:cs typeface="Courier New" charset="0"/>
+              </a:rPr>
+              <a:t>&gt; author &lt;- "Matt Owen"</a:t>
+            </a:r>
+          </a:p>
+          <a:p>
+            <a:pPr>
+              <a:tabLst>
+                <a:tab pos="0" algn="l"/>
+                <a:tab pos="457200" algn="l"/>
+                <a:tab pos="914400" algn="l"/>
+                <a:tab pos="1371600" algn="l"/>
+                <a:tab pos="1828800" algn="l"/>
+                <a:tab pos="2286000" algn="l"/>
+                <a:tab pos="2743200" algn="l"/>
+                <a:tab pos="3200400" algn="l"/>
+                <a:tab pos="3657600" algn="l"/>
+                <a:tab pos="4114800" algn="l"/>
+                <a:tab pos="4572000" algn="l"/>
+                <a:tab pos="5029200" algn="l"/>
+                <a:tab pos="5486400" algn="l"/>
+                <a:tab pos="5943600" algn="l"/>
+                <a:tab pos="6400800" algn="l"/>
+                <a:tab pos="6858000" algn="l"/>
+                <a:tab pos="7315200" algn="l"/>
+                <a:tab pos="7772400" algn="l"/>
+                <a:tab pos="8229600" algn="l"/>
+                <a:tab pos="8686800" algn="l"/>
+                <a:tab pos="9144000" algn="l"/>
+              </a:tabLst>
+            </a:pPr>
+            <a:r>
+              <a:rPr lang="en-US" sz="1700" dirty="0">
+                <a:solidFill>
+                  <a:srgbClr val="000000"/>
+                </a:solidFill>
+                <a:latin typeface="Courier New" charset="0"/>
+                <a:ea typeface="Courier New" charset="0"/>
+                <a:cs typeface="Courier New" charset="0"/>
+              </a:rPr>
+              <a:t>&gt; email &lt;- "mowen@iq.harvard.edu"</a:t>
+            </a:r>
+          </a:p>
+          <a:p>
+            <a:pPr>
+              <a:tabLst>
+                <a:tab pos="0" algn="l"/>
+                <a:tab pos="457200" algn="l"/>
+                <a:tab pos="914400" algn="l"/>
+                <a:tab pos="1371600" algn="l"/>
+                <a:tab pos="1828800" algn="l"/>
+                <a:tab pos="2286000" algn="l"/>
+                <a:tab pos="2743200" algn="l"/>
+                <a:tab pos="3200400" algn="l"/>
+                <a:tab pos="3657600" algn="l"/>
+                <a:tab pos="4114800" algn="l"/>
+                <a:tab pos="4572000" algn="l"/>
+                <a:tab pos="5029200" algn="l"/>
+                <a:tab pos="5486400" algn="l"/>
+                <a:tab pos="5943600" algn="l"/>
+                <a:tab pos="6400800" algn="l"/>
+                <a:tab pos="6858000" algn="l"/>
+                <a:tab pos="7315200" algn="l"/>
+                <a:tab pos="7772400" algn="l"/>
+                <a:tab pos="8229600" algn="l"/>
+                <a:tab pos="8686800" algn="l"/>
+                <a:tab pos="9144000" algn="l"/>
+              </a:tabLst>
+            </a:pPr>
+            <a:r>
+              <a:rPr lang="en-US" sz="1700" dirty="0">
+                <a:solidFill>
+                  <a:srgbClr val="000000"/>
+                </a:solidFill>
+                <a:latin typeface="Courier New" charset="0"/>
+                <a:ea typeface="Courier New" charset="0"/>
+                <a:cs typeface="Courier New" charset="0"/>
+              </a:rPr>
+              <a:t>&gt; zelig.skeleton(pkgName, model, author = author, email = email)</a:t>
+            </a:r>
+          </a:p>
+          <a:p>
+            <a:pPr>
+              <a:buClrTx/>
+              <a:buFontTx/>
+              <a:buNone/>
+              <a:tabLst>
+                <a:tab pos="0" algn="l"/>
+                <a:tab pos="457200" algn="l"/>
+                <a:tab pos="914400" algn="l"/>
+                <a:tab pos="1371600" algn="l"/>
+                <a:tab pos="1828800" algn="l"/>
+                <a:tab pos="2286000" algn="l"/>
+                <a:tab pos="2743200" algn="l"/>
+                <a:tab pos="3200400" algn="l"/>
+                <a:tab pos="3657600" algn="l"/>
+                <a:tab pos="4114800" algn="l"/>
+                <a:tab pos="4572000" algn="l"/>
+                <a:tab pos="5029200" algn="l"/>
+                <a:tab pos="5486400" algn="l"/>
+                <a:tab pos="5943600" algn="l"/>
+                <a:tab pos="6400800" algn="l"/>
+                <a:tab pos="6858000" algn="l"/>
+                <a:tab pos="7315200" algn="l"/>
+                <a:tab pos="7772400" algn="l"/>
+                <a:tab pos="8229600" algn="l"/>
+                <a:tab pos="8686800" algn="l"/>
+                <a:tab pos="9144000" algn="l"/>
+              </a:tabLst>
+            </a:pPr>
+            <a:endParaRPr lang="en-US" sz="1700" dirty="0">
+              <a:solidFill>
+                <a:srgbClr val="000000"/>
+              </a:solidFill>
+              <a:latin typeface="Courier New" charset="0"/>
+              <a:ea typeface="Courier New" charset="0"/>
+              <a:cs typeface="Courier New" charset="0"/>
+            </a:endParaRPr>
+          </a:p>
+        </p:txBody>
+      </p:sp>
+      <p:sp>
+        <p:nvSpPr>
+          <p:cNvPr id="5" name="TextBox 4"/>
+          <p:cNvSpPr txBox="1"/>
+          <p:nvPr/>
+        </p:nvSpPr>
+        <p:spPr>
+          <a:xfrm>
+            <a:off x="457200" y="4403868"/>
+            <a:ext cx="8229600" cy="1477328"/>
+          </a:xfrm>
+          <a:prstGeom prst="rect">
+            <a:avLst/>
+          </a:prstGeom>
+          <a:noFill/>
+        </p:spPr>
+        <p:txBody>
+          <a:bodyPr wrap="square" rtlCol="0">
+            <a:spAutoFit/>
+          </a:bodyPr>
+          <a:lstStyle/>
+          <a:p>
+            <a:r>
+              <a:rPr lang="en-US"/>
+              <a:t>This example will create a folder named "ZeligLeastSquares" in your current working directory.</a:t>
+            </a:r>
+          </a:p>
+          <a:p>
+            <a:endParaRPr lang="en-US"/>
+          </a:p>
+          <a:p>
+            <a:r>
+              <a:rPr lang="en-US"/>
+              <a:t>If you need to go back later and change these values, they will be saved in the file "ZeligLeastSquares/DESCRIPTION"</a:t>
+            </a:r>
+          </a:p>
+        </p:txBody>
+      </p:sp>
+    </p:spTree>
+  </p:cSld>
+  <p:clrMapOvr>
+    <a:masterClrMapping/>
+  </p:clrMapOvr>
+  <p:timing>
+    <p:tnLst>
+      <p:par>
+        <p:cTn id="1" dur="indefinite" restart="never" nodeType="tmRoot">
+          <p:childTnLst>
+            <p:seq concurrent="1" nextAc="seek">
+              <p:cTn id="2" dur="indefinite" nodeType="mainSeq">
+                <p:childTnLst>
+                  <p:par>
+                    <p:cTn id="3" fill="hold">
+                      <p:stCondLst>
+                        <p:cond delay="indefinite"/>
+                      </p:stCondLst>
+                      <p:childTnLst>
+                        <p:par>
+                          <p:cTn id="4" fill="hold">
+                            <p:stCondLst>
+                              <p:cond delay="0"/>
+                            </p:stCondLst>
+                            <p:childTnLst>
+                              <p:par>
+                                <p:cTn id="5" presetID="1" presetClass="entr" fill="hold" nodeType="clickEffect">
+                                  <p:stCondLst>
+                                    <p:cond delay="0"/>
+                                  </p:stCondLst>
+                                  <p:childTnLst>
+                                    <p:set>
+                                      <p:cBhvr additive="repl">
+                                        <p:cTn id="6" dur="1" fill="hold">
+                                          <p:stCondLst>
+                                            <p:cond delay="0"/>
+                                          </p:stCondLst>
+                                        </p:cTn>
+                                        <p:tgtEl>
+                                          <p:spTgt spid="4"/>
+                                        </p:tgtEl>
+                                        <p:attrNameLst>
+                                          <p:attrName>style.visibility</p:attrName>
+                                        </p:attrNameLst>
+                                      </p:cBhvr>
+                                      <p:to>
+                                        <p:strVal val="visible"/>
+                                      </p:to>
+                                    </p:set>
+                                  </p:childTnLst>
+                                </p:cTn>
+                              </p:par>
+                            </p:childTnLst>
+                          </p:cTn>
+                        </p:par>
+                      </p:childTnLst>
+                    </p:cTn>
+                  </p:par>
+                </p:childTnLst>
+              </p:cTn>
+              <p:prevCondLst>
+                <p:cond evt="onPrev" delay="0">
+                  <p:tgtEl>
+                    <p:sldTgt/>
+                  </p:tgtEl>
+                </p:cond>
+              </p:prevCondLst>
+              <p:nextCondLst>
+                <p:cond evt="onNext" delay="0">
+                  <p:tgtEl>
+                    <p:sldTgt/>
+                  </p:tgtEl>
+                </p:cond>
+              </p:nextCondLst>
+            </p:seq>
+          </p:childTnLst>
+        </p:cTn>
+      </p:par>
+    </p:tnLst>
   </p:timing>
 </p:sld>
 </file>

--- a/January-Class/Zelig4_zelig2.pptx
+++ b/January-Class/Zelig4_zelig2.pptx
@@ -5,7 +5,7 @@
     <p:sldMasterId id="2147483694" r:id="rId1"/>
   </p:sldMasterIdLst>
   <p:notesMasterIdLst>
-    <p:notesMasterId r:id="rId29"/>
+    <p:notesMasterId r:id="rId37"/>
   </p:notesMasterIdLst>
   <p:sldIdLst>
     <p:sldId id="256" r:id="rId2"/>
@@ -35,6 +35,14 @@
     <p:sldId id="283" r:id="rId26"/>
     <p:sldId id="263" r:id="rId27"/>
     <p:sldId id="284" r:id="rId28"/>
+    <p:sldId id="285" r:id="rId29"/>
+    <p:sldId id="286" r:id="rId30"/>
+    <p:sldId id="287" r:id="rId31"/>
+    <p:sldId id="288" r:id="rId32"/>
+    <p:sldId id="289" r:id="rId33"/>
+    <p:sldId id="290" r:id="rId34"/>
+    <p:sldId id="291" r:id="rId35"/>
+    <p:sldId id="292" r:id="rId36"/>
   </p:sldIdLst>
   <p:sldSz cx="9144000" cy="6858000" type="screen4x3"/>
   <p:notesSz cx="6858000" cy="9144000"/>
@@ -8777,6 +8785,230 @@
 </p:sld>
 </file>
 
+<file path=ppt/slides/slide28.xml><?xml version="1.0" encoding="utf-8"?>
+<p:sld xmlns:a="http://schemas.openxmlformats.org/drawingml/2006/main" xmlns:r="http://schemas.openxmlformats.org/officeDocument/2006/relationships" xmlns:mc="http://schemas.openxmlformats.org/markup-compatibility/2006" xmlns:mv="urn:schemas-microsoft-com:mac:vml" xmlns:p="http://schemas.openxmlformats.org/presentationml/2006/main" mc:Ignorable="mv" mc:PreserveAttributes="mv:*">
+  <p:cSld>
+    <p:spTree>
+      <p:nvGrpSpPr>
+        <p:cNvPr id="1" name=""/>
+        <p:cNvGrpSpPr/>
+        <p:nvPr/>
+      </p:nvGrpSpPr>
+      <p:grpSpPr>
+        <a:xfrm>
+          <a:off x="0" y="0"/>
+          <a:ext cx="0" cy="0"/>
+          <a:chOff x="0" y="0"/>
+          <a:chExt cx="0" cy="0"/>
+        </a:xfrm>
+      </p:grpSpPr>
+      <p:sp>
+        <p:nvSpPr>
+          <p:cNvPr id="2" name="Title 1"/>
+          <p:cNvSpPr>
+            <a:spLocks noGrp="1"/>
+          </p:cNvSpPr>
+          <p:nvPr>
+            <p:ph type="title"/>
+          </p:nvPr>
+        </p:nvSpPr>
+        <p:spPr/>
+        <p:txBody>
+          <a:bodyPr/>
+          <a:lstStyle/>
+          <a:p>
+            <a:r>
+              <a:rPr lang="en-US"/>
+              <a:t>Structure of a Package</a:t>
+            </a:r>
+          </a:p>
+        </p:txBody>
+      </p:sp>
+      <p:sp>
+        <p:nvSpPr>
+          <p:cNvPr id="4" name="Content Placeholder 3"/>
+          <p:cNvSpPr>
+            <a:spLocks noGrp="1"/>
+          </p:cNvSpPr>
+          <p:nvPr>
+            <p:ph idx="1"/>
+          </p:nvPr>
+        </p:nvSpPr>
+        <p:spPr/>
+        <p:txBody>
+          <a:bodyPr>
+            <a:normAutofit/>
+          </a:bodyPr>
+          <a:lstStyle/>
+          <a:p>
+            <a:r>
+              <a:rPr lang="en-US"/>
+              <a:t>Is simply a directory with folders:</a:t>
+            </a:r>
+          </a:p>
+          <a:p>
+            <a:pPr lvl="1"/>
+            <a:r>
+              <a:rPr lang="en-US"/>
+              <a:t>R</a:t>
+            </a:r>
+          </a:p>
+          <a:p>
+            <a:pPr lvl="1"/>
+            <a:r>
+              <a:rPr lang="en-US"/>
+              <a:t>man</a:t>
+            </a:r>
+          </a:p>
+          <a:p>
+            <a:r>
+              <a:rPr lang="en-US"/>
+              <a:t>And important files:</a:t>
+            </a:r>
+          </a:p>
+          <a:p>
+            <a:pPr lvl="1"/>
+            <a:r>
+              <a:rPr lang="en-US"/>
+              <a:t>DESCRIPTION</a:t>
+            </a:r>
+          </a:p>
+          <a:p>
+            <a:pPr lvl="1"/>
+            <a:r>
+              <a:rPr lang="en-US"/>
+              <a:t>NAMESPACE</a:t>
+            </a:r>
+          </a:p>
+          <a:p>
+            <a:pPr>
+              <a:buNone/>
+            </a:pPr>
+            <a:endParaRPr lang="en-US"/>
+          </a:p>
+        </p:txBody>
+      </p:sp>
+    </p:spTree>
+  </p:cSld>
+  <p:clrMapOvr>
+    <a:masterClrMapping/>
+  </p:clrMapOvr>
+</p:sld>
+</file>
+
+<file path=ppt/slides/slide29.xml><?xml version="1.0" encoding="utf-8"?>
+<p:sld xmlns:a="http://schemas.openxmlformats.org/drawingml/2006/main" xmlns:r="http://schemas.openxmlformats.org/officeDocument/2006/relationships" xmlns:mc="http://schemas.openxmlformats.org/markup-compatibility/2006" xmlns:mv="urn:schemas-microsoft-com:mac:vml" xmlns:p="http://schemas.openxmlformats.org/presentationml/2006/main" mc:Ignorable="mv" mc:PreserveAttributes="mv:*">
+  <p:cSld>
+    <p:spTree>
+      <p:nvGrpSpPr>
+        <p:cNvPr id="1" name=""/>
+        <p:cNvGrpSpPr/>
+        <p:nvPr/>
+      </p:nvGrpSpPr>
+      <p:grpSpPr>
+        <a:xfrm>
+          <a:off x="0" y="0"/>
+          <a:ext cx="0" cy="0"/>
+          <a:chOff x="0" y="0"/>
+          <a:chExt cx="0" cy="0"/>
+        </a:xfrm>
+      </p:grpSpPr>
+      <p:sp>
+        <p:nvSpPr>
+          <p:cNvPr id="2" name="Title 1"/>
+          <p:cNvSpPr>
+            <a:spLocks noGrp="1"/>
+          </p:cNvSpPr>
+          <p:nvPr>
+            <p:ph type="title"/>
+          </p:nvPr>
+        </p:nvSpPr>
+        <p:spPr/>
+        <p:txBody>
+          <a:bodyPr/>
+          <a:lstStyle/>
+          <a:p>
+            <a:r>
+              <a:rPr lang="en-US"/>
+              <a:t>Structure of a Package</a:t>
+            </a:r>
+          </a:p>
+        </p:txBody>
+      </p:sp>
+      <p:sp>
+        <p:nvSpPr>
+          <p:cNvPr id="3" name="Content Placeholder 2"/>
+          <p:cNvSpPr>
+            <a:spLocks noGrp="1"/>
+          </p:cNvSpPr>
+          <p:nvPr>
+            <p:ph idx="1"/>
+          </p:nvPr>
+        </p:nvSpPr>
+        <p:spPr/>
+        <p:txBody>
+          <a:bodyPr/>
+          <a:lstStyle/>
+          <a:p>
+            <a:r>
+              <a:rPr lang="en-US"/>
+              <a:t>The important files and folder are:</a:t>
+            </a:r>
+          </a:p>
+          <a:p>
+            <a:pPr lvl="1"/>
+            <a:r>
+              <a:rPr lang="en-US"/>
+              <a:t>The "R" folder will contain </a:t>
+            </a:r>
+            <a:r>
+              <a:rPr lang="en-US" b="1"/>
+              <a:t>ALL</a:t>
+            </a:r>
+            <a:r>
+              <a:rPr lang="en-US"/>
+              <a:t> source code written in R</a:t>
+            </a:r>
+          </a:p>
+          <a:p>
+            <a:pPr lvl="1"/>
+            <a:r>
+              <a:rPr lang="en-US"/>
+              <a:t>The "man" folder holds documentation</a:t>
+            </a:r>
+          </a:p>
+          <a:p>
+            <a:pPr lvl="1"/>
+            <a:r>
+              <a:rPr lang="en-US"/>
+              <a:t>"DESCRIPTION" gives information about authorship and package dependency</a:t>
+            </a:r>
+          </a:p>
+          <a:p>
+            <a:pPr lvl="1"/>
+            <a:r>
+              <a:rPr lang="en-US"/>
+              <a:t>"NAMESPACE" specifies what functions should be visible by </a:t>
+            </a:r>
+            <a:r>
+              <a:rPr lang="en-US" b="1"/>
+              <a:t>EXTERNAL</a:t>
+            </a:r>
+            <a:r>
+              <a:rPr lang="en-US"/>
+              <a:t> packages</a:t>
+            </a:r>
+          </a:p>
+        </p:txBody>
+      </p:sp>
+    </p:spTree>
+  </p:cSld>
+  <p:clrMapOvr>
+    <a:masterClrMapping/>
+  </p:clrMapOvr>
+</p:sld>
+</file>
+
 <file path=ppt/slides/slide3.xml><?xml version="1.0" encoding="utf-8"?>
 <p:sld xmlns:a="http://schemas.openxmlformats.org/drawingml/2006/main" xmlns:r="http://schemas.openxmlformats.org/officeDocument/2006/relationships" xmlns:mc="http://schemas.openxmlformats.org/markup-compatibility/2006" xmlns:mv="urn:schemas-microsoft-com:mac:vml" xmlns:p="http://schemas.openxmlformats.org/presentationml/2006/main" mc:Ignorable="mv" mc:PreserveAttributes="mv:*">
   <p:cSld>
@@ -8896,6 +9128,573 @@
       </p:par>
     </p:tnLst>
   </p:timing>
+</p:sld>
+</file>
+
+<file path=ppt/slides/slide30.xml><?xml version="1.0" encoding="utf-8"?>
+<p:sld xmlns:a="http://schemas.openxmlformats.org/drawingml/2006/main" xmlns:r="http://schemas.openxmlformats.org/officeDocument/2006/relationships" xmlns:mc="http://schemas.openxmlformats.org/markup-compatibility/2006" xmlns:mv="urn:schemas-microsoft-com:mac:vml" xmlns:p="http://schemas.openxmlformats.org/presentationml/2006/main" mc:Ignorable="mv" mc:PreserveAttributes="mv:*">
+  <p:cSld>
+    <p:spTree>
+      <p:nvGrpSpPr>
+        <p:cNvPr id="1" name=""/>
+        <p:cNvGrpSpPr/>
+        <p:nvPr/>
+      </p:nvGrpSpPr>
+      <p:grpSpPr>
+        <a:xfrm>
+          <a:off x="0" y="0"/>
+          <a:ext cx="0" cy="0"/>
+          <a:chOff x="0" y="0"/>
+          <a:chExt cx="0" cy="0"/>
+        </a:xfrm>
+      </p:grpSpPr>
+      <p:sp>
+        <p:nvSpPr>
+          <p:cNvPr id="2" name="Title 1"/>
+          <p:cNvSpPr>
+            <a:spLocks noGrp="1"/>
+          </p:cNvSpPr>
+          <p:nvPr>
+            <p:ph type="title"/>
+          </p:nvPr>
+        </p:nvSpPr>
+        <p:spPr/>
+        <p:txBody>
+          <a:bodyPr>
+            <a:normAutofit fontScale="90000"/>
+          </a:bodyPr>
+          <a:lstStyle/>
+          <a:p>
+            <a:r>
+              <a:rPr lang="en-US"/>
+              <a:t>Structure of a Package</a:t>
+            </a:r>
+            <a:br>
+              <a:rPr lang="en-US"/>
+            </a:br>
+            <a:r>
+              <a:rPr lang="en-US"/>
+              <a:t>(The "R" Folder)</a:t>
+            </a:r>
+          </a:p>
+        </p:txBody>
+      </p:sp>
+      <p:sp>
+        <p:nvSpPr>
+          <p:cNvPr id="3" name="Content Placeholder 2"/>
+          <p:cNvSpPr>
+            <a:spLocks noGrp="1"/>
+          </p:cNvSpPr>
+          <p:nvPr>
+            <p:ph idx="1"/>
+          </p:nvPr>
+        </p:nvSpPr>
+        <p:spPr/>
+        <p:txBody>
+          <a:bodyPr/>
+          <a:lstStyle/>
+          <a:p>
+            <a:r>
+              <a:rPr lang="en-US"/>
+              <a:t>Holds all documents ending with ".R"</a:t>
+            </a:r>
+          </a:p>
+          <a:p>
+            <a:r>
+              <a:rPr lang="en-US"/>
+              <a:t>Comprises the R source code for the entire package</a:t>
+            </a:r>
+          </a:p>
+          <a:p>
+            <a:r>
+              <a:rPr lang="en-US"/>
+              <a:t>Code written in R should always be kept in this folder</a:t>
+            </a:r>
+          </a:p>
+          <a:p>
+            <a:endParaRPr lang="en-US"/>
+          </a:p>
+        </p:txBody>
+      </p:sp>
+    </p:spTree>
+  </p:cSld>
+  <p:clrMapOvr>
+    <a:masterClrMapping/>
+  </p:clrMapOvr>
+</p:sld>
+</file>
+
+<file path=ppt/slides/slide31.xml><?xml version="1.0" encoding="utf-8"?>
+<p:sld xmlns:a="http://schemas.openxmlformats.org/drawingml/2006/main" xmlns:r="http://schemas.openxmlformats.org/officeDocument/2006/relationships" xmlns:mc="http://schemas.openxmlformats.org/markup-compatibility/2006" xmlns:mv="urn:schemas-microsoft-com:mac:vml" xmlns:p="http://schemas.openxmlformats.org/presentationml/2006/main" mc:Ignorable="mv" mc:PreserveAttributes="mv:*">
+  <p:cSld>
+    <p:spTree>
+      <p:nvGrpSpPr>
+        <p:cNvPr id="1" name=""/>
+        <p:cNvGrpSpPr/>
+        <p:nvPr/>
+      </p:nvGrpSpPr>
+      <p:grpSpPr>
+        <a:xfrm>
+          <a:off x="0" y="0"/>
+          <a:ext cx="0" cy="0"/>
+          <a:chOff x="0" y="0"/>
+          <a:chExt cx="0" cy="0"/>
+        </a:xfrm>
+      </p:grpSpPr>
+      <p:sp>
+        <p:nvSpPr>
+          <p:cNvPr id="2" name="Title 1"/>
+          <p:cNvSpPr>
+            <a:spLocks noGrp="1"/>
+          </p:cNvSpPr>
+          <p:nvPr>
+            <p:ph type="title"/>
+          </p:nvPr>
+        </p:nvSpPr>
+        <p:spPr/>
+        <p:txBody>
+          <a:bodyPr>
+            <a:normAutofit fontScale="90000"/>
+          </a:bodyPr>
+          <a:lstStyle/>
+          <a:p>
+            <a:r>
+              <a:rPr lang="en-US"/>
+              <a:t>Structure of a Package</a:t>
+            </a:r>
+            <a:br>
+              <a:rPr lang="en-US"/>
+            </a:br>
+            <a:r>
+              <a:rPr lang="en-US"/>
+              <a:t>(The "man" Folder)</a:t>
+            </a:r>
+          </a:p>
+        </p:txBody>
+      </p:sp>
+      <p:sp>
+        <p:nvSpPr>
+          <p:cNvPr id="3" name="Content Placeholder 2"/>
+          <p:cNvSpPr>
+            <a:spLocks noGrp="1"/>
+          </p:cNvSpPr>
+          <p:nvPr>
+            <p:ph idx="1"/>
+          </p:nvPr>
+        </p:nvSpPr>
+        <p:spPr/>
+        <p:txBody>
+          <a:bodyPr/>
+          <a:lstStyle/>
+          <a:p>
+            <a:r>
+              <a:rPr lang="en-US"/>
+              <a:t>Stores the help documentation</a:t>
+            </a:r>
+          </a:p>
+          <a:p>
+            <a:r>
+              <a:rPr lang="en-US"/>
+              <a:t>All files should have the extension "Rd"</a:t>
+            </a:r>
+          </a:p>
+          <a:p>
+            <a:r>
+              <a:rPr lang="en-US"/>
+              <a:t>Rd documents are written in a LaTeX-like language</a:t>
+            </a:r>
+          </a:p>
+          <a:p>
+            <a:r>
+              <a:rPr lang="en-US" sz="2400"/>
+              <a:t>http://cran.r-project.org/doc/manuals/R-exts.html#Rd-format</a:t>
+            </a:r>
+          </a:p>
+        </p:txBody>
+      </p:sp>
+    </p:spTree>
+  </p:cSld>
+  <p:clrMapOvr>
+    <a:masterClrMapping/>
+  </p:clrMapOvr>
+</p:sld>
+</file>
+
+<file path=ppt/slides/slide32.xml><?xml version="1.0" encoding="utf-8"?>
+<p:sld xmlns:a="http://schemas.openxmlformats.org/drawingml/2006/main" xmlns:r="http://schemas.openxmlformats.org/officeDocument/2006/relationships" xmlns:mc="http://schemas.openxmlformats.org/markup-compatibility/2006" xmlns:mv="urn:schemas-microsoft-com:mac:vml" xmlns:p="http://schemas.openxmlformats.org/presentationml/2006/main" mc:Ignorable="mv" mc:PreserveAttributes="mv:*">
+  <p:cSld>
+    <p:spTree>
+      <p:nvGrpSpPr>
+        <p:cNvPr id="1" name=""/>
+        <p:cNvGrpSpPr/>
+        <p:nvPr/>
+      </p:nvGrpSpPr>
+      <p:grpSpPr>
+        <a:xfrm>
+          <a:off x="0" y="0"/>
+          <a:ext cx="0" cy="0"/>
+          <a:chOff x="0" y="0"/>
+          <a:chExt cx="0" cy="0"/>
+        </a:xfrm>
+      </p:grpSpPr>
+      <p:sp>
+        <p:nvSpPr>
+          <p:cNvPr id="2" name="Title 1"/>
+          <p:cNvSpPr>
+            <a:spLocks noGrp="1"/>
+          </p:cNvSpPr>
+          <p:nvPr>
+            <p:ph type="title"/>
+          </p:nvPr>
+        </p:nvSpPr>
+        <p:spPr/>
+        <p:txBody>
+          <a:bodyPr>
+            <a:normAutofit fontScale="90000"/>
+          </a:bodyPr>
+          <a:lstStyle/>
+          <a:p>
+            <a:r>
+              <a:rPr lang="en-US"/>
+              <a:t>Structure of a Package</a:t>
+            </a:r>
+            <a:br>
+              <a:rPr lang="en-US"/>
+            </a:br>
+            <a:r>
+              <a:rPr lang="en-US"/>
+              <a:t>(The "DESCRIPTION" File)</a:t>
+            </a:r>
+          </a:p>
+        </p:txBody>
+      </p:sp>
+      <p:sp>
+        <p:nvSpPr>
+          <p:cNvPr id="3" name="Content Placeholder 2"/>
+          <p:cNvSpPr>
+            <a:spLocks noGrp="1"/>
+          </p:cNvSpPr>
+          <p:nvPr>
+            <p:ph idx="1"/>
+          </p:nvPr>
+        </p:nvSpPr>
+        <p:spPr/>
+        <p:txBody>
+          <a:bodyPr/>
+          <a:lstStyle/>
+          <a:p>
+            <a:r>
+              <a:rPr lang="en-US"/>
+              <a:t>Contains several fields used to specify information about the statistical package</a:t>
+            </a:r>
+          </a:p>
+          <a:p>
+            <a:r>
+              <a:rPr lang="en-US"/>
+              <a:t>Most important are:</a:t>
+            </a:r>
+          </a:p>
+          <a:p>
+            <a:pPr lvl="1"/>
+            <a:r>
+              <a:rPr lang="en-US"/>
+              <a:t>Depends</a:t>
+            </a:r>
+          </a:p>
+          <a:p>
+            <a:pPr lvl="1"/>
+            <a:r>
+              <a:rPr lang="en-US"/>
+              <a:t>Author</a:t>
+            </a:r>
+          </a:p>
+          <a:p>
+            <a:pPr lvl="1"/>
+            <a:r>
+              <a:rPr lang="en-US"/>
+              <a:t>Version</a:t>
+            </a:r>
+          </a:p>
+          <a:p>
+            <a:r>
+              <a:rPr lang="en-US" sz="2000"/>
+              <a:t>http://cran.r-project.org/doc/manuals/R-exts.html#The-DESCRIPTION-file</a:t>
+            </a:r>
+          </a:p>
+        </p:txBody>
+      </p:sp>
+    </p:spTree>
+  </p:cSld>
+  <p:clrMapOvr>
+    <a:masterClrMapping/>
+  </p:clrMapOvr>
+</p:sld>
+</file>
+
+<file path=ppt/slides/slide33.xml><?xml version="1.0" encoding="utf-8"?>
+<p:sld xmlns:a="http://schemas.openxmlformats.org/drawingml/2006/main" xmlns:r="http://schemas.openxmlformats.org/officeDocument/2006/relationships" xmlns:mc="http://schemas.openxmlformats.org/markup-compatibility/2006" xmlns:mv="urn:schemas-microsoft-com:mac:vml" xmlns:p="http://schemas.openxmlformats.org/presentationml/2006/main" mc:Ignorable="mv" mc:PreserveAttributes="mv:*">
+  <p:cSld>
+    <p:spTree>
+      <p:nvGrpSpPr>
+        <p:cNvPr id="1" name=""/>
+        <p:cNvGrpSpPr/>
+        <p:nvPr/>
+      </p:nvGrpSpPr>
+      <p:grpSpPr>
+        <a:xfrm>
+          <a:off x="0" y="0"/>
+          <a:ext cx="0" cy="0"/>
+          <a:chOff x="0" y="0"/>
+          <a:chExt cx="0" cy="0"/>
+        </a:xfrm>
+      </p:grpSpPr>
+      <p:sp>
+        <p:nvSpPr>
+          <p:cNvPr id="2" name="Title 1"/>
+          <p:cNvSpPr>
+            <a:spLocks noGrp="1"/>
+          </p:cNvSpPr>
+          <p:nvPr>
+            <p:ph type="title"/>
+          </p:nvPr>
+        </p:nvSpPr>
+        <p:spPr/>
+        <p:txBody>
+          <a:bodyPr>
+            <a:normAutofit fontScale="90000"/>
+          </a:bodyPr>
+          <a:lstStyle/>
+          <a:p>
+            <a:r>
+              <a:rPr lang="en-US"/>
+              <a:t>Structure of a Package</a:t>
+            </a:r>
+            <a:br>
+              <a:rPr lang="en-US"/>
+            </a:br>
+            <a:r>
+              <a:rPr lang="en-US"/>
+              <a:t>(The "NAMESPACE" File)</a:t>
+            </a:r>
+          </a:p>
+        </p:txBody>
+      </p:sp>
+      <p:sp>
+        <p:nvSpPr>
+          <p:cNvPr id="3" name="Content Placeholder 2"/>
+          <p:cNvSpPr>
+            <a:spLocks noGrp="1"/>
+          </p:cNvSpPr>
+          <p:nvPr>
+            <p:ph idx="1"/>
+          </p:nvPr>
+        </p:nvSpPr>
+        <p:spPr/>
+        <p:txBody>
+          <a:bodyPr/>
+          <a:lstStyle/>
+          <a:p>
+            <a:r>
+              <a:rPr lang="en-US"/>
+              <a:t>For the novice, the default "NAMESPACE" file should suffice</a:t>
+            </a:r>
+          </a:p>
+          <a:p>
+            <a:r>
+              <a:rPr lang="en-US"/>
+              <a:t>Advanced users may want to keep some functions hidden from users</a:t>
+            </a:r>
+          </a:p>
+          <a:p>
+            <a:r>
+              <a:rPr lang="en-US" sz="2000"/>
+              <a:t>http://cran.r-project.org/doc/manuals/R-exts.html#Package-namespaces</a:t>
+            </a:r>
+          </a:p>
+        </p:txBody>
+      </p:sp>
+    </p:spTree>
+  </p:cSld>
+  <p:clrMapOvr>
+    <a:masterClrMapping/>
+  </p:clrMapOvr>
+</p:sld>
+</file>
+
+<file path=ppt/slides/slide34.xml><?xml version="1.0" encoding="utf-8"?>
+<p:sld xmlns:a="http://schemas.openxmlformats.org/drawingml/2006/main" xmlns:r="http://schemas.openxmlformats.org/officeDocument/2006/relationships" xmlns:mc="http://schemas.openxmlformats.org/markup-compatibility/2006" xmlns:mv="urn:schemas-microsoft-com:mac:vml" xmlns:p="http://schemas.openxmlformats.org/presentationml/2006/main" mc:Ignorable="mv" mc:PreserveAttributes="mv:*">
+  <p:cSld>
+    <p:spTree>
+      <p:nvGrpSpPr>
+        <p:cNvPr id="1" name=""/>
+        <p:cNvGrpSpPr/>
+        <p:nvPr/>
+      </p:nvGrpSpPr>
+      <p:grpSpPr>
+        <a:xfrm>
+          <a:off x="0" y="0"/>
+          <a:ext cx="0" cy="0"/>
+          <a:chOff x="0" y="0"/>
+          <a:chExt cx="0" cy="0"/>
+        </a:xfrm>
+      </p:grpSpPr>
+      <p:sp>
+        <p:nvSpPr>
+          <p:cNvPr id="2" name="Title 1"/>
+          <p:cNvSpPr>
+            <a:spLocks noGrp="1"/>
+          </p:cNvSpPr>
+          <p:nvPr>
+            <p:ph type="title"/>
+          </p:nvPr>
+        </p:nvSpPr>
+        <p:spPr/>
+        <p:txBody>
+          <a:bodyPr/>
+          <a:lstStyle/>
+          <a:p>
+            <a:r>
+              <a:rPr lang="en-US"/>
+              <a:t>Installing a Package</a:t>
+            </a:r>
+          </a:p>
+        </p:txBody>
+      </p:sp>
+      <p:sp>
+        <p:nvSpPr>
+          <p:cNvPr id="3" name="Content Placeholder 2"/>
+          <p:cNvSpPr>
+            <a:spLocks noGrp="1"/>
+          </p:cNvSpPr>
+          <p:nvPr>
+            <p:ph idx="1"/>
+          </p:nvPr>
+        </p:nvSpPr>
+        <p:spPr/>
+        <p:txBody>
+          <a:bodyPr/>
+          <a:lstStyle/>
+          <a:p>
+            <a:r>
+              <a:rPr lang="en-US"/>
+              <a:t>Find the parent directory of your package</a:t>
+            </a:r>
+          </a:p>
+          <a:p>
+            <a:r>
+              <a:rPr lang="en-US"/>
+              <a:t>Type:</a:t>
+            </a:r>
+            <a:br>
+              <a:rPr lang="en-US"/>
+            </a:br>
+            <a:r>
+              <a:rPr lang="en-US"/>
+              <a:t>R CMD INSTALL &lt;package-name&gt;</a:t>
+            </a:r>
+          </a:p>
+          <a:p>
+            <a:r>
+              <a:rPr lang="en-US"/>
+              <a:t>Additional useful commands:</a:t>
+            </a:r>
+          </a:p>
+          <a:p>
+            <a:pPr lvl="1"/>
+            <a:r>
+              <a:rPr lang="en-US"/>
+              <a:t>R CMD check</a:t>
+            </a:r>
+          </a:p>
+          <a:p>
+            <a:pPr lvl="1"/>
+            <a:r>
+              <a:rPr lang="en-US"/>
+              <a:t>R CMD BUILD</a:t>
+            </a:r>
+          </a:p>
+        </p:txBody>
+      </p:sp>
+    </p:spTree>
+  </p:cSld>
+  <p:clrMapOvr>
+    <a:masterClrMapping/>
+  </p:clrMapOvr>
+</p:sld>
+</file>
+
+<file path=ppt/slides/slide35.xml><?xml version="1.0" encoding="utf-8"?>
+<p:sld xmlns:a="http://schemas.openxmlformats.org/drawingml/2006/main" xmlns:r="http://schemas.openxmlformats.org/officeDocument/2006/relationships" xmlns:mc="http://schemas.openxmlformats.org/markup-compatibility/2006" xmlns:mv="urn:schemas-microsoft-com:mac:vml" xmlns:p="http://schemas.openxmlformats.org/presentationml/2006/main" mc:Ignorable="mv" mc:PreserveAttributes="mv:*">
+  <p:cSld>
+    <p:spTree>
+      <p:nvGrpSpPr>
+        <p:cNvPr id="1" name=""/>
+        <p:cNvGrpSpPr/>
+        <p:nvPr/>
+      </p:nvGrpSpPr>
+      <p:grpSpPr>
+        <a:xfrm>
+          <a:off x="0" y="0"/>
+          <a:ext cx="0" cy="0"/>
+          <a:chOff x="0" y="0"/>
+          <a:chExt cx="0" cy="0"/>
+        </a:xfrm>
+      </p:grpSpPr>
+      <p:sp>
+        <p:nvSpPr>
+          <p:cNvPr id="2" name="Title 1"/>
+          <p:cNvSpPr>
+            <a:spLocks noGrp="1"/>
+          </p:cNvSpPr>
+          <p:nvPr>
+            <p:ph type="title"/>
+          </p:nvPr>
+        </p:nvSpPr>
+        <p:spPr/>
+        <p:txBody>
+          <a:bodyPr>
+            <a:normAutofit fontScale="90000"/>
+          </a:bodyPr>
+          <a:lstStyle/>
+          <a:p>
+            <a:r>
+              <a:rPr lang="en-US"/>
+              <a:t>Installing a Package</a:t>
+            </a:r>
+            <a:br>
+              <a:rPr lang="en-US"/>
+            </a:br>
+            <a:r>
+              <a:rPr lang="en-US"/>
+              <a:t>(Example)</a:t>
+            </a:r>
+          </a:p>
+        </p:txBody>
+      </p:sp>
+      <p:sp>
+        <p:nvSpPr>
+          <p:cNvPr id="3" name="Content Placeholder 2"/>
+          <p:cNvSpPr>
+            <a:spLocks noGrp="1"/>
+          </p:cNvSpPr>
+          <p:nvPr>
+            <p:ph idx="1"/>
+          </p:nvPr>
+        </p:nvSpPr>
+        <p:spPr/>
+        <p:txBody>
+          <a:bodyPr/>
+          <a:lstStyle/>
+          <a:p>
+            <a:endParaRPr lang="en-US"/>
+          </a:p>
+        </p:txBody>
+      </p:sp>
+    </p:spTree>
+  </p:cSld>
+  <p:clrMapOvr>
+    <a:masterClrMapping/>
+  </p:clrMapOvr>
 </p:sld>
 </file>
 

--- a/January-Class/Zelig4_zelig2.pptx
+++ b/January-Class/Zelig4_zelig2.pptx
@@ -1,6 +1,6 @@
 
 <file path=ppt/presentation.xml><?xml version="1.0" encoding="utf-8"?>
-<p:presentation xmlns:a="http://schemas.openxmlformats.org/drawingml/2006/main" xmlns:r="http://schemas.openxmlformats.org/officeDocument/2006/relationships" xmlns:mc="http://schemas.openxmlformats.org/markup-compatibility/2006" xmlns:mv="urn:schemas-microsoft-com:mac:vml" xmlns:p="http://schemas.openxmlformats.org/presentationml/2006/main" mc:Ignorable="mv" mc:PreserveAttributes="mv:*" saveSubsetFonts="1" autoCompressPictures="0">
+<p:presentation xmlns:a="http://schemas.openxmlformats.org/drawingml/2006/main" xmlns:r="http://schemas.openxmlformats.org/officeDocument/2006/relationships" xmlns:p="http://schemas.openxmlformats.org/presentationml/2006/main" saveSubsetFonts="1" autoCompressPictures="0">
   <p:sldMasterIdLst>
     <p:sldMasterId id="2147483694" r:id="rId1"/>
   </p:sldMasterIdLst>
@@ -9,40 +9,40 @@
   </p:notesMasterIdLst>
   <p:sldIdLst>
     <p:sldId id="256" r:id="rId2"/>
-    <p:sldId id="257" r:id="rId3"/>
+    <p:sldId id="315" r:id="rId3"/>
     <p:sldId id="276" r:id="rId4"/>
-    <p:sldId id="259" r:id="rId5"/>
-    <p:sldId id="264" r:id="rId6"/>
-    <p:sldId id="266" r:id="rId7"/>
-    <p:sldId id="267" r:id="rId8"/>
-    <p:sldId id="262" r:id="rId9"/>
-    <p:sldId id="258" r:id="rId10"/>
-    <p:sldId id="268" r:id="rId11"/>
-    <p:sldId id="261" r:id="rId12"/>
-    <p:sldId id="269" r:id="rId13"/>
-    <p:sldId id="271" r:id="rId14"/>
-    <p:sldId id="272" r:id="rId15"/>
-    <p:sldId id="270" r:id="rId16"/>
-    <p:sldId id="273" r:id="rId17"/>
-    <p:sldId id="277" r:id="rId18"/>
-    <p:sldId id="278" r:id="rId19"/>
-    <p:sldId id="274" r:id="rId20"/>
-    <p:sldId id="275" r:id="rId21"/>
-    <p:sldId id="279" r:id="rId22"/>
-    <p:sldId id="280" r:id="rId23"/>
-    <p:sldId id="281" r:id="rId24"/>
-    <p:sldId id="282" r:id="rId25"/>
-    <p:sldId id="283" r:id="rId26"/>
-    <p:sldId id="263" r:id="rId27"/>
-    <p:sldId id="284" r:id="rId28"/>
-    <p:sldId id="285" r:id="rId29"/>
-    <p:sldId id="286" r:id="rId30"/>
-    <p:sldId id="287" r:id="rId31"/>
-    <p:sldId id="288" r:id="rId32"/>
-    <p:sldId id="289" r:id="rId33"/>
-    <p:sldId id="290" r:id="rId34"/>
-    <p:sldId id="291" r:id="rId35"/>
-    <p:sldId id="292" r:id="rId36"/>
+    <p:sldId id="294" r:id="rId5"/>
+    <p:sldId id="301" r:id="rId6"/>
+    <p:sldId id="303" r:id="rId7"/>
+    <p:sldId id="304" r:id="rId8"/>
+    <p:sldId id="305" r:id="rId9"/>
+    <p:sldId id="306" r:id="rId10"/>
+    <p:sldId id="302" r:id="rId11"/>
+    <p:sldId id="309" r:id="rId12"/>
+    <p:sldId id="318" r:id="rId13"/>
+    <p:sldId id="320" r:id="rId14"/>
+    <p:sldId id="321" r:id="rId15"/>
+    <p:sldId id="322" r:id="rId16"/>
+    <p:sldId id="323" r:id="rId17"/>
+    <p:sldId id="324" r:id="rId18"/>
+    <p:sldId id="325" r:id="rId19"/>
+    <p:sldId id="326" r:id="rId20"/>
+    <p:sldId id="327" r:id="rId21"/>
+    <p:sldId id="328" r:id="rId22"/>
+    <p:sldId id="330" r:id="rId23"/>
+    <p:sldId id="329" r:id="rId24"/>
+    <p:sldId id="331" r:id="rId25"/>
+    <p:sldId id="271" r:id="rId26"/>
+    <p:sldId id="313" r:id="rId27"/>
+    <p:sldId id="312" r:id="rId28"/>
+    <p:sldId id="314" r:id="rId29"/>
+    <p:sldId id="272" r:id="rId30"/>
+    <p:sldId id="273" r:id="rId31"/>
+    <p:sldId id="275" r:id="rId32"/>
+    <p:sldId id="279" r:id="rId33"/>
+    <p:sldId id="278" r:id="rId34"/>
+    <p:sldId id="316" r:id="rId35"/>
+    <p:sldId id="317" r:id="rId36"/>
   </p:sldIdLst>
   <p:sldSz cx="9144000" cy="6858000" type="screen4x3"/>
   <p:notesSz cx="6858000" cy="9144000"/>
@@ -145,7 +145,7 @@
 </file>
 
 <file path=ppt/notesMasters/notesMaster1.xml><?xml version="1.0" encoding="utf-8"?>
-<p:notesMaster xmlns:a="http://schemas.openxmlformats.org/drawingml/2006/main" xmlns:r="http://schemas.openxmlformats.org/officeDocument/2006/relationships" xmlns:mc="http://schemas.openxmlformats.org/markup-compatibility/2006" xmlns:mv="urn:schemas-microsoft-com:mac:vml" xmlns:p="http://schemas.openxmlformats.org/presentationml/2006/main" mc:Ignorable="mv" mc:PreserveAttributes="mv:*">
+<p:notesMaster xmlns:a="http://schemas.openxmlformats.org/drawingml/2006/main" xmlns:r="http://schemas.openxmlformats.org/officeDocument/2006/relationships" xmlns:p="http://schemas.openxmlformats.org/presentationml/2006/main">
   <p:cSld>
     <p:bg>
       <p:bgRef idx="1001">
@@ -227,7 +227,7 @@
             <a:fld id="{A425829C-BC0A-2947-AC1D-CBD687136EF9}" type="datetimeFigureOut">
               <a:rPr lang="en-US"/>
               <a:pPr/>
-              <a:t>12/15/11</a:t>
+              <a:t>12/18/2011</a:t>
             </a:fld>
             <a:endParaRPr lang="en-US"/>
           </a:p>
@@ -395,6 +395,11 @@
         </p:txBody>
       </p:sp>
     </p:spTree>
+    <p:extLst>
+      <p:ext uri="{BB962C8B-B14F-4D97-AF65-F5344CB8AC3E}">
+        <p14:creationId xmlns:p14="http://schemas.microsoft.com/office/powerpoint/2010/main" val="1070545073"/>
+      </p:ext>
+    </p:extLst>
   </p:cSld>
   <p:clrMap bg1="lt1" tx1="dk1" bg2="lt2" tx2="dk2" accent1="accent1" accent2="accent2" accent3="accent3" accent4="accent4" accent5="accent5" accent6="accent6" hlink="hlink" folHlink="folHlink"/>
   <p:notesStyle>
@@ -493,7 +498,7 @@
 </file>
 
 <file path=ppt/notesSlides/notesSlide1.xml><?xml version="1.0" encoding="utf-8"?>
-<p:notes xmlns:a="http://schemas.openxmlformats.org/drawingml/2006/main" xmlns:r="http://schemas.openxmlformats.org/officeDocument/2006/relationships" xmlns:mc="http://schemas.openxmlformats.org/markup-compatibility/2006" xmlns:mv="urn:schemas-microsoft-com:mac:vml" xmlns:p="http://schemas.openxmlformats.org/presentationml/2006/main" mc:Ignorable="mv" mc:PreserveAttributes="mv:*">
+<p:notes xmlns:a="http://schemas.openxmlformats.org/drawingml/2006/main" xmlns:r="http://schemas.openxmlformats.org/officeDocument/2006/relationships" xmlns:p="http://schemas.openxmlformats.org/presentationml/2006/main">
   <p:cSld>
     <p:bg>
       <p:bgPr>
@@ -573,7 +578,7 @@
             <a:fld id="{7E5E9E7E-3AA4-2143-AD9D-22191B2A3400}" type="slidenum">
               <a:rPr lang="en-US"/>
               <a:pPr/>
-              <a:t>26</a:t>
+              <a:t>2</a:t>
             </a:fld>
             <a:endParaRPr lang="en-US"/>
           </a:p>
@@ -721,7 +726,7 @@
                   <a:tab pos="9144000" algn="l"/>
                 </a:tabLst>
               </a:pPr>
-              <a:t>26</a:t>
+              <a:t>2</a:t>
             </a:fld>
             <a:endParaRPr lang="en-US" sz="1200">
               <a:solidFill>
@@ -740,7 +745,7 @@
 </file>
 
 <file path=ppt/slideLayouts/slideLayout1.xml><?xml version="1.0" encoding="utf-8"?>
-<p:sldLayout xmlns:a="http://schemas.openxmlformats.org/drawingml/2006/main" xmlns:r="http://schemas.openxmlformats.org/officeDocument/2006/relationships" xmlns:mc="http://schemas.openxmlformats.org/markup-compatibility/2006" xmlns:mv="urn:schemas-microsoft-com:mac:vml" xmlns:p="http://schemas.openxmlformats.org/presentationml/2006/main" mc:Ignorable="mv" mc:PreserveAttributes="mv:*" type="title" preserve="1">
+<p:sldLayout xmlns:a="http://schemas.openxmlformats.org/drawingml/2006/main" xmlns:r="http://schemas.openxmlformats.org/officeDocument/2006/relationships" xmlns:p="http://schemas.openxmlformats.org/presentationml/2006/main" type="title" preserve="1">
   <p:cSld name="Title Slide">
     <p:spTree>
       <p:nvGrpSpPr>
@@ -919,7 +924,7 @@
             <a:fld id="{52146219-D444-4949-8B82-1A0079A42925}" type="datetimeFigureOut">
               <a:rPr lang="en-US"/>
               <a:pPr/>
-              <a:t>12/15/11</a:t>
+              <a:t>12/18/2011</a:t>
             </a:fld>
             <a:endParaRPr lang="en-US"/>
           </a:p>
@@ -977,7 +982,7 @@
 </file>
 
 <file path=ppt/slideLayouts/slideLayout10.xml><?xml version="1.0" encoding="utf-8"?>
-<p:sldLayout xmlns:a="http://schemas.openxmlformats.org/drawingml/2006/main" xmlns:r="http://schemas.openxmlformats.org/officeDocument/2006/relationships" xmlns:mc="http://schemas.openxmlformats.org/markup-compatibility/2006" xmlns:mv="urn:schemas-microsoft-com:mac:vml" xmlns:p="http://schemas.openxmlformats.org/presentationml/2006/main" mc:Ignorable="mv" mc:PreserveAttributes="mv:*" type="vertTx" preserve="1">
+<p:sldLayout xmlns:a="http://schemas.openxmlformats.org/drawingml/2006/main" xmlns:r="http://schemas.openxmlformats.org/officeDocument/2006/relationships" xmlns:p="http://schemas.openxmlformats.org/presentationml/2006/main" type="vertTx" preserve="1">
   <p:cSld name="Title and Vertical Text">
     <p:spTree>
       <p:nvGrpSpPr>
@@ -1084,7 +1089,7 @@
             <a:fld id="{52146219-D444-4949-8B82-1A0079A42925}" type="datetimeFigureOut">
               <a:rPr lang="en-US"/>
               <a:pPr/>
-              <a:t>12/15/11</a:t>
+              <a:t>12/18/2011</a:t>
             </a:fld>
             <a:endParaRPr lang="en-US"/>
           </a:p>
@@ -1142,7 +1147,7 @@
 </file>
 
 <file path=ppt/slideLayouts/slideLayout11.xml><?xml version="1.0" encoding="utf-8"?>
-<p:sldLayout xmlns:a="http://schemas.openxmlformats.org/drawingml/2006/main" xmlns:r="http://schemas.openxmlformats.org/officeDocument/2006/relationships" xmlns:mc="http://schemas.openxmlformats.org/markup-compatibility/2006" xmlns:mv="urn:schemas-microsoft-com:mac:vml" xmlns:p="http://schemas.openxmlformats.org/presentationml/2006/main" mc:Ignorable="mv" mc:PreserveAttributes="mv:*" type="vertTitleAndTx" preserve="1">
+<p:sldLayout xmlns:a="http://schemas.openxmlformats.org/drawingml/2006/main" xmlns:r="http://schemas.openxmlformats.org/officeDocument/2006/relationships" xmlns:p="http://schemas.openxmlformats.org/presentationml/2006/main" type="vertTitleAndTx" preserve="1">
   <p:cSld name="Vertical Title and Text">
     <p:spTree>
       <p:nvGrpSpPr>
@@ -1259,7 +1264,7 @@
             <a:fld id="{52146219-D444-4949-8B82-1A0079A42925}" type="datetimeFigureOut">
               <a:rPr lang="en-US"/>
               <a:pPr/>
-              <a:t>12/15/11</a:t>
+              <a:t>12/18/2011</a:t>
             </a:fld>
             <a:endParaRPr lang="en-US"/>
           </a:p>
@@ -1317,7 +1322,7 @@
 </file>
 
 <file path=ppt/slideLayouts/slideLayout2.xml><?xml version="1.0" encoding="utf-8"?>
-<p:sldLayout xmlns:a="http://schemas.openxmlformats.org/drawingml/2006/main" xmlns:r="http://schemas.openxmlformats.org/officeDocument/2006/relationships" xmlns:mc="http://schemas.openxmlformats.org/markup-compatibility/2006" xmlns:mv="urn:schemas-microsoft-com:mac:vml" xmlns:p="http://schemas.openxmlformats.org/presentationml/2006/main" mc:Ignorable="mv" mc:PreserveAttributes="mv:*" type="obj" preserve="1">
+<p:sldLayout xmlns:a="http://schemas.openxmlformats.org/drawingml/2006/main" xmlns:r="http://schemas.openxmlformats.org/officeDocument/2006/relationships" xmlns:p="http://schemas.openxmlformats.org/presentationml/2006/main" type="obj" preserve="1">
   <p:cSld name="Title and Content">
     <p:spTree>
       <p:nvGrpSpPr>
@@ -1424,7 +1429,7 @@
             <a:fld id="{52146219-D444-4949-8B82-1A0079A42925}" type="datetimeFigureOut">
               <a:rPr lang="en-US"/>
               <a:pPr/>
-              <a:t>12/15/11</a:t>
+              <a:t>12/18/2011</a:t>
             </a:fld>
             <a:endParaRPr lang="en-US"/>
           </a:p>
@@ -1482,7 +1487,7 @@
 </file>
 
 <file path=ppt/slideLayouts/slideLayout3.xml><?xml version="1.0" encoding="utf-8"?>
-<p:sldLayout xmlns:a="http://schemas.openxmlformats.org/drawingml/2006/main" xmlns:r="http://schemas.openxmlformats.org/officeDocument/2006/relationships" xmlns:mc="http://schemas.openxmlformats.org/markup-compatibility/2006" xmlns:mv="urn:schemas-microsoft-com:mac:vml" xmlns:p="http://schemas.openxmlformats.org/presentationml/2006/main" mc:Ignorable="mv" mc:PreserveAttributes="mv:*" type="secHead" preserve="1">
+<p:sldLayout xmlns:a="http://schemas.openxmlformats.org/drawingml/2006/main" xmlns:r="http://schemas.openxmlformats.org/officeDocument/2006/relationships" xmlns:p="http://schemas.openxmlformats.org/presentationml/2006/main" type="secHead" preserve="1">
   <p:cSld name="Section Header">
     <p:spTree>
       <p:nvGrpSpPr>
@@ -1666,7 +1671,7 @@
             <a:fld id="{52146219-D444-4949-8B82-1A0079A42925}" type="datetimeFigureOut">
               <a:rPr lang="en-US"/>
               <a:pPr/>
-              <a:t>12/15/11</a:t>
+              <a:t>12/18/2011</a:t>
             </a:fld>
             <a:endParaRPr lang="en-US"/>
           </a:p>
@@ -1724,7 +1729,7 @@
 </file>
 
 <file path=ppt/slideLayouts/slideLayout4.xml><?xml version="1.0" encoding="utf-8"?>
-<p:sldLayout xmlns:a="http://schemas.openxmlformats.org/drawingml/2006/main" xmlns:r="http://schemas.openxmlformats.org/officeDocument/2006/relationships" xmlns:mc="http://schemas.openxmlformats.org/markup-compatibility/2006" xmlns:mv="urn:schemas-microsoft-com:mac:vml" xmlns:p="http://schemas.openxmlformats.org/presentationml/2006/main" mc:Ignorable="mv" mc:PreserveAttributes="mv:*" type="twoObj" preserve="1">
+<p:sldLayout xmlns:a="http://schemas.openxmlformats.org/drawingml/2006/main" xmlns:r="http://schemas.openxmlformats.org/officeDocument/2006/relationships" xmlns:p="http://schemas.openxmlformats.org/presentationml/2006/main" type="twoObj" preserve="1">
   <p:cSld name="Two Content">
     <p:spTree>
       <p:nvGrpSpPr>
@@ -1948,7 +1953,7 @@
             <a:fld id="{52146219-D444-4949-8B82-1A0079A42925}" type="datetimeFigureOut">
               <a:rPr lang="en-US"/>
               <a:pPr/>
-              <a:t>12/15/11</a:t>
+              <a:t>12/18/2011</a:t>
             </a:fld>
             <a:endParaRPr lang="en-US"/>
           </a:p>
@@ -2006,7 +2011,7 @@
 </file>
 
 <file path=ppt/slideLayouts/slideLayout5.xml><?xml version="1.0" encoding="utf-8"?>
-<p:sldLayout xmlns:a="http://schemas.openxmlformats.org/drawingml/2006/main" xmlns:r="http://schemas.openxmlformats.org/officeDocument/2006/relationships" xmlns:mc="http://schemas.openxmlformats.org/markup-compatibility/2006" xmlns:mv="urn:schemas-microsoft-com:mac:vml" xmlns:p="http://schemas.openxmlformats.org/presentationml/2006/main" mc:Ignorable="mv" mc:PreserveAttributes="mv:*" type="twoTxTwoObj" preserve="1">
+<p:sldLayout xmlns:a="http://schemas.openxmlformats.org/drawingml/2006/main" xmlns:r="http://schemas.openxmlformats.org/officeDocument/2006/relationships" xmlns:p="http://schemas.openxmlformats.org/presentationml/2006/main" type="twoTxTwoObj" preserve="1">
   <p:cSld name="Comparison">
     <p:spTree>
       <p:nvGrpSpPr>
@@ -2364,7 +2369,7 @@
             <a:fld id="{52146219-D444-4949-8B82-1A0079A42925}" type="datetimeFigureOut">
               <a:rPr lang="en-US"/>
               <a:pPr/>
-              <a:t>12/15/11</a:t>
+              <a:t>12/18/2011</a:t>
             </a:fld>
             <a:endParaRPr lang="en-US"/>
           </a:p>
@@ -2422,7 +2427,7 @@
 </file>
 
 <file path=ppt/slideLayouts/slideLayout6.xml><?xml version="1.0" encoding="utf-8"?>
-<p:sldLayout xmlns:a="http://schemas.openxmlformats.org/drawingml/2006/main" xmlns:r="http://schemas.openxmlformats.org/officeDocument/2006/relationships" xmlns:mc="http://schemas.openxmlformats.org/markup-compatibility/2006" xmlns:mv="urn:schemas-microsoft-com:mac:vml" xmlns:p="http://schemas.openxmlformats.org/presentationml/2006/main" mc:Ignorable="mv" mc:PreserveAttributes="mv:*" type="titleOnly" preserve="1">
+<p:sldLayout xmlns:a="http://schemas.openxmlformats.org/drawingml/2006/main" xmlns:r="http://schemas.openxmlformats.org/officeDocument/2006/relationships" xmlns:p="http://schemas.openxmlformats.org/presentationml/2006/main" type="titleOnly" preserve="1">
   <p:cSld name="Title Only">
     <p:spTree>
       <p:nvGrpSpPr>
@@ -2478,7 +2483,7 @@
             <a:fld id="{52146219-D444-4949-8B82-1A0079A42925}" type="datetimeFigureOut">
               <a:rPr lang="en-US"/>
               <a:pPr/>
-              <a:t>12/15/11</a:t>
+              <a:t>12/18/2011</a:t>
             </a:fld>
             <a:endParaRPr lang="en-US"/>
           </a:p>
@@ -2536,7 +2541,7 @@
 </file>
 
 <file path=ppt/slideLayouts/slideLayout7.xml><?xml version="1.0" encoding="utf-8"?>
-<p:sldLayout xmlns:a="http://schemas.openxmlformats.org/drawingml/2006/main" xmlns:r="http://schemas.openxmlformats.org/officeDocument/2006/relationships" xmlns:mc="http://schemas.openxmlformats.org/markup-compatibility/2006" xmlns:mv="urn:schemas-microsoft-com:mac:vml" xmlns:p="http://schemas.openxmlformats.org/presentationml/2006/main" mc:Ignorable="mv" mc:PreserveAttributes="mv:*" type="blank" preserve="1">
+<p:sldLayout xmlns:a="http://schemas.openxmlformats.org/drawingml/2006/main" xmlns:r="http://schemas.openxmlformats.org/officeDocument/2006/relationships" xmlns:p="http://schemas.openxmlformats.org/presentationml/2006/main" type="blank" preserve="1">
   <p:cSld name="Blank">
     <p:spTree>
       <p:nvGrpSpPr>
@@ -2570,7 +2575,7 @@
             <a:fld id="{52146219-D444-4949-8B82-1A0079A42925}" type="datetimeFigureOut">
               <a:rPr lang="en-US"/>
               <a:pPr/>
-              <a:t>12/15/11</a:t>
+              <a:t>12/18/2011</a:t>
             </a:fld>
             <a:endParaRPr lang="en-US"/>
           </a:p>
@@ -2628,7 +2633,7 @@
 </file>
 
 <file path=ppt/slideLayouts/slideLayout8.xml><?xml version="1.0" encoding="utf-8"?>
-<p:sldLayout xmlns:a="http://schemas.openxmlformats.org/drawingml/2006/main" xmlns:r="http://schemas.openxmlformats.org/officeDocument/2006/relationships" xmlns:mc="http://schemas.openxmlformats.org/markup-compatibility/2006" xmlns:mv="urn:schemas-microsoft-com:mac:vml" xmlns:p="http://schemas.openxmlformats.org/presentationml/2006/main" mc:Ignorable="mv" mc:PreserveAttributes="mv:*" type="objTx" preserve="1">
+<p:sldLayout xmlns:a="http://schemas.openxmlformats.org/drawingml/2006/main" xmlns:r="http://schemas.openxmlformats.org/officeDocument/2006/relationships" xmlns:p="http://schemas.openxmlformats.org/presentationml/2006/main" type="objTx" preserve="1">
   <p:cSld name="Content with Caption">
     <p:spTree>
       <p:nvGrpSpPr>
@@ -2842,7 +2847,7 @@
             <a:fld id="{52146219-D444-4949-8B82-1A0079A42925}" type="datetimeFigureOut">
               <a:rPr lang="en-US"/>
               <a:pPr/>
-              <a:t>12/15/11</a:t>
+              <a:t>12/18/2011</a:t>
             </a:fld>
             <a:endParaRPr lang="en-US"/>
           </a:p>
@@ -2900,7 +2905,7 @@
 </file>
 
 <file path=ppt/slideLayouts/slideLayout9.xml><?xml version="1.0" encoding="utf-8"?>
-<p:sldLayout xmlns:a="http://schemas.openxmlformats.org/drawingml/2006/main" xmlns:r="http://schemas.openxmlformats.org/officeDocument/2006/relationships" xmlns:mc="http://schemas.openxmlformats.org/markup-compatibility/2006" xmlns:mv="urn:schemas-microsoft-com:mac:vml" xmlns:p="http://schemas.openxmlformats.org/presentationml/2006/main" mc:Ignorable="mv" mc:PreserveAttributes="mv:*" type="picTx" preserve="1">
+<p:sldLayout xmlns:a="http://schemas.openxmlformats.org/drawingml/2006/main" xmlns:r="http://schemas.openxmlformats.org/officeDocument/2006/relationships" xmlns:p="http://schemas.openxmlformats.org/presentationml/2006/main" type="picTx" preserve="1">
   <p:cSld name="Picture with Caption">
     <p:spTree>
       <p:nvGrpSpPr>
@@ -3091,7 +3096,7 @@
             <a:fld id="{52146219-D444-4949-8B82-1A0079A42925}" type="datetimeFigureOut">
               <a:rPr lang="en-US"/>
               <a:pPr/>
-              <a:t>12/15/11</a:t>
+              <a:t>12/18/2011</a:t>
             </a:fld>
             <a:endParaRPr lang="en-US"/>
           </a:p>
@@ -3149,7 +3154,7 @@
 </file>
 
 <file path=ppt/slideMasters/slideMaster1.xml><?xml version="1.0" encoding="utf-8"?>
-<p:sldMaster xmlns:a="http://schemas.openxmlformats.org/drawingml/2006/main" xmlns:r="http://schemas.openxmlformats.org/officeDocument/2006/relationships" xmlns:mc="http://schemas.openxmlformats.org/markup-compatibility/2006" xmlns:mv="urn:schemas-microsoft-com:mac:vml" xmlns:p="http://schemas.openxmlformats.org/presentationml/2006/main" mc:Ignorable="mv" mc:PreserveAttributes="mv:*">
+<p:sldMaster xmlns:a="http://schemas.openxmlformats.org/drawingml/2006/main" xmlns:r="http://schemas.openxmlformats.org/officeDocument/2006/relationships" xmlns:p="http://schemas.openxmlformats.org/presentationml/2006/main">
   <p:cSld>
     <p:bg>
       <p:bgRef idx="1001">
@@ -3299,7 +3304,7 @@
             <a:fld id="{52146219-D444-4949-8B82-1A0079A42925}" type="datetimeFigureOut">
               <a:rPr lang="en-US"/>
               <a:pPr/>
-              <a:t>12/15/11</a:t>
+              <a:t>12/18/2011</a:t>
             </a:fld>
             <a:endParaRPr lang="en-US"/>
           </a:p>
@@ -3654,7 +3659,7 @@
 </file>
 
 <file path=ppt/slides/slide1.xml><?xml version="1.0" encoding="utf-8"?>
-<p:sld xmlns:a="http://schemas.openxmlformats.org/drawingml/2006/main" xmlns:r="http://schemas.openxmlformats.org/officeDocument/2006/relationships" xmlns:mc="http://schemas.openxmlformats.org/markup-compatibility/2006" xmlns:mv="urn:schemas-microsoft-com:mac:vml" xmlns:p="http://schemas.openxmlformats.org/presentationml/2006/main" mc:Ignorable="mv" mc:PreserveAttributes="mv:*">
+<p:sld xmlns:a="http://schemas.openxmlformats.org/drawingml/2006/main" xmlns:r="http://schemas.openxmlformats.org/officeDocument/2006/relationships" xmlns:p="http://schemas.openxmlformats.org/presentationml/2006/main">
   <p:cSld>
     <p:spTree>
       <p:nvGrpSpPr>
@@ -3730,7 +3735,7 @@
 </file>
 
 <file path=ppt/slides/slide10.xml><?xml version="1.0" encoding="utf-8"?>
-<p:sld xmlns:a="http://schemas.openxmlformats.org/drawingml/2006/main" xmlns:r="http://schemas.openxmlformats.org/officeDocument/2006/relationships" xmlns:mc="http://schemas.openxmlformats.org/markup-compatibility/2006" xmlns:mv="urn:schemas-microsoft-com:mac:vml" xmlns:p="http://schemas.openxmlformats.org/presentationml/2006/main" mc:Ignorable="mv" mc:PreserveAttributes="mv:*">
+<p:sld xmlns:a="http://schemas.openxmlformats.org/drawingml/2006/main" xmlns:r="http://schemas.openxmlformats.org/officeDocument/2006/relationships" xmlns:p="http://schemas.openxmlformats.org/presentationml/2006/main" show="0">
   <p:cSld>
     <p:spTree>
       <p:nvGrpSpPr>
@@ -3763,7 +3768,7 @@
           <a:p>
             <a:r>
               <a:rPr lang="en-US"/>
-              <a:t>Basics</a:t>
+              <a:t>Structure of a Package</a:t>
             </a:r>
           </a:p>
         </p:txBody>
@@ -3785,45 +3790,85 @@
           <a:p>
             <a:r>
               <a:rPr lang="en-US"/>
-              <a:t>Consider the linear regression:</a:t>
-            </a:r>
-          </a:p>
-          <a:p>
-            <a:endParaRPr lang="en-US"/>
-          </a:p>
-          <a:p>
-            <a:r>
-              <a:rPr lang="en-US"/>
-              <a:t>lm(y ~ x)</a:t>
-            </a:r>
-          </a:p>
-          <a:p>
-            <a:endParaRPr lang="en-US"/>
-          </a:p>
-          <a:p>
-            <a:r>
-              <a:rPr lang="en-US"/>
-              <a:t>This means, the variable "y" is dependent on the variable "x"</a:t>
-            </a:r>
-          </a:p>
-          <a:p>
-            <a:pPr>
-              <a:buNone/>
-            </a:pPr>
-            <a:endParaRPr lang="en-US"/>
+              <a:t>The important files and folder are:</a:t>
+            </a:r>
+          </a:p>
+          <a:p>
+            <a:pPr lvl="1"/>
+            <a:r>
+              <a:rPr lang="en-US"/>
+              <a:t>The "R" folder will contain </a:t>
+            </a:r>
+            <a:r>
+              <a:rPr lang="en-US" b="1"/>
+              <a:t>ALL</a:t>
+            </a:r>
+            <a:r>
+              <a:rPr lang="en-US"/>
+              <a:t> source code written in R</a:t>
+            </a:r>
+          </a:p>
+          <a:p>
+            <a:pPr lvl="1"/>
+            <a:r>
+              <a:rPr lang="en-US"/>
+              <a:t>The "man" folder holds documentation</a:t>
+            </a:r>
+          </a:p>
+          <a:p>
+            <a:pPr lvl="1"/>
+            <a:r>
+              <a:rPr lang="en-US"/>
+              <a:t>"DESCRIPTION" gives information about authorship and package dependency</a:t>
+            </a:r>
+          </a:p>
+          <a:p>
+            <a:pPr lvl="1"/>
+            <a:r>
+              <a:rPr lang="en-US"/>
+              <a:t>"NAMESPACE" specifies what functions should be visible by </a:t>
+            </a:r>
+            <a:r>
+              <a:rPr lang="en-US" b="1"/>
+              <a:t>EXTERNAL</a:t>
+            </a:r>
+            <a:r>
+              <a:rPr lang="en-US"/>
+              <a:t> packages</a:t>
+            </a:r>
           </a:p>
         </p:txBody>
       </p:sp>
     </p:spTree>
+    <p:extLst>
+      <p:ext uri="{BB962C8B-B14F-4D97-AF65-F5344CB8AC3E}">
+        <p14:creationId xmlns:p14="http://schemas.microsoft.com/office/powerpoint/2010/main" val="1890257003"/>
+      </p:ext>
+    </p:extLst>
   </p:cSld>
   <p:clrMapOvr>
     <a:masterClrMapping/>
   </p:clrMapOvr>
+  <mc:AlternateContent xmlns:mc="http://schemas.openxmlformats.org/markup-compatibility/2006" xmlns:p14="http://schemas.microsoft.com/office/powerpoint/2010/main">
+    <mc:Choice Requires="p14">
+      <p:transition spd="slow" p14:dur="2000"/>
+    </mc:Choice>
+    <mc:Fallback xmlns="">
+      <p:transition spd="slow"/>
+    </mc:Fallback>
+  </mc:AlternateContent>
+  <p:timing>
+    <p:tnLst>
+      <p:par>
+        <p:cTn id="1" dur="indefinite" restart="never" nodeType="tmRoot"/>
+      </p:par>
+    </p:tnLst>
+  </p:timing>
 </p:sld>
 </file>
 
 <file path=ppt/slides/slide11.xml><?xml version="1.0" encoding="utf-8"?>
-<p:sld xmlns:a="http://schemas.openxmlformats.org/drawingml/2006/main" xmlns:r="http://schemas.openxmlformats.org/officeDocument/2006/relationships" xmlns:mc="http://schemas.openxmlformats.org/markup-compatibility/2006" xmlns:mv="urn:schemas-microsoft-com:mac:vml" xmlns:p="http://schemas.openxmlformats.org/presentationml/2006/main" mc:Ignorable="mv" mc:PreserveAttributes="mv:*">
+<p:sld xmlns:a="http://schemas.openxmlformats.org/drawingml/2006/main" xmlns:r="http://schemas.openxmlformats.org/officeDocument/2006/relationships" xmlns:p="http://schemas.openxmlformats.org/presentationml/2006/main">
   <p:cSld>
     <p:spTree>
       <p:nvGrpSpPr>
@@ -3846,7 +3891,7 @@
             <a:spLocks noGrp="1"/>
           </p:cNvSpPr>
           <p:nvPr>
-            <p:ph type="title"/>
+            <p:ph type="ctrTitle"/>
           </p:nvPr>
         </p:nvSpPr>
         <p:spPr/>
@@ -3855,20 +3900,21 @@
           <a:lstStyle/>
           <a:p>
             <a:r>
-              <a:rPr lang="en-US"/>
-              <a:t>Basics</a:t>
-            </a:r>
-          </a:p>
-        </p:txBody>
-      </p:sp>
-      <p:sp>
-        <p:nvSpPr>
-          <p:cNvPr id="3" name="Content Placeholder 2"/>
-          <p:cNvSpPr>
-            <a:spLocks noGrp="1"/>
-          </p:cNvSpPr>
-          <p:nvPr>
-            <p:ph idx="1"/>
+              <a:rPr lang="en-US" dirty="0" smtClean="0"/>
+              <a:t>Creating a Statistical Package</a:t>
+            </a:r>
+            <a:endParaRPr lang="en-US" dirty="0"/>
+          </a:p>
+        </p:txBody>
+      </p:sp>
+      <p:sp>
+        <p:nvSpPr>
+          <p:cNvPr id="5" name="Subtitle 4"/>
+          <p:cNvSpPr>
+            <a:spLocks noGrp="1"/>
+          </p:cNvSpPr>
+          <p:nvPr>
+            <p:ph type="subTitle" idx="1"/>
           </p:nvPr>
         </p:nvSpPr>
         <p:spPr/>
@@ -3876,31 +3922,32 @@
           <a:bodyPr/>
           <a:lstStyle/>
           <a:p>
-            <a:r>
-              <a:rPr lang="en-US"/>
-              <a:t>The "lm" model (as all models do) finds the function that best </a:t>
-            </a:r>
-            <a:r>
-              <a:rPr lang="en-US" b="1"/>
-              <a:t>interpolates</a:t>
-            </a:r>
-            <a:r>
-              <a:rPr lang="en-US"/>
-              <a:t> the observed data.</a:t>
-            </a:r>
+            <a:endParaRPr lang="en-US"/>
           </a:p>
         </p:txBody>
       </p:sp>
     </p:spTree>
+    <p:extLst>
+      <p:ext uri="{BB962C8B-B14F-4D97-AF65-F5344CB8AC3E}">
+        <p14:creationId xmlns:p14="http://schemas.microsoft.com/office/powerpoint/2010/main" val="3700335886"/>
+      </p:ext>
+    </p:extLst>
   </p:cSld>
   <p:clrMapOvr>
     <a:masterClrMapping/>
   </p:clrMapOvr>
+  <p:timing>
+    <p:tnLst>
+      <p:par>
+        <p:cTn id="1" dur="indefinite" restart="never" nodeType="tmRoot"/>
+      </p:par>
+    </p:tnLst>
+  </p:timing>
 </p:sld>
 </file>
 
 <file path=ppt/slides/slide12.xml><?xml version="1.0" encoding="utf-8"?>
-<p:sld xmlns:a="http://schemas.openxmlformats.org/drawingml/2006/main" xmlns:r="http://schemas.openxmlformats.org/officeDocument/2006/relationships" xmlns:mc="http://schemas.openxmlformats.org/markup-compatibility/2006" xmlns:mv="urn:schemas-microsoft-com:mac:vml" xmlns:p="http://schemas.openxmlformats.org/presentationml/2006/main" mc:Ignorable="mv" mc:PreserveAttributes="mv:*">
+<p:sld xmlns:a="http://schemas.openxmlformats.org/drawingml/2006/main" xmlns:r="http://schemas.openxmlformats.org/officeDocument/2006/relationships" xmlns:p="http://schemas.openxmlformats.org/presentationml/2006/main">
   <p:cSld>
     <p:spTree>
       <p:nvGrpSpPr>
@@ -3918,6 +3965,85 @@
       </p:grpSpPr>
       <p:sp>
         <p:nvSpPr>
+          <p:cNvPr id="4" name="Title 3"/>
+          <p:cNvSpPr>
+            <a:spLocks noGrp="1"/>
+          </p:cNvSpPr>
+          <p:nvPr>
+            <p:ph type="ctrTitle"/>
+          </p:nvPr>
+        </p:nvSpPr>
+        <p:spPr/>
+        <p:txBody>
+          <a:bodyPr/>
+          <a:lstStyle/>
+          <a:p>
+            <a:r>
+              <a:rPr lang="en-US" dirty="0" smtClean="0"/>
+              <a:t>Model Fitting Functions</a:t>
+            </a:r>
+            <a:endParaRPr lang="en-US" dirty="0"/>
+          </a:p>
+        </p:txBody>
+      </p:sp>
+      <p:sp>
+        <p:nvSpPr>
+          <p:cNvPr id="5" name="Subtitle 4"/>
+          <p:cNvSpPr>
+            <a:spLocks noGrp="1"/>
+          </p:cNvSpPr>
+          <p:nvPr>
+            <p:ph type="subTitle" idx="1"/>
+          </p:nvPr>
+        </p:nvSpPr>
+        <p:spPr/>
+        <p:txBody>
+          <a:bodyPr/>
+          <a:lstStyle/>
+          <a:p>
+            <a:endParaRPr lang="en-US"/>
+          </a:p>
+        </p:txBody>
+      </p:sp>
+    </p:spTree>
+    <p:extLst>
+      <p:ext uri="{BB962C8B-B14F-4D97-AF65-F5344CB8AC3E}">
+        <p14:creationId xmlns:p14="http://schemas.microsoft.com/office/powerpoint/2010/main" val="942656541"/>
+      </p:ext>
+    </p:extLst>
+  </p:cSld>
+  <p:clrMapOvr>
+    <a:masterClrMapping/>
+  </p:clrMapOvr>
+  <p:timing>
+    <p:tnLst>
+      <p:par>
+        <p:cTn id="1" dur="indefinite" restart="never" nodeType="tmRoot"/>
+      </p:par>
+    </p:tnLst>
+  </p:timing>
+</p:sld>
+</file>
+
+<file path=ppt/slides/slide13.xml><?xml version="1.0" encoding="utf-8"?>
+<p:sld xmlns:a="http://schemas.openxmlformats.org/drawingml/2006/main" xmlns:r="http://schemas.openxmlformats.org/officeDocument/2006/relationships" xmlns:p="http://schemas.openxmlformats.org/presentationml/2006/main">
+  <p:cSld>
+    <p:spTree>
+      <p:nvGrpSpPr>
+        <p:cNvPr id="1" name=""/>
+        <p:cNvGrpSpPr/>
+        <p:nvPr/>
+      </p:nvGrpSpPr>
+      <p:grpSpPr>
+        <a:xfrm>
+          <a:off x="0" y="0"/>
+          <a:ext cx="0" cy="0"/>
+          <a:chOff x="0" y="0"/>
+          <a:chExt cx="0" cy="0"/>
+        </a:xfrm>
+      </p:grpSpPr>
+      <p:sp>
+        <p:nvSpPr>
           <p:cNvPr id="2" name="Title 1"/>
           <p:cNvSpPr>
             <a:spLocks noGrp="1"/>
@@ -3933,14 +4059,733 @@
           <a:p>
             <a:r>
               <a:rPr lang="en-US"/>
-              <a:t>About Fitting Models</a:t>
-            </a:r>
-          </a:p>
-        </p:txBody>
-      </p:sp>
-      <p:sp>
-        <p:nvSpPr>
-          <p:cNvPr id="5" name="Text Box 4"/>
+              <a:t>What is linear regression?</a:t>
+            </a:r>
+          </a:p>
+        </p:txBody>
+      </p:sp>
+      <p:sp>
+        <p:nvSpPr>
+          <p:cNvPr id="3" name="Content Placeholder 2"/>
+          <p:cNvSpPr>
+            <a:spLocks noGrp="1"/>
+          </p:cNvSpPr>
+          <p:nvPr>
+            <p:ph idx="1"/>
+          </p:nvPr>
+        </p:nvSpPr>
+        <p:spPr/>
+        <p:txBody>
+          <a:bodyPr>
+            <a:normAutofit lnSpcReduction="10000"/>
+          </a:bodyPr>
+          <a:lstStyle/>
+          <a:p>
+            <a:r>
+              <a:rPr lang="en-US"/>
+              <a:t>A method for </a:t>
+            </a:r>
+            <a:r>
+              <a:rPr lang="en-US" b="1"/>
+              <a:t>explaining</a:t>
+            </a:r>
+            <a:r>
+              <a:rPr lang="en-US"/>
+              <a:t> and </a:t>
+            </a:r>
+            <a:r>
+              <a:rPr lang="en-US" b="1"/>
+              <a:t>predicting</a:t>
+            </a:r>
+            <a:r>
+              <a:rPr lang="en-US"/>
+              <a:t> observations using data</a:t>
+            </a:r>
+          </a:p>
+          <a:p>
+            <a:r>
+              <a:rPr lang="en-US"/>
+              <a:t>A method for determining </a:t>
+            </a:r>
+            <a:r>
+              <a:rPr lang="en-US" b="1"/>
+              <a:t>unknown parameters</a:t>
+            </a:r>
+            <a:r>
+              <a:rPr lang="en-US"/>
+              <a:t> derived from a data set</a:t>
+            </a:r>
+          </a:p>
+          <a:p>
+            <a:pPr lvl="1"/>
+            <a:r>
+              <a:rPr lang="en-US"/>
+              <a:t>How dependent is my response variable on a particular parameter?</a:t>
+            </a:r>
+          </a:p>
+          <a:p>
+            <a:r>
+              <a:rPr lang="en-US"/>
+              <a:t>Specifically, a method for determining </a:t>
+            </a:r>
+            <a:r>
+              <a:rPr lang="en-US" b="1"/>
+              <a:t>conditional expected values</a:t>
+            </a:r>
+          </a:p>
+          <a:p>
+            <a:pPr lvl="1"/>
+            <a:r>
+              <a:rPr lang="en-US"/>
+              <a:t>"Given x and y, the expected value is…"</a:t>
+            </a:r>
+          </a:p>
+        </p:txBody>
+      </p:sp>
+    </p:spTree>
+    <p:extLst>
+      <p:ext uri="{BB962C8B-B14F-4D97-AF65-F5344CB8AC3E}">
+        <p14:creationId xmlns:p14="http://schemas.microsoft.com/office/powerpoint/2010/main" val="1702243699"/>
+      </p:ext>
+    </p:extLst>
+  </p:cSld>
+  <p:clrMapOvr>
+    <a:masterClrMapping/>
+  </p:clrMapOvr>
+  <p:timing>
+    <p:tnLst>
+      <p:par>
+        <p:cTn id="1" dur="indefinite" restart="never" nodeType="tmRoot"/>
+      </p:par>
+    </p:tnLst>
+  </p:timing>
+</p:sld>
+</file>
+
+<file path=ppt/slides/slide14.xml><?xml version="1.0" encoding="utf-8"?>
+<p:sld xmlns:a="http://schemas.openxmlformats.org/drawingml/2006/main" xmlns:r="http://schemas.openxmlformats.org/officeDocument/2006/relationships" xmlns:p="http://schemas.openxmlformats.org/presentationml/2006/main">
+  <p:cSld>
+    <p:spTree>
+      <p:nvGrpSpPr>
+        <p:cNvPr id="1" name=""/>
+        <p:cNvGrpSpPr/>
+        <p:nvPr/>
+      </p:nvGrpSpPr>
+      <p:grpSpPr>
+        <a:xfrm>
+          <a:off x="0" y="0"/>
+          <a:ext cx="0" cy="0"/>
+          <a:chOff x="0" y="0"/>
+          <a:chExt cx="0" cy="0"/>
+        </a:xfrm>
+      </p:grpSpPr>
+      <p:sp>
+        <p:nvSpPr>
+          <p:cNvPr id="2" name="Title 1"/>
+          <p:cNvSpPr>
+            <a:spLocks noGrp="1"/>
+          </p:cNvSpPr>
+          <p:nvPr>
+            <p:ph type="title"/>
+          </p:nvPr>
+        </p:nvSpPr>
+        <p:spPr/>
+        <p:txBody>
+          <a:bodyPr/>
+          <a:lstStyle/>
+          <a:p>
+            <a:r>
+              <a:rPr lang="en-US"/>
+              <a:t>Example: Data</a:t>
+            </a:r>
+          </a:p>
+        </p:txBody>
+      </p:sp>
+      <p:pic>
+        <p:nvPicPr>
+          <p:cNvPr id="6" name="Content Placeholder 5" descr="Linear_Data.png"/>
+          <p:cNvPicPr>
+            <a:picLocks noGrp="1" noChangeAspect="1"/>
+          </p:cNvPicPr>
+          <p:nvPr>
+            <p:ph idx="1"/>
+          </p:nvPr>
+        </p:nvPicPr>
+        <p:blipFill>
+          <a:blip r:embed="rId2"/>
+          <a:srcRect l="-40915" r="-40915"/>
+          <a:stretch>
+            <a:fillRect/>
+          </a:stretch>
+        </p:blipFill>
+        <p:spPr/>
+      </p:pic>
+    </p:spTree>
+    <p:extLst>
+      <p:ext uri="{BB962C8B-B14F-4D97-AF65-F5344CB8AC3E}">
+        <p14:creationId xmlns:p14="http://schemas.microsoft.com/office/powerpoint/2010/main" val="2972905603"/>
+      </p:ext>
+    </p:extLst>
+  </p:cSld>
+  <p:clrMapOvr>
+    <a:masterClrMapping/>
+  </p:clrMapOvr>
+  <p:timing>
+    <p:tnLst>
+      <p:par>
+        <p:cTn id="1" dur="indefinite" restart="never" nodeType="tmRoot"/>
+      </p:par>
+    </p:tnLst>
+  </p:timing>
+</p:sld>
+</file>
+
+<file path=ppt/slides/slide15.xml><?xml version="1.0" encoding="utf-8"?>
+<p:sld xmlns:a="http://schemas.openxmlformats.org/drawingml/2006/main" xmlns:r="http://schemas.openxmlformats.org/officeDocument/2006/relationships" xmlns:p="http://schemas.openxmlformats.org/presentationml/2006/main">
+  <p:cSld>
+    <p:spTree>
+      <p:nvGrpSpPr>
+        <p:cNvPr id="1" name=""/>
+        <p:cNvGrpSpPr/>
+        <p:nvPr/>
+      </p:nvGrpSpPr>
+      <p:grpSpPr>
+        <a:xfrm>
+          <a:off x="0" y="0"/>
+          <a:ext cx="0" cy="0"/>
+          <a:chOff x="0" y="0"/>
+          <a:chExt cx="0" cy="0"/>
+        </a:xfrm>
+      </p:grpSpPr>
+      <p:sp>
+        <p:nvSpPr>
+          <p:cNvPr id="2" name="Title 1"/>
+          <p:cNvSpPr>
+            <a:spLocks noGrp="1"/>
+          </p:cNvSpPr>
+          <p:nvPr>
+            <p:ph type="title"/>
+          </p:nvPr>
+        </p:nvSpPr>
+        <p:spPr/>
+        <p:txBody>
+          <a:bodyPr>
+            <a:normAutofit fontScale="90000"/>
+          </a:bodyPr>
+          <a:lstStyle/>
+          <a:p>
+            <a:r>
+              <a:rPr lang="en-US"/>
+              <a:t>Example: Data</a:t>
+            </a:r>
+            <a:br>
+              <a:rPr lang="en-US"/>
+            </a:br>
+            <a:r>
+              <a:rPr lang="en-US"/>
+              <a:t>(and Linear Regression)</a:t>
+            </a:r>
+          </a:p>
+        </p:txBody>
+      </p:sp>
+      <p:pic>
+        <p:nvPicPr>
+          <p:cNvPr id="4" name="Content Placeholder 3" descr="Linear_Regression.png"/>
+          <p:cNvPicPr>
+            <a:picLocks noGrp="1" noChangeAspect="1"/>
+          </p:cNvPicPr>
+          <p:nvPr>
+            <p:ph idx="1"/>
+          </p:nvPr>
+        </p:nvPicPr>
+        <p:blipFill>
+          <a:blip r:embed="rId2"/>
+          <a:srcRect l="-40915" r="-40915"/>
+          <a:stretch>
+            <a:fillRect/>
+          </a:stretch>
+        </p:blipFill>
+        <p:spPr/>
+      </p:pic>
+    </p:spTree>
+    <p:extLst>
+      <p:ext uri="{BB962C8B-B14F-4D97-AF65-F5344CB8AC3E}">
+        <p14:creationId xmlns:p14="http://schemas.microsoft.com/office/powerpoint/2010/main" val="2382241759"/>
+      </p:ext>
+    </p:extLst>
+  </p:cSld>
+  <p:clrMapOvr>
+    <a:masterClrMapping/>
+  </p:clrMapOvr>
+  <p:timing>
+    <p:tnLst>
+      <p:par>
+        <p:cTn id="1" dur="indefinite" restart="never" nodeType="tmRoot"/>
+      </p:par>
+    </p:tnLst>
+  </p:timing>
+</p:sld>
+</file>
+
+<file path=ppt/slides/slide16.xml><?xml version="1.0" encoding="utf-8"?>
+<p:sld xmlns:a="http://schemas.openxmlformats.org/drawingml/2006/main" xmlns:r="http://schemas.openxmlformats.org/officeDocument/2006/relationships" xmlns:p="http://schemas.openxmlformats.org/presentationml/2006/main">
+  <p:cSld>
+    <p:spTree>
+      <p:nvGrpSpPr>
+        <p:cNvPr id="1" name=""/>
+        <p:cNvGrpSpPr/>
+        <p:nvPr/>
+      </p:nvGrpSpPr>
+      <p:grpSpPr>
+        <a:xfrm>
+          <a:off x="0" y="0"/>
+          <a:ext cx="0" cy="0"/>
+          <a:chOff x="0" y="0"/>
+          <a:chExt cx="0" cy="0"/>
+        </a:xfrm>
+      </p:grpSpPr>
+      <p:sp>
+        <p:nvSpPr>
+          <p:cNvPr id="2" name="Title 1"/>
+          <p:cNvSpPr>
+            <a:spLocks noGrp="1"/>
+          </p:cNvSpPr>
+          <p:nvPr>
+            <p:ph type="title"/>
+          </p:nvPr>
+        </p:nvSpPr>
+        <p:spPr/>
+        <p:txBody>
+          <a:bodyPr/>
+          <a:lstStyle/>
+          <a:p>
+            <a:r>
+              <a:rPr lang="en-US"/>
+              <a:t>Basics</a:t>
+            </a:r>
+          </a:p>
+        </p:txBody>
+      </p:sp>
+      <p:sp>
+        <p:nvSpPr>
+          <p:cNvPr id="3" name="Content Placeholder 2"/>
+          <p:cNvSpPr>
+            <a:spLocks noGrp="1"/>
+          </p:cNvSpPr>
+          <p:nvPr>
+            <p:ph idx="1"/>
+          </p:nvPr>
+        </p:nvSpPr>
+        <p:spPr/>
+        <p:txBody>
+          <a:bodyPr/>
+          <a:lstStyle/>
+          <a:p>
+            <a:pPr>
+              <a:buNone/>
+            </a:pPr>
+            <a:r>
+              <a:rPr lang="en-US"/>
+              <a:t>There are three necessary components to any statistical model:</a:t>
+            </a:r>
+          </a:p>
+          <a:p>
+            <a:r>
+              <a:rPr lang="en-US"/>
+              <a:t>A formula specifying </a:t>
+            </a:r>
+            <a:r>
+              <a:rPr lang="en-US" b="1"/>
+              <a:t>predictor</a:t>
+            </a:r>
+            <a:r>
+              <a:rPr lang="en-US"/>
+              <a:t> and </a:t>
+            </a:r>
+            <a:r>
+              <a:rPr lang="en-US" b="1"/>
+              <a:t>response</a:t>
+            </a:r>
+            <a:r>
+              <a:rPr lang="en-US"/>
+              <a:t> variables: </a:t>
+            </a:r>
+            <a:r>
+              <a:rPr lang="en-US" i="1">
+                <a:latin typeface="Courier New"/>
+                <a:cs typeface="Courier New"/>
+              </a:rPr>
+              <a:t>y ~ x1 + x2 + x3</a:t>
+            </a:r>
+            <a:endParaRPr lang="en-US" b="1" i="1">
+              <a:latin typeface="Courier New"/>
+              <a:cs typeface="Courier New"/>
+            </a:endParaRPr>
+          </a:p>
+          <a:p>
+            <a:r>
+              <a:rPr lang="en-US"/>
+              <a:t>A model – </a:t>
+            </a:r>
+            <a:r>
+              <a:rPr lang="en-US" i="1"/>
+              <a:t>logit, probit, gamma, normal</a:t>
+            </a:r>
+          </a:p>
+          <a:p>
+            <a:r>
+              <a:rPr lang="en-US"/>
+              <a:t>Data – </a:t>
+            </a:r>
+            <a:r>
+              <a:rPr lang="en-US" i="1"/>
+              <a:t>a data-set stored as a </a:t>
+            </a:r>
+            <a:r>
+              <a:rPr lang="en-US" b="1" i="1"/>
+              <a:t>data.frame</a:t>
+            </a:r>
+          </a:p>
+          <a:p>
+            <a:endParaRPr lang="en-US"/>
+          </a:p>
+        </p:txBody>
+      </p:sp>
+    </p:spTree>
+    <p:extLst>
+      <p:ext uri="{BB962C8B-B14F-4D97-AF65-F5344CB8AC3E}">
+        <p14:creationId xmlns:p14="http://schemas.microsoft.com/office/powerpoint/2010/main" val="3143245456"/>
+      </p:ext>
+    </p:extLst>
+  </p:cSld>
+  <p:clrMapOvr>
+    <a:masterClrMapping/>
+  </p:clrMapOvr>
+  <p:timing>
+    <p:tnLst>
+      <p:par>
+        <p:cTn id="1" dur="indefinite" restart="never" nodeType="tmRoot"/>
+      </p:par>
+    </p:tnLst>
+  </p:timing>
+</p:sld>
+</file>
+
+<file path=ppt/slides/slide17.xml><?xml version="1.0" encoding="utf-8"?>
+<p:sld xmlns:a="http://schemas.openxmlformats.org/drawingml/2006/main" xmlns:r="http://schemas.openxmlformats.org/officeDocument/2006/relationships" xmlns:p="http://schemas.openxmlformats.org/presentationml/2006/main">
+  <p:cSld>
+    <p:spTree>
+      <p:nvGrpSpPr>
+        <p:cNvPr id="1" name=""/>
+        <p:cNvGrpSpPr/>
+        <p:nvPr/>
+      </p:nvGrpSpPr>
+      <p:grpSpPr>
+        <a:xfrm>
+          <a:off x="0" y="0"/>
+          <a:ext cx="0" cy="0"/>
+          <a:chOff x="0" y="0"/>
+          <a:chExt cx="0" cy="0"/>
+        </a:xfrm>
+      </p:grpSpPr>
+      <p:sp>
+        <p:nvSpPr>
+          <p:cNvPr id="2" name="Title 1"/>
+          <p:cNvSpPr>
+            <a:spLocks noGrp="1"/>
+          </p:cNvSpPr>
+          <p:nvPr>
+            <p:ph type="title"/>
+          </p:nvPr>
+        </p:nvSpPr>
+        <p:spPr/>
+        <p:txBody>
+          <a:bodyPr/>
+          <a:lstStyle/>
+          <a:p>
+            <a:r>
+              <a:rPr lang="en-US"/>
+              <a:t>Generalized Linear Models</a:t>
+            </a:r>
+          </a:p>
+        </p:txBody>
+      </p:sp>
+      <p:sp>
+        <p:nvSpPr>
+          <p:cNvPr id="3" name="Content Placeholder 2"/>
+          <p:cNvSpPr>
+            <a:spLocks noGrp="1"/>
+          </p:cNvSpPr>
+          <p:nvPr>
+            <p:ph idx="1"/>
+          </p:nvPr>
+        </p:nvSpPr>
+        <p:spPr/>
+        <p:txBody>
+          <a:bodyPr/>
+          <a:lstStyle/>
+          <a:p>
+            <a:r>
+              <a:rPr lang="en-US"/>
+              <a:t>The "least squares" method is the foundation of fitting generalized linear models (GLM's)</a:t>
+            </a:r>
+          </a:p>
+          <a:p>
+            <a:r>
+              <a:rPr lang="en-US"/>
+              <a:t>Provides information on the </a:t>
+            </a:r>
+            <a:r>
+              <a:rPr lang="en-US" b="1"/>
+              <a:t>correlation</a:t>
+            </a:r>
+            <a:r>
+              <a:rPr lang="en-US"/>
+              <a:t> of predictor variables</a:t>
+            </a:r>
+          </a:p>
+          <a:p>
+            <a:r>
+              <a:rPr lang="en-US"/>
+              <a:t>And information on how significantly the response variables varies with the predictor variables</a:t>
+            </a:r>
+          </a:p>
+        </p:txBody>
+      </p:sp>
+    </p:spTree>
+    <p:extLst>
+      <p:ext uri="{BB962C8B-B14F-4D97-AF65-F5344CB8AC3E}">
+        <p14:creationId xmlns:p14="http://schemas.microsoft.com/office/powerpoint/2010/main" val="3465388416"/>
+      </p:ext>
+    </p:extLst>
+  </p:cSld>
+  <p:clrMapOvr>
+    <a:masterClrMapping/>
+  </p:clrMapOvr>
+  <p:timing>
+    <p:tnLst>
+      <p:par>
+        <p:cTn id="1" dur="indefinite" restart="never" nodeType="tmRoot"/>
+      </p:par>
+    </p:tnLst>
+  </p:timing>
+</p:sld>
+</file>
+
+<file path=ppt/slides/slide18.xml><?xml version="1.0" encoding="utf-8"?>
+<p:sld xmlns:a="http://schemas.openxmlformats.org/drawingml/2006/main" xmlns:r="http://schemas.openxmlformats.org/officeDocument/2006/relationships" xmlns:p="http://schemas.openxmlformats.org/presentationml/2006/main">
+  <p:cSld>
+    <p:spTree>
+      <p:nvGrpSpPr>
+        <p:cNvPr id="1" name=""/>
+        <p:cNvGrpSpPr/>
+        <p:nvPr/>
+      </p:nvGrpSpPr>
+      <p:grpSpPr>
+        <a:xfrm>
+          <a:off x="0" y="0"/>
+          <a:ext cx="0" cy="0"/>
+          <a:chOff x="0" y="0"/>
+          <a:chExt cx="0" cy="0"/>
+        </a:xfrm>
+      </p:grpSpPr>
+      <p:sp>
+        <p:nvSpPr>
+          <p:cNvPr id="2" name="Title 1"/>
+          <p:cNvSpPr>
+            <a:spLocks noGrp="1"/>
+          </p:cNvSpPr>
+          <p:nvPr>
+            <p:ph type="title"/>
+          </p:nvPr>
+        </p:nvSpPr>
+        <p:spPr/>
+        <p:txBody>
+          <a:bodyPr/>
+          <a:lstStyle/>
+          <a:p>
+            <a:r>
+              <a:rPr lang="en-US"/>
+              <a:t>Basics</a:t>
+            </a:r>
+          </a:p>
+        </p:txBody>
+      </p:sp>
+      <p:sp>
+        <p:nvSpPr>
+          <p:cNvPr id="3" name="Content Placeholder 2"/>
+          <p:cNvSpPr>
+            <a:spLocks noGrp="1"/>
+          </p:cNvSpPr>
+          <p:nvPr>
+            <p:ph idx="1"/>
+          </p:nvPr>
+        </p:nvSpPr>
+        <p:spPr/>
+        <p:txBody>
+          <a:bodyPr/>
+          <a:lstStyle/>
+          <a:p>
+            <a:r>
+              <a:rPr lang="en-US"/>
+              <a:t>Consider the linear regression:</a:t>
+            </a:r>
+          </a:p>
+          <a:p>
+            <a:endParaRPr lang="en-US"/>
+          </a:p>
+          <a:p>
+            <a:r>
+              <a:rPr lang="en-US"/>
+              <a:t>lm(y ~ x)</a:t>
+            </a:r>
+          </a:p>
+          <a:p>
+            <a:endParaRPr lang="en-US"/>
+          </a:p>
+          <a:p>
+            <a:r>
+              <a:rPr lang="en-US"/>
+              <a:t>This means, the variable "y" is dependent on the variable "x"</a:t>
+            </a:r>
+          </a:p>
+          <a:p>
+            <a:pPr>
+              <a:buNone/>
+            </a:pPr>
+            <a:endParaRPr lang="en-US"/>
+          </a:p>
+        </p:txBody>
+      </p:sp>
+    </p:spTree>
+    <p:extLst>
+      <p:ext uri="{BB962C8B-B14F-4D97-AF65-F5344CB8AC3E}">
+        <p14:creationId xmlns:p14="http://schemas.microsoft.com/office/powerpoint/2010/main" val="2842523334"/>
+      </p:ext>
+    </p:extLst>
+  </p:cSld>
+  <p:clrMapOvr>
+    <a:masterClrMapping/>
+  </p:clrMapOvr>
+  <p:timing>
+    <p:tnLst>
+      <p:par>
+        <p:cTn id="1" dur="indefinite" restart="never" nodeType="tmRoot"/>
+      </p:par>
+    </p:tnLst>
+  </p:timing>
+</p:sld>
+</file>
+
+<file path=ppt/slides/slide19.xml><?xml version="1.0" encoding="utf-8"?>
+<p:sld xmlns:a="http://schemas.openxmlformats.org/drawingml/2006/main" xmlns:r="http://schemas.openxmlformats.org/officeDocument/2006/relationships" xmlns:p="http://schemas.openxmlformats.org/presentationml/2006/main">
+  <p:cSld>
+    <p:spTree>
+      <p:nvGrpSpPr>
+        <p:cNvPr id="1" name=""/>
+        <p:cNvGrpSpPr/>
+        <p:nvPr/>
+      </p:nvGrpSpPr>
+      <p:grpSpPr>
+        <a:xfrm>
+          <a:off x="0" y="0"/>
+          <a:ext cx="0" cy="0"/>
+          <a:chOff x="0" y="0"/>
+          <a:chExt cx="0" cy="0"/>
+        </a:xfrm>
+      </p:grpSpPr>
+      <p:sp>
+        <p:nvSpPr>
+          <p:cNvPr id="2" name="Title 1"/>
+          <p:cNvSpPr>
+            <a:spLocks noGrp="1"/>
+          </p:cNvSpPr>
+          <p:nvPr>
+            <p:ph type="title"/>
+          </p:nvPr>
+        </p:nvSpPr>
+        <p:spPr/>
+        <p:txBody>
+          <a:bodyPr/>
+          <a:lstStyle/>
+          <a:p>
+            <a:r>
+              <a:rPr lang="en-US"/>
+              <a:t>Basics</a:t>
+            </a:r>
+          </a:p>
+        </p:txBody>
+      </p:sp>
+      <p:sp>
+        <p:nvSpPr>
+          <p:cNvPr id="3" name="Content Placeholder 2"/>
+          <p:cNvSpPr>
+            <a:spLocks noGrp="1"/>
+          </p:cNvSpPr>
+          <p:nvPr>
+            <p:ph idx="1"/>
+          </p:nvPr>
+        </p:nvSpPr>
+        <p:spPr/>
+        <p:txBody>
+          <a:bodyPr/>
+          <a:lstStyle/>
+          <a:p>
+            <a:r>
+              <a:rPr lang="en-US"/>
+              <a:t>The "lm" model (as all models do) finds the function that best </a:t>
+            </a:r>
+            <a:r>
+              <a:rPr lang="en-US" b="1"/>
+              <a:t>interpolates</a:t>
+            </a:r>
+            <a:r>
+              <a:rPr lang="en-US"/>
+              <a:t> the observed data.</a:t>
+            </a:r>
+          </a:p>
+        </p:txBody>
+      </p:sp>
+    </p:spTree>
+    <p:extLst>
+      <p:ext uri="{BB962C8B-B14F-4D97-AF65-F5344CB8AC3E}">
+        <p14:creationId xmlns:p14="http://schemas.microsoft.com/office/powerpoint/2010/main" val="1265913865"/>
+      </p:ext>
+    </p:extLst>
+  </p:cSld>
+  <p:clrMapOvr>
+    <a:masterClrMapping/>
+  </p:clrMapOvr>
+  <p:timing>
+    <p:tnLst>
+      <p:par>
+        <p:cTn id="1" dur="indefinite" restart="never" nodeType="tmRoot"/>
+      </p:par>
+    </p:tnLst>
+  </p:timing>
+</p:sld>
+</file>
+
+<file path=ppt/slides/slide2.xml><?xml version="1.0" encoding="utf-8"?>
+<p:sld xmlns:a="http://schemas.openxmlformats.org/drawingml/2006/main" xmlns:r="http://schemas.openxmlformats.org/officeDocument/2006/relationships" xmlns:p="http://schemas.openxmlformats.org/presentationml/2006/main" show="0">
+  <p:cSld>
+    <p:spTree>
+      <p:nvGrpSpPr>
+        <p:cNvPr id="1" name=""/>
+        <p:cNvGrpSpPr/>
+        <p:nvPr/>
+      </p:nvGrpSpPr>
+      <p:grpSpPr>
+        <a:xfrm>
+          <a:off x="0" y="0"/>
+          <a:ext cx="0" cy="0"/>
+          <a:chOff x="0" y="0"/>
+          <a:chExt cx="0" cy="0"/>
+        </a:xfrm>
+      </p:grpSpPr>
+      <p:sp>
+        <p:nvSpPr>
+          <p:cNvPr id="5122" name="Text Box 1"/>
           <p:cNvSpPr txBox="1">
             <a:spLocks noChangeArrowheads="1"/>
           </p:cNvSpPr>
@@ -3948,25 +4793,94 @@
         </p:nvSpPr>
         <p:spPr bwMode="auto">
           <a:xfrm>
-            <a:off x="457200" y="1896866"/>
-            <a:ext cx="8229600" cy="879344"/>
+            <a:off x="457200" y="274638"/>
+            <a:ext cx="8229600" cy="1143000"/>
           </a:xfrm>
           <a:prstGeom prst="rect">
             <a:avLst/>
           </a:prstGeom>
           <a:noFill/>
-          <a:ln w="9360">
-            <a:solidFill>
-              <a:srgbClr val="000000"/>
-            </a:solidFill>
-            <a:prstDash val="dashDot"/>
-            <a:miter lim="800000"/>
+          <a:ln w="9525">
+            <a:noFill/>
+            <a:round/>
             <a:headEnd/>
             <a:tailEnd/>
           </a:ln>
         </p:spPr>
         <p:txBody>
-          <a:bodyPr wrap="square" lIns="90000" tIns="46800" rIns="90000" bIns="46800">
+          <a:bodyPr anchor="ctr">
+            <a:prstTxWarp prst="textNoShape">
+              <a:avLst/>
+            </a:prstTxWarp>
+          </a:bodyPr>
+          <a:lstStyle/>
+          <a:p>
+            <a:pPr algn="ctr">
+              <a:buClrTx/>
+              <a:buFontTx/>
+              <a:buNone/>
+              <a:tabLst>
+                <a:tab pos="0" algn="l"/>
+                <a:tab pos="457200" algn="l"/>
+                <a:tab pos="914400" algn="l"/>
+                <a:tab pos="1371600" algn="l"/>
+                <a:tab pos="1828800" algn="l"/>
+                <a:tab pos="2286000" algn="l"/>
+                <a:tab pos="2743200" algn="l"/>
+                <a:tab pos="3200400" algn="l"/>
+                <a:tab pos="3657600" algn="l"/>
+                <a:tab pos="4114800" algn="l"/>
+                <a:tab pos="4572000" algn="l"/>
+                <a:tab pos="5029200" algn="l"/>
+                <a:tab pos="5486400" algn="l"/>
+                <a:tab pos="5943600" algn="l"/>
+                <a:tab pos="6400800" algn="l"/>
+                <a:tab pos="6858000" algn="l"/>
+                <a:tab pos="7315200" algn="l"/>
+                <a:tab pos="7772400" algn="l"/>
+                <a:tab pos="8229600" algn="l"/>
+                <a:tab pos="8686800" algn="l"/>
+                <a:tab pos="9144000" algn="l"/>
+              </a:tabLst>
+            </a:pPr>
+            <a:r>
+              <a:rPr lang="en-US" sz="4400">
+                <a:solidFill>
+                  <a:srgbClr val="000000"/>
+                </a:solidFill>
+                <a:latin typeface="Calibri" charset="0"/>
+              </a:rPr>
+              <a:t>Format for Slides</a:t>
+            </a:r>
+          </a:p>
+        </p:txBody>
+      </p:sp>
+      <p:sp>
+        <p:nvSpPr>
+          <p:cNvPr id="6146" name="Text Box 2"/>
+          <p:cNvSpPr txBox="1">
+            <a:spLocks noChangeArrowheads="1"/>
+          </p:cNvSpPr>
+          <p:nvPr/>
+        </p:nvSpPr>
+        <p:spPr bwMode="auto">
+          <a:xfrm>
+            <a:off x="457200" y="1593850"/>
+            <a:ext cx="8229600" cy="368300"/>
+          </a:xfrm>
+          <a:prstGeom prst="rect">
+            <a:avLst/>
+          </a:prstGeom>
+          <a:noFill/>
+          <a:ln w="9525">
+            <a:noFill/>
+            <a:round/>
+            <a:headEnd/>
+            <a:tailEnd/>
+          </a:ln>
+        </p:spPr>
+        <p:txBody>
+          <a:bodyPr lIns="90000" tIns="46800" rIns="90000" bIns="46800">
             <a:prstTxWarp prst="textNoShape">
               <a:avLst/>
             </a:prstTxWarp>
@@ -4003,17 +4917,51 @@
               </a:tabLst>
             </a:pPr>
             <a:r>
-              <a:rPr lang="en-US" sz="1700" dirty="0">
+              <a:rPr lang="en-US" sz="1800" dirty="0">
                 <a:solidFill>
-                  <a:srgbClr val="7F7F7F"/>
+                  <a:srgbClr val="000000"/>
                 </a:solidFill>
-                <a:latin typeface="Courier New" charset="0"/>
-                <a:ea typeface="Courier New" charset="0"/>
-                <a:cs typeface="Courier New" charset="0"/>
               </a:rPr>
-              <a:t># Load the data set</a:t>
-            </a:r>
-          </a:p>
+              <a:t>Regular text will be presented just like this.</a:t>
+            </a:r>
+          </a:p>
+        </p:txBody>
+      </p:sp>
+      <p:sp>
+        <p:nvSpPr>
+          <p:cNvPr id="6148" name="Text Box 4"/>
+          <p:cNvSpPr txBox="1">
+            <a:spLocks noChangeArrowheads="1"/>
+          </p:cNvSpPr>
+          <p:nvPr/>
+        </p:nvSpPr>
+        <p:spPr bwMode="auto">
+          <a:xfrm>
+            <a:off x="457200" y="2514600"/>
+            <a:ext cx="8229600" cy="1130300"/>
+          </a:xfrm>
+          <a:prstGeom prst="rect">
+            <a:avLst/>
+          </a:prstGeom>
+          <a:noFill/>
+          <a:ln w="9360">
+            <a:solidFill>
+              <a:srgbClr val="000000"/>
+            </a:solidFill>
+            <a:prstDash val="dashDot"/>
+            <a:miter lim="800000"/>
+            <a:headEnd/>
+            <a:tailEnd/>
+          </a:ln>
+        </p:spPr>
+        <p:txBody>
+          <a:bodyPr wrap="square" lIns="90000" tIns="46800" rIns="90000" bIns="46800">
+            <a:prstTxWarp prst="textNoShape">
+              <a:avLst/>
+            </a:prstTxWarp>
+            <a:spAutoFit/>
+          </a:bodyPr>
+          <a:lstStyle/>
           <a:p>
             <a:pPr>
               <a:buClrTx/>
@@ -4046,13 +4994,13 @@
             <a:r>
               <a:rPr lang="en-US" sz="1700" dirty="0">
                 <a:solidFill>
-                  <a:srgbClr val="000000"/>
+                  <a:srgbClr val="7F7F7F"/>
                 </a:solidFill>
                 <a:latin typeface="Courier New" charset="0"/>
                 <a:ea typeface="Courier New" charset="0"/>
                 <a:cs typeface="Courier New" charset="0"/>
               </a:rPr>
-              <a:t>&gt; load("SimpleQuasipoisson.Rdata")</a:t>
+              <a:t># Comments will be grayed-out and preceded by a hash</a:t>
             </a:r>
           </a:p>
           <a:p>
@@ -4084,55 +5032,15 @@
                 <a:tab pos="9144000" algn="l"/>
               </a:tabLst>
             </a:pPr>
-            <a:r>
-              <a:rPr lang="en-US" sz="1700" dirty="0">
-                <a:solidFill>
-                  <a:srgbClr val="000000"/>
-                </a:solidFill>
-                <a:latin typeface="Courier New" charset="0"/>
-                <a:ea typeface="Courier New" charset="0"/>
-                <a:cs typeface="Courier New" charset="0"/>
-              </a:rPr>
-              <a:t>&gt; data(SimpleQuasipoisson)</a:t>
-            </a:r>
-          </a:p>
-        </p:txBody>
-      </p:sp>
-      <p:sp>
-        <p:nvSpPr>
-          <p:cNvPr id="6" name="Text Box 4"/>
-          <p:cNvSpPr txBox="1">
-            <a:spLocks noChangeArrowheads="1"/>
-          </p:cNvSpPr>
-          <p:nvPr/>
-        </p:nvSpPr>
-        <p:spPr bwMode="auto">
-          <a:xfrm>
-            <a:off x="457200" y="3079467"/>
-            <a:ext cx="8229600" cy="617734"/>
-          </a:xfrm>
-          <a:prstGeom prst="rect">
-            <a:avLst/>
-          </a:prstGeom>
-          <a:noFill/>
-          <a:ln w="9360">
-            <a:solidFill>
-              <a:srgbClr val="000000"/>
-            </a:solidFill>
-            <a:prstDash val="dashDot"/>
-            <a:miter lim="800000"/>
-            <a:headEnd/>
-            <a:tailEnd/>
-          </a:ln>
-        </p:spPr>
-        <p:txBody>
-          <a:bodyPr wrap="square" lIns="90000" tIns="46800" rIns="90000" bIns="46800">
-            <a:prstTxWarp prst="textNoShape">
-              <a:avLst/>
-            </a:prstTxWarp>
-            <a:spAutoFit/>
-          </a:bodyPr>
-          <a:lstStyle/>
+            <a:endParaRPr lang="en-US" sz="1700" dirty="0">
+              <a:solidFill>
+                <a:srgbClr val="7F7F7F"/>
+              </a:solidFill>
+              <a:latin typeface="Courier New" charset="0"/>
+              <a:ea typeface="Courier New" charset="0"/>
+              <a:cs typeface="Courier New" charset="0"/>
+            </a:endParaRPr>
+          </a:p>
           <a:p>
             <a:pPr>
               <a:buClrTx/>
@@ -4171,7 +5079,7 @@
                 <a:ea typeface="Courier New" charset="0"/>
                 <a:cs typeface="Courier New" charset="0"/>
               </a:rPr>
-              <a:t># Fit the data using a quasi-poisson link function </a:t>
+              <a:t># Code will be in preceded by “&gt; ”</a:t>
             </a:r>
           </a:p>
           <a:p>
@@ -4212,6 +5120,707 @@
                 <a:ea typeface="Courier New" charset="0"/>
                 <a:cs typeface="Courier New" charset="0"/>
               </a:rPr>
+              <a:t>&gt; sin(</a:t>
+            </a:r>
+            <a:r>
+              <a:rPr lang="en-US" sz="1700" dirty="0">
+                <a:solidFill>
+                  <a:srgbClr val="C0504D"/>
+                </a:solidFill>
+                <a:latin typeface="Courier New" charset="0"/>
+                <a:ea typeface="Courier New" charset="0"/>
+                <a:cs typeface="Courier New" charset="0"/>
+              </a:rPr>
+              <a:t>1.3</a:t>
+            </a:r>
+            <a:r>
+              <a:rPr lang="en-US" sz="1700" dirty="0">
+                <a:solidFill>
+                  <a:srgbClr val="000000"/>
+                </a:solidFill>
+                <a:latin typeface="Courier New" charset="0"/>
+                <a:ea typeface="Courier New" charset="0"/>
+                <a:cs typeface="Courier New" charset="0"/>
+              </a:rPr>
+              <a:t>)</a:t>
+            </a:r>
+          </a:p>
+        </p:txBody>
+      </p:sp>
+      <p:sp>
+        <p:nvSpPr>
+          <p:cNvPr id="6149" name="Text Box 5"/>
+          <p:cNvSpPr txBox="1">
+            <a:spLocks noChangeArrowheads="1"/>
+          </p:cNvSpPr>
+          <p:nvPr/>
+        </p:nvSpPr>
+        <p:spPr bwMode="auto">
+          <a:xfrm>
+            <a:off x="457200" y="4694238"/>
+            <a:ext cx="8229599" cy="368300"/>
+          </a:xfrm>
+          <a:prstGeom prst="rect">
+            <a:avLst/>
+          </a:prstGeom>
+          <a:solidFill>
+            <a:srgbClr val="F2F2F2"/>
+          </a:solidFill>
+          <a:ln w="9360">
+            <a:solidFill>
+              <a:srgbClr val="77933C"/>
+            </a:solidFill>
+            <a:prstDash val="lgDashDotDot"/>
+            <a:miter lim="800000"/>
+            <a:headEnd/>
+            <a:tailEnd/>
+          </a:ln>
+        </p:spPr>
+        <p:txBody>
+          <a:bodyPr wrap="square" lIns="90000" tIns="46800" rIns="90000" bIns="46800">
+            <a:prstTxWarp prst="textNoShape">
+              <a:avLst/>
+            </a:prstTxWarp>
+            <a:spAutoFit/>
+          </a:bodyPr>
+          <a:lstStyle/>
+          <a:p>
+            <a:pPr>
+              <a:buClrTx/>
+              <a:buFontTx/>
+              <a:buNone/>
+              <a:tabLst>
+                <a:tab pos="0" algn="l"/>
+                <a:tab pos="457200" algn="l"/>
+                <a:tab pos="914400" algn="l"/>
+                <a:tab pos="1371600" algn="l"/>
+                <a:tab pos="1828800" algn="l"/>
+                <a:tab pos="2286000" algn="l"/>
+                <a:tab pos="2743200" algn="l"/>
+                <a:tab pos="3200400" algn="l"/>
+                <a:tab pos="3657600" algn="l"/>
+                <a:tab pos="4114800" algn="l"/>
+                <a:tab pos="4572000" algn="l"/>
+                <a:tab pos="5029200" algn="l"/>
+                <a:tab pos="5486400" algn="l"/>
+                <a:tab pos="5943600" algn="l"/>
+                <a:tab pos="6400800" algn="l"/>
+                <a:tab pos="6858000" algn="l"/>
+                <a:tab pos="7315200" algn="l"/>
+                <a:tab pos="7772400" algn="l"/>
+                <a:tab pos="8229600" algn="l"/>
+                <a:tab pos="8686800" algn="l"/>
+                <a:tab pos="9144000" algn="l"/>
+              </a:tabLst>
+            </a:pPr>
+            <a:r>
+              <a:rPr lang="en-US" sz="1800" b="1">
+                <a:solidFill>
+                  <a:srgbClr val="000000"/>
+                </a:solidFill>
+                <a:latin typeface="Courier New" charset="0"/>
+                <a:ea typeface="Courier New" charset="0"/>
+                <a:cs typeface="Courier New" charset="0"/>
+              </a:rPr>
+              <a:t>[1] 0.9635582</a:t>
+            </a:r>
+          </a:p>
+        </p:txBody>
+      </p:sp>
+      <p:sp>
+        <p:nvSpPr>
+          <p:cNvPr id="6150" name="Text Box 6"/>
+          <p:cNvSpPr txBox="1">
+            <a:spLocks noChangeArrowheads="1"/>
+          </p:cNvSpPr>
+          <p:nvPr/>
+        </p:nvSpPr>
+        <p:spPr bwMode="auto">
+          <a:xfrm>
+            <a:off x="392113" y="4314825"/>
+            <a:ext cx="8229600" cy="368300"/>
+          </a:xfrm>
+          <a:prstGeom prst="rect">
+            <a:avLst/>
+          </a:prstGeom>
+          <a:noFill/>
+          <a:ln w="9525">
+            <a:noFill/>
+            <a:round/>
+            <a:headEnd/>
+            <a:tailEnd/>
+          </a:ln>
+        </p:spPr>
+        <p:txBody>
+          <a:bodyPr lIns="90000" tIns="46800" rIns="90000" bIns="46800">
+            <a:prstTxWarp prst="textNoShape">
+              <a:avLst/>
+            </a:prstTxWarp>
+            <a:spAutoFit/>
+          </a:bodyPr>
+          <a:lstStyle/>
+          <a:p>
+            <a:pPr>
+              <a:buClrTx/>
+              <a:buFontTx/>
+              <a:buNone/>
+              <a:tabLst>
+                <a:tab pos="0" algn="l"/>
+                <a:tab pos="457200" algn="l"/>
+                <a:tab pos="914400" algn="l"/>
+                <a:tab pos="1371600" algn="l"/>
+                <a:tab pos="1828800" algn="l"/>
+                <a:tab pos="2286000" algn="l"/>
+                <a:tab pos="2743200" algn="l"/>
+                <a:tab pos="3200400" algn="l"/>
+                <a:tab pos="3657600" algn="l"/>
+                <a:tab pos="4114800" algn="l"/>
+                <a:tab pos="4572000" algn="l"/>
+                <a:tab pos="5029200" algn="l"/>
+                <a:tab pos="5486400" algn="l"/>
+                <a:tab pos="5943600" algn="l"/>
+                <a:tab pos="6400800" algn="l"/>
+                <a:tab pos="6858000" algn="l"/>
+                <a:tab pos="7315200" algn="l"/>
+                <a:tab pos="7772400" algn="l"/>
+                <a:tab pos="8229600" algn="l"/>
+                <a:tab pos="8686800" algn="l"/>
+                <a:tab pos="9144000" algn="l"/>
+              </a:tabLst>
+            </a:pPr>
+            <a:r>
+              <a:rPr lang="en-US" sz="1800">
+                <a:solidFill>
+                  <a:srgbClr val="000000"/>
+                </a:solidFill>
+              </a:rPr>
+              <a:t>Results from code example will be in a grayed out box with a dashed border.</a:t>
+            </a:r>
+          </a:p>
+        </p:txBody>
+      </p:sp>
+    </p:spTree>
+    <p:extLst>
+      <p:ext uri="{BB962C8B-B14F-4D97-AF65-F5344CB8AC3E}">
+        <p14:creationId xmlns:p14="http://schemas.microsoft.com/office/powerpoint/2010/main" val="1681329250"/>
+      </p:ext>
+    </p:extLst>
+  </p:cSld>
+  <p:clrMapOvr>
+    <a:masterClrMapping/>
+  </p:clrMapOvr>
+  <p:transition spd="med"/>
+  <p:timing>
+    <p:tnLst>
+      <p:par>
+        <p:cTn id="1" dur="indefinite" restart="never" nodeType="tmRoot">
+          <p:childTnLst>
+            <p:seq concurrent="1" nextAc="seek">
+              <p:cTn id="2" dur="indefinite" nodeType="mainSeq">
+                <p:childTnLst>
+                  <p:par>
+                    <p:cTn id="3" fill="hold" nodeType="clickPar">
+                      <p:stCondLst>
+                        <p:cond delay="indefinite"/>
+                        <p:cond evt="onBegin" delay="0">
+                          <p:tn val="2"/>
+                        </p:cond>
+                      </p:stCondLst>
+                      <p:childTnLst>
+                        <p:par>
+                          <p:cTn id="4" fill="hold" nodeType="withGroup">
+                            <p:stCondLst>
+                              <p:cond delay="0"/>
+                            </p:stCondLst>
+                            <p:childTnLst>
+                              <p:par>
+                                <p:cTn id="5" presetID="1" presetClass="entr" fill="hold" nodeType="withEffect">
+                                  <p:stCondLst>
+                                    <p:cond delay="0"/>
+                                  </p:stCondLst>
+                                  <p:childTnLst>
+                                    <p:set>
+                                      <p:cBhvr additive="repl">
+                                        <p:cTn id="6" dur="1" fill="hold">
+                                          <p:stCondLst>
+                                            <p:cond delay="0"/>
+                                          </p:stCondLst>
+                                        </p:cTn>
+                                        <p:tgtEl>
+                                          <p:spTgt spid="6146"/>
+                                        </p:tgtEl>
+                                        <p:attrNameLst>
+                                          <p:attrName>style.visibility</p:attrName>
+                                        </p:attrNameLst>
+                                      </p:cBhvr>
+                                      <p:to>
+                                        <p:strVal val="visible"/>
+                                      </p:to>
+                                    </p:set>
+                                  </p:childTnLst>
+                                </p:cTn>
+                              </p:par>
+                            </p:childTnLst>
+                          </p:cTn>
+                        </p:par>
+                      </p:childTnLst>
+                    </p:cTn>
+                  </p:par>
+                  <p:par>
+                    <p:cTn id="7" fill="hold">
+                      <p:stCondLst>
+                        <p:cond delay="indefinite"/>
+                      </p:stCondLst>
+                      <p:childTnLst>
+                        <p:par>
+                          <p:cTn id="8" fill="hold">
+                            <p:stCondLst>
+                              <p:cond delay="0"/>
+                            </p:stCondLst>
+                            <p:childTnLst>
+                              <p:par>
+                                <p:cTn id="9" presetID="1" presetClass="entr" fill="hold" nodeType="clickEffect">
+                                  <p:stCondLst>
+                                    <p:cond delay="0"/>
+                                  </p:stCondLst>
+                                  <p:childTnLst>
+                                    <p:set>
+                                      <p:cBhvr additive="repl">
+                                        <p:cTn id="10" dur="1" fill="hold">
+                                          <p:stCondLst>
+                                            <p:cond delay="0"/>
+                                          </p:stCondLst>
+                                        </p:cTn>
+                                        <p:tgtEl>
+                                          <p:spTgt spid="6148"/>
+                                        </p:tgtEl>
+                                        <p:attrNameLst>
+                                          <p:attrName>style.visibility</p:attrName>
+                                        </p:attrNameLst>
+                                      </p:cBhvr>
+                                      <p:to>
+                                        <p:strVal val="visible"/>
+                                      </p:to>
+                                    </p:set>
+                                  </p:childTnLst>
+                                </p:cTn>
+                              </p:par>
+                            </p:childTnLst>
+                          </p:cTn>
+                        </p:par>
+                      </p:childTnLst>
+                    </p:cTn>
+                  </p:par>
+                  <p:par>
+                    <p:cTn id="11" fill="hold" nodeType="clickPar">
+                      <p:stCondLst>
+                        <p:cond delay="indefinite"/>
+                      </p:stCondLst>
+                      <p:childTnLst>
+                        <p:par>
+                          <p:cTn id="12" fill="hold" nodeType="withGroup">
+                            <p:stCondLst>
+                              <p:cond delay="0"/>
+                            </p:stCondLst>
+                            <p:childTnLst>
+                              <p:par>
+                                <p:cTn id="13" presetID="1" presetClass="entr" fill="hold" nodeType="clickEffect">
+                                  <p:stCondLst>
+                                    <p:cond delay="0"/>
+                                  </p:stCondLst>
+                                  <p:childTnLst>
+                                    <p:set>
+                                      <p:cBhvr additive="repl">
+                                        <p:cTn id="14" dur="1" fill="hold">
+                                          <p:stCondLst>
+                                            <p:cond delay="0"/>
+                                          </p:stCondLst>
+                                        </p:cTn>
+                                        <p:tgtEl>
+                                          <p:spTgt spid="6150"/>
+                                        </p:tgtEl>
+                                        <p:attrNameLst>
+                                          <p:attrName>style.visibility</p:attrName>
+                                        </p:attrNameLst>
+                                      </p:cBhvr>
+                                      <p:to>
+                                        <p:strVal val="visible"/>
+                                      </p:to>
+                                    </p:set>
+                                  </p:childTnLst>
+                                </p:cTn>
+                              </p:par>
+                              <p:par>
+                                <p:cTn id="15" presetID="1" presetClass="entr" fill="hold" nodeType="withEffect">
+                                  <p:stCondLst>
+                                    <p:cond delay="0"/>
+                                  </p:stCondLst>
+                                  <p:childTnLst>
+                                    <p:set>
+                                      <p:cBhvr additive="repl">
+                                        <p:cTn id="16" dur="1" fill="hold">
+                                          <p:stCondLst>
+                                            <p:cond delay="0"/>
+                                          </p:stCondLst>
+                                        </p:cTn>
+                                        <p:tgtEl>
+                                          <p:spTgt spid="6149"/>
+                                        </p:tgtEl>
+                                        <p:attrNameLst>
+                                          <p:attrName>style.visibility</p:attrName>
+                                        </p:attrNameLst>
+                                      </p:cBhvr>
+                                      <p:to>
+                                        <p:strVal val="visible"/>
+                                      </p:to>
+                                    </p:set>
+                                  </p:childTnLst>
+                                </p:cTn>
+                              </p:par>
+                            </p:childTnLst>
+                          </p:cTn>
+                        </p:par>
+                      </p:childTnLst>
+                    </p:cTn>
+                  </p:par>
+                </p:childTnLst>
+              </p:cTn>
+              <p:prevCondLst>
+                <p:cond evt="onPrev" delay="0">
+                  <p:tgtEl>
+                    <p:sldTgt/>
+                  </p:tgtEl>
+                </p:cond>
+              </p:prevCondLst>
+              <p:nextCondLst>
+                <p:cond evt="onNext" delay="0">
+                  <p:tgtEl>
+                    <p:sldTgt/>
+                  </p:tgtEl>
+                </p:cond>
+              </p:nextCondLst>
+            </p:seq>
+          </p:childTnLst>
+        </p:cTn>
+      </p:par>
+    </p:tnLst>
+  </p:timing>
+</p:sld>
+</file>
+
+<file path=ppt/slides/slide20.xml><?xml version="1.0" encoding="utf-8"?>
+<p:sld xmlns:a="http://schemas.openxmlformats.org/drawingml/2006/main" xmlns:r="http://schemas.openxmlformats.org/officeDocument/2006/relationships" xmlns:p="http://schemas.openxmlformats.org/presentationml/2006/main">
+  <p:cSld>
+    <p:spTree>
+      <p:nvGrpSpPr>
+        <p:cNvPr id="1" name=""/>
+        <p:cNvGrpSpPr/>
+        <p:nvPr/>
+      </p:nvGrpSpPr>
+      <p:grpSpPr>
+        <a:xfrm>
+          <a:off x="0" y="0"/>
+          <a:ext cx="0" cy="0"/>
+          <a:chOff x="0" y="0"/>
+          <a:chExt cx="0" cy="0"/>
+        </a:xfrm>
+      </p:grpSpPr>
+      <p:sp>
+        <p:nvSpPr>
+          <p:cNvPr id="2" name="Title 1"/>
+          <p:cNvSpPr>
+            <a:spLocks noGrp="1"/>
+          </p:cNvSpPr>
+          <p:nvPr>
+            <p:ph type="title"/>
+          </p:nvPr>
+        </p:nvSpPr>
+        <p:spPr/>
+        <p:txBody>
+          <a:bodyPr/>
+          <a:lstStyle/>
+          <a:p>
+            <a:r>
+              <a:rPr lang="en-US"/>
+              <a:t>About Fitting Models</a:t>
+            </a:r>
+          </a:p>
+        </p:txBody>
+      </p:sp>
+      <p:sp>
+        <p:nvSpPr>
+          <p:cNvPr id="5" name="Text Box 4"/>
+          <p:cNvSpPr txBox="1">
+            <a:spLocks noChangeArrowheads="1"/>
+          </p:cNvSpPr>
+          <p:nvPr/>
+        </p:nvSpPr>
+        <p:spPr bwMode="auto">
+          <a:xfrm>
+            <a:off x="457200" y="1896866"/>
+            <a:ext cx="8229600" cy="879344"/>
+          </a:xfrm>
+          <a:prstGeom prst="rect">
+            <a:avLst/>
+          </a:prstGeom>
+          <a:noFill/>
+          <a:ln w="9360">
+            <a:solidFill>
+              <a:srgbClr val="000000"/>
+            </a:solidFill>
+            <a:prstDash val="dashDot"/>
+            <a:miter lim="800000"/>
+            <a:headEnd/>
+            <a:tailEnd/>
+          </a:ln>
+        </p:spPr>
+        <p:txBody>
+          <a:bodyPr wrap="square" lIns="90000" tIns="46800" rIns="90000" bIns="46800">
+            <a:prstTxWarp prst="textNoShape">
+              <a:avLst/>
+            </a:prstTxWarp>
+            <a:spAutoFit/>
+          </a:bodyPr>
+          <a:lstStyle/>
+          <a:p>
+            <a:pPr>
+              <a:buClrTx/>
+              <a:buFontTx/>
+              <a:buNone/>
+              <a:tabLst>
+                <a:tab pos="0" algn="l"/>
+                <a:tab pos="457200" algn="l"/>
+                <a:tab pos="914400" algn="l"/>
+                <a:tab pos="1371600" algn="l"/>
+                <a:tab pos="1828800" algn="l"/>
+                <a:tab pos="2286000" algn="l"/>
+                <a:tab pos="2743200" algn="l"/>
+                <a:tab pos="3200400" algn="l"/>
+                <a:tab pos="3657600" algn="l"/>
+                <a:tab pos="4114800" algn="l"/>
+                <a:tab pos="4572000" algn="l"/>
+                <a:tab pos="5029200" algn="l"/>
+                <a:tab pos="5486400" algn="l"/>
+                <a:tab pos="5943600" algn="l"/>
+                <a:tab pos="6400800" algn="l"/>
+                <a:tab pos="6858000" algn="l"/>
+                <a:tab pos="7315200" algn="l"/>
+                <a:tab pos="7772400" algn="l"/>
+                <a:tab pos="8229600" algn="l"/>
+                <a:tab pos="8686800" algn="l"/>
+                <a:tab pos="9144000" algn="l"/>
+              </a:tabLst>
+            </a:pPr>
+            <a:r>
+              <a:rPr lang="en-US" sz="1700" dirty="0">
+                <a:solidFill>
+                  <a:srgbClr val="7F7F7F"/>
+                </a:solidFill>
+                <a:latin typeface="Courier New" charset="0"/>
+                <a:ea typeface="Courier New" charset="0"/>
+                <a:cs typeface="Courier New" charset="0"/>
+              </a:rPr>
+              <a:t># Load the data set</a:t>
+            </a:r>
+          </a:p>
+          <a:p>
+            <a:pPr>
+              <a:buClrTx/>
+              <a:buFontTx/>
+              <a:buNone/>
+              <a:tabLst>
+                <a:tab pos="0" algn="l"/>
+                <a:tab pos="457200" algn="l"/>
+                <a:tab pos="914400" algn="l"/>
+                <a:tab pos="1371600" algn="l"/>
+                <a:tab pos="1828800" algn="l"/>
+                <a:tab pos="2286000" algn="l"/>
+                <a:tab pos="2743200" algn="l"/>
+                <a:tab pos="3200400" algn="l"/>
+                <a:tab pos="3657600" algn="l"/>
+                <a:tab pos="4114800" algn="l"/>
+                <a:tab pos="4572000" algn="l"/>
+                <a:tab pos="5029200" algn="l"/>
+                <a:tab pos="5486400" algn="l"/>
+                <a:tab pos="5943600" algn="l"/>
+                <a:tab pos="6400800" algn="l"/>
+                <a:tab pos="6858000" algn="l"/>
+                <a:tab pos="7315200" algn="l"/>
+                <a:tab pos="7772400" algn="l"/>
+                <a:tab pos="8229600" algn="l"/>
+                <a:tab pos="8686800" algn="l"/>
+                <a:tab pos="9144000" algn="l"/>
+              </a:tabLst>
+            </a:pPr>
+            <a:r>
+              <a:rPr lang="en-US" sz="1700" dirty="0">
+                <a:solidFill>
+                  <a:srgbClr val="000000"/>
+                </a:solidFill>
+                <a:latin typeface="Courier New" charset="0"/>
+                <a:ea typeface="Courier New" charset="0"/>
+                <a:cs typeface="Courier New" charset="0"/>
+              </a:rPr>
+              <a:t>&gt; load("SimpleQuasipoisson.Rdata")</a:t>
+            </a:r>
+          </a:p>
+          <a:p>
+            <a:pPr>
+              <a:buClrTx/>
+              <a:buFontTx/>
+              <a:buNone/>
+              <a:tabLst>
+                <a:tab pos="0" algn="l"/>
+                <a:tab pos="457200" algn="l"/>
+                <a:tab pos="914400" algn="l"/>
+                <a:tab pos="1371600" algn="l"/>
+                <a:tab pos="1828800" algn="l"/>
+                <a:tab pos="2286000" algn="l"/>
+                <a:tab pos="2743200" algn="l"/>
+                <a:tab pos="3200400" algn="l"/>
+                <a:tab pos="3657600" algn="l"/>
+                <a:tab pos="4114800" algn="l"/>
+                <a:tab pos="4572000" algn="l"/>
+                <a:tab pos="5029200" algn="l"/>
+                <a:tab pos="5486400" algn="l"/>
+                <a:tab pos="5943600" algn="l"/>
+                <a:tab pos="6400800" algn="l"/>
+                <a:tab pos="6858000" algn="l"/>
+                <a:tab pos="7315200" algn="l"/>
+                <a:tab pos="7772400" algn="l"/>
+                <a:tab pos="8229600" algn="l"/>
+                <a:tab pos="8686800" algn="l"/>
+                <a:tab pos="9144000" algn="l"/>
+              </a:tabLst>
+            </a:pPr>
+            <a:r>
+              <a:rPr lang="en-US" sz="1700" dirty="0">
+                <a:solidFill>
+                  <a:srgbClr val="000000"/>
+                </a:solidFill>
+                <a:latin typeface="Courier New" charset="0"/>
+                <a:ea typeface="Courier New" charset="0"/>
+                <a:cs typeface="Courier New" charset="0"/>
+              </a:rPr>
+              <a:t>&gt; data(SimpleQuasipoisson)</a:t>
+            </a:r>
+          </a:p>
+        </p:txBody>
+      </p:sp>
+      <p:sp>
+        <p:nvSpPr>
+          <p:cNvPr id="6" name="Text Box 4"/>
+          <p:cNvSpPr txBox="1">
+            <a:spLocks noChangeArrowheads="1"/>
+          </p:cNvSpPr>
+          <p:nvPr/>
+        </p:nvSpPr>
+        <p:spPr bwMode="auto">
+          <a:xfrm>
+            <a:off x="457200" y="3079467"/>
+            <a:ext cx="8229600" cy="617734"/>
+          </a:xfrm>
+          <a:prstGeom prst="rect">
+            <a:avLst/>
+          </a:prstGeom>
+          <a:noFill/>
+          <a:ln w="9360">
+            <a:solidFill>
+              <a:srgbClr val="000000"/>
+            </a:solidFill>
+            <a:prstDash val="dashDot"/>
+            <a:miter lim="800000"/>
+            <a:headEnd/>
+            <a:tailEnd/>
+          </a:ln>
+        </p:spPr>
+        <p:txBody>
+          <a:bodyPr wrap="square" lIns="90000" tIns="46800" rIns="90000" bIns="46800">
+            <a:prstTxWarp prst="textNoShape">
+              <a:avLst/>
+            </a:prstTxWarp>
+            <a:spAutoFit/>
+          </a:bodyPr>
+          <a:lstStyle/>
+          <a:p>
+            <a:pPr>
+              <a:buClrTx/>
+              <a:buFontTx/>
+              <a:buNone/>
+              <a:tabLst>
+                <a:tab pos="0" algn="l"/>
+                <a:tab pos="457200" algn="l"/>
+                <a:tab pos="914400" algn="l"/>
+                <a:tab pos="1371600" algn="l"/>
+                <a:tab pos="1828800" algn="l"/>
+                <a:tab pos="2286000" algn="l"/>
+                <a:tab pos="2743200" algn="l"/>
+                <a:tab pos="3200400" algn="l"/>
+                <a:tab pos="3657600" algn="l"/>
+                <a:tab pos="4114800" algn="l"/>
+                <a:tab pos="4572000" algn="l"/>
+                <a:tab pos="5029200" algn="l"/>
+                <a:tab pos="5486400" algn="l"/>
+                <a:tab pos="5943600" algn="l"/>
+                <a:tab pos="6400800" algn="l"/>
+                <a:tab pos="6858000" algn="l"/>
+                <a:tab pos="7315200" algn="l"/>
+                <a:tab pos="7772400" algn="l"/>
+                <a:tab pos="8229600" algn="l"/>
+                <a:tab pos="8686800" algn="l"/>
+                <a:tab pos="9144000" algn="l"/>
+              </a:tabLst>
+            </a:pPr>
+            <a:r>
+              <a:rPr lang="en-US" sz="1700" dirty="0">
+                <a:solidFill>
+                  <a:srgbClr val="7F7F7F"/>
+                </a:solidFill>
+                <a:latin typeface="Courier New" charset="0"/>
+                <a:ea typeface="Courier New" charset="0"/>
+                <a:cs typeface="Courier New" charset="0"/>
+              </a:rPr>
+              <a:t># Fit the data using a quasi-poisson link function </a:t>
+            </a:r>
+          </a:p>
+          <a:p>
+            <a:pPr>
+              <a:buClrTx/>
+              <a:buFontTx/>
+              <a:buNone/>
+              <a:tabLst>
+                <a:tab pos="0" algn="l"/>
+                <a:tab pos="457200" algn="l"/>
+                <a:tab pos="914400" algn="l"/>
+                <a:tab pos="1371600" algn="l"/>
+                <a:tab pos="1828800" algn="l"/>
+                <a:tab pos="2286000" algn="l"/>
+                <a:tab pos="2743200" algn="l"/>
+                <a:tab pos="3200400" algn="l"/>
+                <a:tab pos="3657600" algn="l"/>
+                <a:tab pos="4114800" algn="l"/>
+                <a:tab pos="4572000" algn="l"/>
+                <a:tab pos="5029200" algn="l"/>
+                <a:tab pos="5486400" algn="l"/>
+                <a:tab pos="5943600" algn="l"/>
+                <a:tab pos="6400800" algn="l"/>
+                <a:tab pos="6858000" algn="l"/>
+                <a:tab pos="7315200" algn="l"/>
+                <a:tab pos="7772400" algn="l"/>
+                <a:tab pos="8229600" algn="l"/>
+                <a:tab pos="8686800" algn="l"/>
+                <a:tab pos="9144000" algn="l"/>
+              </a:tabLst>
+            </a:pPr>
+            <a:r>
+              <a:rPr lang="en-US" sz="1700" dirty="0">
+                <a:solidFill>
+                  <a:srgbClr val="000000"/>
+                </a:solidFill>
+                <a:latin typeface="Courier New" charset="0"/>
+                <a:ea typeface="Courier New" charset="0"/>
+                <a:cs typeface="Courier New" charset="0"/>
+              </a:rPr>
               <a:t>&gt; </a:t>
             </a:r>
             <a:r>
@@ -4229,6 +5838,11 @@
         </p:txBody>
       </p:sp>
     </p:spTree>
+    <p:extLst>
+      <p:ext uri="{BB962C8B-B14F-4D97-AF65-F5344CB8AC3E}">
+        <p14:creationId xmlns:p14="http://schemas.microsoft.com/office/powerpoint/2010/main" val="2328093608"/>
+      </p:ext>
+    </p:extLst>
   </p:cSld>
   <p:clrMapOvr>
     <a:masterClrMapping/>
@@ -4356,8 +5970,8 @@
 </p:sld>
 </file>
 
-<file path=ppt/slides/slide13.xml><?xml version="1.0" encoding="utf-8"?>
-<p:sld xmlns:a="http://schemas.openxmlformats.org/drawingml/2006/main" xmlns:r="http://schemas.openxmlformats.org/officeDocument/2006/relationships" xmlns:mc="http://schemas.openxmlformats.org/markup-compatibility/2006" xmlns:mv="urn:schemas-microsoft-com:mac:vml" xmlns:p="http://schemas.openxmlformats.org/presentationml/2006/main" mc:Ignorable="mv" mc:PreserveAttributes="mv:*">
+<file path=ppt/slides/slide21.xml><?xml version="1.0" encoding="utf-8"?>
+<p:sld xmlns:a="http://schemas.openxmlformats.org/drawingml/2006/main" xmlns:r="http://schemas.openxmlformats.org/officeDocument/2006/relationships" xmlns:p="http://schemas.openxmlformats.org/presentationml/2006/main">
   <p:cSld>
     <p:spTree>
       <p:nvGrpSpPr>
@@ -4375,12 +5989,12 @@
       </p:grpSpPr>
       <p:sp>
         <p:nvSpPr>
-          <p:cNvPr id="2" name="Title 1"/>
-          <p:cNvSpPr>
-            <a:spLocks noGrp="1"/>
-          </p:cNvSpPr>
-          <p:nvPr>
-            <p:ph type="title"/>
+          <p:cNvPr id="3" name="Title 2"/>
+          <p:cNvSpPr>
+            <a:spLocks noGrp="1"/>
+          </p:cNvSpPr>
+          <p:nvPr>
+            <p:ph type="ctrTitle"/>
           </p:nvPr>
         </p:nvSpPr>
         <p:spPr/>
@@ -4389,20 +6003,21 @@
           <a:lstStyle/>
           <a:p>
             <a:r>
-              <a:rPr lang="en-US"/>
-              <a:t>Overview</a:t>
-            </a:r>
-          </a:p>
-        </p:txBody>
-      </p:sp>
-      <p:sp>
-        <p:nvSpPr>
-          <p:cNvPr id="3" name="Content Placeholder 2"/>
-          <p:cNvSpPr>
-            <a:spLocks noGrp="1"/>
-          </p:cNvSpPr>
-          <p:nvPr>
-            <p:ph idx="1"/>
+              <a:rPr lang="en-US" dirty="0" smtClean="0"/>
+              <a:t>zelig2 Method</a:t>
+            </a:r>
+            <a:endParaRPr lang="en-US" dirty="0"/>
+          </a:p>
+        </p:txBody>
+      </p:sp>
+      <p:sp>
+        <p:nvSpPr>
+          <p:cNvPr id="4" name="Subtitle 3"/>
+          <p:cNvSpPr>
+            <a:spLocks noGrp="1"/>
+          </p:cNvSpPr>
+          <p:nvPr>
+            <p:ph type="subTitle" idx="1"/>
           </p:nvPr>
         </p:nvSpPr>
         <p:spPr/>
@@ -4410,71 +6025,32 @@
           <a:bodyPr/>
           <a:lstStyle/>
           <a:p>
-            <a:r>
-              <a:rPr lang="en-US"/>
-              <a:t>Writing a zelig model is a three-stage process:</a:t>
-            </a:r>
-          </a:p>
-          <a:p>
-            <a:pPr lvl="1"/>
-            <a:r>
-              <a:rPr lang="en-US"/>
-              <a:t>zelig2 method</a:t>
-            </a:r>
-          </a:p>
-          <a:p>
-            <a:pPr lvl="1"/>
-            <a:r>
-              <a:rPr lang="en-US"/>
-              <a:t>param method</a:t>
-            </a:r>
-          </a:p>
-          <a:p>
-            <a:pPr lvl="1"/>
-            <a:r>
-              <a:rPr lang="en-US"/>
-              <a:t>qi method</a:t>
-            </a:r>
-          </a:p>
-          <a:p>
-            <a:r>
-              <a:rPr lang="en-US"/>
-              <a:t>These correspond to</a:t>
-            </a:r>
-          </a:p>
-          <a:p>
-            <a:pPr lvl="1"/>
-            <a:r>
-              <a:rPr lang="en-US"/>
-              <a:t>Fitting the statistical model (zelig2)</a:t>
-            </a:r>
-          </a:p>
-          <a:p>
-            <a:pPr lvl="1"/>
-            <a:r>
-              <a:rPr lang="en-US"/>
-              <a:t>Parameter simulation (param)</a:t>
-            </a:r>
-          </a:p>
-          <a:p>
-            <a:pPr lvl="1"/>
-            <a:r>
-              <a:rPr lang="en-US"/>
-              <a:t>Quantity of interest simulation (qi)</a:t>
-            </a:r>
+            <a:endParaRPr lang="en-US"/>
           </a:p>
         </p:txBody>
       </p:sp>
     </p:spTree>
+    <p:extLst>
+      <p:ext uri="{BB962C8B-B14F-4D97-AF65-F5344CB8AC3E}">
+        <p14:creationId xmlns:p14="http://schemas.microsoft.com/office/powerpoint/2010/main" val="2601398369"/>
+      </p:ext>
+    </p:extLst>
   </p:cSld>
   <p:clrMapOvr>
     <a:masterClrMapping/>
   </p:clrMapOvr>
+  <p:timing>
+    <p:tnLst>
+      <p:par>
+        <p:cTn id="1" dur="indefinite" restart="never" nodeType="tmRoot"/>
+      </p:par>
+    </p:tnLst>
+  </p:timing>
 </p:sld>
 </file>
 
-<file path=ppt/slides/slide14.xml><?xml version="1.0" encoding="utf-8"?>
-<p:sld xmlns:a="http://schemas.openxmlformats.org/drawingml/2006/main" xmlns:r="http://schemas.openxmlformats.org/officeDocument/2006/relationships" xmlns:mc="http://schemas.openxmlformats.org/markup-compatibility/2006" xmlns:mv="urn:schemas-microsoft-com:mac:vml" xmlns:p="http://schemas.openxmlformats.org/presentationml/2006/main" mc:Ignorable="mv" mc:PreserveAttributes="mv:*">
+<file path=ppt/slides/slide22.xml><?xml version="1.0" encoding="utf-8"?>
+<p:sld xmlns:a="http://schemas.openxmlformats.org/drawingml/2006/main" xmlns:r="http://schemas.openxmlformats.org/officeDocument/2006/relationships" xmlns:p="http://schemas.openxmlformats.org/presentationml/2006/main">
   <p:cSld>
     <p:spTree>
       <p:nvGrpSpPr>
@@ -4506,9 +6082,10 @@
           <a:lstStyle/>
           <a:p>
             <a:r>
-              <a:rPr lang="en-US"/>
-              <a:t>Overview</a:t>
-            </a:r>
+              <a:rPr lang="en-US" dirty="0" smtClean="0"/>
+              <a:t>Outline</a:t>
+            </a:r>
+            <a:endParaRPr lang="en-US" dirty="0"/>
           </a:p>
         </p:txBody>
       </p:sp>
@@ -4528,34 +6105,71 @@
           <a:lstStyle/>
           <a:p>
             <a:r>
-              <a:rPr lang="en-US"/>
-              <a:t>Today we are focusing on fitting the statistical model</a:t>
-            </a:r>
-          </a:p>
-          <a:p>
-            <a:r>
-              <a:rPr lang="en-US"/>
-              <a:t>Zelig requires (typically) that the model is fitted externally</a:t>
-            </a:r>
-          </a:p>
-          <a:p>
-            <a:r>
-              <a:rPr lang="en-US"/>
-              <a:t>Most models are based on "lm" or "glm" because of their general nature</a:t>
-            </a:r>
+              <a:rPr lang="en-US" dirty="0" smtClean="0"/>
+              <a:t>Structure of a </a:t>
+            </a:r>
+            <a:r>
+              <a:rPr lang="en-US" dirty="0" err="1" smtClean="0"/>
+              <a:t>Zelig</a:t>
+            </a:r>
+            <a:r>
+              <a:rPr lang="en-US" dirty="0" smtClean="0"/>
+              <a:t> package</a:t>
+            </a:r>
+          </a:p>
+          <a:p>
+            <a:r>
+              <a:rPr lang="en-US" dirty="0" smtClean="0"/>
+              <a:t>Creating a </a:t>
+            </a:r>
+            <a:r>
+              <a:rPr lang="en-US" dirty="0" err="1" smtClean="0"/>
+              <a:t>Zelig</a:t>
+            </a:r>
+            <a:r>
+              <a:rPr lang="en-US" dirty="0" smtClean="0"/>
+              <a:t> package</a:t>
+            </a:r>
+          </a:p>
+          <a:p>
+            <a:r>
+              <a:rPr lang="en-US" dirty="0" smtClean="0"/>
+              <a:t>Format of a zelig2 method</a:t>
+            </a:r>
+          </a:p>
+          <a:p>
+            <a:r>
+              <a:rPr lang="en-US" dirty="0" smtClean="0"/>
+              <a:t>Writing the zelig2 method</a:t>
+            </a:r>
+          </a:p>
+          <a:p>
+            <a:endParaRPr lang="en-US" dirty="0"/>
           </a:p>
         </p:txBody>
       </p:sp>
     </p:spTree>
+    <p:extLst>
+      <p:ext uri="{BB962C8B-B14F-4D97-AF65-F5344CB8AC3E}">
+        <p14:creationId xmlns:p14="http://schemas.microsoft.com/office/powerpoint/2010/main" val="520387571"/>
+      </p:ext>
+    </p:extLst>
   </p:cSld>
   <p:clrMapOvr>
     <a:masterClrMapping/>
   </p:clrMapOvr>
+  <p:timing>
+    <p:tnLst>
+      <p:par>
+        <p:cTn id="1" dur="indefinite" restart="never" nodeType="tmRoot"/>
+      </p:par>
+    </p:tnLst>
+  </p:timing>
 </p:sld>
 </file>
 
-<file path=ppt/slides/slide15.xml><?xml version="1.0" encoding="utf-8"?>
-<p:sld xmlns:a="http://schemas.openxmlformats.org/drawingml/2006/main" xmlns:r="http://schemas.openxmlformats.org/officeDocument/2006/relationships" xmlns:mc="http://schemas.openxmlformats.org/markup-compatibility/2006" xmlns:mv="urn:schemas-microsoft-com:mac:vml" xmlns:p="http://schemas.openxmlformats.org/presentationml/2006/main" mc:Ignorable="mv" mc:PreserveAttributes="mv:*">
+<file path=ppt/slides/slide23.xml><?xml version="1.0" encoding="utf-8"?>
+<p:sld xmlns:a="http://schemas.openxmlformats.org/drawingml/2006/main" xmlns:r="http://schemas.openxmlformats.org/officeDocument/2006/relationships" xmlns:p="http://schemas.openxmlformats.org/presentationml/2006/main">
   <p:cSld>
     <p:spTree>
       <p:nvGrpSpPr>
@@ -4587,22 +6201,110 @@
           <a:lstStyle/>
           <a:p>
             <a:r>
-              <a:rPr lang="en-US"/>
-              <a:t>zelig2</a:t>
+              <a:rPr lang="en-US" dirty="0" smtClean="0"/>
+              <a:t>Structure of a </a:t>
+            </a:r>
+            <a:r>
+              <a:rPr lang="en-US" dirty="0" err="1" smtClean="0"/>
+              <a:t>Zelig</a:t>
+            </a:r>
+            <a:r>
+              <a:rPr lang="en-US" dirty="0" smtClean="0"/>
+              <a:t> Package</a:t>
+            </a:r>
+            <a:endParaRPr lang="en-US" dirty="0"/>
+          </a:p>
+        </p:txBody>
+      </p:sp>
+      <p:sp>
+        <p:nvSpPr>
+          <p:cNvPr id="3" name="Content Placeholder 2"/>
+          <p:cNvSpPr>
+            <a:spLocks noGrp="1"/>
+          </p:cNvSpPr>
+          <p:nvPr>
+            <p:ph idx="1"/>
+          </p:nvPr>
+        </p:nvSpPr>
+        <p:spPr/>
+        <p:txBody>
+          <a:bodyPr/>
+          <a:lstStyle/>
+          <a:p>
+            <a:r>
+              <a:rPr lang="en-US" dirty="0" smtClean="0"/>
+              <a:t>A </a:t>
+            </a:r>
+            <a:r>
+              <a:rPr lang="en-US" dirty="0" err="1" smtClean="0"/>
+              <a:t>Zelig</a:t>
+            </a:r>
+            <a:r>
+              <a:rPr lang="en-US" dirty="0" smtClean="0"/>
+              <a:t> package is an R package</a:t>
+            </a:r>
+          </a:p>
+          <a:p>
+            <a:r>
+              <a:rPr lang="en-US" dirty="0" smtClean="0"/>
+              <a:t>Each package contains several models</a:t>
+            </a:r>
+          </a:p>
+          <a:p>
+            <a:r>
+              <a:rPr lang="en-US" dirty="0" smtClean="0"/>
+              <a:t>Each model comprises three methods:</a:t>
+            </a:r>
+          </a:p>
+          <a:p>
+            <a:pPr lvl="1"/>
+            <a:r>
+              <a:rPr lang="en-US" dirty="0" smtClean="0"/>
+              <a:t>zelig2&lt;model-name&gt;</a:t>
+            </a:r>
+          </a:p>
+          <a:p>
+            <a:pPr lvl="1"/>
+            <a:r>
+              <a:rPr lang="en-US" dirty="0" err="1" smtClean="0"/>
+              <a:t>param</a:t>
+            </a:r>
+            <a:r>
+              <a:rPr lang="en-US" dirty="0" smtClean="0"/>
+              <a:t>.&lt;model-name&gt;</a:t>
+            </a:r>
+          </a:p>
+          <a:p>
+            <a:pPr lvl="1"/>
+            <a:r>
+              <a:rPr lang="en-US" dirty="0" smtClean="0"/>
+              <a:t>qi.&lt;model-name&gt;</a:t>
             </a:r>
           </a:p>
         </p:txBody>
       </p:sp>
     </p:spTree>
+    <p:extLst>
+      <p:ext uri="{BB962C8B-B14F-4D97-AF65-F5344CB8AC3E}">
+        <p14:creationId xmlns:p14="http://schemas.microsoft.com/office/powerpoint/2010/main" val="2482753411"/>
+      </p:ext>
+    </p:extLst>
   </p:cSld>
   <p:clrMapOvr>
     <a:masterClrMapping/>
   </p:clrMapOvr>
+  <p:timing>
+    <p:tnLst>
+      <p:par>
+        <p:cTn id="1" dur="indefinite" restart="never" nodeType="tmRoot"/>
+      </p:par>
+    </p:tnLst>
+  </p:timing>
 </p:sld>
 </file>
 
-<file path=ppt/slides/slide16.xml><?xml version="1.0" encoding="utf-8"?>
-<p:sld xmlns:a="http://schemas.openxmlformats.org/drawingml/2006/main" xmlns:r="http://schemas.openxmlformats.org/officeDocument/2006/relationships" xmlns:mc="http://schemas.openxmlformats.org/markup-compatibility/2006" xmlns:mv="urn:schemas-microsoft-com:mac:vml" xmlns:p="http://schemas.openxmlformats.org/presentationml/2006/main" mc:Ignorable="mv" mc:PreserveAttributes="mv:*">
+<file path=ppt/slides/slide24.xml><?xml version="1.0" encoding="utf-8"?>
+<p:sld xmlns:a="http://schemas.openxmlformats.org/drawingml/2006/main" xmlns:r="http://schemas.openxmlformats.org/officeDocument/2006/relationships" xmlns:p="http://schemas.openxmlformats.org/presentationml/2006/main">
   <p:cSld>
     <p:spTree>
       <p:nvGrpSpPr>
@@ -4634,9 +6336,10 @@
           <a:lstStyle/>
           <a:p>
             <a:r>
-              <a:rPr lang="en-US"/>
-              <a:t>zelig2</a:t>
-            </a:r>
+              <a:rPr lang="en-US" dirty="0" smtClean="0"/>
+              <a:t>Goals</a:t>
+            </a:r>
+            <a:endParaRPr lang="en-US" dirty="0"/>
           </a:p>
         </p:txBody>
       </p:sp>
@@ -4652,56 +6355,192 @@
         </p:nvSpPr>
         <p:spPr/>
         <p:txBody>
+          <a:bodyPr>
+            <a:normAutofit lnSpcReduction="10000"/>
+          </a:bodyPr>
+          <a:lstStyle/>
+          <a:p>
+            <a:r>
+              <a:rPr lang="en-US" dirty="0" smtClean="0"/>
+              <a:t>We are going to focus on simulating individual statistical models</a:t>
+            </a:r>
+          </a:p>
+          <a:p>
+            <a:r>
+              <a:rPr lang="en-US" dirty="0" smtClean="0"/>
+              <a:t>Each student will create an R package</a:t>
+            </a:r>
+          </a:p>
+          <a:p>
+            <a:r>
+              <a:rPr lang="en-US" dirty="0" smtClean="0"/>
+              <a:t>Each student will implement a single statistical model</a:t>
+            </a:r>
+          </a:p>
+          <a:p>
+            <a:r>
+              <a:rPr lang="en-US" dirty="0" smtClean="0"/>
+              <a:t>This model will be made up of 3 methods:</a:t>
+            </a:r>
+          </a:p>
+          <a:p>
+            <a:pPr lvl="1"/>
+            <a:r>
+              <a:rPr lang="en-US" dirty="0" smtClean="0"/>
+              <a:t>Zelig2&lt;model-name&gt;</a:t>
+            </a:r>
+          </a:p>
+          <a:p>
+            <a:pPr lvl="1"/>
+            <a:r>
+              <a:rPr lang="en-US" dirty="0" err="1" smtClean="0"/>
+              <a:t>param</a:t>
+            </a:r>
+            <a:r>
+              <a:rPr lang="en-US" dirty="0" smtClean="0"/>
+              <a:t>.&lt;model-name&gt;</a:t>
+            </a:r>
+          </a:p>
+          <a:p>
+            <a:pPr lvl="1"/>
+            <a:r>
+              <a:rPr lang="en-US" dirty="0" smtClean="0"/>
+              <a:t>Qi.&lt;model-name&gt;</a:t>
+            </a:r>
+          </a:p>
+          <a:p>
+            <a:endParaRPr lang="en-US" dirty="0" smtClean="0"/>
+          </a:p>
+          <a:p>
+            <a:endParaRPr lang="en-US" dirty="0"/>
+          </a:p>
+        </p:txBody>
+      </p:sp>
+    </p:spTree>
+    <p:extLst>
+      <p:ext uri="{BB962C8B-B14F-4D97-AF65-F5344CB8AC3E}">
+        <p14:creationId xmlns:p14="http://schemas.microsoft.com/office/powerpoint/2010/main" val="1712515247"/>
+      </p:ext>
+    </p:extLst>
+  </p:cSld>
+  <p:clrMapOvr>
+    <a:masterClrMapping/>
+  </p:clrMapOvr>
+  <p:timing>
+    <p:tnLst>
+      <p:par>
+        <p:cTn id="1" dur="indefinite" restart="never" nodeType="tmRoot"/>
+      </p:par>
+    </p:tnLst>
+  </p:timing>
+</p:sld>
+</file>
+
+<file path=ppt/slides/slide25.xml><?xml version="1.0" encoding="utf-8"?>
+<p:sld xmlns:a="http://schemas.openxmlformats.org/drawingml/2006/main" xmlns:r="http://schemas.openxmlformats.org/officeDocument/2006/relationships" xmlns:p="http://schemas.openxmlformats.org/presentationml/2006/main">
+  <p:cSld>
+    <p:spTree>
+      <p:nvGrpSpPr>
+        <p:cNvPr id="1" name=""/>
+        <p:cNvGrpSpPr/>
+        <p:nvPr/>
+      </p:nvGrpSpPr>
+      <p:grpSpPr>
+        <a:xfrm>
+          <a:off x="0" y="0"/>
+          <a:ext cx="0" cy="0"/>
+          <a:chOff x="0" y="0"/>
+          <a:chExt cx="0" cy="0"/>
+        </a:xfrm>
+      </p:grpSpPr>
+      <p:sp>
+        <p:nvSpPr>
+          <p:cNvPr id="2" name="Title 1"/>
+          <p:cNvSpPr>
+            <a:spLocks noGrp="1"/>
+          </p:cNvSpPr>
+          <p:nvPr>
+            <p:ph type="title"/>
+          </p:nvPr>
+        </p:nvSpPr>
+        <p:spPr/>
+        <p:txBody>
           <a:bodyPr/>
           <a:lstStyle/>
           <a:p>
             <a:r>
-              <a:rPr lang="en-US" b="1"/>
-              <a:t>Does not</a:t>
-            </a:r>
-            <a:r>
-              <a:rPr lang="en-US"/>
-              <a:t> fit models itself</a:t>
-            </a:r>
-          </a:p>
-          <a:p>
-            <a:r>
-              <a:rPr lang="en-US"/>
-              <a:t>Uses outside models to fit data</a:t>
+              <a:rPr lang="en-US"/>
+              <a:t>Overview</a:t>
+            </a:r>
+          </a:p>
+        </p:txBody>
+      </p:sp>
+      <p:sp>
+        <p:nvSpPr>
+          <p:cNvPr id="3" name="Content Placeholder 2"/>
+          <p:cNvSpPr>
+            <a:spLocks noGrp="1"/>
+          </p:cNvSpPr>
+          <p:nvPr>
+            <p:ph idx="1"/>
+          </p:nvPr>
+        </p:nvSpPr>
+        <p:spPr/>
+        <p:txBody>
+          <a:bodyPr/>
+          <a:lstStyle/>
+          <a:p>
+            <a:r>
+              <a:rPr lang="en-US"/>
+              <a:t>Writing a zelig model is a three-stage process:</a:t>
             </a:r>
           </a:p>
           <a:p>
             <a:pPr lvl="1"/>
             <a:r>
               <a:rPr lang="en-US"/>
-              <a:t>"lm", "glm", "nlme", etc.</a:t>
-            </a:r>
-          </a:p>
-          <a:p>
-            <a:r>
-              <a:rPr lang="en-US"/>
-              <a:t>Manages how zelig interacts with these models:</a:t>
+              <a:t>zelig2 method</a:t>
             </a:r>
           </a:p>
           <a:p>
             <a:pPr lvl="1"/>
             <a:r>
               <a:rPr lang="en-US"/>
-              <a:t>Specifies what function will fit the model</a:t>
+              <a:t>param method</a:t>
             </a:r>
           </a:p>
           <a:p>
             <a:pPr lvl="1"/>
             <a:r>
               <a:rPr lang="en-US"/>
-              <a:t>Specifies parameters</a:t>
+              <a:t>qi method</a:t>
+            </a:r>
+          </a:p>
+          <a:p>
+            <a:r>
+              <a:rPr lang="en-US"/>
+              <a:t>These correspond to</a:t>
             </a:r>
           </a:p>
           <a:p>
             <a:pPr lvl="1"/>
             <a:r>
               <a:rPr lang="en-US"/>
-              <a:t>Manipulates objects</a:t>
+              <a:t>Fitting the statistical model (zelig2)</a:t>
+            </a:r>
+          </a:p>
+          <a:p>
+            <a:pPr lvl="1"/>
+            <a:r>
+              <a:rPr lang="en-US"/>
+              <a:t>Parameter simulation (param)</a:t>
+            </a:r>
+          </a:p>
+          <a:p>
+            <a:pPr lvl="1"/>
+            <a:r>
+              <a:rPr lang="en-US"/>
+              <a:t>Quantity of interest simulation (qi)</a:t>
             </a:r>
           </a:p>
         </p:txBody>
@@ -4721,8 +6560,8 @@
 </p:sld>
 </file>
 
-<file path=ppt/slides/slide17.xml><?xml version="1.0" encoding="utf-8"?>
-<p:sld xmlns:a="http://schemas.openxmlformats.org/drawingml/2006/main" xmlns:r="http://schemas.openxmlformats.org/officeDocument/2006/relationships" xmlns:mc="http://schemas.openxmlformats.org/markup-compatibility/2006" xmlns:mv="urn:schemas-microsoft-com:mac:vml" xmlns:p="http://schemas.openxmlformats.org/presentationml/2006/main" mc:Ignorable="mv" mc:PreserveAttributes="mv:*">
+<file path=ppt/slides/slide26.xml><?xml version="1.0" encoding="utf-8"?>
+<p:sld xmlns:a="http://schemas.openxmlformats.org/drawingml/2006/main" xmlns:r="http://schemas.openxmlformats.org/officeDocument/2006/relationships" xmlns:p="http://schemas.openxmlformats.org/presentationml/2006/main">
   <p:cSld>
     <p:spTree>
       <p:nvGrpSpPr>
@@ -4754,9 +6593,18 @@
           <a:lstStyle/>
           <a:p>
             <a:r>
-              <a:rPr lang="en-US"/>
-              <a:t>Why Zelig2</a:t>
-            </a:r>
+              <a:rPr lang="en-US" dirty="0" smtClean="0"/>
+              <a:t>Creating a </a:t>
+            </a:r>
+            <a:r>
+              <a:rPr lang="en-US" dirty="0" err="1" smtClean="0"/>
+              <a:t>Zelig</a:t>
+            </a:r>
+            <a:r>
+              <a:rPr lang="en-US" dirty="0" smtClean="0"/>
+              <a:t> Package</a:t>
+            </a:r>
+            <a:endParaRPr lang="en-US" dirty="0"/>
           </a:p>
         </p:txBody>
       </p:sp>
@@ -4775,7 +6623,827 @@
           <a:bodyPr/>
           <a:lstStyle/>
           <a:p>
+            <a:pPr marL="0" indent="0">
+              <a:buNone/>
+            </a:pPr>
+            <a:r>
+              <a:rPr lang="en-US" sz="5400" b="1" dirty="0" smtClean="0"/>
+              <a:t>Five things are needed</a:t>
+            </a:r>
+            <a:r>
+              <a:rPr lang="en-US" b="1" dirty="0" smtClean="0"/>
+              <a:t>:</a:t>
+            </a:r>
+          </a:p>
+          <a:p>
+            <a:pPr marL="514350" indent="-514350">
+              <a:buFont typeface="+mj-lt"/>
+              <a:buAutoNum type="arabicPeriod"/>
+            </a:pPr>
+            <a:r>
+              <a:rPr lang="en-US" b="1" dirty="0" smtClean="0"/>
+              <a:t>Package </a:t>
+            </a:r>
+            <a:r>
+              <a:rPr lang="en-US" b="1" dirty="0"/>
+              <a:t>Name</a:t>
+            </a:r>
+            <a:r>
+              <a:rPr lang="en-US" dirty="0"/>
+              <a:t>, e.g. "</a:t>
+            </a:r>
+            <a:r>
+              <a:rPr lang="en-US" dirty="0" err="1"/>
+              <a:t>ZeligLeastSquares</a:t>
+            </a:r>
+            <a:r>
+              <a:rPr lang="en-US" dirty="0"/>
+              <a:t>"</a:t>
+            </a:r>
+          </a:p>
+          <a:p>
+            <a:pPr marL="514350" indent="-514350">
+              <a:buFont typeface="+mj-lt"/>
+              <a:buAutoNum type="arabicPeriod"/>
+            </a:pPr>
+            <a:r>
+              <a:rPr lang="en-US" b="1" dirty="0"/>
+              <a:t>Model Names</a:t>
+            </a:r>
+            <a:r>
+              <a:rPr lang="en-US" dirty="0"/>
+              <a:t>, e.g. "</a:t>
+            </a:r>
+            <a:r>
+              <a:rPr lang="en-US" dirty="0" err="1"/>
+              <a:t>logit</a:t>
+            </a:r>
+            <a:r>
+              <a:rPr lang="en-US" dirty="0"/>
+              <a:t>" or "gamma"</a:t>
+            </a:r>
+          </a:p>
+          <a:p>
+            <a:pPr marL="514350" indent="-514350">
+              <a:buFont typeface="+mj-lt"/>
+              <a:buAutoNum type="arabicPeriod"/>
+            </a:pPr>
+            <a:r>
+              <a:rPr lang="en-US" b="1" dirty="0"/>
+              <a:t>R-package dependencies</a:t>
+            </a:r>
+            <a:r>
+              <a:rPr lang="en-US" dirty="0"/>
+              <a:t>, e.g. "lme4"</a:t>
+            </a:r>
+          </a:p>
+          <a:p>
+            <a:pPr marL="514350" indent="-514350">
+              <a:buFont typeface="+mj-lt"/>
+              <a:buAutoNum type="arabicPeriod"/>
+            </a:pPr>
+            <a:r>
+              <a:rPr lang="en-US" b="1" dirty="0"/>
+              <a:t>Author Name</a:t>
+            </a:r>
+          </a:p>
+          <a:p>
+            <a:pPr marL="514350" indent="-514350">
+              <a:buFont typeface="+mj-lt"/>
+              <a:buAutoNum type="arabicPeriod"/>
+            </a:pPr>
+            <a:r>
+              <a:rPr lang="en-US" b="1" dirty="0"/>
+              <a:t>Author Email </a:t>
+            </a:r>
+            <a:r>
+              <a:rPr lang="en-US" dirty="0"/>
+              <a:t>(for use with CRAN)</a:t>
+            </a:r>
+          </a:p>
+        </p:txBody>
+      </p:sp>
+    </p:spTree>
+    <p:extLst>
+      <p:ext uri="{BB962C8B-B14F-4D97-AF65-F5344CB8AC3E}">
+        <p14:creationId xmlns:p14="http://schemas.microsoft.com/office/powerpoint/2010/main" val="973143670"/>
+      </p:ext>
+    </p:extLst>
+  </p:cSld>
+  <p:clrMapOvr>
+    <a:masterClrMapping/>
+  </p:clrMapOvr>
+  <p:timing>
+    <p:tnLst>
+      <p:par>
+        <p:cTn id="1" dur="indefinite" restart="never" nodeType="tmRoot"/>
+      </p:par>
+    </p:tnLst>
+  </p:timing>
+</p:sld>
+</file>
+
+<file path=ppt/slides/slide27.xml><?xml version="1.0" encoding="utf-8"?>
+<p:sld xmlns:a="http://schemas.openxmlformats.org/drawingml/2006/main" xmlns:r="http://schemas.openxmlformats.org/officeDocument/2006/relationships" xmlns:p="http://schemas.openxmlformats.org/presentationml/2006/main">
+  <p:cSld>
+    <p:spTree>
+      <p:nvGrpSpPr>
+        <p:cNvPr id="1" name=""/>
+        <p:cNvGrpSpPr/>
+        <p:nvPr/>
+      </p:nvGrpSpPr>
+      <p:grpSpPr>
+        <a:xfrm>
+          <a:off x="0" y="0"/>
+          <a:ext cx="0" cy="0"/>
+          <a:chOff x="0" y="0"/>
+          <a:chExt cx="0" cy="0"/>
+        </a:xfrm>
+      </p:grpSpPr>
+      <p:sp>
+        <p:nvSpPr>
+          <p:cNvPr id="9" name="Title 8"/>
+          <p:cNvSpPr>
+            <a:spLocks noGrp="1"/>
+          </p:cNvSpPr>
+          <p:nvPr>
+            <p:ph type="title"/>
+          </p:nvPr>
+        </p:nvSpPr>
+        <p:spPr/>
+        <p:txBody>
+          <a:bodyPr/>
+          <a:lstStyle/>
+          <a:p>
+            <a:r>
+              <a:rPr lang="en-US"/>
+              <a:t>Using zelig.skeleton</a:t>
+            </a:r>
+          </a:p>
+        </p:txBody>
+      </p:sp>
+      <p:sp>
+        <p:nvSpPr>
+          <p:cNvPr id="10" name="Content Placeholder 9"/>
+          <p:cNvSpPr>
+            <a:spLocks noGrp="1"/>
+          </p:cNvSpPr>
+          <p:nvPr>
+            <p:ph idx="1"/>
+          </p:nvPr>
+        </p:nvSpPr>
+        <p:spPr/>
+        <p:txBody>
+          <a:bodyPr/>
+          <a:lstStyle/>
+          <a:p>
+            <a:pPr>
+              <a:buNone/>
+            </a:pPr>
+            <a:r>
+              <a:rPr lang="en-US"/>
+              <a:t>Getting started:</a:t>
+            </a:r>
+          </a:p>
+          <a:p>
+            <a:r>
+              <a:rPr lang="en-US"/>
+              <a:t>Pick a name for the Zelig package. For example:</a:t>
+            </a:r>
+          </a:p>
+          <a:p>
+            <a:pPr lvl="1"/>
+            <a:r>
+              <a:rPr lang="en-US"/>
+              <a:t>"ZeligBayesian"</a:t>
+            </a:r>
+          </a:p>
+          <a:p>
+            <a:pPr lvl="1"/>
+            <a:r>
+              <a:rPr lang="en-US"/>
+              <a:t>"ZeligLeastSquares"</a:t>
+            </a:r>
+          </a:p>
+          <a:p>
+            <a:r>
+              <a:rPr lang="en-US"/>
+              <a:t>Pick a model name:</a:t>
+            </a:r>
+          </a:p>
+          <a:p>
+            <a:pPr lvl="1"/>
+            <a:r>
+              <a:rPr lang="en-US"/>
+              <a:t>"logit"</a:t>
+            </a:r>
+          </a:p>
+          <a:p>
+            <a:pPr lvl="1"/>
+            <a:r>
+              <a:rPr lang="en-US"/>
+              <a:t>"gamma"</a:t>
+            </a:r>
+          </a:p>
+          <a:p>
             <a:endParaRPr lang="en-US"/>
+          </a:p>
+        </p:txBody>
+      </p:sp>
+    </p:spTree>
+    <p:extLst>
+      <p:ext uri="{BB962C8B-B14F-4D97-AF65-F5344CB8AC3E}">
+        <p14:creationId xmlns:p14="http://schemas.microsoft.com/office/powerpoint/2010/main" val="2675064339"/>
+      </p:ext>
+    </p:extLst>
+  </p:cSld>
+  <p:clrMapOvr>
+    <a:masterClrMapping/>
+  </p:clrMapOvr>
+  <p:timing>
+    <p:tnLst>
+      <p:par>
+        <p:cTn id="1" dur="indefinite" restart="never" nodeType="tmRoot"/>
+      </p:par>
+    </p:tnLst>
+  </p:timing>
+</p:sld>
+</file>
+
+<file path=ppt/slides/slide28.xml><?xml version="1.0" encoding="utf-8"?>
+<p:sld xmlns:a="http://schemas.openxmlformats.org/drawingml/2006/main" xmlns:r="http://schemas.openxmlformats.org/officeDocument/2006/relationships" xmlns:p="http://schemas.openxmlformats.org/presentationml/2006/main">
+  <p:cSld>
+    <p:spTree>
+      <p:nvGrpSpPr>
+        <p:cNvPr id="1" name=""/>
+        <p:cNvGrpSpPr/>
+        <p:nvPr/>
+      </p:nvGrpSpPr>
+      <p:grpSpPr>
+        <a:xfrm>
+          <a:off x="0" y="0"/>
+          <a:ext cx="0" cy="0"/>
+          <a:chOff x="0" y="0"/>
+          <a:chExt cx="0" cy="0"/>
+        </a:xfrm>
+      </p:grpSpPr>
+      <p:sp>
+        <p:nvSpPr>
+          <p:cNvPr id="2" name="Title 1"/>
+          <p:cNvSpPr>
+            <a:spLocks noGrp="1"/>
+          </p:cNvSpPr>
+          <p:nvPr>
+            <p:ph type="title"/>
+          </p:nvPr>
+        </p:nvSpPr>
+        <p:spPr/>
+        <p:txBody>
+          <a:bodyPr/>
+          <a:lstStyle/>
+          <a:p>
+            <a:r>
+              <a:rPr lang="en-US"/>
+              <a:t>zelig.skeleton Example</a:t>
+            </a:r>
+          </a:p>
+        </p:txBody>
+      </p:sp>
+      <p:sp>
+        <p:nvSpPr>
+          <p:cNvPr id="4" name="Text Box 4"/>
+          <p:cNvSpPr txBox="1">
+            <a:spLocks noChangeArrowheads="1"/>
+          </p:cNvSpPr>
+          <p:nvPr/>
+        </p:nvSpPr>
+        <p:spPr bwMode="auto">
+          <a:xfrm>
+            <a:off x="457200" y="1949450"/>
+            <a:ext cx="8229600" cy="2187395"/>
+          </a:xfrm>
+          <a:prstGeom prst="rect">
+            <a:avLst/>
+          </a:prstGeom>
+          <a:noFill/>
+          <a:ln w="9360">
+            <a:solidFill>
+              <a:srgbClr val="000000"/>
+            </a:solidFill>
+            <a:prstDash val="dashDot"/>
+            <a:miter lim="800000"/>
+            <a:headEnd/>
+            <a:tailEnd/>
+          </a:ln>
+        </p:spPr>
+        <p:txBody>
+          <a:bodyPr wrap="square" lIns="90000" tIns="46800" rIns="90000" bIns="46800">
+            <a:prstTxWarp prst="textNoShape">
+              <a:avLst/>
+            </a:prstTxWarp>
+            <a:spAutoFit/>
+          </a:bodyPr>
+          <a:lstStyle/>
+          <a:p>
+            <a:pPr>
+              <a:buClrTx/>
+              <a:buFontTx/>
+              <a:buNone/>
+              <a:tabLst>
+                <a:tab pos="0" algn="l"/>
+                <a:tab pos="457200" algn="l"/>
+                <a:tab pos="914400" algn="l"/>
+                <a:tab pos="1371600" algn="l"/>
+                <a:tab pos="1828800" algn="l"/>
+                <a:tab pos="2286000" algn="l"/>
+                <a:tab pos="2743200" algn="l"/>
+                <a:tab pos="3200400" algn="l"/>
+                <a:tab pos="3657600" algn="l"/>
+                <a:tab pos="4114800" algn="l"/>
+                <a:tab pos="4572000" algn="l"/>
+                <a:tab pos="5029200" algn="l"/>
+                <a:tab pos="5486400" algn="l"/>
+                <a:tab pos="5943600" algn="l"/>
+                <a:tab pos="6400800" algn="l"/>
+                <a:tab pos="6858000" algn="l"/>
+                <a:tab pos="7315200" algn="l"/>
+                <a:tab pos="7772400" algn="l"/>
+                <a:tab pos="8229600" algn="l"/>
+                <a:tab pos="8686800" algn="l"/>
+                <a:tab pos="9144000" algn="l"/>
+              </a:tabLst>
+            </a:pPr>
+            <a:r>
+              <a:rPr lang="en-US" sz="1700" dirty="0">
+                <a:solidFill>
+                  <a:srgbClr val="7F7F7F"/>
+                </a:solidFill>
+                <a:latin typeface="Courier New" charset="0"/>
+                <a:ea typeface="Courier New" charset="0"/>
+                <a:cs typeface="Courier New" charset="0"/>
+              </a:rPr>
+              <a:t># The first parameter is the package name</a:t>
+            </a:r>
+          </a:p>
+          <a:p>
+            <a:pPr>
+              <a:buClrTx/>
+              <a:buFontTx/>
+              <a:buNone/>
+              <a:tabLst>
+                <a:tab pos="0" algn="l"/>
+                <a:tab pos="457200" algn="l"/>
+                <a:tab pos="914400" algn="l"/>
+                <a:tab pos="1371600" algn="l"/>
+                <a:tab pos="1828800" algn="l"/>
+                <a:tab pos="2286000" algn="l"/>
+                <a:tab pos="2743200" algn="l"/>
+                <a:tab pos="3200400" algn="l"/>
+                <a:tab pos="3657600" algn="l"/>
+                <a:tab pos="4114800" algn="l"/>
+                <a:tab pos="4572000" algn="l"/>
+                <a:tab pos="5029200" algn="l"/>
+                <a:tab pos="5486400" algn="l"/>
+                <a:tab pos="5943600" algn="l"/>
+                <a:tab pos="6400800" algn="l"/>
+                <a:tab pos="6858000" algn="l"/>
+                <a:tab pos="7315200" algn="l"/>
+                <a:tab pos="7772400" algn="l"/>
+                <a:tab pos="8229600" algn="l"/>
+                <a:tab pos="8686800" algn="l"/>
+                <a:tab pos="9144000" algn="l"/>
+              </a:tabLst>
+            </a:pPr>
+            <a:r>
+              <a:rPr lang="en-US" sz="1700" dirty="0">
+                <a:solidFill>
+                  <a:srgbClr val="000000"/>
+                </a:solidFill>
+                <a:latin typeface="Courier New" charset="0"/>
+                <a:ea typeface="Courier New" charset="0"/>
+                <a:cs typeface="Courier New" charset="0"/>
+              </a:rPr>
+              <a:t>&gt; pkgName &lt;- "ZeligLeastSquares"</a:t>
+            </a:r>
+          </a:p>
+          <a:p>
+            <a:pPr>
+              <a:tabLst>
+                <a:tab pos="0" algn="l"/>
+                <a:tab pos="457200" algn="l"/>
+                <a:tab pos="914400" algn="l"/>
+                <a:tab pos="1371600" algn="l"/>
+                <a:tab pos="1828800" algn="l"/>
+                <a:tab pos="2286000" algn="l"/>
+                <a:tab pos="2743200" algn="l"/>
+                <a:tab pos="3200400" algn="l"/>
+                <a:tab pos="3657600" algn="l"/>
+                <a:tab pos="4114800" algn="l"/>
+                <a:tab pos="4572000" algn="l"/>
+                <a:tab pos="5029200" algn="l"/>
+                <a:tab pos="5486400" algn="l"/>
+                <a:tab pos="5943600" algn="l"/>
+                <a:tab pos="6400800" algn="l"/>
+                <a:tab pos="6858000" algn="l"/>
+                <a:tab pos="7315200" algn="l"/>
+                <a:tab pos="7772400" algn="l"/>
+                <a:tab pos="8229600" algn="l"/>
+                <a:tab pos="8686800" algn="l"/>
+                <a:tab pos="9144000" algn="l"/>
+              </a:tabLst>
+            </a:pPr>
+            <a:r>
+              <a:rPr lang="en-US" sz="1700" dirty="0">
+                <a:solidFill>
+                  <a:srgbClr val="000000"/>
+                </a:solidFill>
+                <a:latin typeface="Courier New" charset="0"/>
+                <a:ea typeface="Courier New" charset="0"/>
+                <a:cs typeface="Courier New" charset="0"/>
+              </a:rPr>
+              <a:t>&gt; model &lt;- "twostage"</a:t>
+            </a:r>
+          </a:p>
+          <a:p>
+            <a:pPr>
+              <a:tabLst>
+                <a:tab pos="0" algn="l"/>
+                <a:tab pos="457200" algn="l"/>
+                <a:tab pos="914400" algn="l"/>
+                <a:tab pos="1371600" algn="l"/>
+                <a:tab pos="1828800" algn="l"/>
+                <a:tab pos="2286000" algn="l"/>
+                <a:tab pos="2743200" algn="l"/>
+                <a:tab pos="3200400" algn="l"/>
+                <a:tab pos="3657600" algn="l"/>
+                <a:tab pos="4114800" algn="l"/>
+                <a:tab pos="4572000" algn="l"/>
+                <a:tab pos="5029200" algn="l"/>
+                <a:tab pos="5486400" algn="l"/>
+                <a:tab pos="5943600" algn="l"/>
+                <a:tab pos="6400800" algn="l"/>
+                <a:tab pos="6858000" algn="l"/>
+                <a:tab pos="7315200" algn="l"/>
+                <a:tab pos="7772400" algn="l"/>
+                <a:tab pos="8229600" algn="l"/>
+                <a:tab pos="8686800" algn="l"/>
+                <a:tab pos="9144000" algn="l"/>
+              </a:tabLst>
+            </a:pPr>
+            <a:r>
+              <a:rPr lang="en-US" sz="1700" dirty="0">
+                <a:solidFill>
+                  <a:srgbClr val="000000"/>
+                </a:solidFill>
+                <a:latin typeface="Courier New" charset="0"/>
+                <a:ea typeface="Courier New" charset="0"/>
+                <a:cs typeface="Courier New" charset="0"/>
+              </a:rPr>
+              <a:t>&gt; author &lt;- "Matt Owen"</a:t>
+            </a:r>
+          </a:p>
+          <a:p>
+            <a:pPr>
+              <a:tabLst>
+                <a:tab pos="0" algn="l"/>
+                <a:tab pos="457200" algn="l"/>
+                <a:tab pos="914400" algn="l"/>
+                <a:tab pos="1371600" algn="l"/>
+                <a:tab pos="1828800" algn="l"/>
+                <a:tab pos="2286000" algn="l"/>
+                <a:tab pos="2743200" algn="l"/>
+                <a:tab pos="3200400" algn="l"/>
+                <a:tab pos="3657600" algn="l"/>
+                <a:tab pos="4114800" algn="l"/>
+                <a:tab pos="4572000" algn="l"/>
+                <a:tab pos="5029200" algn="l"/>
+                <a:tab pos="5486400" algn="l"/>
+                <a:tab pos="5943600" algn="l"/>
+                <a:tab pos="6400800" algn="l"/>
+                <a:tab pos="6858000" algn="l"/>
+                <a:tab pos="7315200" algn="l"/>
+                <a:tab pos="7772400" algn="l"/>
+                <a:tab pos="8229600" algn="l"/>
+                <a:tab pos="8686800" algn="l"/>
+                <a:tab pos="9144000" algn="l"/>
+              </a:tabLst>
+            </a:pPr>
+            <a:r>
+              <a:rPr lang="en-US" sz="1700" dirty="0">
+                <a:solidFill>
+                  <a:srgbClr val="000000"/>
+                </a:solidFill>
+                <a:latin typeface="Courier New" charset="0"/>
+                <a:ea typeface="Courier New" charset="0"/>
+                <a:cs typeface="Courier New" charset="0"/>
+              </a:rPr>
+              <a:t>&gt; email &lt;- "mowen@iq.harvard.edu"</a:t>
+            </a:r>
+          </a:p>
+          <a:p>
+            <a:pPr>
+              <a:tabLst>
+                <a:tab pos="0" algn="l"/>
+                <a:tab pos="457200" algn="l"/>
+                <a:tab pos="914400" algn="l"/>
+                <a:tab pos="1371600" algn="l"/>
+                <a:tab pos="1828800" algn="l"/>
+                <a:tab pos="2286000" algn="l"/>
+                <a:tab pos="2743200" algn="l"/>
+                <a:tab pos="3200400" algn="l"/>
+                <a:tab pos="3657600" algn="l"/>
+                <a:tab pos="4114800" algn="l"/>
+                <a:tab pos="4572000" algn="l"/>
+                <a:tab pos="5029200" algn="l"/>
+                <a:tab pos="5486400" algn="l"/>
+                <a:tab pos="5943600" algn="l"/>
+                <a:tab pos="6400800" algn="l"/>
+                <a:tab pos="6858000" algn="l"/>
+                <a:tab pos="7315200" algn="l"/>
+                <a:tab pos="7772400" algn="l"/>
+                <a:tab pos="8229600" algn="l"/>
+                <a:tab pos="8686800" algn="l"/>
+                <a:tab pos="9144000" algn="l"/>
+              </a:tabLst>
+            </a:pPr>
+            <a:r>
+              <a:rPr lang="en-US" sz="1700" dirty="0">
+                <a:solidFill>
+                  <a:srgbClr val="000000"/>
+                </a:solidFill>
+                <a:latin typeface="Courier New" charset="0"/>
+                <a:ea typeface="Courier New" charset="0"/>
+                <a:cs typeface="Courier New" charset="0"/>
+              </a:rPr>
+              <a:t>&gt; zelig.skeleton(pkgName, model, author = author, email = email)</a:t>
+            </a:r>
+          </a:p>
+          <a:p>
+            <a:pPr>
+              <a:buClrTx/>
+              <a:buFontTx/>
+              <a:buNone/>
+              <a:tabLst>
+                <a:tab pos="0" algn="l"/>
+                <a:tab pos="457200" algn="l"/>
+                <a:tab pos="914400" algn="l"/>
+                <a:tab pos="1371600" algn="l"/>
+                <a:tab pos="1828800" algn="l"/>
+                <a:tab pos="2286000" algn="l"/>
+                <a:tab pos="2743200" algn="l"/>
+                <a:tab pos="3200400" algn="l"/>
+                <a:tab pos="3657600" algn="l"/>
+                <a:tab pos="4114800" algn="l"/>
+                <a:tab pos="4572000" algn="l"/>
+                <a:tab pos="5029200" algn="l"/>
+                <a:tab pos="5486400" algn="l"/>
+                <a:tab pos="5943600" algn="l"/>
+                <a:tab pos="6400800" algn="l"/>
+                <a:tab pos="6858000" algn="l"/>
+                <a:tab pos="7315200" algn="l"/>
+                <a:tab pos="7772400" algn="l"/>
+                <a:tab pos="8229600" algn="l"/>
+                <a:tab pos="8686800" algn="l"/>
+                <a:tab pos="9144000" algn="l"/>
+              </a:tabLst>
+            </a:pPr>
+            <a:endParaRPr lang="en-US" sz="1700" dirty="0">
+              <a:solidFill>
+                <a:srgbClr val="000000"/>
+              </a:solidFill>
+              <a:latin typeface="Courier New" charset="0"/>
+              <a:ea typeface="Courier New" charset="0"/>
+              <a:cs typeface="Courier New" charset="0"/>
+            </a:endParaRPr>
+          </a:p>
+        </p:txBody>
+      </p:sp>
+      <p:sp>
+        <p:nvSpPr>
+          <p:cNvPr id="5" name="TextBox 4"/>
+          <p:cNvSpPr txBox="1"/>
+          <p:nvPr/>
+        </p:nvSpPr>
+        <p:spPr>
+          <a:xfrm>
+            <a:off x="457200" y="4403868"/>
+            <a:ext cx="8229600" cy="1754326"/>
+          </a:xfrm>
+          <a:prstGeom prst="rect">
+            <a:avLst/>
+          </a:prstGeom>
+          <a:noFill/>
+        </p:spPr>
+        <p:txBody>
+          <a:bodyPr wrap="square" rtlCol="0">
+            <a:spAutoFit/>
+          </a:bodyPr>
+          <a:lstStyle/>
+          <a:p>
+            <a:r>
+              <a:rPr lang="en-US" dirty="0"/>
+              <a:t>This example will create a folder named "</a:t>
+            </a:r>
+            <a:r>
+              <a:rPr lang="en-US" dirty="0" err="1"/>
+              <a:t>ZeligLeastSquares</a:t>
+            </a:r>
+            <a:r>
+              <a:rPr lang="en-US" dirty="0"/>
+              <a:t>" in your current working directory.</a:t>
+            </a:r>
+          </a:p>
+          <a:p>
+            <a:endParaRPr lang="en-US" dirty="0"/>
+          </a:p>
+          <a:p>
+            <a:r>
+              <a:rPr lang="en-US" dirty="0"/>
+              <a:t>If you need to go back later and change </a:t>
+            </a:r>
+            <a:r>
+              <a:rPr lang="en-US" dirty="0" smtClean="0"/>
+              <a:t>the package’s name, author’s name or the package’s dependencies, edit the file:</a:t>
+            </a:r>
+          </a:p>
+          <a:p>
+            <a:r>
+              <a:rPr lang="en-US" dirty="0"/>
+              <a:t>	</a:t>
+            </a:r>
+            <a:r>
+              <a:rPr lang="en-US" dirty="0" smtClean="0"/>
+              <a:t>"</a:t>
+            </a:r>
+            <a:r>
+              <a:rPr lang="en-US" dirty="0" err="1"/>
+              <a:t>ZeligLeastSquares</a:t>
+            </a:r>
+            <a:r>
+              <a:rPr lang="en-US" dirty="0"/>
+              <a:t>/DESCRIPTION"</a:t>
+            </a:r>
+          </a:p>
+        </p:txBody>
+      </p:sp>
+    </p:spTree>
+    <p:extLst>
+      <p:ext uri="{BB962C8B-B14F-4D97-AF65-F5344CB8AC3E}">
+        <p14:creationId xmlns:p14="http://schemas.microsoft.com/office/powerpoint/2010/main" val="869150859"/>
+      </p:ext>
+    </p:extLst>
+  </p:cSld>
+  <p:clrMapOvr>
+    <a:masterClrMapping/>
+  </p:clrMapOvr>
+  <p:timing>
+    <p:tnLst>
+      <p:par>
+        <p:cTn id="1" dur="indefinite" restart="never" nodeType="tmRoot">
+          <p:childTnLst>
+            <p:seq concurrent="1" nextAc="seek">
+              <p:cTn id="2" dur="indefinite" nodeType="mainSeq">
+                <p:childTnLst>
+                  <p:par>
+                    <p:cTn id="3" fill="hold">
+                      <p:stCondLst>
+                        <p:cond delay="indefinite"/>
+                      </p:stCondLst>
+                      <p:childTnLst>
+                        <p:par>
+                          <p:cTn id="4" fill="hold">
+                            <p:stCondLst>
+                              <p:cond delay="0"/>
+                            </p:stCondLst>
+                            <p:childTnLst>
+                              <p:par>
+                                <p:cTn id="5" presetID="1" presetClass="entr" fill="hold" nodeType="clickEffect">
+                                  <p:stCondLst>
+                                    <p:cond delay="0"/>
+                                  </p:stCondLst>
+                                  <p:childTnLst>
+                                    <p:set>
+                                      <p:cBhvr additive="repl">
+                                        <p:cTn id="6" dur="1" fill="hold">
+                                          <p:stCondLst>
+                                            <p:cond delay="0"/>
+                                          </p:stCondLst>
+                                        </p:cTn>
+                                        <p:tgtEl>
+                                          <p:spTgt spid="4"/>
+                                        </p:tgtEl>
+                                        <p:attrNameLst>
+                                          <p:attrName>style.visibility</p:attrName>
+                                        </p:attrNameLst>
+                                      </p:cBhvr>
+                                      <p:to>
+                                        <p:strVal val="visible"/>
+                                      </p:to>
+                                    </p:set>
+                                  </p:childTnLst>
+                                </p:cTn>
+                              </p:par>
+                            </p:childTnLst>
+                          </p:cTn>
+                        </p:par>
+                      </p:childTnLst>
+                    </p:cTn>
+                  </p:par>
+                </p:childTnLst>
+              </p:cTn>
+              <p:prevCondLst>
+                <p:cond evt="onPrev" delay="0">
+                  <p:tgtEl>
+                    <p:sldTgt/>
+                  </p:tgtEl>
+                </p:cond>
+              </p:prevCondLst>
+              <p:nextCondLst>
+                <p:cond evt="onNext" delay="0">
+                  <p:tgtEl>
+                    <p:sldTgt/>
+                  </p:tgtEl>
+                </p:cond>
+              </p:nextCondLst>
+            </p:seq>
+          </p:childTnLst>
+        </p:cTn>
+      </p:par>
+    </p:tnLst>
+  </p:timing>
+</p:sld>
+</file>
+
+<file path=ppt/slides/slide29.xml><?xml version="1.0" encoding="utf-8"?>
+<p:sld xmlns:a="http://schemas.openxmlformats.org/drawingml/2006/main" xmlns:r="http://schemas.openxmlformats.org/officeDocument/2006/relationships" xmlns:p="http://schemas.openxmlformats.org/presentationml/2006/main">
+  <p:cSld>
+    <p:spTree>
+      <p:nvGrpSpPr>
+        <p:cNvPr id="1" name=""/>
+        <p:cNvGrpSpPr/>
+        <p:nvPr/>
+      </p:nvGrpSpPr>
+      <p:grpSpPr>
+        <a:xfrm>
+          <a:off x="0" y="0"/>
+          <a:ext cx="0" cy="0"/>
+          <a:chOff x="0" y="0"/>
+          <a:chExt cx="0" cy="0"/>
+        </a:xfrm>
+      </p:grpSpPr>
+      <p:sp>
+        <p:nvSpPr>
+          <p:cNvPr id="2" name="Title 1"/>
+          <p:cNvSpPr>
+            <a:spLocks noGrp="1"/>
+          </p:cNvSpPr>
+          <p:nvPr>
+            <p:ph type="title"/>
+          </p:nvPr>
+        </p:nvSpPr>
+        <p:spPr/>
+        <p:txBody>
+          <a:bodyPr/>
+          <a:lstStyle/>
+          <a:p>
+            <a:r>
+              <a:rPr lang="en-US"/>
+              <a:t>Overview</a:t>
+            </a:r>
+          </a:p>
+        </p:txBody>
+      </p:sp>
+      <p:sp>
+        <p:nvSpPr>
+          <p:cNvPr id="3" name="Content Placeholder 2"/>
+          <p:cNvSpPr>
+            <a:spLocks noGrp="1"/>
+          </p:cNvSpPr>
+          <p:nvPr>
+            <p:ph idx="1"/>
+          </p:nvPr>
+        </p:nvSpPr>
+        <p:spPr/>
+        <p:txBody>
+          <a:bodyPr/>
+          <a:lstStyle/>
+          <a:p>
+            <a:r>
+              <a:rPr lang="en-US"/>
+              <a:t>Today we are focusing on fitting the statistical model</a:t>
+            </a:r>
+          </a:p>
+          <a:p>
+            <a:r>
+              <a:rPr lang="en-US"/>
+              <a:t>Zelig requires (typically) that the model is fitted externally</a:t>
+            </a:r>
+          </a:p>
+          <a:p>
+            <a:r>
+              <a:rPr lang="en-US"/>
+              <a:t>Most models are based on "lm" or "glm" because of their general nature</a:t>
+            </a:r>
           </a:p>
         </p:txBody>
       </p:sp>
@@ -4794,8 +7462,8 @@
 </p:sld>
 </file>
 
-<file path=ppt/slides/slide18.xml><?xml version="1.0" encoding="utf-8"?>
-<p:sld xmlns:a="http://schemas.openxmlformats.org/drawingml/2006/main" xmlns:r="http://schemas.openxmlformats.org/officeDocument/2006/relationships" xmlns:mc="http://schemas.openxmlformats.org/markup-compatibility/2006" xmlns:mv="urn:schemas-microsoft-com:mac:vml" xmlns:p="http://schemas.openxmlformats.org/presentationml/2006/main" mc:Ignorable="mv" mc:PreserveAttributes="mv:*">
+<file path=ppt/slides/slide3.xml><?xml version="1.0" encoding="utf-8"?>
+<p:sld xmlns:a="http://schemas.openxmlformats.org/drawingml/2006/main" xmlns:r="http://schemas.openxmlformats.org/officeDocument/2006/relationships" xmlns:p="http://schemas.openxmlformats.org/presentationml/2006/main">
   <p:cSld>
     <p:spTree>
       <p:nvGrpSpPr>
@@ -4828,7 +7496,7 @@
           <a:p>
             <a:r>
               <a:rPr lang="en-US"/>
-              <a:t>Workflow</a:t>
+              <a:t>Outline</a:t>
             </a:r>
           </a:p>
         </p:txBody>
@@ -4845,43 +7513,114 @@
         </p:nvSpPr>
         <p:spPr/>
         <p:txBody>
-          <a:bodyPr/>
-          <a:lstStyle/>
-          <a:p>
-            <a:r>
-              <a:rPr lang="en-US"/>
-              <a:t>Find existing model</a:t>
-            </a:r>
-          </a:p>
-          <a:p>
-            <a:r>
-              <a:rPr lang="en-US"/>
-              <a:t>Determine what the arguments are</a:t>
-            </a:r>
-          </a:p>
-          <a:p>
-            <a:r>
-              <a:rPr lang="en-US"/>
-              <a:t>Return a list at the bottom of the function</a:t>
-            </a:r>
-          </a:p>
-          <a:p>
-            <a:r>
-              <a:rPr lang="en-US"/>
-              <a:t>Manipulate objects</a:t>
-            </a:r>
-          </a:p>
-          <a:p>
-            <a:r>
-              <a:rPr lang="en-US"/>
-              <a:t>Write warnigns</a:t>
-            </a:r>
-          </a:p>
-          <a:p>
-            <a:r>
-              <a:rPr lang="en-US"/>
-              <a:t>Document</a:t>
-            </a:r>
+          <a:bodyPr>
+            <a:normAutofit lnSpcReduction="10000"/>
+          </a:bodyPr>
+          <a:lstStyle/>
+          <a:p>
+            <a:pPr marL="514350" indent="-514350">
+              <a:buFont typeface="+mj-lt"/>
+              <a:buAutoNum type="arabicPeriod"/>
+            </a:pPr>
+            <a:r>
+              <a:rPr lang="en-US" dirty="0"/>
+              <a:t>What is a statistical </a:t>
+            </a:r>
+            <a:r>
+              <a:rPr lang="en-US" dirty="0" smtClean="0"/>
+              <a:t>package</a:t>
+            </a:r>
+          </a:p>
+          <a:p>
+            <a:pPr marL="514350" indent="-514350">
+              <a:buFont typeface="+mj-lt"/>
+              <a:buAutoNum type="arabicPeriod"/>
+            </a:pPr>
+            <a:r>
+              <a:rPr lang="en-US" dirty="0" smtClean="0"/>
+              <a:t>Creating a statistical package</a:t>
+            </a:r>
+            <a:endParaRPr lang="en-US" dirty="0"/>
+          </a:p>
+          <a:p>
+            <a:pPr marL="514350" indent="-514350">
+              <a:buFont typeface="+mj-lt"/>
+              <a:buAutoNum type="arabicPeriod"/>
+            </a:pPr>
+            <a:r>
+              <a:rPr lang="en-US" dirty="0" smtClean="0"/>
+              <a:t>Model </a:t>
+            </a:r>
+            <a:r>
+              <a:rPr lang="en-US" dirty="0"/>
+              <a:t>fitting functions</a:t>
+            </a:r>
+          </a:p>
+          <a:p>
+            <a:pPr marL="514350" indent="-514350">
+              <a:buFont typeface="+mj-lt"/>
+              <a:buAutoNum type="arabicPeriod"/>
+            </a:pPr>
+            <a:r>
+              <a:rPr lang="en-US" dirty="0"/>
+              <a:t>Writing the zelig2 </a:t>
+            </a:r>
+            <a:r>
+              <a:rPr lang="en-US" dirty="0" smtClean="0"/>
+              <a:t>function</a:t>
+            </a:r>
+          </a:p>
+          <a:p>
+            <a:pPr marL="514350" indent="-514350">
+              <a:buFont typeface="+mj-lt"/>
+              <a:buAutoNum type="arabicPeriod"/>
+            </a:pPr>
+            <a:r>
+              <a:rPr lang="en-US" dirty="0"/>
+              <a:t>Workflow for creating a statistical </a:t>
+            </a:r>
+            <a:r>
+              <a:rPr lang="en-US" dirty="0" smtClean="0"/>
+              <a:t>package</a:t>
+            </a:r>
+            <a:endParaRPr lang="en-US" dirty="0"/>
+          </a:p>
+          <a:p>
+            <a:pPr marL="514350" indent="-514350">
+              <a:buFont typeface="+mj-lt"/>
+              <a:buAutoNum type="arabicPeriod"/>
+            </a:pPr>
+            <a:r>
+              <a:rPr lang="en-US" dirty="0"/>
+              <a:t>Looking </a:t>
+            </a:r>
+            <a:r>
+              <a:rPr lang="en-US" dirty="0" smtClean="0"/>
+              <a:t>ahead</a:t>
+            </a:r>
+            <a:endParaRPr lang="en-US" dirty="0"/>
+          </a:p>
+          <a:p>
+            <a:pPr lvl="1"/>
+            <a:r>
+              <a:rPr lang="en-US" dirty="0"/>
+              <a:t>Design (a.k.a. model) matrices</a:t>
+            </a:r>
+          </a:p>
+          <a:p>
+            <a:pPr lvl="1"/>
+            <a:r>
+              <a:rPr lang="en-US" dirty="0"/>
+              <a:t>Counterfactuals and interaction terms</a:t>
+            </a:r>
+          </a:p>
+          <a:p>
+            <a:pPr lvl="1"/>
+            <a:endParaRPr lang="en-US" dirty="0"/>
+          </a:p>
+          <a:p>
+            <a:pPr lvl="1"/>
+            <a:endParaRPr lang="en-US" dirty="0"/>
           </a:p>
         </p:txBody>
       </p:sp>
@@ -4900,8 +7639,8 @@
 </p:sld>
 </file>
 
-<file path=ppt/slides/slide19.xml><?xml version="1.0" encoding="utf-8"?>
-<p:sld xmlns:a="http://schemas.openxmlformats.org/drawingml/2006/main" xmlns:r="http://schemas.openxmlformats.org/officeDocument/2006/relationships" xmlns:mc="http://schemas.openxmlformats.org/markup-compatibility/2006" xmlns:mv="urn:schemas-microsoft-com:mac:vml" xmlns:p="http://schemas.openxmlformats.org/presentationml/2006/main" mc:Ignorable="mv" mc:PreserveAttributes="mv:*">
+<file path=ppt/slides/slide30.xml><?xml version="1.0" encoding="utf-8"?>
+<p:sld xmlns:a="http://schemas.openxmlformats.org/drawingml/2006/main" xmlns:r="http://schemas.openxmlformats.org/officeDocument/2006/relationships" xmlns:p="http://schemas.openxmlformats.org/presentationml/2006/main">
   <p:cSld>
     <p:spTree>
       <p:nvGrpSpPr>
@@ -4934,7 +7673,7 @@
           <a:p>
             <a:r>
               <a:rPr lang="en-US"/>
-              <a:t>Features of a zelig2 function</a:t>
+              <a:t>zelig2</a:t>
             </a:r>
           </a:p>
         </p:txBody>
@@ -4951,320 +7690,57 @@
         </p:nvSpPr>
         <p:spPr/>
         <p:txBody>
-          <a:bodyPr>
-            <a:normAutofit/>
-          </a:bodyPr>
-          <a:lstStyle/>
-          <a:p>
-            <a:pPr>
-              <a:buNone/>
-            </a:pPr>
-            <a:r>
-              <a:rPr lang="en-US" sz="1800">
-                <a:latin typeface="Courier New"/>
-                <a:cs typeface="Courier New"/>
-              </a:rPr>
-              <a:t>zelig2logit &lt;- </a:t>
-            </a:r>
-            <a:r>
-              <a:rPr lang="en-US" sz="1800">
-                <a:solidFill>
-                  <a:srgbClr val="0000FF"/>
-                </a:solidFill>
-                <a:latin typeface="Courier New"/>
-                <a:cs typeface="Courier New"/>
-              </a:rPr>
-              <a:t>function</a:t>
-            </a:r>
-            <a:r>
-              <a:rPr lang="en-US" sz="1800">
-                <a:latin typeface="Courier New"/>
-                <a:cs typeface="Courier New"/>
-              </a:rPr>
-              <a:t>(formula, weights=NULL, ..., data){</a:t>
-            </a:r>
-          </a:p>
-          <a:p>
-            <a:pPr>
-              <a:buNone/>
-            </a:pPr>
-            <a:r>
-              <a:rPr lang="en-US" sz="1800">
-                <a:latin typeface="Courier New"/>
-                <a:cs typeface="Courier New"/>
-              </a:rPr>
-              <a:t>  </a:t>
-            </a:r>
-            <a:r>
-              <a:rPr lang="en-US" sz="1800">
-                <a:solidFill>
-                  <a:srgbClr val="0000FF"/>
-                </a:solidFill>
-                <a:latin typeface="Courier New"/>
-                <a:cs typeface="Courier New"/>
-              </a:rPr>
-              <a:t>list</a:t>
-            </a:r>
-            <a:r>
-              <a:rPr lang="en-US" sz="1800">
-                <a:latin typeface="Courier New"/>
-                <a:cs typeface="Courier New"/>
-              </a:rPr>
-              <a:t>(</a:t>
-            </a:r>
-          </a:p>
-          <a:p>
-            <a:pPr>
-              <a:buNone/>
-            </a:pPr>
-            <a:r>
-              <a:rPr lang="en-US" sz="1800">
-                <a:latin typeface="Courier New"/>
-                <a:cs typeface="Courier New"/>
-              </a:rPr>
-              <a:t>       .function </a:t>
-            </a:r>
-            <a:r>
-              <a:rPr lang="en-US" sz="1800">
-                <a:solidFill>
-                  <a:schemeClr val="accent1"/>
-                </a:solidFill>
-                <a:latin typeface="Courier New"/>
-                <a:cs typeface="Courier New"/>
-              </a:rPr>
-              <a:t>=</a:t>
-            </a:r>
-            <a:r>
-              <a:rPr lang="en-US" sz="1800">
-                <a:latin typeface="Courier New"/>
-                <a:cs typeface="Courier New"/>
-              </a:rPr>
-              <a:t> </a:t>
-            </a:r>
-            <a:r>
-              <a:rPr lang="en-US" sz="1800">
-                <a:solidFill>
-                  <a:schemeClr val="accent2"/>
-                </a:solidFill>
-                <a:latin typeface="Courier New"/>
-                <a:cs typeface="Courier New"/>
-              </a:rPr>
-              <a:t>"glm"</a:t>
-            </a:r>
-            <a:r>
-              <a:rPr lang="en-US" sz="1800">
-                <a:latin typeface="Courier New"/>
-                <a:cs typeface="Courier New"/>
-              </a:rPr>
-              <a:t>,</a:t>
-            </a:r>
-          </a:p>
-          <a:p>
-            <a:pPr>
-              <a:buNone/>
-            </a:pPr>
-            <a:endParaRPr lang="en-US" sz="1800">
-              <a:latin typeface="Courier New"/>
-              <a:cs typeface="Courier New"/>
-            </a:endParaRPr>
-          </a:p>
-          <a:p>
-            <a:pPr>
-              <a:buNone/>
-            </a:pPr>
-            <a:r>
-              <a:rPr lang="en-US" sz="1800">
-                <a:latin typeface="Courier New"/>
-                <a:cs typeface="Courier New"/>
-              </a:rPr>
-              <a:t>       formula </a:t>
-            </a:r>
-            <a:r>
-              <a:rPr lang="en-US" sz="1800">
-                <a:solidFill>
-                  <a:schemeClr val="tx2">
-                    <a:lumMod val="40000"/>
-                    <a:lumOff val="60000"/>
-                  </a:schemeClr>
-                </a:solidFill>
-                <a:latin typeface="Courier New"/>
-                <a:cs typeface="Courier New"/>
-              </a:rPr>
-              <a:t>=</a:t>
-            </a:r>
-            <a:r>
-              <a:rPr lang="en-US" sz="1800">
-                <a:latin typeface="Courier New"/>
-                <a:cs typeface="Courier New"/>
-              </a:rPr>
-              <a:t> formula,</a:t>
-            </a:r>
-          </a:p>
-          <a:p>
-            <a:pPr>
-              <a:buNone/>
-            </a:pPr>
-            <a:r>
-              <a:rPr lang="en-US" sz="1800">
-                <a:latin typeface="Courier New"/>
-                <a:cs typeface="Courier New"/>
-              </a:rPr>
-              <a:t>       weights </a:t>
-            </a:r>
-            <a:r>
-              <a:rPr lang="en-US" sz="1800">
-                <a:solidFill>
-                  <a:srgbClr val="8EB4E3"/>
-                </a:solidFill>
-                <a:latin typeface="Courier New"/>
-                <a:cs typeface="Courier New"/>
-              </a:rPr>
-              <a:t>=</a:t>
-            </a:r>
-            <a:r>
-              <a:rPr lang="en-US" sz="1800">
-                <a:latin typeface="Courier New"/>
-                <a:cs typeface="Courier New"/>
-              </a:rPr>
-              <a:t> weights,</a:t>
-            </a:r>
-          </a:p>
-          <a:p>
-            <a:pPr>
-              <a:buNone/>
-            </a:pPr>
-            <a:r>
-              <a:rPr lang="en-US" sz="1800">
-                <a:latin typeface="Courier New"/>
-                <a:cs typeface="Courier New"/>
-              </a:rPr>
-              <a:t>       family  </a:t>
-            </a:r>
-            <a:r>
-              <a:rPr lang="en-US" sz="1800">
-                <a:solidFill>
-                  <a:srgbClr val="8EB4E3"/>
-                </a:solidFill>
-                <a:latin typeface="Courier New"/>
-                <a:cs typeface="Courier New"/>
-              </a:rPr>
-              <a:t>=</a:t>
-            </a:r>
-            <a:r>
-              <a:rPr lang="en-US" sz="1800">
-                <a:latin typeface="Courier New"/>
-                <a:cs typeface="Courier New"/>
-              </a:rPr>
-              <a:t> binomial(link=</a:t>
-            </a:r>
-            <a:r>
-              <a:rPr lang="en-US" sz="1800">
-                <a:solidFill>
-                  <a:srgbClr val="C0504D"/>
-                </a:solidFill>
-                <a:latin typeface="Courier New"/>
-                <a:cs typeface="Courier New"/>
-              </a:rPr>
-              <a:t>"logit"</a:t>
-            </a:r>
-            <a:r>
-              <a:rPr lang="en-US" sz="1800">
-                <a:latin typeface="Courier New"/>
-                <a:cs typeface="Courier New"/>
-              </a:rPr>
-              <a:t>),</a:t>
-            </a:r>
-          </a:p>
-          <a:p>
-            <a:pPr>
-              <a:buNone/>
-            </a:pPr>
-            <a:r>
-              <a:rPr lang="en-US" sz="1800">
-                <a:latin typeface="Courier New"/>
-                <a:cs typeface="Courier New"/>
-              </a:rPr>
-              <a:t>       model   </a:t>
-            </a:r>
-            <a:r>
-              <a:rPr lang="en-US" sz="1800">
-                <a:solidFill>
-                  <a:srgbClr val="8EB4E3"/>
-                </a:solidFill>
-                <a:latin typeface="Courier New"/>
-                <a:cs typeface="Courier New"/>
-              </a:rPr>
-              <a:t>=</a:t>
-            </a:r>
-            <a:r>
-              <a:rPr lang="en-US" sz="1800">
-                <a:latin typeface="Courier New"/>
-                <a:cs typeface="Courier New"/>
-              </a:rPr>
-              <a:t> F,</a:t>
-            </a:r>
-          </a:p>
-          <a:p>
-            <a:pPr>
-              <a:buNone/>
-            </a:pPr>
-            <a:r>
-              <a:rPr lang="en-US" sz="1800">
-                <a:latin typeface="Courier New"/>
-                <a:cs typeface="Courier New"/>
-              </a:rPr>
-              <a:t>       data    </a:t>
-            </a:r>
-            <a:r>
-              <a:rPr lang="en-US" sz="1800">
-                <a:solidFill>
-                  <a:srgbClr val="8EB4E3"/>
-                </a:solidFill>
-                <a:latin typeface="Courier New"/>
-                <a:cs typeface="Courier New"/>
-              </a:rPr>
-              <a:t>=</a:t>
-            </a:r>
-            <a:r>
-              <a:rPr lang="en-US" sz="1800">
-                <a:latin typeface="Courier New"/>
-                <a:cs typeface="Courier New"/>
-              </a:rPr>
-              <a:t> data</a:t>
-            </a:r>
-          </a:p>
-          <a:p>
-            <a:pPr>
-              <a:buNone/>
-            </a:pPr>
-            <a:r>
-              <a:rPr lang="en-US" sz="1800">
-                <a:latin typeface="Courier New"/>
-                <a:cs typeface="Courier New"/>
-              </a:rPr>
-              <a:t>       )</a:t>
-            </a:r>
-          </a:p>
-          <a:p>
-            <a:pPr>
-              <a:buNone/>
-            </a:pPr>
-            <a:r>
-              <a:rPr lang="en-US" sz="1800">
-                <a:latin typeface="Courier New"/>
-                <a:cs typeface="Courier New"/>
-              </a:rPr>
-              <a:t>}</a:t>
-            </a:r>
-          </a:p>
-          <a:p>
-            <a:pPr>
-              <a:buNone/>
-            </a:pPr>
-            <a:endParaRPr lang="en-US" sz="1800">
-              <a:latin typeface="Courier New"/>
-              <a:cs typeface="Courier New"/>
-            </a:endParaRPr>
+          <a:bodyPr/>
+          <a:lstStyle/>
+          <a:p>
+            <a:r>
+              <a:rPr lang="en-US" b="1"/>
+              <a:t>Does not</a:t>
+            </a:r>
+            <a:r>
+              <a:rPr lang="en-US"/>
+              <a:t> fit models itself</a:t>
+            </a:r>
+          </a:p>
+          <a:p>
+            <a:r>
+              <a:rPr lang="en-US"/>
+              <a:t>Uses outside models to fit data</a:t>
+            </a:r>
+          </a:p>
+          <a:p>
+            <a:pPr lvl="1"/>
+            <a:r>
+              <a:rPr lang="en-US"/>
+              <a:t>"lm", "glm", "nlme", etc.</a:t>
+            </a:r>
+          </a:p>
+          <a:p>
+            <a:r>
+              <a:rPr lang="en-US"/>
+              <a:t>Manages how zelig interacts with these models:</a:t>
+            </a:r>
+          </a:p>
+          <a:p>
+            <a:pPr lvl="1"/>
+            <a:r>
+              <a:rPr lang="en-US"/>
+              <a:t>Specifies what function will fit the model</a:t>
+            </a:r>
+          </a:p>
+          <a:p>
+            <a:pPr lvl="1"/>
+            <a:r>
+              <a:rPr lang="en-US"/>
+              <a:t>Specifies parameters</a:t>
+            </a:r>
+          </a:p>
+          <a:p>
+            <a:pPr lvl="1"/>
+            <a:r>
+              <a:rPr lang="en-US"/>
+              <a:t>Manipulates objects</a:t>
+            </a:r>
           </a:p>
         </p:txBody>
       </p:sp>
@@ -5283,132 +7759,8 @@
 </p:sld>
 </file>
 
-<file path=ppt/slides/slide2.xml><?xml version="1.0" encoding="utf-8"?>
-<p:sld xmlns:a="http://schemas.openxmlformats.org/drawingml/2006/main" xmlns:r="http://schemas.openxmlformats.org/officeDocument/2006/relationships" xmlns:mc="http://schemas.openxmlformats.org/markup-compatibility/2006" xmlns:mv="urn:schemas-microsoft-com:mac:vml" xmlns:p="http://schemas.openxmlformats.org/presentationml/2006/main" mc:Ignorable="mv" mc:PreserveAttributes="mv:*">
-  <p:cSld>
-    <p:spTree>
-      <p:nvGrpSpPr>
-        <p:cNvPr id="1" name=""/>
-        <p:cNvGrpSpPr/>
-        <p:nvPr/>
-      </p:nvGrpSpPr>
-      <p:grpSpPr>
-        <a:xfrm>
-          <a:off x="0" y="0"/>
-          <a:ext cx="0" cy="0"/>
-          <a:chOff x="0" y="0"/>
-          <a:chExt cx="0" cy="0"/>
-        </a:xfrm>
-      </p:grpSpPr>
-      <p:sp>
-        <p:nvSpPr>
-          <p:cNvPr id="2" name="Title 1"/>
-          <p:cNvSpPr>
-            <a:spLocks noGrp="1"/>
-          </p:cNvSpPr>
-          <p:nvPr>
-            <p:ph type="title"/>
-          </p:nvPr>
-        </p:nvSpPr>
-        <p:spPr/>
-        <p:txBody>
-          <a:bodyPr/>
-          <a:lstStyle/>
-          <a:p>
-            <a:r>
-              <a:rPr lang="en-US"/>
-              <a:t>Outline</a:t>
-            </a:r>
-          </a:p>
-        </p:txBody>
-      </p:sp>
-      <p:sp>
-        <p:nvSpPr>
-          <p:cNvPr id="3" name="Content Placeholder 2"/>
-          <p:cNvSpPr>
-            <a:spLocks noGrp="1"/>
-          </p:cNvSpPr>
-          <p:nvPr>
-            <p:ph idx="1"/>
-          </p:nvPr>
-        </p:nvSpPr>
-        <p:spPr/>
-        <p:txBody>
-          <a:bodyPr>
-            <a:normAutofit lnSpcReduction="10000"/>
-          </a:bodyPr>
-          <a:lstStyle/>
-          <a:p>
-            <a:r>
-              <a:rPr lang="en-US"/>
-              <a:t>Introduction</a:t>
-            </a:r>
-          </a:p>
-          <a:p>
-            <a:pPr lvl="1"/>
-            <a:r>
-              <a:rPr lang="en-US"/>
-              <a:t>What is a statistical model?</a:t>
-            </a:r>
-          </a:p>
-          <a:p>
-            <a:pPr lvl="1"/>
-            <a:r>
-              <a:rPr lang="en-US"/>
-              <a:t>Overview of R packages</a:t>
-            </a:r>
-          </a:p>
-          <a:p>
-            <a:r>
-              <a:rPr lang="en-US"/>
-              <a:t>Model Fitting Functions</a:t>
-            </a:r>
-          </a:p>
-          <a:p>
-            <a:pPr lvl="1"/>
-            <a:r>
-              <a:rPr lang="en-US"/>
-              <a:t>Fitting data</a:t>
-            </a:r>
-          </a:p>
-          <a:p>
-            <a:pPr lvl="1"/>
-            <a:r>
-              <a:rPr lang="en-US"/>
-              <a:t>Examples</a:t>
-            </a:r>
-          </a:p>
-          <a:p>
-            <a:r>
-              <a:rPr lang="en-US"/>
-              <a:t>The zelig2 method</a:t>
-            </a:r>
-          </a:p>
-          <a:p>
-            <a:r>
-              <a:rPr lang="en-US"/>
-              <a:t>Looking ahead: Design matrices and predictor variables</a:t>
-            </a:r>
-          </a:p>
-        </p:txBody>
-      </p:sp>
-    </p:spTree>
-  </p:cSld>
-  <p:clrMapOvr>
-    <a:masterClrMapping/>
-  </p:clrMapOvr>
-  <p:timing>
-    <p:tnLst>
-      <p:par>
-        <p:cTn id="1" dur="indefinite" restart="never" nodeType="tmRoot"/>
-      </p:par>
-    </p:tnLst>
-  </p:timing>
-</p:sld>
-</file>
-
-<file path=ppt/slides/slide20.xml><?xml version="1.0" encoding="utf-8"?>
-<p:sld xmlns:a="http://schemas.openxmlformats.org/drawingml/2006/main" xmlns:r="http://schemas.openxmlformats.org/officeDocument/2006/relationships" xmlns:mc="http://schemas.openxmlformats.org/markup-compatibility/2006" xmlns:mv="urn:schemas-microsoft-com:mac:vml" xmlns:p="http://schemas.openxmlformats.org/presentationml/2006/main" mc:Ignorable="mv" mc:PreserveAttributes="mv:*">
+<file path=ppt/slides/slide31.xml><?xml version="1.0" encoding="utf-8"?>
+<p:sld xmlns:a="http://schemas.openxmlformats.org/drawingml/2006/main" xmlns:r="http://schemas.openxmlformats.org/officeDocument/2006/relationships" xmlns:p="http://schemas.openxmlformats.org/presentationml/2006/main">
   <p:cSld>
     <p:spTree>
       <p:nvGrpSpPr>
@@ -7048,8 +9400,8 @@
 </p:sld>
 </file>
 
-<file path=ppt/slides/slide21.xml><?xml version="1.0" encoding="utf-8"?>
-<p:sld xmlns:a="http://schemas.openxmlformats.org/drawingml/2006/main" xmlns:r="http://schemas.openxmlformats.org/officeDocument/2006/relationships" xmlns:mc="http://schemas.openxmlformats.org/markup-compatibility/2006" xmlns:mv="urn:schemas-microsoft-com:mac:vml" xmlns:p="http://schemas.openxmlformats.org/presentationml/2006/main" mc:Ignorable="mv" mc:PreserveAttributes="mv:*">
+<file path=ppt/slides/slide32.xml><?xml version="1.0" encoding="utf-8"?>
+<p:sld xmlns:a="http://schemas.openxmlformats.org/drawingml/2006/main" xmlns:r="http://schemas.openxmlformats.org/officeDocument/2006/relationships" xmlns:p="http://schemas.openxmlformats.org/presentationml/2006/main">
   <p:cSld>
     <p:spTree>
       <p:nvGrpSpPr>
@@ -7149,11 +9501,18 @@
   <p:clrMapOvr>
     <a:masterClrMapping/>
   </p:clrMapOvr>
+  <p:timing>
+    <p:tnLst>
+      <p:par>
+        <p:cTn id="1" dur="indefinite" restart="never" nodeType="tmRoot"/>
+      </p:par>
+    </p:tnLst>
+  </p:timing>
 </p:sld>
 </file>
 
-<file path=ppt/slides/slide22.xml><?xml version="1.0" encoding="utf-8"?>
-<p:sld xmlns:a="http://schemas.openxmlformats.org/drawingml/2006/main" xmlns:r="http://schemas.openxmlformats.org/officeDocument/2006/relationships" xmlns:mc="http://schemas.openxmlformats.org/markup-compatibility/2006" xmlns:mv="urn:schemas-microsoft-com:mac:vml" xmlns:p="http://schemas.openxmlformats.org/presentationml/2006/main" mc:Ignorable="mv" mc:PreserveAttributes="mv:*">
+<file path=ppt/slides/slide33.xml><?xml version="1.0" encoding="utf-8"?>
+<p:sld xmlns:a="http://schemas.openxmlformats.org/drawingml/2006/main" xmlns:r="http://schemas.openxmlformats.org/officeDocument/2006/relationships" xmlns:p="http://schemas.openxmlformats.org/presentationml/2006/main">
   <p:cSld>
     <p:spTree>
       <p:nvGrpSpPr>
@@ -7186,7 +9545,7 @@
           <a:p>
             <a:r>
               <a:rPr lang="en-US"/>
-              <a:t>Zelig Format</a:t>
+              <a:t>Workflow</a:t>
             </a:r>
           </a:p>
         </p:txBody>
@@ -7207,33 +9566,44 @@
           <a:lstStyle/>
           <a:p>
             <a:r>
-              <a:rPr lang="en-US"/>
-              <a:t>For any "model" three functions must be written:</a:t>
-            </a:r>
-          </a:p>
-          <a:p>
-            <a:pPr lvl="1"/>
-            <a:r>
-              <a:rPr lang="en-US"/>
-              <a:t>zelig2: linearly fit the data</a:t>
-            </a:r>
-          </a:p>
-          <a:p>
-            <a:pPr lvl="1"/>
-            <a:r>
-              <a:rPr lang="en-US"/>
-              <a:t>param: simulate parameters</a:t>
-            </a:r>
-          </a:p>
-          <a:p>
-            <a:pPr lvl="1"/>
-            <a:r>
-              <a:rPr lang="en-US"/>
-              <a:t>qi: simulate quantities of interest (expected value, etc.)</a:t>
-            </a:r>
-          </a:p>
-          <a:p>
-            <a:endParaRPr lang="en-US"/>
+              <a:rPr lang="en-US" dirty="0"/>
+              <a:t>Find existing model</a:t>
+            </a:r>
+          </a:p>
+          <a:p>
+            <a:r>
+              <a:rPr lang="en-US" dirty="0"/>
+              <a:t>Determine what the arguments are</a:t>
+            </a:r>
+          </a:p>
+          <a:p>
+            <a:r>
+              <a:rPr lang="en-US" dirty="0"/>
+              <a:t>Return a list at the bottom of the function</a:t>
+            </a:r>
+          </a:p>
+          <a:p>
+            <a:r>
+              <a:rPr lang="en-US" dirty="0"/>
+              <a:t>Manipulate objects</a:t>
+            </a:r>
+          </a:p>
+          <a:p>
+            <a:r>
+              <a:rPr lang="en-US" dirty="0"/>
+              <a:t>Write </a:t>
+            </a:r>
+            <a:r>
+              <a:rPr lang="en-US" dirty="0" smtClean="0"/>
+              <a:t>warnings</a:t>
+            </a:r>
+            <a:endParaRPr lang="en-US" dirty="0"/>
+          </a:p>
+          <a:p>
+            <a:r>
+              <a:rPr lang="en-US" dirty="0"/>
+              <a:t>Document</a:t>
+            </a:r>
           </a:p>
         </p:txBody>
       </p:sp>
@@ -7242,11 +9612,18 @@
   <p:clrMapOvr>
     <a:masterClrMapping/>
   </p:clrMapOvr>
+  <p:timing>
+    <p:tnLst>
+      <p:par>
+        <p:cTn id="1" dur="indefinite" restart="never" nodeType="tmRoot"/>
+      </p:par>
+    </p:tnLst>
+  </p:timing>
 </p:sld>
 </file>
 
-<file path=ppt/slides/slide23.xml><?xml version="1.0" encoding="utf-8"?>
-<p:sld xmlns:a="http://schemas.openxmlformats.org/drawingml/2006/main" xmlns:r="http://schemas.openxmlformats.org/officeDocument/2006/relationships" xmlns:mc="http://schemas.openxmlformats.org/markup-compatibility/2006" xmlns:mv="urn:schemas-microsoft-com:mac:vml" xmlns:p="http://schemas.openxmlformats.org/presentationml/2006/main" mc:Ignorable="mv" mc:PreserveAttributes="mv:*">
+<file path=ppt/slides/slide34.xml><?xml version="1.0" encoding="utf-8"?>
+<p:sld xmlns:a="http://schemas.openxmlformats.org/drawingml/2006/main" xmlns:r="http://schemas.openxmlformats.org/officeDocument/2006/relationships" xmlns:p="http://schemas.openxmlformats.org/presentationml/2006/main">
   <p:cSld>
     <p:spTree>
       <p:nvGrpSpPr>
@@ -7278,9 +9655,10 @@
           <a:lstStyle/>
           <a:p>
             <a:r>
-              <a:rPr lang="en-US"/>
-              <a:t>Naming files</a:t>
-            </a:r>
+              <a:rPr lang="en-US" dirty="0" smtClean="0"/>
+              <a:t>Workflow</a:t>
+            </a:r>
+            <a:endParaRPr lang="en-US" dirty="0"/>
           </a:p>
         </p:txBody>
       </p:sp>
@@ -7300,72 +9678,71 @@
           <a:lstStyle/>
           <a:p>
             <a:r>
-              <a:rPr lang="en-US"/>
-              <a:t>Note that "</a:t>
-            </a:r>
-            <a:r>
-              <a:rPr lang="en-US" i="1"/>
-              <a:t>&lt;model-name&gt;</a:t>
-            </a:r>
-            <a:r>
-              <a:rPr lang="en-US"/>
-              <a:t>" should be replaced with the name of your model.</a:t>
-            </a:r>
-          </a:p>
-          <a:p>
-            <a:pPr lvl="1"/>
-            <a:r>
-              <a:rPr lang="en-US"/>
-              <a:t>zelig2&lt;</a:t>
-            </a:r>
-            <a:r>
-              <a:rPr lang="en-US" i="1"/>
-              <a:t>model-name&gt;</a:t>
-            </a:r>
-            <a:endParaRPr lang="en-US"/>
-          </a:p>
-          <a:p>
-            <a:pPr lvl="1"/>
-            <a:r>
-              <a:rPr lang="en-US"/>
-              <a:t>param.</a:t>
-            </a:r>
-            <a:r>
-              <a:rPr lang="en-US" i="1"/>
-              <a:t>&lt;model-name&gt;</a:t>
-            </a:r>
-            <a:endParaRPr lang="en-US"/>
-          </a:p>
-          <a:p>
-            <a:pPr lvl="1"/>
-            <a:r>
-              <a:rPr lang="en-US"/>
-              <a:t>qi.</a:t>
-            </a:r>
-            <a:r>
-              <a:rPr lang="en-US" i="1"/>
-              <a:t>&lt;model-name&gt;</a:t>
-            </a:r>
-            <a:endParaRPr lang="en-US"/>
-          </a:p>
-          <a:p>
-            <a:r>
-              <a:rPr lang="en-US"/>
-              <a:t>Use "zelig.skeleton" as an aid to generate all these files.</a:t>
-            </a:r>
+              <a:rPr lang="en-US" dirty="0" smtClean="0"/>
+              <a:t>Write demo code</a:t>
+            </a:r>
+          </a:p>
+          <a:p>
+            <a:r>
+              <a:rPr lang="en-US" dirty="0" smtClean="0"/>
+              <a:t>Develop code (in the “</a:t>
+            </a:r>
+            <a:r>
+              <a:rPr lang="en-US" b="1" dirty="0" smtClean="0"/>
+              <a:t>R/</a:t>
+            </a:r>
+            <a:r>
+              <a:rPr lang="en-US" dirty="0" smtClean="0"/>
+              <a:t>” directory)</a:t>
+            </a:r>
+          </a:p>
+          <a:p>
+            <a:r>
+              <a:rPr lang="en-US" dirty="0" smtClean="0"/>
+              <a:t>Install (or re-install) package</a:t>
+            </a:r>
+          </a:p>
+          <a:p>
+            <a:r>
+              <a:rPr lang="en-US" dirty="0" smtClean="0"/>
+              <a:t>Test demo code</a:t>
+            </a:r>
+          </a:p>
+          <a:p>
+            <a:r>
+              <a:rPr lang="en-US" dirty="0" smtClean="0"/>
+              <a:t>Go back to </a:t>
+            </a:r>
+            <a:r>
+              <a:rPr lang="en-US" dirty="0" smtClean="0"/>
+              <a:t>step 2</a:t>
+            </a:r>
+            <a:endParaRPr lang="en-US" dirty="0"/>
           </a:p>
         </p:txBody>
       </p:sp>
     </p:spTree>
+    <p:extLst>
+      <p:ext uri="{BB962C8B-B14F-4D97-AF65-F5344CB8AC3E}">
+        <p14:creationId xmlns:p14="http://schemas.microsoft.com/office/powerpoint/2010/main" val="3145060271"/>
+      </p:ext>
+    </p:extLst>
   </p:cSld>
   <p:clrMapOvr>
     <a:masterClrMapping/>
   </p:clrMapOvr>
+  <p:timing>
+    <p:tnLst>
+      <p:par>
+        <p:cTn id="1" dur="indefinite" restart="never" nodeType="tmRoot"/>
+      </p:par>
+    </p:tnLst>
+  </p:timing>
 </p:sld>
 </file>
 
-<file path=ppt/slides/slide24.xml><?xml version="1.0" encoding="utf-8"?>
-<p:sld xmlns:a="http://schemas.openxmlformats.org/drawingml/2006/main" xmlns:r="http://schemas.openxmlformats.org/officeDocument/2006/relationships" xmlns:mc="http://schemas.openxmlformats.org/markup-compatibility/2006" xmlns:mv="urn:schemas-microsoft-com:mac:vml" xmlns:p="http://schemas.openxmlformats.org/presentationml/2006/main" mc:Ignorable="mv" mc:PreserveAttributes="mv:*">
+<file path=ppt/slides/slide35.xml><?xml version="1.0" encoding="utf-8"?>
+<p:sld xmlns:a="http://schemas.openxmlformats.org/drawingml/2006/main" xmlns:r="http://schemas.openxmlformats.org/officeDocument/2006/relationships" xmlns:p="http://schemas.openxmlformats.org/presentationml/2006/main">
   <p:cSld>
     <p:spTree>
       <p:nvGrpSpPr>
@@ -7383,7 +9760,7 @@
       </p:grpSpPr>
       <p:sp>
         <p:nvSpPr>
-          <p:cNvPr id="9" name="Title 8"/>
+          <p:cNvPr id="2" name="Title 1"/>
           <p:cNvSpPr>
             <a:spLocks noGrp="1"/>
           </p:cNvSpPr>
@@ -7397,81 +9774,19 @@
           <a:lstStyle/>
           <a:p>
             <a:r>
-              <a:rPr lang="en-US"/>
-              <a:t>Using zelig.skeleton</a:t>
-            </a:r>
-          </a:p>
-        </p:txBody>
-      </p:sp>
-      <p:sp>
-        <p:nvSpPr>
-          <p:cNvPr id="10" name="Content Placeholder 9"/>
-          <p:cNvSpPr>
-            <a:spLocks noGrp="1"/>
-          </p:cNvSpPr>
-          <p:nvPr>
-            <p:ph idx="1"/>
-          </p:nvPr>
-        </p:nvSpPr>
-        <p:spPr/>
-        <p:txBody>
-          <a:bodyPr/>
-          <a:lstStyle/>
-          <a:p>
-            <a:pPr>
-              <a:buNone/>
-            </a:pPr>
-            <a:r>
-              <a:rPr lang="en-US"/>
-              <a:t>Getting started:</a:t>
-            </a:r>
-          </a:p>
-          <a:p>
-            <a:r>
-              <a:rPr lang="en-US"/>
-              <a:t>Pick a name for the Zelig package. For example:</a:t>
-            </a:r>
-          </a:p>
-          <a:p>
-            <a:pPr lvl="1"/>
-            <a:r>
-              <a:rPr lang="en-US"/>
-              <a:t>"ZeligBayesian"</a:t>
-            </a:r>
-          </a:p>
-          <a:p>
-            <a:pPr lvl="1"/>
-            <a:r>
-              <a:rPr lang="en-US"/>
-              <a:t>"ZeligLeastSquares"</a:t>
-            </a:r>
-          </a:p>
-          <a:p>
-            <a:r>
-              <a:rPr lang="en-US"/>
-              <a:t>Pick a model name:</a:t>
-            </a:r>
-          </a:p>
-          <a:p>
-            <a:pPr lvl="1"/>
-            <a:r>
-              <a:rPr lang="en-US"/>
-              <a:t>"logit"</a:t>
-            </a:r>
-          </a:p>
-          <a:p>
-            <a:pPr lvl="1"/>
-            <a:r>
-              <a:rPr lang="en-US"/>
-              <a:t>"gamma"</a:t>
-            </a:r>
-          </a:p>
-          <a:p>
-            <a:endParaRPr lang="en-US"/>
+              <a:rPr lang="en-US" dirty="0" smtClean="0"/>
+              <a:t>Software Development Cycle</a:t>
+            </a:r>
+            <a:endParaRPr lang="en-US" dirty="0"/>
           </a:p>
         </p:txBody>
       </p:sp>
     </p:spTree>
+    <p:extLst>
+      <p:ext uri="{BB962C8B-B14F-4D97-AF65-F5344CB8AC3E}">
+        <p14:creationId xmlns:p14="http://schemas.microsoft.com/office/powerpoint/2010/main" val="1423384443"/>
+      </p:ext>
+    </p:extLst>
   </p:cSld>
   <p:clrMapOvr>
     <a:masterClrMapping/>
@@ -7486,8 +9801,8 @@
 </p:sld>
 </file>
 
-<file path=ppt/slides/slide25.xml><?xml version="1.0" encoding="utf-8"?>
-<p:sld xmlns:a="http://schemas.openxmlformats.org/drawingml/2006/main" xmlns:r="http://schemas.openxmlformats.org/officeDocument/2006/relationships" xmlns:mc="http://schemas.openxmlformats.org/markup-compatibility/2006" xmlns:mv="urn:schemas-microsoft-com:mac:vml" xmlns:p="http://schemas.openxmlformats.org/presentationml/2006/main" mc:Ignorable="mv" mc:PreserveAttributes="mv:*">
+<file path=ppt/slides/slide4.xml><?xml version="1.0" encoding="utf-8"?>
+<p:sld xmlns:a="http://schemas.openxmlformats.org/drawingml/2006/main" xmlns:r="http://schemas.openxmlformats.org/officeDocument/2006/relationships" xmlns:p="http://schemas.openxmlformats.org/presentationml/2006/main">
   <p:cSld>
     <p:spTree>
       <p:nvGrpSpPr>
@@ -7505,12 +9820,12 @@
       </p:grpSpPr>
       <p:sp>
         <p:nvSpPr>
-          <p:cNvPr id="2" name="Title 1"/>
-          <p:cNvSpPr>
-            <a:spLocks noGrp="1"/>
-          </p:cNvSpPr>
-          <p:nvPr>
-            <p:ph type="title"/>
+          <p:cNvPr id="4" name="Title 3"/>
+          <p:cNvSpPr>
+            <a:spLocks noGrp="1"/>
+          </p:cNvSpPr>
+          <p:nvPr>
+            <p:ph type="ctrTitle"/>
           </p:nvPr>
         </p:nvSpPr>
         <p:spPr/>
@@ -7519,20 +9834,21 @@
           <a:lstStyle/>
           <a:p>
             <a:r>
-              <a:rPr lang="en-US"/>
-              <a:t>R Package Checklist</a:t>
-            </a:r>
-          </a:p>
-        </p:txBody>
-      </p:sp>
-      <p:sp>
-        <p:nvSpPr>
-          <p:cNvPr id="3" name="Content Placeholder 2"/>
-          <p:cNvSpPr>
-            <a:spLocks noGrp="1"/>
-          </p:cNvSpPr>
-          <p:nvPr>
-            <p:ph idx="1"/>
+              <a:rPr lang="en-US" dirty="0" smtClean="0"/>
+              <a:t>What is a statistical package?</a:t>
+            </a:r>
+            <a:endParaRPr lang="en-US" dirty="0"/>
+          </a:p>
+        </p:txBody>
+      </p:sp>
+      <p:sp>
+        <p:nvSpPr>
+          <p:cNvPr id="5" name="Subtitle 4"/>
+          <p:cNvSpPr>
+            <a:spLocks noGrp="1"/>
+          </p:cNvSpPr>
+          <p:nvPr>
+            <p:ph type="subTitle" idx="1"/>
           </p:nvPr>
         </p:nvSpPr>
         <p:spPr/>
@@ -7540,47 +9856,32 @@
           <a:bodyPr/>
           <a:lstStyle/>
           <a:p>
-            <a:r>
-              <a:rPr lang="en-US"/>
-              <a:t>Package Name, e.g. "ZeligLeastSquares"</a:t>
-            </a:r>
-          </a:p>
-          <a:p>
-            <a:r>
-              <a:rPr lang="en-US"/>
-              <a:t>Model Names, e.g. "logit" or "gamma"</a:t>
-            </a:r>
-          </a:p>
-          <a:p>
-            <a:r>
-              <a:rPr lang="en-US"/>
-              <a:t>R-package dependencies, e.g. "lme4"</a:t>
-            </a:r>
-          </a:p>
-          <a:p>
-            <a:r>
-              <a:rPr lang="en-US"/>
-              <a:t>Author Name</a:t>
-            </a:r>
-          </a:p>
-          <a:p>
-            <a:r>
-              <a:rPr lang="en-US"/>
-              <a:t>Author Email (for use with CRAN)</a:t>
-            </a:r>
+            <a:endParaRPr lang="en-US" dirty="0"/>
           </a:p>
         </p:txBody>
       </p:sp>
     </p:spTree>
+    <p:extLst>
+      <p:ext uri="{BB962C8B-B14F-4D97-AF65-F5344CB8AC3E}">
+        <p14:creationId xmlns:p14="http://schemas.microsoft.com/office/powerpoint/2010/main" val="2238547365"/>
+      </p:ext>
+    </p:extLst>
   </p:cSld>
   <p:clrMapOvr>
     <a:masterClrMapping/>
   </p:clrMapOvr>
+  <p:timing>
+    <p:tnLst>
+      <p:par>
+        <p:cTn id="1" dur="indefinite" restart="never" nodeType="tmRoot"/>
+      </p:par>
+    </p:tnLst>
+  </p:timing>
 </p:sld>
 </file>
 
-<file path=ppt/slides/slide26.xml><?xml version="1.0" encoding="utf-8"?>
-<p:sld xmlns:a="http://schemas.openxmlformats.org/drawingml/2006/main" xmlns:r="http://schemas.openxmlformats.org/officeDocument/2006/relationships" xmlns:mc="http://schemas.openxmlformats.org/markup-compatibility/2006" xmlns:mv="urn:schemas-microsoft-com:mac:vml" xmlns:p="http://schemas.openxmlformats.org/presentationml/2006/main" mc:Ignorable="mv" mc:PreserveAttributes="mv:*">
+<file path=ppt/slides/slide5.xml><?xml version="1.0" encoding="utf-8"?>
+<p:sld xmlns:a="http://schemas.openxmlformats.org/drawingml/2006/main" xmlns:r="http://schemas.openxmlformats.org/officeDocument/2006/relationships" xmlns:p="http://schemas.openxmlformats.org/presentationml/2006/main">
   <p:cSld>
     <p:spTree>
       <p:nvGrpSpPr>
@@ -7598,726 +9899,142 @@
       </p:grpSpPr>
       <p:sp>
         <p:nvSpPr>
-          <p:cNvPr id="5122" name="Text Box 1"/>
-          <p:cNvSpPr txBox="1">
-            <a:spLocks noChangeArrowheads="1"/>
-          </p:cNvSpPr>
-          <p:nvPr/>
-        </p:nvSpPr>
-        <p:spPr bwMode="auto">
+          <p:cNvPr id="2" name="Title 1"/>
+          <p:cNvSpPr>
+            <a:spLocks noGrp="1"/>
+          </p:cNvSpPr>
+          <p:nvPr>
+            <p:ph type="title"/>
+          </p:nvPr>
+        </p:nvSpPr>
+        <p:spPr/>
+        <p:txBody>
+          <a:bodyPr/>
+          <a:lstStyle/>
+          <a:p>
+            <a:r>
+              <a:rPr lang="en-US"/>
+              <a:t>Structure of a Package</a:t>
+            </a:r>
+          </a:p>
+        </p:txBody>
+      </p:sp>
+      <p:sp>
+        <p:nvSpPr>
+          <p:cNvPr id="4" name="Content Placeholder 3"/>
+          <p:cNvSpPr>
+            <a:spLocks noGrp="1"/>
+          </p:cNvSpPr>
+          <p:nvPr>
+            <p:ph idx="1"/>
+          </p:nvPr>
+        </p:nvSpPr>
+        <p:spPr>
           <a:xfrm>
-            <a:off x="457200" y="274638"/>
-            <a:ext cx="8229600" cy="1143000"/>
+            <a:off x="457200" y="1600200"/>
+            <a:ext cx="8229600" cy="4525963"/>
           </a:xfrm>
-          <a:prstGeom prst="rect">
-            <a:avLst/>
-          </a:prstGeom>
-          <a:noFill/>
-          <a:ln w="9525">
-            <a:noFill/>
-            <a:round/>
-            <a:headEnd/>
-            <a:tailEnd/>
-          </a:ln>
         </p:spPr>
         <p:txBody>
-          <a:bodyPr anchor="ctr">
-            <a:prstTxWarp prst="textNoShape">
-              <a:avLst/>
-            </a:prstTxWarp>
+          <a:bodyPr>
+            <a:normAutofit lnSpcReduction="10000"/>
           </a:bodyPr>
           <a:lstStyle/>
           <a:p>
-            <a:pPr algn="ctr">
-              <a:buClrTx/>
-              <a:buFontTx/>
+            <a:r>
+              <a:rPr lang="en-US" dirty="0" smtClean="0"/>
+              <a:t>Simply a directory </a:t>
+            </a:r>
+          </a:p>
+          <a:p>
+            <a:r>
+              <a:rPr lang="en-US" dirty="0" smtClean="0"/>
+              <a:t>Has two important folders:</a:t>
+            </a:r>
+            <a:endParaRPr lang="en-US" dirty="0"/>
+          </a:p>
+          <a:p>
+            <a:pPr marL="457200" lvl="1" indent="0">
               <a:buNone/>
-              <a:tabLst>
-                <a:tab pos="0" algn="l"/>
-                <a:tab pos="457200" algn="l"/>
-                <a:tab pos="914400" algn="l"/>
-                <a:tab pos="1371600" algn="l"/>
-                <a:tab pos="1828800" algn="l"/>
-                <a:tab pos="2286000" algn="l"/>
-                <a:tab pos="2743200" algn="l"/>
-                <a:tab pos="3200400" algn="l"/>
-                <a:tab pos="3657600" algn="l"/>
-                <a:tab pos="4114800" algn="l"/>
-                <a:tab pos="4572000" algn="l"/>
-                <a:tab pos="5029200" algn="l"/>
-                <a:tab pos="5486400" algn="l"/>
-                <a:tab pos="5943600" algn="l"/>
-                <a:tab pos="6400800" algn="l"/>
-                <a:tab pos="6858000" algn="l"/>
-                <a:tab pos="7315200" algn="l"/>
-                <a:tab pos="7772400" algn="l"/>
-                <a:tab pos="8229600" algn="l"/>
-                <a:tab pos="8686800" algn="l"/>
-                <a:tab pos="9144000" algn="l"/>
-              </a:tabLst>
             </a:pPr>
             <a:r>
-              <a:rPr lang="en-US" sz="4400">
-                <a:solidFill>
-                  <a:srgbClr val="000000"/>
-                </a:solidFill>
-                <a:latin typeface="Calibri" charset="0"/>
-              </a:rPr>
-              <a:t>Format for Slides</a:t>
-            </a:r>
-          </a:p>
-        </p:txBody>
-      </p:sp>
-      <p:sp>
-        <p:nvSpPr>
-          <p:cNvPr id="6146" name="Text Box 2"/>
-          <p:cNvSpPr txBox="1">
-            <a:spLocks noChangeArrowheads="1"/>
-          </p:cNvSpPr>
-          <p:nvPr/>
-        </p:nvSpPr>
-        <p:spPr bwMode="auto">
-          <a:xfrm>
-            <a:off x="457200" y="1593850"/>
-            <a:ext cx="8229600" cy="368300"/>
-          </a:xfrm>
-          <a:prstGeom prst="rect">
-            <a:avLst/>
-          </a:prstGeom>
-          <a:noFill/>
-          <a:ln w="9525">
-            <a:noFill/>
-            <a:round/>
-            <a:headEnd/>
-            <a:tailEnd/>
-          </a:ln>
-        </p:spPr>
-        <p:txBody>
-          <a:bodyPr lIns="90000" tIns="46800" rIns="90000" bIns="46800">
-            <a:prstTxWarp prst="textNoShape">
-              <a:avLst/>
-            </a:prstTxWarp>
-            <a:spAutoFit/>
-          </a:bodyPr>
-          <a:lstStyle/>
+              <a:rPr lang="en-US" sz="4000" b="1" dirty="0" smtClean="0"/>
+              <a:t>R/</a:t>
+            </a:r>
+            <a:endParaRPr lang="en-US" sz="4000" b="1" dirty="0"/>
+          </a:p>
+          <a:p>
+            <a:pPr marL="457200" lvl="1" indent="0">
+              <a:buNone/>
+            </a:pPr>
+            <a:r>
+              <a:rPr lang="en-US" sz="4000" b="1" dirty="0" smtClean="0"/>
+              <a:t>man/</a:t>
+            </a:r>
+            <a:endParaRPr lang="en-US" sz="4000" b="1" dirty="0"/>
+          </a:p>
+          <a:p>
+            <a:r>
+              <a:rPr lang="en-US" dirty="0"/>
+              <a:t>And </a:t>
+            </a:r>
+            <a:r>
+              <a:rPr lang="en-US" dirty="0" smtClean="0"/>
+              <a:t>two important </a:t>
+            </a:r>
+            <a:r>
+              <a:rPr lang="en-US" dirty="0"/>
+              <a:t>files:</a:t>
+            </a:r>
+          </a:p>
+          <a:p>
+            <a:pPr marL="457200" lvl="1" indent="0">
+              <a:buNone/>
+            </a:pPr>
+            <a:r>
+              <a:rPr lang="en-US" sz="4000" b="1" dirty="0"/>
+              <a:t>DESCRIPTION</a:t>
+            </a:r>
+          </a:p>
+          <a:p>
+            <a:pPr marL="457200" lvl="1" indent="0">
+              <a:buNone/>
+            </a:pPr>
+            <a:r>
+              <a:rPr lang="en-US" sz="4000" b="1" dirty="0"/>
+              <a:t>NAMESPACE</a:t>
+            </a:r>
+          </a:p>
           <a:p>
             <a:pPr>
-              <a:buClrTx/>
-              <a:buFontTx/>
               <a:buNone/>
-              <a:tabLst>
-                <a:tab pos="0" algn="l"/>
-                <a:tab pos="457200" algn="l"/>
-                <a:tab pos="914400" algn="l"/>
-                <a:tab pos="1371600" algn="l"/>
-                <a:tab pos="1828800" algn="l"/>
-                <a:tab pos="2286000" algn="l"/>
-                <a:tab pos="2743200" algn="l"/>
-                <a:tab pos="3200400" algn="l"/>
-                <a:tab pos="3657600" algn="l"/>
-                <a:tab pos="4114800" algn="l"/>
-                <a:tab pos="4572000" algn="l"/>
-                <a:tab pos="5029200" algn="l"/>
-                <a:tab pos="5486400" algn="l"/>
-                <a:tab pos="5943600" algn="l"/>
-                <a:tab pos="6400800" algn="l"/>
-                <a:tab pos="6858000" algn="l"/>
-                <a:tab pos="7315200" algn="l"/>
-                <a:tab pos="7772400" algn="l"/>
-                <a:tab pos="8229600" algn="l"/>
-                <a:tab pos="8686800" algn="l"/>
-                <a:tab pos="9144000" algn="l"/>
-              </a:tabLst>
             </a:pPr>
-            <a:r>
-              <a:rPr lang="en-US" sz="1800" dirty="0">
-                <a:solidFill>
-                  <a:srgbClr val="000000"/>
-                </a:solidFill>
-              </a:rPr>
-              <a:t>Regular text will be presented just like this.</a:t>
-            </a:r>
-          </a:p>
-        </p:txBody>
-      </p:sp>
-      <p:sp>
-        <p:nvSpPr>
-          <p:cNvPr id="6148" name="Text Box 4"/>
-          <p:cNvSpPr txBox="1">
-            <a:spLocks noChangeArrowheads="1"/>
-          </p:cNvSpPr>
-          <p:nvPr/>
-        </p:nvSpPr>
-        <p:spPr bwMode="auto">
-          <a:xfrm>
-            <a:off x="457200" y="2514600"/>
-            <a:ext cx="8229600" cy="1130300"/>
-          </a:xfrm>
-          <a:prstGeom prst="rect">
-            <a:avLst/>
-          </a:prstGeom>
-          <a:noFill/>
-          <a:ln w="9360">
-            <a:solidFill>
-              <a:srgbClr val="000000"/>
-            </a:solidFill>
-            <a:prstDash val="dashDot"/>
-            <a:miter lim="800000"/>
-            <a:headEnd/>
-            <a:tailEnd/>
-          </a:ln>
-        </p:spPr>
-        <p:txBody>
-          <a:bodyPr wrap="square" lIns="90000" tIns="46800" rIns="90000" bIns="46800">
-            <a:prstTxWarp prst="textNoShape">
-              <a:avLst/>
-            </a:prstTxWarp>
-            <a:spAutoFit/>
-          </a:bodyPr>
-          <a:lstStyle/>
-          <a:p>
-            <a:pPr>
-              <a:buClrTx/>
-              <a:buFontTx/>
-              <a:buNone/>
-              <a:tabLst>
-                <a:tab pos="0" algn="l"/>
-                <a:tab pos="457200" algn="l"/>
-                <a:tab pos="914400" algn="l"/>
-                <a:tab pos="1371600" algn="l"/>
-                <a:tab pos="1828800" algn="l"/>
-                <a:tab pos="2286000" algn="l"/>
-                <a:tab pos="2743200" algn="l"/>
-                <a:tab pos="3200400" algn="l"/>
-                <a:tab pos="3657600" algn="l"/>
-                <a:tab pos="4114800" algn="l"/>
-                <a:tab pos="4572000" algn="l"/>
-                <a:tab pos="5029200" algn="l"/>
-                <a:tab pos="5486400" algn="l"/>
-                <a:tab pos="5943600" algn="l"/>
-                <a:tab pos="6400800" algn="l"/>
-                <a:tab pos="6858000" algn="l"/>
-                <a:tab pos="7315200" algn="l"/>
-                <a:tab pos="7772400" algn="l"/>
-                <a:tab pos="8229600" algn="l"/>
-                <a:tab pos="8686800" algn="l"/>
-                <a:tab pos="9144000" algn="l"/>
-              </a:tabLst>
-            </a:pPr>
-            <a:r>
-              <a:rPr lang="en-US" sz="1700" dirty="0">
-                <a:solidFill>
-                  <a:srgbClr val="7F7F7F"/>
-                </a:solidFill>
-                <a:latin typeface="Courier New" charset="0"/>
-                <a:ea typeface="Courier New" charset="0"/>
-                <a:cs typeface="Courier New" charset="0"/>
-              </a:rPr>
-              <a:t># Comments will be grayed-out and preceded by a hash</a:t>
-            </a:r>
-          </a:p>
-          <a:p>
-            <a:pPr>
-              <a:buClrTx/>
-              <a:buFontTx/>
-              <a:buNone/>
-              <a:tabLst>
-                <a:tab pos="0" algn="l"/>
-                <a:tab pos="457200" algn="l"/>
-                <a:tab pos="914400" algn="l"/>
-                <a:tab pos="1371600" algn="l"/>
-                <a:tab pos="1828800" algn="l"/>
-                <a:tab pos="2286000" algn="l"/>
-                <a:tab pos="2743200" algn="l"/>
-                <a:tab pos="3200400" algn="l"/>
-                <a:tab pos="3657600" algn="l"/>
-                <a:tab pos="4114800" algn="l"/>
-                <a:tab pos="4572000" algn="l"/>
-                <a:tab pos="5029200" algn="l"/>
-                <a:tab pos="5486400" algn="l"/>
-                <a:tab pos="5943600" algn="l"/>
-                <a:tab pos="6400800" algn="l"/>
-                <a:tab pos="6858000" algn="l"/>
-                <a:tab pos="7315200" algn="l"/>
-                <a:tab pos="7772400" algn="l"/>
-                <a:tab pos="8229600" algn="l"/>
-                <a:tab pos="8686800" algn="l"/>
-                <a:tab pos="9144000" algn="l"/>
-              </a:tabLst>
-            </a:pPr>
-            <a:endParaRPr lang="en-US" sz="1700" dirty="0">
-              <a:solidFill>
-                <a:srgbClr val="7F7F7F"/>
-              </a:solidFill>
-              <a:latin typeface="Courier New" charset="0"/>
-              <a:ea typeface="Courier New" charset="0"/>
-              <a:cs typeface="Courier New" charset="0"/>
-            </a:endParaRPr>
-          </a:p>
-          <a:p>
-            <a:pPr>
-              <a:buClrTx/>
-              <a:buFontTx/>
-              <a:buNone/>
-              <a:tabLst>
-                <a:tab pos="0" algn="l"/>
-                <a:tab pos="457200" algn="l"/>
-                <a:tab pos="914400" algn="l"/>
-                <a:tab pos="1371600" algn="l"/>
-                <a:tab pos="1828800" algn="l"/>
-                <a:tab pos="2286000" algn="l"/>
-                <a:tab pos="2743200" algn="l"/>
-                <a:tab pos="3200400" algn="l"/>
-                <a:tab pos="3657600" algn="l"/>
-                <a:tab pos="4114800" algn="l"/>
-                <a:tab pos="4572000" algn="l"/>
-                <a:tab pos="5029200" algn="l"/>
-                <a:tab pos="5486400" algn="l"/>
-                <a:tab pos="5943600" algn="l"/>
-                <a:tab pos="6400800" algn="l"/>
-                <a:tab pos="6858000" algn="l"/>
-                <a:tab pos="7315200" algn="l"/>
-                <a:tab pos="7772400" algn="l"/>
-                <a:tab pos="8229600" algn="l"/>
-                <a:tab pos="8686800" algn="l"/>
-                <a:tab pos="9144000" algn="l"/>
-              </a:tabLst>
-            </a:pPr>
-            <a:r>
-              <a:rPr lang="en-US" sz="1700" dirty="0">
-                <a:solidFill>
-                  <a:srgbClr val="7F7F7F"/>
-                </a:solidFill>
-                <a:latin typeface="Courier New" charset="0"/>
-                <a:ea typeface="Courier New" charset="0"/>
-                <a:cs typeface="Courier New" charset="0"/>
-              </a:rPr>
-              <a:t># Code will be in preceded by “&gt; ”</a:t>
-            </a:r>
-          </a:p>
-          <a:p>
-            <a:pPr>
-              <a:buClrTx/>
-              <a:buFontTx/>
-              <a:buNone/>
-              <a:tabLst>
-                <a:tab pos="0" algn="l"/>
-                <a:tab pos="457200" algn="l"/>
-                <a:tab pos="914400" algn="l"/>
-                <a:tab pos="1371600" algn="l"/>
-                <a:tab pos="1828800" algn="l"/>
-                <a:tab pos="2286000" algn="l"/>
-                <a:tab pos="2743200" algn="l"/>
-                <a:tab pos="3200400" algn="l"/>
-                <a:tab pos="3657600" algn="l"/>
-                <a:tab pos="4114800" algn="l"/>
-                <a:tab pos="4572000" algn="l"/>
-                <a:tab pos="5029200" algn="l"/>
-                <a:tab pos="5486400" algn="l"/>
-                <a:tab pos="5943600" algn="l"/>
-                <a:tab pos="6400800" algn="l"/>
-                <a:tab pos="6858000" algn="l"/>
-                <a:tab pos="7315200" algn="l"/>
-                <a:tab pos="7772400" algn="l"/>
-                <a:tab pos="8229600" algn="l"/>
-                <a:tab pos="8686800" algn="l"/>
-                <a:tab pos="9144000" algn="l"/>
-              </a:tabLst>
-            </a:pPr>
-            <a:r>
-              <a:rPr lang="en-US" sz="1700" dirty="0">
-                <a:solidFill>
-                  <a:srgbClr val="000000"/>
-                </a:solidFill>
-                <a:latin typeface="Courier New" charset="0"/>
-                <a:ea typeface="Courier New" charset="0"/>
-                <a:cs typeface="Courier New" charset="0"/>
-              </a:rPr>
-              <a:t>&gt; sin(</a:t>
-            </a:r>
-            <a:r>
-              <a:rPr lang="en-US" sz="1700" dirty="0">
-                <a:solidFill>
-                  <a:srgbClr val="C0504D"/>
-                </a:solidFill>
-                <a:latin typeface="Courier New" charset="0"/>
-                <a:ea typeface="Courier New" charset="0"/>
-                <a:cs typeface="Courier New" charset="0"/>
-              </a:rPr>
-              <a:t>1.3</a:t>
-            </a:r>
-            <a:r>
-              <a:rPr lang="en-US" sz="1700" dirty="0">
-                <a:solidFill>
-                  <a:srgbClr val="000000"/>
-                </a:solidFill>
-                <a:latin typeface="Courier New" charset="0"/>
-                <a:ea typeface="Courier New" charset="0"/>
-                <a:cs typeface="Courier New" charset="0"/>
-              </a:rPr>
-              <a:t>)</a:t>
-            </a:r>
-          </a:p>
-        </p:txBody>
-      </p:sp>
-      <p:sp>
-        <p:nvSpPr>
-          <p:cNvPr id="6149" name="Text Box 5"/>
-          <p:cNvSpPr txBox="1">
-            <a:spLocks noChangeArrowheads="1"/>
-          </p:cNvSpPr>
-          <p:nvPr/>
-        </p:nvSpPr>
-        <p:spPr bwMode="auto">
-          <a:xfrm>
-            <a:off x="457200" y="4694238"/>
-            <a:ext cx="8229599" cy="368300"/>
-          </a:xfrm>
-          <a:prstGeom prst="rect">
-            <a:avLst/>
-          </a:prstGeom>
-          <a:solidFill>
-            <a:srgbClr val="F2F2F2"/>
-          </a:solidFill>
-          <a:ln w="9360">
-            <a:solidFill>
-              <a:srgbClr val="77933C"/>
-            </a:solidFill>
-            <a:prstDash val="lgDashDotDot"/>
-            <a:miter lim="800000"/>
-            <a:headEnd/>
-            <a:tailEnd/>
-          </a:ln>
-        </p:spPr>
-        <p:txBody>
-          <a:bodyPr wrap="square" lIns="90000" tIns="46800" rIns="90000" bIns="46800">
-            <a:prstTxWarp prst="textNoShape">
-              <a:avLst/>
-            </a:prstTxWarp>
-            <a:spAutoFit/>
-          </a:bodyPr>
-          <a:lstStyle/>
-          <a:p>
-            <a:pPr>
-              <a:buClrTx/>
-              <a:buFontTx/>
-              <a:buNone/>
-              <a:tabLst>
-                <a:tab pos="0" algn="l"/>
-                <a:tab pos="457200" algn="l"/>
-                <a:tab pos="914400" algn="l"/>
-                <a:tab pos="1371600" algn="l"/>
-                <a:tab pos="1828800" algn="l"/>
-                <a:tab pos="2286000" algn="l"/>
-                <a:tab pos="2743200" algn="l"/>
-                <a:tab pos="3200400" algn="l"/>
-                <a:tab pos="3657600" algn="l"/>
-                <a:tab pos="4114800" algn="l"/>
-                <a:tab pos="4572000" algn="l"/>
-                <a:tab pos="5029200" algn="l"/>
-                <a:tab pos="5486400" algn="l"/>
-                <a:tab pos="5943600" algn="l"/>
-                <a:tab pos="6400800" algn="l"/>
-                <a:tab pos="6858000" algn="l"/>
-                <a:tab pos="7315200" algn="l"/>
-                <a:tab pos="7772400" algn="l"/>
-                <a:tab pos="8229600" algn="l"/>
-                <a:tab pos="8686800" algn="l"/>
-                <a:tab pos="9144000" algn="l"/>
-              </a:tabLst>
-            </a:pPr>
-            <a:r>
-              <a:rPr lang="en-US" sz="1800" b="1">
-                <a:solidFill>
-                  <a:srgbClr val="000000"/>
-                </a:solidFill>
-                <a:latin typeface="Courier New" charset="0"/>
-                <a:ea typeface="Courier New" charset="0"/>
-                <a:cs typeface="Courier New" charset="0"/>
-              </a:rPr>
-              <a:t>[1] 0.9635582</a:t>
-            </a:r>
-          </a:p>
-        </p:txBody>
-      </p:sp>
-      <p:sp>
-        <p:nvSpPr>
-          <p:cNvPr id="6150" name="Text Box 6"/>
-          <p:cNvSpPr txBox="1">
-            <a:spLocks noChangeArrowheads="1"/>
-          </p:cNvSpPr>
-          <p:nvPr/>
-        </p:nvSpPr>
-        <p:spPr bwMode="auto">
-          <a:xfrm>
-            <a:off x="392113" y="4314825"/>
-            <a:ext cx="8229600" cy="368300"/>
-          </a:xfrm>
-          <a:prstGeom prst="rect">
-            <a:avLst/>
-          </a:prstGeom>
-          <a:noFill/>
-          <a:ln w="9525">
-            <a:noFill/>
-            <a:round/>
-            <a:headEnd/>
-            <a:tailEnd/>
-          </a:ln>
-        </p:spPr>
-        <p:txBody>
-          <a:bodyPr lIns="90000" tIns="46800" rIns="90000" bIns="46800">
-            <a:prstTxWarp prst="textNoShape">
-              <a:avLst/>
-            </a:prstTxWarp>
-            <a:spAutoFit/>
-          </a:bodyPr>
-          <a:lstStyle/>
-          <a:p>
-            <a:pPr>
-              <a:buClrTx/>
-              <a:buFontTx/>
-              <a:buNone/>
-              <a:tabLst>
-                <a:tab pos="0" algn="l"/>
-                <a:tab pos="457200" algn="l"/>
-                <a:tab pos="914400" algn="l"/>
-                <a:tab pos="1371600" algn="l"/>
-                <a:tab pos="1828800" algn="l"/>
-                <a:tab pos="2286000" algn="l"/>
-                <a:tab pos="2743200" algn="l"/>
-                <a:tab pos="3200400" algn="l"/>
-                <a:tab pos="3657600" algn="l"/>
-                <a:tab pos="4114800" algn="l"/>
-                <a:tab pos="4572000" algn="l"/>
-                <a:tab pos="5029200" algn="l"/>
-                <a:tab pos="5486400" algn="l"/>
-                <a:tab pos="5943600" algn="l"/>
-                <a:tab pos="6400800" algn="l"/>
-                <a:tab pos="6858000" algn="l"/>
-                <a:tab pos="7315200" algn="l"/>
-                <a:tab pos="7772400" algn="l"/>
-                <a:tab pos="8229600" algn="l"/>
-                <a:tab pos="8686800" algn="l"/>
-                <a:tab pos="9144000" algn="l"/>
-              </a:tabLst>
-            </a:pPr>
-            <a:r>
-              <a:rPr lang="en-US" sz="1800">
-                <a:solidFill>
-                  <a:srgbClr val="000000"/>
-                </a:solidFill>
-              </a:rPr>
-              <a:t>Results from code example will be in a grayed out box with a dashed border.</a:t>
-            </a:r>
+            <a:endParaRPr lang="en-US" dirty="0"/>
           </a:p>
         </p:txBody>
       </p:sp>
     </p:spTree>
+    <p:extLst>
+      <p:ext uri="{BB962C8B-B14F-4D97-AF65-F5344CB8AC3E}">
+        <p14:creationId xmlns:p14="http://schemas.microsoft.com/office/powerpoint/2010/main" val="1501347142"/>
+      </p:ext>
+    </p:extLst>
   </p:cSld>
   <p:clrMapOvr>
     <a:masterClrMapping/>
   </p:clrMapOvr>
-  <p:transition spd="med"/>
   <p:timing>
     <p:tnLst>
       <p:par>
-        <p:cTn id="1" dur="indefinite" restart="never" nodeType="tmRoot">
-          <p:childTnLst>
-            <p:seq concurrent="1" nextAc="seek">
-              <p:cTn id="2" dur="indefinite" nodeType="mainSeq">
-                <p:childTnLst>
-                  <p:par>
-                    <p:cTn id="3" fill="hold" nodeType="clickPar">
-                      <p:stCondLst>
-                        <p:cond delay="indefinite"/>
-                        <p:cond evt="onBegin" delay="0">
-                          <p:tn val="2"/>
-                        </p:cond>
-                      </p:stCondLst>
-                      <p:childTnLst>
-                        <p:par>
-                          <p:cTn id="4" fill="hold" nodeType="withGroup">
-                            <p:stCondLst>
-                              <p:cond delay="0"/>
-                            </p:stCondLst>
-                            <p:childTnLst>
-                              <p:par>
-                                <p:cTn id="5" presetID="1" presetClass="entr" fill="hold" nodeType="withEffect">
-                                  <p:stCondLst>
-                                    <p:cond delay="0"/>
-                                  </p:stCondLst>
-                                  <p:childTnLst>
-                                    <p:set>
-                                      <p:cBhvr additive="repl">
-                                        <p:cTn id="6" dur="1" fill="hold">
-                                          <p:stCondLst>
-                                            <p:cond delay="0"/>
-                                          </p:stCondLst>
-                                        </p:cTn>
-                                        <p:tgtEl>
-                                          <p:spTgt spid="6146"/>
-                                        </p:tgtEl>
-                                        <p:attrNameLst>
-                                          <p:attrName>style.visibility</p:attrName>
-                                        </p:attrNameLst>
-                                      </p:cBhvr>
-                                      <p:to>
-                                        <p:strVal val="visible"/>
-                                      </p:to>
-                                    </p:set>
-                                  </p:childTnLst>
-                                </p:cTn>
-                              </p:par>
-                            </p:childTnLst>
-                          </p:cTn>
-                        </p:par>
-                      </p:childTnLst>
-                    </p:cTn>
-                  </p:par>
-                  <p:par>
-                    <p:cTn id="7" fill="hold">
-                      <p:stCondLst>
-                        <p:cond delay="indefinite"/>
-                      </p:stCondLst>
-                      <p:childTnLst>
-                        <p:par>
-                          <p:cTn id="8" fill="hold">
-                            <p:stCondLst>
-                              <p:cond delay="0"/>
-                            </p:stCondLst>
-                            <p:childTnLst>
-                              <p:par>
-                                <p:cTn id="9" presetID="1" presetClass="entr" fill="hold" nodeType="clickEffect">
-                                  <p:stCondLst>
-                                    <p:cond delay="0"/>
-                                  </p:stCondLst>
-                                  <p:childTnLst>
-                                    <p:set>
-                                      <p:cBhvr additive="repl">
-                                        <p:cTn id="10" dur="1" fill="hold">
-                                          <p:stCondLst>
-                                            <p:cond delay="0"/>
-                                          </p:stCondLst>
-                                        </p:cTn>
-                                        <p:tgtEl>
-                                          <p:spTgt spid="6148"/>
-                                        </p:tgtEl>
-                                        <p:attrNameLst>
-                                          <p:attrName>style.visibility</p:attrName>
-                                        </p:attrNameLst>
-                                      </p:cBhvr>
-                                      <p:to>
-                                        <p:strVal val="visible"/>
-                                      </p:to>
-                                    </p:set>
-                                  </p:childTnLst>
-                                </p:cTn>
-                              </p:par>
-                            </p:childTnLst>
-                          </p:cTn>
-                        </p:par>
-                      </p:childTnLst>
-                    </p:cTn>
-                  </p:par>
-                  <p:par>
-                    <p:cTn id="11" fill="hold" nodeType="clickPar">
-                      <p:stCondLst>
-                        <p:cond delay="indefinite"/>
-                      </p:stCondLst>
-                      <p:childTnLst>
-                        <p:par>
-                          <p:cTn id="12" fill="hold" nodeType="withGroup">
-                            <p:stCondLst>
-                              <p:cond delay="0"/>
-                            </p:stCondLst>
-                            <p:childTnLst>
-                              <p:par>
-                                <p:cTn id="13" presetID="1" presetClass="entr" fill="hold" nodeType="clickEffect">
-                                  <p:stCondLst>
-                                    <p:cond delay="0"/>
-                                  </p:stCondLst>
-                                  <p:childTnLst>
-                                    <p:set>
-                                      <p:cBhvr additive="repl">
-                                        <p:cTn id="14" dur="1" fill="hold">
-                                          <p:stCondLst>
-                                            <p:cond delay="0"/>
-                                          </p:stCondLst>
-                                        </p:cTn>
-                                        <p:tgtEl>
-                                          <p:spTgt spid="6150"/>
-                                        </p:tgtEl>
-                                        <p:attrNameLst>
-                                          <p:attrName>style.visibility</p:attrName>
-                                        </p:attrNameLst>
-                                      </p:cBhvr>
-                                      <p:to>
-                                        <p:strVal val="visible"/>
-                                      </p:to>
-                                    </p:set>
-                                  </p:childTnLst>
-                                </p:cTn>
-                              </p:par>
-                              <p:par>
-                                <p:cTn id="15" presetID="1" presetClass="entr" fill="hold" nodeType="withEffect">
-                                  <p:stCondLst>
-                                    <p:cond delay="0"/>
-                                  </p:stCondLst>
-                                  <p:childTnLst>
-                                    <p:set>
-                                      <p:cBhvr additive="repl">
-                                        <p:cTn id="16" dur="1" fill="hold">
-                                          <p:stCondLst>
-                                            <p:cond delay="0"/>
-                                          </p:stCondLst>
-                                        </p:cTn>
-                                        <p:tgtEl>
-                                          <p:spTgt spid="6149"/>
-                                        </p:tgtEl>
-                                        <p:attrNameLst>
-                                          <p:attrName>style.visibility</p:attrName>
-                                        </p:attrNameLst>
-                                      </p:cBhvr>
-                                      <p:to>
-                                        <p:strVal val="visible"/>
-                                      </p:to>
-                                    </p:set>
-                                  </p:childTnLst>
-                                </p:cTn>
-                              </p:par>
-                            </p:childTnLst>
-                          </p:cTn>
-                        </p:par>
-                      </p:childTnLst>
-                    </p:cTn>
-                  </p:par>
-                </p:childTnLst>
-              </p:cTn>
-              <p:prevCondLst>
-                <p:cond evt="onPrev" delay="0">
-                  <p:tgtEl>
-                    <p:sldTgt/>
-                  </p:tgtEl>
-                </p:cond>
-              </p:prevCondLst>
-              <p:nextCondLst>
-                <p:cond evt="onNext" delay="0">
-                  <p:tgtEl>
-                    <p:sldTgt/>
-                  </p:tgtEl>
-                </p:cond>
-              </p:nextCondLst>
-            </p:seq>
-          </p:childTnLst>
-        </p:cTn>
+        <p:cTn id="1" dur="indefinite" restart="never" nodeType="tmRoot"/>
       </p:par>
     </p:tnLst>
   </p:timing>
 </p:sld>
 </file>
 
-<file path=ppt/slides/slide27.xml><?xml version="1.0" encoding="utf-8"?>
-<p:sld xmlns:a="http://schemas.openxmlformats.org/drawingml/2006/main" xmlns:r="http://schemas.openxmlformats.org/officeDocument/2006/relationships" xmlns:mc="http://schemas.openxmlformats.org/markup-compatibility/2006" xmlns:mv="urn:schemas-microsoft-com:mac:vml" xmlns:p="http://schemas.openxmlformats.org/presentationml/2006/main" mc:Ignorable="mv" mc:PreserveAttributes="mv:*">
+<file path=ppt/slides/slide6.xml><?xml version="1.0" encoding="utf-8"?>
+<p:sld xmlns:a="http://schemas.openxmlformats.org/drawingml/2006/main" xmlns:r="http://schemas.openxmlformats.org/officeDocument/2006/relationships" xmlns:p="http://schemas.openxmlformats.org/presentationml/2006/main">
   <p:cSld>
     <p:spTree>
       <p:nvGrpSpPr>
@@ -8345,364 +10062,104 @@
         </p:nvSpPr>
         <p:spPr/>
         <p:txBody>
+          <a:bodyPr>
+            <a:normAutofit fontScale="90000"/>
+          </a:bodyPr>
+          <a:lstStyle/>
+          <a:p>
+            <a:r>
+              <a:rPr lang="en-US" dirty="0"/>
+              <a:t>Structure of a Package</a:t>
+            </a:r>
+            <a:br>
+              <a:rPr lang="en-US" dirty="0"/>
+            </a:br>
+            <a:r>
+              <a:rPr lang="en-US" dirty="0" smtClean="0"/>
+              <a:t>(the </a:t>
+            </a:r>
+            <a:r>
+              <a:rPr lang="en-US" dirty="0"/>
+              <a:t>"</a:t>
+            </a:r>
+            <a:r>
+              <a:rPr lang="en-US" b="1" dirty="0"/>
+              <a:t>R</a:t>
+            </a:r>
+            <a:r>
+              <a:rPr lang="en-US" dirty="0"/>
+              <a:t>" </a:t>
+            </a:r>
+            <a:r>
+              <a:rPr lang="en-US" dirty="0" smtClean="0"/>
+              <a:t>folder</a:t>
+            </a:r>
+            <a:r>
+              <a:rPr lang="en-US" dirty="0"/>
+              <a:t>)</a:t>
+            </a:r>
+          </a:p>
+        </p:txBody>
+      </p:sp>
+      <p:sp>
+        <p:nvSpPr>
+          <p:cNvPr id="3" name="Content Placeholder 2"/>
+          <p:cNvSpPr>
+            <a:spLocks noGrp="1"/>
+          </p:cNvSpPr>
+          <p:nvPr>
+            <p:ph idx="1"/>
+          </p:nvPr>
+        </p:nvSpPr>
+        <p:spPr/>
+        <p:txBody>
           <a:bodyPr/>
           <a:lstStyle/>
           <a:p>
             <a:r>
-              <a:rPr lang="en-US"/>
-              <a:t>zelig.skeleton Example</a:t>
-            </a:r>
-          </a:p>
-        </p:txBody>
-      </p:sp>
-      <p:sp>
-        <p:nvSpPr>
-          <p:cNvPr id="4" name="Text Box 4"/>
-          <p:cNvSpPr txBox="1">
-            <a:spLocks noChangeArrowheads="1"/>
-          </p:cNvSpPr>
-          <p:nvPr/>
-        </p:nvSpPr>
-        <p:spPr bwMode="auto">
-          <a:xfrm>
-            <a:off x="457200" y="1949450"/>
-            <a:ext cx="8229600" cy="2187395"/>
-          </a:xfrm>
-          <a:prstGeom prst="rect">
-            <a:avLst/>
-          </a:prstGeom>
-          <a:noFill/>
-          <a:ln w="9360">
-            <a:solidFill>
-              <a:srgbClr val="000000"/>
-            </a:solidFill>
-            <a:prstDash val="dashDot"/>
-            <a:miter lim="800000"/>
-            <a:headEnd/>
-            <a:tailEnd/>
-          </a:ln>
-        </p:spPr>
-        <p:txBody>
-          <a:bodyPr wrap="square" lIns="90000" tIns="46800" rIns="90000" bIns="46800">
-            <a:prstTxWarp prst="textNoShape">
-              <a:avLst/>
-            </a:prstTxWarp>
-            <a:spAutoFit/>
-          </a:bodyPr>
-          <a:lstStyle/>
-          <a:p>
-            <a:pPr>
-              <a:buClrTx/>
-              <a:buFontTx/>
-              <a:buNone/>
-              <a:tabLst>
-                <a:tab pos="0" algn="l"/>
-                <a:tab pos="457200" algn="l"/>
-                <a:tab pos="914400" algn="l"/>
-                <a:tab pos="1371600" algn="l"/>
-                <a:tab pos="1828800" algn="l"/>
-                <a:tab pos="2286000" algn="l"/>
-                <a:tab pos="2743200" algn="l"/>
-                <a:tab pos="3200400" algn="l"/>
-                <a:tab pos="3657600" algn="l"/>
-                <a:tab pos="4114800" algn="l"/>
-                <a:tab pos="4572000" algn="l"/>
-                <a:tab pos="5029200" algn="l"/>
-                <a:tab pos="5486400" algn="l"/>
-                <a:tab pos="5943600" algn="l"/>
-                <a:tab pos="6400800" algn="l"/>
-                <a:tab pos="6858000" algn="l"/>
-                <a:tab pos="7315200" algn="l"/>
-                <a:tab pos="7772400" algn="l"/>
-                <a:tab pos="8229600" algn="l"/>
-                <a:tab pos="8686800" algn="l"/>
-                <a:tab pos="9144000" algn="l"/>
-              </a:tabLst>
-            </a:pPr>
-            <a:r>
-              <a:rPr lang="en-US" sz="1700" dirty="0">
-                <a:solidFill>
-                  <a:srgbClr val="7F7F7F"/>
-                </a:solidFill>
-                <a:latin typeface="Courier New" charset="0"/>
-                <a:ea typeface="Courier New" charset="0"/>
-                <a:cs typeface="Courier New" charset="0"/>
-              </a:rPr>
-              <a:t># The first parameter is the package name</a:t>
-            </a:r>
-          </a:p>
-          <a:p>
-            <a:pPr>
-              <a:buClrTx/>
-              <a:buFontTx/>
-              <a:buNone/>
-              <a:tabLst>
-                <a:tab pos="0" algn="l"/>
-                <a:tab pos="457200" algn="l"/>
-                <a:tab pos="914400" algn="l"/>
-                <a:tab pos="1371600" algn="l"/>
-                <a:tab pos="1828800" algn="l"/>
-                <a:tab pos="2286000" algn="l"/>
-                <a:tab pos="2743200" algn="l"/>
-                <a:tab pos="3200400" algn="l"/>
-                <a:tab pos="3657600" algn="l"/>
-                <a:tab pos="4114800" algn="l"/>
-                <a:tab pos="4572000" algn="l"/>
-                <a:tab pos="5029200" algn="l"/>
-                <a:tab pos="5486400" algn="l"/>
-                <a:tab pos="5943600" algn="l"/>
-                <a:tab pos="6400800" algn="l"/>
-                <a:tab pos="6858000" algn="l"/>
-                <a:tab pos="7315200" algn="l"/>
-                <a:tab pos="7772400" algn="l"/>
-                <a:tab pos="8229600" algn="l"/>
-                <a:tab pos="8686800" algn="l"/>
-                <a:tab pos="9144000" algn="l"/>
-              </a:tabLst>
-            </a:pPr>
-            <a:r>
-              <a:rPr lang="en-US" sz="1700" dirty="0">
-                <a:solidFill>
-                  <a:srgbClr val="000000"/>
-                </a:solidFill>
-                <a:latin typeface="Courier New" charset="0"/>
-                <a:ea typeface="Courier New" charset="0"/>
-                <a:cs typeface="Courier New" charset="0"/>
-              </a:rPr>
-              <a:t>&gt; pkgName &lt;- "ZeligLeastSquares"</a:t>
-            </a:r>
-          </a:p>
-          <a:p>
-            <a:pPr>
-              <a:tabLst>
-                <a:tab pos="0" algn="l"/>
-                <a:tab pos="457200" algn="l"/>
-                <a:tab pos="914400" algn="l"/>
-                <a:tab pos="1371600" algn="l"/>
-                <a:tab pos="1828800" algn="l"/>
-                <a:tab pos="2286000" algn="l"/>
-                <a:tab pos="2743200" algn="l"/>
-                <a:tab pos="3200400" algn="l"/>
-                <a:tab pos="3657600" algn="l"/>
-                <a:tab pos="4114800" algn="l"/>
-                <a:tab pos="4572000" algn="l"/>
-                <a:tab pos="5029200" algn="l"/>
-                <a:tab pos="5486400" algn="l"/>
-                <a:tab pos="5943600" algn="l"/>
-                <a:tab pos="6400800" algn="l"/>
-                <a:tab pos="6858000" algn="l"/>
-                <a:tab pos="7315200" algn="l"/>
-                <a:tab pos="7772400" algn="l"/>
-                <a:tab pos="8229600" algn="l"/>
-                <a:tab pos="8686800" algn="l"/>
-                <a:tab pos="9144000" algn="l"/>
-              </a:tabLst>
-            </a:pPr>
-            <a:r>
-              <a:rPr lang="en-US" sz="1700" dirty="0">
-                <a:solidFill>
-                  <a:srgbClr val="000000"/>
-                </a:solidFill>
-                <a:latin typeface="Courier New" charset="0"/>
-                <a:ea typeface="Courier New" charset="0"/>
-                <a:cs typeface="Courier New" charset="0"/>
-              </a:rPr>
-              <a:t>&gt; model &lt;- "twostage"</a:t>
-            </a:r>
-          </a:p>
-          <a:p>
-            <a:pPr>
-              <a:tabLst>
-                <a:tab pos="0" algn="l"/>
-                <a:tab pos="457200" algn="l"/>
-                <a:tab pos="914400" algn="l"/>
-                <a:tab pos="1371600" algn="l"/>
-                <a:tab pos="1828800" algn="l"/>
-                <a:tab pos="2286000" algn="l"/>
-                <a:tab pos="2743200" algn="l"/>
-                <a:tab pos="3200400" algn="l"/>
-                <a:tab pos="3657600" algn="l"/>
-                <a:tab pos="4114800" algn="l"/>
-                <a:tab pos="4572000" algn="l"/>
-                <a:tab pos="5029200" algn="l"/>
-                <a:tab pos="5486400" algn="l"/>
-                <a:tab pos="5943600" algn="l"/>
-                <a:tab pos="6400800" algn="l"/>
-                <a:tab pos="6858000" algn="l"/>
-                <a:tab pos="7315200" algn="l"/>
-                <a:tab pos="7772400" algn="l"/>
-                <a:tab pos="8229600" algn="l"/>
-                <a:tab pos="8686800" algn="l"/>
-                <a:tab pos="9144000" algn="l"/>
-              </a:tabLst>
-            </a:pPr>
-            <a:r>
-              <a:rPr lang="en-US" sz="1700" dirty="0">
-                <a:solidFill>
-                  <a:srgbClr val="000000"/>
-                </a:solidFill>
-                <a:latin typeface="Courier New" charset="0"/>
-                <a:ea typeface="Courier New" charset="0"/>
-                <a:cs typeface="Courier New" charset="0"/>
-              </a:rPr>
-              <a:t>&gt; author &lt;- "Matt Owen"</a:t>
-            </a:r>
-          </a:p>
-          <a:p>
-            <a:pPr>
-              <a:tabLst>
-                <a:tab pos="0" algn="l"/>
-                <a:tab pos="457200" algn="l"/>
-                <a:tab pos="914400" algn="l"/>
-                <a:tab pos="1371600" algn="l"/>
-                <a:tab pos="1828800" algn="l"/>
-                <a:tab pos="2286000" algn="l"/>
-                <a:tab pos="2743200" algn="l"/>
-                <a:tab pos="3200400" algn="l"/>
-                <a:tab pos="3657600" algn="l"/>
-                <a:tab pos="4114800" algn="l"/>
-                <a:tab pos="4572000" algn="l"/>
-                <a:tab pos="5029200" algn="l"/>
-                <a:tab pos="5486400" algn="l"/>
-                <a:tab pos="5943600" algn="l"/>
-                <a:tab pos="6400800" algn="l"/>
-                <a:tab pos="6858000" algn="l"/>
-                <a:tab pos="7315200" algn="l"/>
-                <a:tab pos="7772400" algn="l"/>
-                <a:tab pos="8229600" algn="l"/>
-                <a:tab pos="8686800" algn="l"/>
-                <a:tab pos="9144000" algn="l"/>
-              </a:tabLst>
-            </a:pPr>
-            <a:r>
-              <a:rPr lang="en-US" sz="1700" dirty="0">
-                <a:solidFill>
-                  <a:srgbClr val="000000"/>
-                </a:solidFill>
-                <a:latin typeface="Courier New" charset="0"/>
-                <a:ea typeface="Courier New" charset="0"/>
-                <a:cs typeface="Courier New" charset="0"/>
-              </a:rPr>
-              <a:t>&gt; email &lt;- "mowen@iq.harvard.edu"</a:t>
-            </a:r>
-          </a:p>
-          <a:p>
-            <a:pPr>
-              <a:tabLst>
-                <a:tab pos="0" algn="l"/>
-                <a:tab pos="457200" algn="l"/>
-                <a:tab pos="914400" algn="l"/>
-                <a:tab pos="1371600" algn="l"/>
-                <a:tab pos="1828800" algn="l"/>
-                <a:tab pos="2286000" algn="l"/>
-                <a:tab pos="2743200" algn="l"/>
-                <a:tab pos="3200400" algn="l"/>
-                <a:tab pos="3657600" algn="l"/>
-                <a:tab pos="4114800" algn="l"/>
-                <a:tab pos="4572000" algn="l"/>
-                <a:tab pos="5029200" algn="l"/>
-                <a:tab pos="5486400" algn="l"/>
-                <a:tab pos="5943600" algn="l"/>
-                <a:tab pos="6400800" algn="l"/>
-                <a:tab pos="6858000" algn="l"/>
-                <a:tab pos="7315200" algn="l"/>
-                <a:tab pos="7772400" algn="l"/>
-                <a:tab pos="8229600" algn="l"/>
-                <a:tab pos="8686800" algn="l"/>
-                <a:tab pos="9144000" algn="l"/>
-              </a:tabLst>
-            </a:pPr>
-            <a:r>
-              <a:rPr lang="en-US" sz="1700" dirty="0">
-                <a:solidFill>
-                  <a:srgbClr val="000000"/>
-                </a:solidFill>
-                <a:latin typeface="Courier New" charset="0"/>
-                <a:ea typeface="Courier New" charset="0"/>
-                <a:cs typeface="Courier New" charset="0"/>
-              </a:rPr>
-              <a:t>&gt; zelig.skeleton(pkgName, model, author = author, email = email)</a:t>
-            </a:r>
-          </a:p>
-          <a:p>
-            <a:pPr>
-              <a:buClrTx/>
-              <a:buFontTx/>
-              <a:buNone/>
-              <a:tabLst>
-                <a:tab pos="0" algn="l"/>
-                <a:tab pos="457200" algn="l"/>
-                <a:tab pos="914400" algn="l"/>
-                <a:tab pos="1371600" algn="l"/>
-                <a:tab pos="1828800" algn="l"/>
-                <a:tab pos="2286000" algn="l"/>
-                <a:tab pos="2743200" algn="l"/>
-                <a:tab pos="3200400" algn="l"/>
-                <a:tab pos="3657600" algn="l"/>
-                <a:tab pos="4114800" algn="l"/>
-                <a:tab pos="4572000" algn="l"/>
-                <a:tab pos="5029200" algn="l"/>
-                <a:tab pos="5486400" algn="l"/>
-                <a:tab pos="5943600" algn="l"/>
-                <a:tab pos="6400800" algn="l"/>
-                <a:tab pos="6858000" algn="l"/>
-                <a:tab pos="7315200" algn="l"/>
-                <a:tab pos="7772400" algn="l"/>
-                <a:tab pos="8229600" algn="l"/>
-                <a:tab pos="8686800" algn="l"/>
-                <a:tab pos="9144000" algn="l"/>
-              </a:tabLst>
-            </a:pPr>
-            <a:endParaRPr lang="en-US" sz="1700" dirty="0">
-              <a:solidFill>
-                <a:srgbClr val="000000"/>
-              </a:solidFill>
-              <a:latin typeface="Courier New" charset="0"/>
-              <a:ea typeface="Courier New" charset="0"/>
-              <a:cs typeface="Courier New" charset="0"/>
-            </a:endParaRPr>
-          </a:p>
-        </p:txBody>
-      </p:sp>
-      <p:sp>
-        <p:nvSpPr>
-          <p:cNvPr id="5" name="TextBox 4"/>
-          <p:cNvSpPr txBox="1"/>
-          <p:nvPr/>
-        </p:nvSpPr>
-        <p:spPr>
-          <a:xfrm>
-            <a:off x="457200" y="4403868"/>
-            <a:ext cx="8229600" cy="1477328"/>
-          </a:xfrm>
-          <a:prstGeom prst="rect">
-            <a:avLst/>
-          </a:prstGeom>
-          <a:noFill/>
-        </p:spPr>
-        <p:txBody>
-          <a:bodyPr wrap="square" rtlCol="0">
-            <a:spAutoFit/>
-          </a:bodyPr>
-          <a:lstStyle/>
-          <a:p>
-            <a:r>
-              <a:rPr lang="en-US"/>
-              <a:t>This example will create a folder named "ZeligLeastSquares" in your current working directory.</a:t>
-            </a:r>
-          </a:p>
-          <a:p>
-            <a:endParaRPr lang="en-US"/>
-          </a:p>
-          <a:p>
-            <a:r>
-              <a:rPr lang="en-US"/>
-              <a:t>If you need to go back later and change these values, they will be saved in the file "ZeligLeastSquares/DESCRIPTION"</a:t>
-            </a:r>
+              <a:rPr lang="en-US" dirty="0" smtClean="0"/>
+              <a:t>Contains the R source code for the entire package</a:t>
+            </a:r>
+          </a:p>
+          <a:p>
+            <a:r>
+              <a:rPr lang="en-US" dirty="0" smtClean="0"/>
+              <a:t>All files end with </a:t>
+            </a:r>
+            <a:r>
+              <a:rPr lang="en-US" dirty="0"/>
+              <a:t>"</a:t>
+            </a:r>
+            <a:r>
+              <a:rPr lang="en-US" b="1" dirty="0"/>
+              <a:t>.R</a:t>
+            </a:r>
+            <a:r>
+              <a:rPr lang="en-US" dirty="0"/>
+              <a:t>"</a:t>
+            </a:r>
+          </a:p>
+          <a:p>
+            <a:r>
+              <a:rPr lang="en-US" dirty="0" smtClean="0"/>
+              <a:t>Code </a:t>
+            </a:r>
+            <a:r>
+              <a:rPr lang="en-US" dirty="0"/>
+              <a:t>written in R should always be kept in this folder</a:t>
+            </a:r>
+          </a:p>
+          <a:p>
+            <a:endParaRPr lang="en-US" dirty="0"/>
           </a:p>
         </p:txBody>
       </p:sp>
     </p:spTree>
+    <p:extLst>
+      <p:ext uri="{BB962C8B-B14F-4D97-AF65-F5344CB8AC3E}">
+        <p14:creationId xmlns:p14="http://schemas.microsoft.com/office/powerpoint/2010/main" val="3623617875"/>
+      </p:ext>
+    </p:extLst>
   </p:cSld>
   <p:clrMapOvr>
     <a:masterClrMapping/>
@@ -8710,83 +10167,15 @@
   <p:timing>
     <p:tnLst>
       <p:par>
-        <p:cTn id="1" dur="indefinite" restart="never" nodeType="tmRoot">
-          <p:childTnLst>
-            <p:seq concurrent="1" nextAc="seek">
-              <p:cTn id="2" dur="indefinite" nodeType="mainSeq">
-                <p:childTnLst>
-                  <p:par>
-                    <p:cTn id="3" fill="hold">
-                      <p:stCondLst>
-                        <p:cond delay="indefinite"/>
-                      </p:stCondLst>
-                      <p:childTnLst>
-                        <p:par>
-                          <p:cTn id="4" fill="hold">
-                            <p:stCondLst>
-                              <p:cond delay="0"/>
-                            </p:stCondLst>
-                            <p:childTnLst>
-                              <p:par>
-                                <p:cTn id="5" presetID="1" presetClass="entr" fill="hold" nodeType="clickEffect">
-                                  <p:stCondLst>
-                                    <p:cond delay="0"/>
-                                  </p:stCondLst>
-                                  <p:childTnLst>
-                                    <p:set>
-                                      <p:cBhvr additive="repl">
-                                        <p:cTn id="6" dur="1" fill="hold">
-                                          <p:stCondLst>
-                                            <p:cond delay="0"/>
-                                          </p:stCondLst>
-                                        </p:cTn>
-                                        <p:tgtEl>
-                                          <p:spTgt spid="4"/>
-                                        </p:tgtEl>
-                                        <p:attrNameLst>
-                                          <p:attrName>style.visibility</p:attrName>
-                                        </p:attrNameLst>
-                                      </p:cBhvr>
-                                      <p:to>
-                                        <p:strVal val="visible"/>
-                                      </p:to>
-                                    </p:set>
-                                  </p:childTnLst>
-                                </p:cTn>
-                              </p:par>
-                            </p:childTnLst>
-                          </p:cTn>
-                        </p:par>
-                      </p:childTnLst>
-                    </p:cTn>
-                  </p:par>
-                </p:childTnLst>
-              </p:cTn>
-              <p:prevCondLst>
-                <p:cond evt="onPrev" delay="0">
-                  <p:tgtEl>
-                    <p:sldTgt/>
-                  </p:tgtEl>
-                </p:cond>
-              </p:prevCondLst>
-              <p:nextCondLst>
-                <p:cond evt="onNext" delay="0">
-                  <p:tgtEl>
-                    <p:sldTgt/>
-                  </p:tgtEl>
-                </p:cond>
-              </p:nextCondLst>
-            </p:seq>
-          </p:childTnLst>
-        </p:cTn>
+        <p:cTn id="1" dur="indefinite" restart="never" nodeType="tmRoot"/>
       </p:par>
     </p:tnLst>
   </p:timing>
 </p:sld>
 </file>
 
-<file path=ppt/slides/slide28.xml><?xml version="1.0" encoding="utf-8"?>
-<p:sld xmlns:a="http://schemas.openxmlformats.org/drawingml/2006/main" xmlns:r="http://schemas.openxmlformats.org/officeDocument/2006/relationships" xmlns:mc="http://schemas.openxmlformats.org/markup-compatibility/2006" xmlns:mv="urn:schemas-microsoft-com:mac:vml" xmlns:p="http://schemas.openxmlformats.org/presentationml/2006/main" mc:Ignorable="mv" mc:PreserveAttributes="mv:*">
+<file path=ppt/slides/slide7.xml><?xml version="1.0" encoding="utf-8"?>
+<p:sld xmlns:a="http://schemas.openxmlformats.org/drawingml/2006/main" xmlns:r="http://schemas.openxmlformats.org/officeDocument/2006/relationships" xmlns:p="http://schemas.openxmlformats.org/presentationml/2006/main">
   <p:cSld>
     <p:spTree>
       <p:nvGrpSpPr>
@@ -8814,90 +10203,131 @@
         </p:nvSpPr>
         <p:spPr/>
         <p:txBody>
+          <a:bodyPr>
+            <a:normAutofit fontScale="90000"/>
+          </a:bodyPr>
+          <a:lstStyle/>
+          <a:p>
+            <a:r>
+              <a:rPr lang="en-US" dirty="0"/>
+              <a:t>Structure of a Package</a:t>
+            </a:r>
+            <a:br>
+              <a:rPr lang="en-US" dirty="0"/>
+            </a:br>
+            <a:r>
+              <a:rPr lang="en-US" dirty="0" smtClean="0"/>
+              <a:t>(the </a:t>
+            </a:r>
+            <a:r>
+              <a:rPr lang="en-US" dirty="0"/>
+              <a:t>"</a:t>
+            </a:r>
+            <a:r>
+              <a:rPr lang="en-US" b="1" dirty="0"/>
+              <a:t>man</a:t>
+            </a:r>
+            <a:r>
+              <a:rPr lang="en-US" dirty="0"/>
+              <a:t>" </a:t>
+            </a:r>
+            <a:r>
+              <a:rPr lang="en-US" dirty="0" smtClean="0"/>
+              <a:t>folder</a:t>
+            </a:r>
+            <a:r>
+              <a:rPr lang="en-US" dirty="0"/>
+              <a:t>)</a:t>
+            </a:r>
+          </a:p>
+        </p:txBody>
+      </p:sp>
+      <p:sp>
+        <p:nvSpPr>
+          <p:cNvPr id="3" name="Content Placeholder 2"/>
+          <p:cNvSpPr>
+            <a:spLocks noGrp="1"/>
+          </p:cNvSpPr>
+          <p:nvPr>
+            <p:ph idx="1"/>
+          </p:nvPr>
+        </p:nvSpPr>
+        <p:spPr/>
+        <p:txBody>
           <a:bodyPr/>
           <a:lstStyle/>
           <a:p>
             <a:r>
-              <a:rPr lang="en-US"/>
-              <a:t>Structure of a Package</a:t>
-            </a:r>
-          </a:p>
-        </p:txBody>
-      </p:sp>
-      <p:sp>
-        <p:nvSpPr>
-          <p:cNvPr id="4" name="Content Placeholder 3"/>
-          <p:cNvSpPr>
-            <a:spLocks noGrp="1"/>
-          </p:cNvSpPr>
-          <p:nvPr>
-            <p:ph idx="1"/>
-          </p:nvPr>
-        </p:nvSpPr>
-        <p:spPr/>
-        <p:txBody>
-          <a:bodyPr>
-            <a:normAutofit/>
-          </a:bodyPr>
-          <a:lstStyle/>
-          <a:p>
-            <a:r>
-              <a:rPr lang="en-US"/>
-              <a:t>Is simply a directory with folders:</a:t>
-            </a:r>
-          </a:p>
-          <a:p>
-            <a:pPr lvl="1"/>
-            <a:r>
-              <a:rPr lang="en-US"/>
-              <a:t>R</a:t>
-            </a:r>
-          </a:p>
-          <a:p>
-            <a:pPr lvl="1"/>
-            <a:r>
-              <a:rPr lang="en-US"/>
-              <a:t>man</a:t>
-            </a:r>
-          </a:p>
-          <a:p>
-            <a:r>
-              <a:rPr lang="en-US"/>
-              <a:t>And important files:</a:t>
-            </a:r>
-          </a:p>
-          <a:p>
-            <a:pPr lvl="1"/>
-            <a:r>
-              <a:rPr lang="en-US"/>
-              <a:t>DESCRIPTION</a:t>
-            </a:r>
-          </a:p>
-          <a:p>
-            <a:pPr lvl="1"/>
-            <a:r>
-              <a:rPr lang="en-US"/>
-              <a:t>NAMESPACE</a:t>
-            </a:r>
-          </a:p>
-          <a:p>
-            <a:pPr>
-              <a:buNone/>
-            </a:pPr>
-            <a:endParaRPr lang="en-US"/>
+              <a:rPr lang="en-US" dirty="0" smtClean="0"/>
+              <a:t>Contains </a:t>
+            </a:r>
+            <a:r>
+              <a:rPr lang="en-US" dirty="0"/>
+              <a:t>the help documentation</a:t>
+            </a:r>
+          </a:p>
+          <a:p>
+            <a:r>
+              <a:rPr lang="en-US" dirty="0"/>
+              <a:t>All files </a:t>
+            </a:r>
+            <a:r>
+              <a:rPr lang="en-US" dirty="0" smtClean="0"/>
+              <a:t>end with "</a:t>
+            </a:r>
+            <a:r>
+              <a:rPr lang="en-US" b="1" dirty="0" smtClean="0"/>
+              <a:t>.Rd</a:t>
+            </a:r>
+            <a:r>
+              <a:rPr lang="en-US" dirty="0"/>
+              <a:t>"</a:t>
+            </a:r>
+          </a:p>
+          <a:p>
+            <a:r>
+              <a:rPr lang="en-US" dirty="0"/>
+              <a:t>Rd documents are written in a </a:t>
+            </a:r>
+            <a:r>
+              <a:rPr lang="en-US" dirty="0" err="1"/>
+              <a:t>LaTeX</a:t>
+            </a:r>
+            <a:r>
+              <a:rPr lang="en-US" dirty="0"/>
+              <a:t>-like language</a:t>
+            </a:r>
+          </a:p>
+          <a:p>
+            <a:r>
+              <a:rPr lang="en-US" sz="2400" dirty="0"/>
+              <a:t>http://cran.r-project.org/doc/manuals/R-exts.html#Rd-format</a:t>
+            </a:r>
           </a:p>
         </p:txBody>
       </p:sp>
     </p:spTree>
+    <p:extLst>
+      <p:ext uri="{BB962C8B-B14F-4D97-AF65-F5344CB8AC3E}">
+        <p14:creationId xmlns:p14="http://schemas.microsoft.com/office/powerpoint/2010/main" val="70992702"/>
+      </p:ext>
+    </p:extLst>
   </p:cSld>
   <p:clrMapOvr>
     <a:masterClrMapping/>
   </p:clrMapOvr>
+  <p:timing>
+    <p:tnLst>
+      <p:par>
+        <p:cTn id="1" dur="indefinite" restart="never" nodeType="tmRoot"/>
+      </p:par>
+    </p:tnLst>
+  </p:timing>
 </p:sld>
 </file>
 
-<file path=ppt/slides/slide29.xml><?xml version="1.0" encoding="utf-8"?>
-<p:sld xmlns:a="http://schemas.openxmlformats.org/drawingml/2006/main" xmlns:r="http://schemas.openxmlformats.org/officeDocument/2006/relationships" xmlns:mc="http://schemas.openxmlformats.org/markup-compatibility/2006" xmlns:mv="urn:schemas-microsoft-com:mac:vml" xmlns:p="http://schemas.openxmlformats.org/presentationml/2006/main" mc:Ignorable="mv" mc:PreserveAttributes="mv:*">
+<file path=ppt/slides/slide8.xml><?xml version="1.0" encoding="utf-8"?>
+<p:sld xmlns:a="http://schemas.openxmlformats.org/drawingml/2006/main" xmlns:r="http://schemas.openxmlformats.org/officeDocument/2006/relationships" xmlns:p="http://schemas.openxmlformats.org/presentationml/2006/main">
   <p:cSld>
     <p:spTree>
       <p:nvGrpSpPr>
@@ -8925,92 +10355,111 @@
         </p:nvSpPr>
         <p:spPr/>
         <p:txBody>
+          <a:bodyPr>
+            <a:normAutofit fontScale="90000"/>
+          </a:bodyPr>
+          <a:lstStyle/>
+          <a:p>
+            <a:r>
+              <a:rPr lang="en-US" dirty="0" smtClean="0"/>
+              <a:t>Structure of a Package</a:t>
+            </a:r>
+            <a:br>
+              <a:rPr lang="en-US" dirty="0" smtClean="0"/>
+            </a:br>
+            <a:r>
+              <a:rPr lang="en-US" dirty="0" smtClean="0"/>
+              <a:t>(the "</a:t>
+            </a:r>
+            <a:r>
+              <a:rPr lang="en-US" b="1" dirty="0" smtClean="0"/>
+              <a:t>DESCRIPTION</a:t>
+            </a:r>
+            <a:r>
+              <a:rPr lang="en-US" dirty="0" smtClean="0"/>
+              <a:t>" file)</a:t>
+            </a:r>
+            <a:endParaRPr lang="en-US" dirty="0"/>
+          </a:p>
+        </p:txBody>
+      </p:sp>
+      <p:sp>
+        <p:nvSpPr>
+          <p:cNvPr id="3" name="Content Placeholder 2"/>
+          <p:cNvSpPr>
+            <a:spLocks noGrp="1"/>
+          </p:cNvSpPr>
+          <p:nvPr>
+            <p:ph idx="1"/>
+          </p:nvPr>
+        </p:nvSpPr>
+        <p:spPr/>
+        <p:txBody>
           <a:bodyPr/>
           <a:lstStyle/>
           <a:p>
             <a:r>
               <a:rPr lang="en-US"/>
-              <a:t>Structure of a Package</a:t>
-            </a:r>
-          </a:p>
-        </p:txBody>
-      </p:sp>
-      <p:sp>
-        <p:nvSpPr>
-          <p:cNvPr id="3" name="Content Placeholder 2"/>
-          <p:cNvSpPr>
-            <a:spLocks noGrp="1"/>
-          </p:cNvSpPr>
-          <p:nvPr>
-            <p:ph idx="1"/>
-          </p:nvPr>
-        </p:nvSpPr>
-        <p:spPr/>
-        <p:txBody>
-          <a:bodyPr/>
-          <a:lstStyle/>
-          <a:p>
-            <a:r>
-              <a:rPr lang="en-US"/>
-              <a:t>The important files and folder are:</a:t>
+              <a:t>Contains several fields used to specify information about the statistical package</a:t>
+            </a:r>
+          </a:p>
+          <a:p>
+            <a:r>
+              <a:rPr lang="en-US"/>
+              <a:t>Most important are:</a:t>
             </a:r>
           </a:p>
           <a:p>
             <a:pPr lvl="1"/>
             <a:r>
               <a:rPr lang="en-US"/>
-              <a:t>The "R" folder will contain </a:t>
-            </a:r>
-            <a:r>
-              <a:rPr lang="en-US" b="1"/>
-              <a:t>ALL</a:t>
-            </a:r>
-            <a:r>
-              <a:rPr lang="en-US"/>
-              <a:t> source code written in R</a:t>
+              <a:t>Depends</a:t>
             </a:r>
           </a:p>
           <a:p>
             <a:pPr lvl="1"/>
             <a:r>
               <a:rPr lang="en-US"/>
-              <a:t>The "man" folder holds documentation</a:t>
+              <a:t>Author</a:t>
             </a:r>
           </a:p>
           <a:p>
             <a:pPr lvl="1"/>
             <a:r>
               <a:rPr lang="en-US"/>
-              <a:t>"DESCRIPTION" gives information about authorship and package dependency</a:t>
-            </a:r>
-          </a:p>
-          <a:p>
-            <a:pPr lvl="1"/>
-            <a:r>
-              <a:rPr lang="en-US"/>
-              <a:t>"NAMESPACE" specifies what functions should be visible by </a:t>
-            </a:r>
-            <a:r>
-              <a:rPr lang="en-US" b="1"/>
-              <a:t>EXTERNAL</a:t>
-            </a:r>
-            <a:r>
-              <a:rPr lang="en-US"/>
-              <a:t> packages</a:t>
+              <a:t>Version</a:t>
+            </a:r>
+          </a:p>
+          <a:p>
+            <a:r>
+              <a:rPr lang="en-US" sz="2000"/>
+              <a:t>http://cran.r-project.org/doc/manuals/R-exts.html#The-DESCRIPTION-file</a:t>
             </a:r>
           </a:p>
         </p:txBody>
       </p:sp>
     </p:spTree>
+    <p:extLst>
+      <p:ext uri="{BB962C8B-B14F-4D97-AF65-F5344CB8AC3E}">
+        <p14:creationId xmlns:p14="http://schemas.microsoft.com/office/powerpoint/2010/main" val="2872122745"/>
+      </p:ext>
+    </p:extLst>
   </p:cSld>
   <p:clrMapOvr>
     <a:masterClrMapping/>
   </p:clrMapOvr>
+  <p:timing>
+    <p:tnLst>
+      <p:par>
+        <p:cTn id="1" dur="indefinite" restart="never" nodeType="tmRoot"/>
+      </p:par>
+    </p:tnLst>
+  </p:timing>
 </p:sld>
 </file>
 
-<file path=ppt/slides/slide3.xml><?xml version="1.0" encoding="utf-8"?>
-<p:sld xmlns:a="http://schemas.openxmlformats.org/drawingml/2006/main" xmlns:r="http://schemas.openxmlformats.org/officeDocument/2006/relationships" xmlns:mc="http://schemas.openxmlformats.org/markup-compatibility/2006" xmlns:mv="urn:schemas-microsoft-com:mac:vml" xmlns:p="http://schemas.openxmlformats.org/presentationml/2006/main" mc:Ignorable="mv" mc:PreserveAttributes="mv:*">
+<file path=ppt/slides/slide9.xml><?xml version="1.0" encoding="utf-8"?>
+<p:sld xmlns:a="http://schemas.openxmlformats.org/drawingml/2006/main" xmlns:r="http://schemas.openxmlformats.org/officeDocument/2006/relationships" xmlns:p="http://schemas.openxmlformats.org/presentationml/2006/main">
   <p:cSld>
     <p:spTree>
       <p:nvGrpSpPr>
@@ -9038,85 +10487,85 @@
         </p:nvSpPr>
         <p:spPr/>
         <p:txBody>
+          <a:bodyPr>
+            <a:normAutofit fontScale="90000"/>
+          </a:bodyPr>
+          <a:lstStyle/>
+          <a:p>
+            <a:r>
+              <a:rPr lang="en-US" dirty="0"/>
+              <a:t>Structure of a Package</a:t>
+            </a:r>
+            <a:br>
+              <a:rPr lang="en-US" dirty="0"/>
+            </a:br>
+            <a:r>
+              <a:rPr lang="en-US" dirty="0" smtClean="0"/>
+              <a:t>(the </a:t>
+            </a:r>
+            <a:r>
+              <a:rPr lang="en-US" dirty="0"/>
+              <a:t>"</a:t>
+            </a:r>
+            <a:r>
+              <a:rPr lang="en-US" b="1" dirty="0"/>
+              <a:t>NAMESPACE</a:t>
+            </a:r>
+            <a:r>
+              <a:rPr lang="en-US" dirty="0"/>
+              <a:t>" </a:t>
+            </a:r>
+            <a:r>
+              <a:rPr lang="en-US" dirty="0" smtClean="0"/>
+              <a:t>file</a:t>
+            </a:r>
+            <a:r>
+              <a:rPr lang="en-US" dirty="0"/>
+              <a:t>)</a:t>
+            </a:r>
+          </a:p>
+        </p:txBody>
+      </p:sp>
+      <p:sp>
+        <p:nvSpPr>
+          <p:cNvPr id="3" name="Content Placeholder 2"/>
+          <p:cNvSpPr>
+            <a:spLocks noGrp="1"/>
+          </p:cNvSpPr>
+          <p:nvPr>
+            <p:ph idx="1"/>
+          </p:nvPr>
+        </p:nvSpPr>
+        <p:spPr/>
+        <p:txBody>
           <a:bodyPr/>
           <a:lstStyle/>
           <a:p>
             <a:r>
               <a:rPr lang="en-US"/>
-              <a:t>Outline</a:t>
-            </a:r>
-          </a:p>
-        </p:txBody>
-      </p:sp>
-      <p:sp>
-        <p:nvSpPr>
-          <p:cNvPr id="3" name="Content Placeholder 2"/>
-          <p:cNvSpPr>
-            <a:spLocks noGrp="1"/>
-          </p:cNvSpPr>
-          <p:nvPr>
-            <p:ph idx="1"/>
-          </p:nvPr>
-        </p:nvSpPr>
-        <p:spPr/>
-        <p:txBody>
-          <a:bodyPr/>
-          <a:lstStyle/>
-          <a:p>
-            <a:r>
-              <a:rPr lang="en-US"/>
-              <a:t>What is a statistical package</a:t>
-            </a:r>
-          </a:p>
-          <a:p>
-            <a:r>
-              <a:rPr lang="en-US"/>
-              <a:t>Creating a statistical package</a:t>
-            </a:r>
-          </a:p>
-          <a:p>
-            <a:r>
-              <a:rPr lang="en-US"/>
-              <a:t>Model fitting functions</a:t>
-            </a:r>
-          </a:p>
-          <a:p>
-            <a:r>
-              <a:rPr lang="en-US"/>
-              <a:t>Writing the zelig2 function</a:t>
-            </a:r>
-          </a:p>
-          <a:p>
-            <a:r>
-              <a:rPr lang="en-US"/>
-              <a:t>Looking adhead</a:t>
-            </a:r>
-          </a:p>
-          <a:p>
-            <a:pPr lvl="1"/>
-            <a:r>
-              <a:rPr lang="en-US"/>
-              <a:t>Design (a.k.a. model) matrices</a:t>
-            </a:r>
-          </a:p>
-          <a:p>
-            <a:pPr lvl="1"/>
-            <a:r>
-              <a:rPr lang="en-US"/>
-              <a:t>Counterfactuals and interaction terms</a:t>
-            </a:r>
-          </a:p>
-          <a:p>
-            <a:pPr lvl="1"/>
-            <a:endParaRPr lang="en-US"/>
-          </a:p>
-          <a:p>
-            <a:pPr lvl="1"/>
-            <a:endParaRPr lang="en-US"/>
+              <a:t>For the novice, the default "NAMESPACE" file should suffice</a:t>
+            </a:r>
+          </a:p>
+          <a:p>
+            <a:r>
+              <a:rPr lang="en-US"/>
+              <a:t>Advanced users may want to keep some functions hidden from users</a:t>
+            </a:r>
+          </a:p>
+          <a:p>
+            <a:r>
+              <a:rPr lang="en-US" sz="2000"/>
+              <a:t>http://cran.r-project.org/doc/manuals/R-exts.html#Package-namespaces</a:t>
+            </a:r>
           </a:p>
         </p:txBody>
       </p:sp>
     </p:spTree>
+    <p:extLst>
+      <p:ext uri="{BB962C8B-B14F-4D97-AF65-F5344CB8AC3E}">
+        <p14:creationId xmlns:p14="http://schemas.microsoft.com/office/powerpoint/2010/main" val="19752076"/>
+      </p:ext>
+    </p:extLst>
   </p:cSld>
   <p:clrMapOvr>
     <a:masterClrMapping/>
@@ -9128,1126 +10577,6 @@
       </p:par>
     </p:tnLst>
   </p:timing>
-</p:sld>
-</file>
-
-<file path=ppt/slides/slide30.xml><?xml version="1.0" encoding="utf-8"?>
-<p:sld xmlns:a="http://schemas.openxmlformats.org/drawingml/2006/main" xmlns:r="http://schemas.openxmlformats.org/officeDocument/2006/relationships" xmlns:mc="http://schemas.openxmlformats.org/markup-compatibility/2006" xmlns:mv="urn:schemas-microsoft-com:mac:vml" xmlns:p="http://schemas.openxmlformats.org/presentationml/2006/main" mc:Ignorable="mv" mc:PreserveAttributes="mv:*">
-  <p:cSld>
-    <p:spTree>
-      <p:nvGrpSpPr>
-        <p:cNvPr id="1" name=""/>
-        <p:cNvGrpSpPr/>
-        <p:nvPr/>
-      </p:nvGrpSpPr>
-      <p:grpSpPr>
-        <a:xfrm>
-          <a:off x="0" y="0"/>
-          <a:ext cx="0" cy="0"/>
-          <a:chOff x="0" y="0"/>
-          <a:chExt cx="0" cy="0"/>
-        </a:xfrm>
-      </p:grpSpPr>
-      <p:sp>
-        <p:nvSpPr>
-          <p:cNvPr id="2" name="Title 1"/>
-          <p:cNvSpPr>
-            <a:spLocks noGrp="1"/>
-          </p:cNvSpPr>
-          <p:nvPr>
-            <p:ph type="title"/>
-          </p:nvPr>
-        </p:nvSpPr>
-        <p:spPr/>
-        <p:txBody>
-          <a:bodyPr>
-            <a:normAutofit fontScale="90000"/>
-          </a:bodyPr>
-          <a:lstStyle/>
-          <a:p>
-            <a:r>
-              <a:rPr lang="en-US"/>
-              <a:t>Structure of a Package</a:t>
-            </a:r>
-            <a:br>
-              <a:rPr lang="en-US"/>
-            </a:br>
-            <a:r>
-              <a:rPr lang="en-US"/>
-              <a:t>(The "R" Folder)</a:t>
-            </a:r>
-          </a:p>
-        </p:txBody>
-      </p:sp>
-      <p:sp>
-        <p:nvSpPr>
-          <p:cNvPr id="3" name="Content Placeholder 2"/>
-          <p:cNvSpPr>
-            <a:spLocks noGrp="1"/>
-          </p:cNvSpPr>
-          <p:nvPr>
-            <p:ph idx="1"/>
-          </p:nvPr>
-        </p:nvSpPr>
-        <p:spPr/>
-        <p:txBody>
-          <a:bodyPr/>
-          <a:lstStyle/>
-          <a:p>
-            <a:r>
-              <a:rPr lang="en-US"/>
-              <a:t>Holds all documents ending with ".R"</a:t>
-            </a:r>
-          </a:p>
-          <a:p>
-            <a:r>
-              <a:rPr lang="en-US"/>
-              <a:t>Comprises the R source code for the entire package</a:t>
-            </a:r>
-          </a:p>
-          <a:p>
-            <a:r>
-              <a:rPr lang="en-US"/>
-              <a:t>Code written in R should always be kept in this folder</a:t>
-            </a:r>
-          </a:p>
-          <a:p>
-            <a:endParaRPr lang="en-US"/>
-          </a:p>
-        </p:txBody>
-      </p:sp>
-    </p:spTree>
-  </p:cSld>
-  <p:clrMapOvr>
-    <a:masterClrMapping/>
-  </p:clrMapOvr>
-</p:sld>
-</file>
-
-<file path=ppt/slides/slide31.xml><?xml version="1.0" encoding="utf-8"?>
-<p:sld xmlns:a="http://schemas.openxmlformats.org/drawingml/2006/main" xmlns:r="http://schemas.openxmlformats.org/officeDocument/2006/relationships" xmlns:mc="http://schemas.openxmlformats.org/markup-compatibility/2006" xmlns:mv="urn:schemas-microsoft-com:mac:vml" xmlns:p="http://schemas.openxmlformats.org/presentationml/2006/main" mc:Ignorable="mv" mc:PreserveAttributes="mv:*">
-  <p:cSld>
-    <p:spTree>
-      <p:nvGrpSpPr>
-        <p:cNvPr id="1" name=""/>
-        <p:cNvGrpSpPr/>
-        <p:nvPr/>
-      </p:nvGrpSpPr>
-      <p:grpSpPr>
-        <a:xfrm>
-          <a:off x="0" y="0"/>
-          <a:ext cx="0" cy="0"/>
-          <a:chOff x="0" y="0"/>
-          <a:chExt cx="0" cy="0"/>
-        </a:xfrm>
-      </p:grpSpPr>
-      <p:sp>
-        <p:nvSpPr>
-          <p:cNvPr id="2" name="Title 1"/>
-          <p:cNvSpPr>
-            <a:spLocks noGrp="1"/>
-          </p:cNvSpPr>
-          <p:nvPr>
-            <p:ph type="title"/>
-          </p:nvPr>
-        </p:nvSpPr>
-        <p:spPr/>
-        <p:txBody>
-          <a:bodyPr>
-            <a:normAutofit fontScale="90000"/>
-          </a:bodyPr>
-          <a:lstStyle/>
-          <a:p>
-            <a:r>
-              <a:rPr lang="en-US"/>
-              <a:t>Structure of a Package</a:t>
-            </a:r>
-            <a:br>
-              <a:rPr lang="en-US"/>
-            </a:br>
-            <a:r>
-              <a:rPr lang="en-US"/>
-              <a:t>(The "man" Folder)</a:t>
-            </a:r>
-          </a:p>
-        </p:txBody>
-      </p:sp>
-      <p:sp>
-        <p:nvSpPr>
-          <p:cNvPr id="3" name="Content Placeholder 2"/>
-          <p:cNvSpPr>
-            <a:spLocks noGrp="1"/>
-          </p:cNvSpPr>
-          <p:nvPr>
-            <p:ph idx="1"/>
-          </p:nvPr>
-        </p:nvSpPr>
-        <p:spPr/>
-        <p:txBody>
-          <a:bodyPr/>
-          <a:lstStyle/>
-          <a:p>
-            <a:r>
-              <a:rPr lang="en-US"/>
-              <a:t>Stores the help documentation</a:t>
-            </a:r>
-          </a:p>
-          <a:p>
-            <a:r>
-              <a:rPr lang="en-US"/>
-              <a:t>All files should have the extension "Rd"</a:t>
-            </a:r>
-          </a:p>
-          <a:p>
-            <a:r>
-              <a:rPr lang="en-US"/>
-              <a:t>Rd documents are written in a LaTeX-like language</a:t>
-            </a:r>
-          </a:p>
-          <a:p>
-            <a:r>
-              <a:rPr lang="en-US" sz="2400"/>
-              <a:t>http://cran.r-project.org/doc/manuals/R-exts.html#Rd-format</a:t>
-            </a:r>
-          </a:p>
-        </p:txBody>
-      </p:sp>
-    </p:spTree>
-  </p:cSld>
-  <p:clrMapOvr>
-    <a:masterClrMapping/>
-  </p:clrMapOvr>
-</p:sld>
-</file>
-
-<file path=ppt/slides/slide32.xml><?xml version="1.0" encoding="utf-8"?>
-<p:sld xmlns:a="http://schemas.openxmlformats.org/drawingml/2006/main" xmlns:r="http://schemas.openxmlformats.org/officeDocument/2006/relationships" xmlns:mc="http://schemas.openxmlformats.org/markup-compatibility/2006" xmlns:mv="urn:schemas-microsoft-com:mac:vml" xmlns:p="http://schemas.openxmlformats.org/presentationml/2006/main" mc:Ignorable="mv" mc:PreserveAttributes="mv:*">
-  <p:cSld>
-    <p:spTree>
-      <p:nvGrpSpPr>
-        <p:cNvPr id="1" name=""/>
-        <p:cNvGrpSpPr/>
-        <p:nvPr/>
-      </p:nvGrpSpPr>
-      <p:grpSpPr>
-        <a:xfrm>
-          <a:off x="0" y="0"/>
-          <a:ext cx="0" cy="0"/>
-          <a:chOff x="0" y="0"/>
-          <a:chExt cx="0" cy="0"/>
-        </a:xfrm>
-      </p:grpSpPr>
-      <p:sp>
-        <p:nvSpPr>
-          <p:cNvPr id="2" name="Title 1"/>
-          <p:cNvSpPr>
-            <a:spLocks noGrp="1"/>
-          </p:cNvSpPr>
-          <p:nvPr>
-            <p:ph type="title"/>
-          </p:nvPr>
-        </p:nvSpPr>
-        <p:spPr/>
-        <p:txBody>
-          <a:bodyPr>
-            <a:normAutofit fontScale="90000"/>
-          </a:bodyPr>
-          <a:lstStyle/>
-          <a:p>
-            <a:r>
-              <a:rPr lang="en-US"/>
-              <a:t>Structure of a Package</a:t>
-            </a:r>
-            <a:br>
-              <a:rPr lang="en-US"/>
-            </a:br>
-            <a:r>
-              <a:rPr lang="en-US"/>
-              <a:t>(The "DESCRIPTION" File)</a:t>
-            </a:r>
-          </a:p>
-        </p:txBody>
-      </p:sp>
-      <p:sp>
-        <p:nvSpPr>
-          <p:cNvPr id="3" name="Content Placeholder 2"/>
-          <p:cNvSpPr>
-            <a:spLocks noGrp="1"/>
-          </p:cNvSpPr>
-          <p:nvPr>
-            <p:ph idx="1"/>
-          </p:nvPr>
-        </p:nvSpPr>
-        <p:spPr/>
-        <p:txBody>
-          <a:bodyPr/>
-          <a:lstStyle/>
-          <a:p>
-            <a:r>
-              <a:rPr lang="en-US"/>
-              <a:t>Contains several fields used to specify information about the statistical package</a:t>
-            </a:r>
-          </a:p>
-          <a:p>
-            <a:r>
-              <a:rPr lang="en-US"/>
-              <a:t>Most important are:</a:t>
-            </a:r>
-          </a:p>
-          <a:p>
-            <a:pPr lvl="1"/>
-            <a:r>
-              <a:rPr lang="en-US"/>
-              <a:t>Depends</a:t>
-            </a:r>
-          </a:p>
-          <a:p>
-            <a:pPr lvl="1"/>
-            <a:r>
-              <a:rPr lang="en-US"/>
-              <a:t>Author</a:t>
-            </a:r>
-          </a:p>
-          <a:p>
-            <a:pPr lvl="1"/>
-            <a:r>
-              <a:rPr lang="en-US"/>
-              <a:t>Version</a:t>
-            </a:r>
-          </a:p>
-          <a:p>
-            <a:r>
-              <a:rPr lang="en-US" sz="2000"/>
-              <a:t>http://cran.r-project.org/doc/manuals/R-exts.html#The-DESCRIPTION-file</a:t>
-            </a:r>
-          </a:p>
-        </p:txBody>
-      </p:sp>
-    </p:spTree>
-  </p:cSld>
-  <p:clrMapOvr>
-    <a:masterClrMapping/>
-  </p:clrMapOvr>
-</p:sld>
-</file>
-
-<file path=ppt/slides/slide33.xml><?xml version="1.0" encoding="utf-8"?>
-<p:sld xmlns:a="http://schemas.openxmlformats.org/drawingml/2006/main" xmlns:r="http://schemas.openxmlformats.org/officeDocument/2006/relationships" xmlns:mc="http://schemas.openxmlformats.org/markup-compatibility/2006" xmlns:mv="urn:schemas-microsoft-com:mac:vml" xmlns:p="http://schemas.openxmlformats.org/presentationml/2006/main" mc:Ignorable="mv" mc:PreserveAttributes="mv:*">
-  <p:cSld>
-    <p:spTree>
-      <p:nvGrpSpPr>
-        <p:cNvPr id="1" name=""/>
-        <p:cNvGrpSpPr/>
-        <p:nvPr/>
-      </p:nvGrpSpPr>
-      <p:grpSpPr>
-        <a:xfrm>
-          <a:off x="0" y="0"/>
-          <a:ext cx="0" cy="0"/>
-          <a:chOff x="0" y="0"/>
-          <a:chExt cx="0" cy="0"/>
-        </a:xfrm>
-      </p:grpSpPr>
-      <p:sp>
-        <p:nvSpPr>
-          <p:cNvPr id="2" name="Title 1"/>
-          <p:cNvSpPr>
-            <a:spLocks noGrp="1"/>
-          </p:cNvSpPr>
-          <p:nvPr>
-            <p:ph type="title"/>
-          </p:nvPr>
-        </p:nvSpPr>
-        <p:spPr/>
-        <p:txBody>
-          <a:bodyPr>
-            <a:normAutofit fontScale="90000"/>
-          </a:bodyPr>
-          <a:lstStyle/>
-          <a:p>
-            <a:r>
-              <a:rPr lang="en-US"/>
-              <a:t>Structure of a Package</a:t>
-            </a:r>
-            <a:br>
-              <a:rPr lang="en-US"/>
-            </a:br>
-            <a:r>
-              <a:rPr lang="en-US"/>
-              <a:t>(The "NAMESPACE" File)</a:t>
-            </a:r>
-          </a:p>
-        </p:txBody>
-      </p:sp>
-      <p:sp>
-        <p:nvSpPr>
-          <p:cNvPr id="3" name="Content Placeholder 2"/>
-          <p:cNvSpPr>
-            <a:spLocks noGrp="1"/>
-          </p:cNvSpPr>
-          <p:nvPr>
-            <p:ph idx="1"/>
-          </p:nvPr>
-        </p:nvSpPr>
-        <p:spPr/>
-        <p:txBody>
-          <a:bodyPr/>
-          <a:lstStyle/>
-          <a:p>
-            <a:r>
-              <a:rPr lang="en-US"/>
-              <a:t>For the novice, the default "NAMESPACE" file should suffice</a:t>
-            </a:r>
-          </a:p>
-          <a:p>
-            <a:r>
-              <a:rPr lang="en-US"/>
-              <a:t>Advanced users may want to keep some functions hidden from users</a:t>
-            </a:r>
-          </a:p>
-          <a:p>
-            <a:r>
-              <a:rPr lang="en-US" sz="2000"/>
-              <a:t>http://cran.r-project.org/doc/manuals/R-exts.html#Package-namespaces</a:t>
-            </a:r>
-          </a:p>
-        </p:txBody>
-      </p:sp>
-    </p:spTree>
-  </p:cSld>
-  <p:clrMapOvr>
-    <a:masterClrMapping/>
-  </p:clrMapOvr>
-</p:sld>
-</file>
-
-<file path=ppt/slides/slide34.xml><?xml version="1.0" encoding="utf-8"?>
-<p:sld xmlns:a="http://schemas.openxmlformats.org/drawingml/2006/main" xmlns:r="http://schemas.openxmlformats.org/officeDocument/2006/relationships" xmlns:mc="http://schemas.openxmlformats.org/markup-compatibility/2006" xmlns:mv="urn:schemas-microsoft-com:mac:vml" xmlns:p="http://schemas.openxmlformats.org/presentationml/2006/main" mc:Ignorable="mv" mc:PreserveAttributes="mv:*">
-  <p:cSld>
-    <p:spTree>
-      <p:nvGrpSpPr>
-        <p:cNvPr id="1" name=""/>
-        <p:cNvGrpSpPr/>
-        <p:nvPr/>
-      </p:nvGrpSpPr>
-      <p:grpSpPr>
-        <a:xfrm>
-          <a:off x="0" y="0"/>
-          <a:ext cx="0" cy="0"/>
-          <a:chOff x="0" y="0"/>
-          <a:chExt cx="0" cy="0"/>
-        </a:xfrm>
-      </p:grpSpPr>
-      <p:sp>
-        <p:nvSpPr>
-          <p:cNvPr id="2" name="Title 1"/>
-          <p:cNvSpPr>
-            <a:spLocks noGrp="1"/>
-          </p:cNvSpPr>
-          <p:nvPr>
-            <p:ph type="title"/>
-          </p:nvPr>
-        </p:nvSpPr>
-        <p:spPr/>
-        <p:txBody>
-          <a:bodyPr/>
-          <a:lstStyle/>
-          <a:p>
-            <a:r>
-              <a:rPr lang="en-US"/>
-              <a:t>Installing a Package</a:t>
-            </a:r>
-          </a:p>
-        </p:txBody>
-      </p:sp>
-      <p:sp>
-        <p:nvSpPr>
-          <p:cNvPr id="3" name="Content Placeholder 2"/>
-          <p:cNvSpPr>
-            <a:spLocks noGrp="1"/>
-          </p:cNvSpPr>
-          <p:nvPr>
-            <p:ph idx="1"/>
-          </p:nvPr>
-        </p:nvSpPr>
-        <p:spPr/>
-        <p:txBody>
-          <a:bodyPr/>
-          <a:lstStyle/>
-          <a:p>
-            <a:r>
-              <a:rPr lang="en-US"/>
-              <a:t>Find the parent directory of your package</a:t>
-            </a:r>
-          </a:p>
-          <a:p>
-            <a:r>
-              <a:rPr lang="en-US"/>
-              <a:t>Type:</a:t>
-            </a:r>
-            <a:br>
-              <a:rPr lang="en-US"/>
-            </a:br>
-            <a:r>
-              <a:rPr lang="en-US"/>
-              <a:t>R CMD INSTALL &lt;package-name&gt;</a:t>
-            </a:r>
-          </a:p>
-          <a:p>
-            <a:r>
-              <a:rPr lang="en-US"/>
-              <a:t>Additional useful commands:</a:t>
-            </a:r>
-          </a:p>
-          <a:p>
-            <a:pPr lvl="1"/>
-            <a:r>
-              <a:rPr lang="en-US"/>
-              <a:t>R CMD check</a:t>
-            </a:r>
-          </a:p>
-          <a:p>
-            <a:pPr lvl="1"/>
-            <a:r>
-              <a:rPr lang="en-US"/>
-              <a:t>R CMD BUILD</a:t>
-            </a:r>
-          </a:p>
-        </p:txBody>
-      </p:sp>
-    </p:spTree>
-  </p:cSld>
-  <p:clrMapOvr>
-    <a:masterClrMapping/>
-  </p:clrMapOvr>
-</p:sld>
-</file>
-
-<file path=ppt/slides/slide35.xml><?xml version="1.0" encoding="utf-8"?>
-<p:sld xmlns:a="http://schemas.openxmlformats.org/drawingml/2006/main" xmlns:r="http://schemas.openxmlformats.org/officeDocument/2006/relationships" xmlns:mc="http://schemas.openxmlformats.org/markup-compatibility/2006" xmlns:mv="urn:schemas-microsoft-com:mac:vml" xmlns:p="http://schemas.openxmlformats.org/presentationml/2006/main" mc:Ignorable="mv" mc:PreserveAttributes="mv:*">
-  <p:cSld>
-    <p:spTree>
-      <p:nvGrpSpPr>
-        <p:cNvPr id="1" name=""/>
-        <p:cNvGrpSpPr/>
-        <p:nvPr/>
-      </p:nvGrpSpPr>
-      <p:grpSpPr>
-        <a:xfrm>
-          <a:off x="0" y="0"/>
-          <a:ext cx="0" cy="0"/>
-          <a:chOff x="0" y="0"/>
-          <a:chExt cx="0" cy="0"/>
-        </a:xfrm>
-      </p:grpSpPr>
-      <p:sp>
-        <p:nvSpPr>
-          <p:cNvPr id="2" name="Title 1"/>
-          <p:cNvSpPr>
-            <a:spLocks noGrp="1"/>
-          </p:cNvSpPr>
-          <p:nvPr>
-            <p:ph type="title"/>
-          </p:nvPr>
-        </p:nvSpPr>
-        <p:spPr/>
-        <p:txBody>
-          <a:bodyPr>
-            <a:normAutofit fontScale="90000"/>
-          </a:bodyPr>
-          <a:lstStyle/>
-          <a:p>
-            <a:r>
-              <a:rPr lang="en-US"/>
-              <a:t>Installing a Package</a:t>
-            </a:r>
-            <a:br>
-              <a:rPr lang="en-US"/>
-            </a:br>
-            <a:r>
-              <a:rPr lang="en-US"/>
-              <a:t>(Example)</a:t>
-            </a:r>
-          </a:p>
-        </p:txBody>
-      </p:sp>
-      <p:sp>
-        <p:nvSpPr>
-          <p:cNvPr id="3" name="Content Placeholder 2"/>
-          <p:cNvSpPr>
-            <a:spLocks noGrp="1"/>
-          </p:cNvSpPr>
-          <p:nvPr>
-            <p:ph idx="1"/>
-          </p:nvPr>
-        </p:nvSpPr>
-        <p:spPr/>
-        <p:txBody>
-          <a:bodyPr/>
-          <a:lstStyle/>
-          <a:p>
-            <a:endParaRPr lang="en-US"/>
-          </a:p>
-        </p:txBody>
-      </p:sp>
-    </p:spTree>
-  </p:cSld>
-  <p:clrMapOvr>
-    <a:masterClrMapping/>
-  </p:clrMapOvr>
-</p:sld>
-</file>
-
-<file path=ppt/slides/slide4.xml><?xml version="1.0" encoding="utf-8"?>
-<p:sld xmlns:a="http://schemas.openxmlformats.org/drawingml/2006/main" xmlns:r="http://schemas.openxmlformats.org/officeDocument/2006/relationships" xmlns:mc="http://schemas.openxmlformats.org/markup-compatibility/2006" xmlns:mv="urn:schemas-microsoft-com:mac:vml" xmlns:p="http://schemas.openxmlformats.org/presentationml/2006/main" mc:Ignorable="mv" mc:PreserveAttributes="mv:*">
-  <p:cSld>
-    <p:spTree>
-      <p:nvGrpSpPr>
-        <p:cNvPr id="1" name=""/>
-        <p:cNvGrpSpPr/>
-        <p:nvPr/>
-      </p:nvGrpSpPr>
-      <p:grpSpPr>
-        <a:xfrm>
-          <a:off x="0" y="0"/>
-          <a:ext cx="0" cy="0"/>
-          <a:chOff x="0" y="0"/>
-          <a:chExt cx="0" cy="0"/>
-        </a:xfrm>
-      </p:grpSpPr>
-      <p:sp>
-        <p:nvSpPr>
-          <p:cNvPr id="6" name="Title 5"/>
-          <p:cNvSpPr>
-            <a:spLocks noGrp="1"/>
-          </p:cNvSpPr>
-          <p:nvPr>
-            <p:ph type="ctrTitle"/>
-          </p:nvPr>
-        </p:nvSpPr>
-        <p:spPr/>
-        <p:txBody>
-          <a:bodyPr/>
-          <a:lstStyle/>
-          <a:p>
-            <a:r>
-              <a:rPr lang="en-US"/>
-              <a:t>Introduction</a:t>
-            </a:r>
-          </a:p>
-        </p:txBody>
-      </p:sp>
-      <p:sp>
-        <p:nvSpPr>
-          <p:cNvPr id="7" name="Subtitle 6"/>
-          <p:cNvSpPr>
-            <a:spLocks noGrp="1"/>
-          </p:cNvSpPr>
-          <p:nvPr>
-            <p:ph type="subTitle" idx="1"/>
-          </p:nvPr>
-        </p:nvSpPr>
-        <p:spPr/>
-        <p:txBody>
-          <a:bodyPr/>
-          <a:lstStyle/>
-          <a:p>
-            <a:endParaRPr lang="en-US"/>
-          </a:p>
-        </p:txBody>
-      </p:sp>
-    </p:spTree>
-  </p:cSld>
-  <p:clrMapOvr>
-    <a:masterClrMapping/>
-  </p:clrMapOvr>
-</p:sld>
-</file>
-
-<file path=ppt/slides/slide5.xml><?xml version="1.0" encoding="utf-8"?>
-<p:sld xmlns:a="http://schemas.openxmlformats.org/drawingml/2006/main" xmlns:r="http://schemas.openxmlformats.org/officeDocument/2006/relationships" xmlns:mc="http://schemas.openxmlformats.org/markup-compatibility/2006" xmlns:mv="urn:schemas-microsoft-com:mac:vml" xmlns:p="http://schemas.openxmlformats.org/presentationml/2006/main" mc:Ignorable="mv" mc:PreserveAttributes="mv:*">
-  <p:cSld>
-    <p:spTree>
-      <p:nvGrpSpPr>
-        <p:cNvPr id="1" name=""/>
-        <p:cNvGrpSpPr/>
-        <p:nvPr/>
-      </p:nvGrpSpPr>
-      <p:grpSpPr>
-        <a:xfrm>
-          <a:off x="0" y="0"/>
-          <a:ext cx="0" cy="0"/>
-          <a:chOff x="0" y="0"/>
-          <a:chExt cx="0" cy="0"/>
-        </a:xfrm>
-      </p:grpSpPr>
-      <p:sp>
-        <p:nvSpPr>
-          <p:cNvPr id="2" name="Title 1"/>
-          <p:cNvSpPr>
-            <a:spLocks noGrp="1"/>
-          </p:cNvSpPr>
-          <p:nvPr>
-            <p:ph type="title"/>
-          </p:nvPr>
-        </p:nvSpPr>
-        <p:spPr/>
-        <p:txBody>
-          <a:bodyPr/>
-          <a:lstStyle/>
-          <a:p>
-            <a:r>
-              <a:rPr lang="en-US"/>
-              <a:t>What is linear regression?</a:t>
-            </a:r>
-          </a:p>
-        </p:txBody>
-      </p:sp>
-      <p:sp>
-        <p:nvSpPr>
-          <p:cNvPr id="3" name="Content Placeholder 2"/>
-          <p:cNvSpPr>
-            <a:spLocks noGrp="1"/>
-          </p:cNvSpPr>
-          <p:nvPr>
-            <p:ph idx="1"/>
-          </p:nvPr>
-        </p:nvSpPr>
-        <p:spPr/>
-        <p:txBody>
-          <a:bodyPr>
-            <a:normAutofit lnSpcReduction="10000"/>
-          </a:bodyPr>
-          <a:lstStyle/>
-          <a:p>
-            <a:r>
-              <a:rPr lang="en-US"/>
-              <a:t>A method for </a:t>
-            </a:r>
-            <a:r>
-              <a:rPr lang="en-US" b="1"/>
-              <a:t>explaining</a:t>
-            </a:r>
-            <a:r>
-              <a:rPr lang="en-US"/>
-              <a:t> and </a:t>
-            </a:r>
-            <a:r>
-              <a:rPr lang="en-US" b="1"/>
-              <a:t>predicting</a:t>
-            </a:r>
-            <a:r>
-              <a:rPr lang="en-US"/>
-              <a:t> observations using data</a:t>
-            </a:r>
-          </a:p>
-          <a:p>
-            <a:r>
-              <a:rPr lang="en-US"/>
-              <a:t>A method for determining </a:t>
-            </a:r>
-            <a:r>
-              <a:rPr lang="en-US" b="1"/>
-              <a:t>unknown parameters</a:t>
-            </a:r>
-            <a:r>
-              <a:rPr lang="en-US"/>
-              <a:t> derived from a data set</a:t>
-            </a:r>
-          </a:p>
-          <a:p>
-            <a:pPr lvl="1"/>
-            <a:r>
-              <a:rPr lang="en-US"/>
-              <a:t>How dependent is my response variable on a particular parameter?</a:t>
-            </a:r>
-          </a:p>
-          <a:p>
-            <a:r>
-              <a:rPr lang="en-US"/>
-              <a:t>Specifically, a method for determining </a:t>
-            </a:r>
-            <a:r>
-              <a:rPr lang="en-US" b="1"/>
-              <a:t>conditional expected values</a:t>
-            </a:r>
-          </a:p>
-          <a:p>
-            <a:pPr lvl="1"/>
-            <a:r>
-              <a:rPr lang="en-US"/>
-              <a:t>"Given x and y, the expected value is…"</a:t>
-            </a:r>
-          </a:p>
-        </p:txBody>
-      </p:sp>
-    </p:spTree>
-  </p:cSld>
-  <p:clrMapOvr>
-    <a:masterClrMapping/>
-  </p:clrMapOvr>
-</p:sld>
-</file>
-
-<file path=ppt/slides/slide6.xml><?xml version="1.0" encoding="utf-8"?>
-<p:sld xmlns:a="http://schemas.openxmlformats.org/drawingml/2006/main" xmlns:r="http://schemas.openxmlformats.org/officeDocument/2006/relationships" xmlns:mc="http://schemas.openxmlformats.org/markup-compatibility/2006" xmlns:mv="urn:schemas-microsoft-com:mac:vml" xmlns:p="http://schemas.openxmlformats.org/presentationml/2006/main" mc:Ignorable="mv" mc:PreserveAttributes="mv:*">
-  <p:cSld>
-    <p:spTree>
-      <p:nvGrpSpPr>
-        <p:cNvPr id="1" name=""/>
-        <p:cNvGrpSpPr/>
-        <p:nvPr/>
-      </p:nvGrpSpPr>
-      <p:grpSpPr>
-        <a:xfrm>
-          <a:off x="0" y="0"/>
-          <a:ext cx="0" cy="0"/>
-          <a:chOff x="0" y="0"/>
-          <a:chExt cx="0" cy="0"/>
-        </a:xfrm>
-      </p:grpSpPr>
-      <p:sp>
-        <p:nvSpPr>
-          <p:cNvPr id="2" name="Title 1"/>
-          <p:cNvSpPr>
-            <a:spLocks noGrp="1"/>
-          </p:cNvSpPr>
-          <p:nvPr>
-            <p:ph type="title"/>
-          </p:nvPr>
-        </p:nvSpPr>
-        <p:spPr/>
-        <p:txBody>
-          <a:bodyPr/>
-          <a:lstStyle/>
-          <a:p>
-            <a:r>
-              <a:rPr lang="en-US"/>
-              <a:t>Example: Data</a:t>
-            </a:r>
-          </a:p>
-        </p:txBody>
-      </p:sp>
-      <p:pic>
-        <p:nvPicPr>
-          <p:cNvPr id="6" name="Content Placeholder 5" descr="Linear_Data.png"/>
-          <p:cNvPicPr>
-            <a:picLocks noGrp="1" noChangeAspect="1"/>
-          </p:cNvPicPr>
-          <p:nvPr>
-            <p:ph idx="1"/>
-          </p:nvPr>
-        </p:nvPicPr>
-        <p:blipFill>
-          <a:blip r:embed="rId2"/>
-          <a:srcRect l="-40915" r="-40915"/>
-          <a:stretch>
-            <a:fillRect/>
-          </a:stretch>
-        </p:blipFill>
-        <p:spPr/>
-      </p:pic>
-    </p:spTree>
-  </p:cSld>
-  <p:clrMapOvr>
-    <a:masterClrMapping/>
-  </p:clrMapOvr>
-</p:sld>
-</file>
-
-<file path=ppt/slides/slide7.xml><?xml version="1.0" encoding="utf-8"?>
-<p:sld xmlns:a="http://schemas.openxmlformats.org/drawingml/2006/main" xmlns:r="http://schemas.openxmlformats.org/officeDocument/2006/relationships" xmlns:mc="http://schemas.openxmlformats.org/markup-compatibility/2006" xmlns:mv="urn:schemas-microsoft-com:mac:vml" xmlns:p="http://schemas.openxmlformats.org/presentationml/2006/main" mc:Ignorable="mv" mc:PreserveAttributes="mv:*">
-  <p:cSld>
-    <p:spTree>
-      <p:nvGrpSpPr>
-        <p:cNvPr id="1" name=""/>
-        <p:cNvGrpSpPr/>
-        <p:nvPr/>
-      </p:nvGrpSpPr>
-      <p:grpSpPr>
-        <a:xfrm>
-          <a:off x="0" y="0"/>
-          <a:ext cx="0" cy="0"/>
-          <a:chOff x="0" y="0"/>
-          <a:chExt cx="0" cy="0"/>
-        </a:xfrm>
-      </p:grpSpPr>
-      <p:sp>
-        <p:nvSpPr>
-          <p:cNvPr id="2" name="Title 1"/>
-          <p:cNvSpPr>
-            <a:spLocks noGrp="1"/>
-          </p:cNvSpPr>
-          <p:nvPr>
-            <p:ph type="title"/>
-          </p:nvPr>
-        </p:nvSpPr>
-        <p:spPr/>
-        <p:txBody>
-          <a:bodyPr>
-            <a:normAutofit fontScale="90000"/>
-          </a:bodyPr>
-          <a:lstStyle/>
-          <a:p>
-            <a:r>
-              <a:rPr lang="en-US"/>
-              <a:t>Example: Data</a:t>
-            </a:r>
-            <a:br>
-              <a:rPr lang="en-US"/>
-            </a:br>
-            <a:r>
-              <a:rPr lang="en-US"/>
-              <a:t>(and Linear Regression)</a:t>
-            </a:r>
-          </a:p>
-        </p:txBody>
-      </p:sp>
-      <p:pic>
-        <p:nvPicPr>
-          <p:cNvPr id="4" name="Content Placeholder 3" descr="Linear_Regression.png"/>
-          <p:cNvPicPr>
-            <a:picLocks noGrp="1" noChangeAspect="1"/>
-          </p:cNvPicPr>
-          <p:nvPr>
-            <p:ph idx="1"/>
-          </p:nvPr>
-        </p:nvPicPr>
-        <p:blipFill>
-          <a:blip r:embed="rId2"/>
-          <a:srcRect l="-40915" r="-40915"/>
-          <a:stretch>
-            <a:fillRect/>
-          </a:stretch>
-        </p:blipFill>
-        <p:spPr/>
-      </p:pic>
-    </p:spTree>
-  </p:cSld>
-  <p:clrMapOvr>
-    <a:masterClrMapping/>
-  </p:clrMapOvr>
-</p:sld>
-</file>
-
-<file path=ppt/slides/slide8.xml><?xml version="1.0" encoding="utf-8"?>
-<p:sld xmlns:a="http://schemas.openxmlformats.org/drawingml/2006/main" xmlns:r="http://schemas.openxmlformats.org/officeDocument/2006/relationships" xmlns:mc="http://schemas.openxmlformats.org/markup-compatibility/2006" xmlns:mv="urn:schemas-microsoft-com:mac:vml" xmlns:p="http://schemas.openxmlformats.org/presentationml/2006/main" mc:Ignorable="mv" mc:PreserveAttributes="mv:*">
-  <p:cSld>
-    <p:spTree>
-      <p:nvGrpSpPr>
-        <p:cNvPr id="1" name=""/>
-        <p:cNvGrpSpPr/>
-        <p:nvPr/>
-      </p:nvGrpSpPr>
-      <p:grpSpPr>
-        <a:xfrm>
-          <a:off x="0" y="0"/>
-          <a:ext cx="0" cy="0"/>
-          <a:chOff x="0" y="0"/>
-          <a:chExt cx="0" cy="0"/>
-        </a:xfrm>
-      </p:grpSpPr>
-      <p:sp>
-        <p:nvSpPr>
-          <p:cNvPr id="2" name="Title 1"/>
-          <p:cNvSpPr>
-            <a:spLocks noGrp="1"/>
-          </p:cNvSpPr>
-          <p:nvPr>
-            <p:ph type="title"/>
-          </p:nvPr>
-        </p:nvSpPr>
-        <p:spPr/>
-        <p:txBody>
-          <a:bodyPr/>
-          <a:lstStyle/>
-          <a:p>
-            <a:r>
-              <a:rPr lang="en-US"/>
-              <a:t>Basics</a:t>
-            </a:r>
-          </a:p>
-        </p:txBody>
-      </p:sp>
-      <p:sp>
-        <p:nvSpPr>
-          <p:cNvPr id="3" name="Content Placeholder 2"/>
-          <p:cNvSpPr>
-            <a:spLocks noGrp="1"/>
-          </p:cNvSpPr>
-          <p:nvPr>
-            <p:ph idx="1"/>
-          </p:nvPr>
-        </p:nvSpPr>
-        <p:spPr/>
-        <p:txBody>
-          <a:bodyPr/>
-          <a:lstStyle/>
-          <a:p>
-            <a:pPr>
-              <a:buNone/>
-            </a:pPr>
-            <a:r>
-              <a:rPr lang="en-US"/>
-              <a:t>There are three necessary components to any statistical model:</a:t>
-            </a:r>
-          </a:p>
-          <a:p>
-            <a:r>
-              <a:rPr lang="en-US"/>
-              <a:t>A formula specifying </a:t>
-            </a:r>
-            <a:r>
-              <a:rPr lang="en-US" b="1"/>
-              <a:t>predictor</a:t>
-            </a:r>
-            <a:r>
-              <a:rPr lang="en-US"/>
-              <a:t> and </a:t>
-            </a:r>
-            <a:r>
-              <a:rPr lang="en-US" b="1"/>
-              <a:t>response</a:t>
-            </a:r>
-            <a:r>
-              <a:rPr lang="en-US"/>
-              <a:t> variables: </a:t>
-            </a:r>
-            <a:r>
-              <a:rPr lang="en-US" i="1">
-                <a:latin typeface="Courier New"/>
-                <a:cs typeface="Courier New"/>
-              </a:rPr>
-              <a:t>y ~ x1 + x2 + x3</a:t>
-            </a:r>
-            <a:endParaRPr lang="en-US" b="1" i="1">
-              <a:latin typeface="Courier New"/>
-              <a:cs typeface="Courier New"/>
-            </a:endParaRPr>
-          </a:p>
-          <a:p>
-            <a:r>
-              <a:rPr lang="en-US"/>
-              <a:t>A model – </a:t>
-            </a:r>
-            <a:r>
-              <a:rPr lang="en-US" i="1"/>
-              <a:t>logit, probit, gamma, normal</a:t>
-            </a:r>
-          </a:p>
-          <a:p>
-            <a:r>
-              <a:rPr lang="en-US"/>
-              <a:t>Data – </a:t>
-            </a:r>
-            <a:r>
-              <a:rPr lang="en-US" i="1"/>
-              <a:t>a data-set stored as a </a:t>
-            </a:r>
-            <a:r>
-              <a:rPr lang="en-US" b="1" i="1"/>
-              <a:t>data.frame</a:t>
-            </a:r>
-          </a:p>
-          <a:p>
-            <a:endParaRPr lang="en-US"/>
-          </a:p>
-        </p:txBody>
-      </p:sp>
-    </p:spTree>
-  </p:cSld>
-  <p:clrMapOvr>
-    <a:masterClrMapping/>
-  </p:clrMapOvr>
-</p:sld>
-</file>
-
-<file path=ppt/slides/slide9.xml><?xml version="1.0" encoding="utf-8"?>
-<p:sld xmlns:a="http://schemas.openxmlformats.org/drawingml/2006/main" xmlns:r="http://schemas.openxmlformats.org/officeDocument/2006/relationships" xmlns:mc="http://schemas.openxmlformats.org/markup-compatibility/2006" xmlns:mv="urn:schemas-microsoft-com:mac:vml" xmlns:p="http://schemas.openxmlformats.org/presentationml/2006/main" mc:Ignorable="mv" mc:PreserveAttributes="mv:*">
-  <p:cSld>
-    <p:spTree>
-      <p:nvGrpSpPr>
-        <p:cNvPr id="1" name=""/>
-        <p:cNvGrpSpPr/>
-        <p:nvPr/>
-      </p:nvGrpSpPr>
-      <p:grpSpPr>
-        <a:xfrm>
-          <a:off x="0" y="0"/>
-          <a:ext cx="0" cy="0"/>
-          <a:chOff x="0" y="0"/>
-          <a:chExt cx="0" cy="0"/>
-        </a:xfrm>
-      </p:grpSpPr>
-      <p:sp>
-        <p:nvSpPr>
-          <p:cNvPr id="2" name="Title 1"/>
-          <p:cNvSpPr>
-            <a:spLocks noGrp="1"/>
-          </p:cNvSpPr>
-          <p:nvPr>
-            <p:ph type="title"/>
-          </p:nvPr>
-        </p:nvSpPr>
-        <p:spPr/>
-        <p:txBody>
-          <a:bodyPr/>
-          <a:lstStyle/>
-          <a:p>
-            <a:r>
-              <a:rPr lang="en-US"/>
-              <a:t>Generalized Linear Models</a:t>
-            </a:r>
-          </a:p>
-        </p:txBody>
-      </p:sp>
-      <p:sp>
-        <p:nvSpPr>
-          <p:cNvPr id="3" name="Content Placeholder 2"/>
-          <p:cNvSpPr>
-            <a:spLocks noGrp="1"/>
-          </p:cNvSpPr>
-          <p:nvPr>
-            <p:ph idx="1"/>
-          </p:nvPr>
-        </p:nvSpPr>
-        <p:spPr/>
-        <p:txBody>
-          <a:bodyPr/>
-          <a:lstStyle/>
-          <a:p>
-            <a:r>
-              <a:rPr lang="en-US"/>
-              <a:t>The "least squares" method is the foundation of fitting generalized linear models (GLM's)</a:t>
-            </a:r>
-          </a:p>
-          <a:p>
-            <a:r>
-              <a:rPr lang="en-US"/>
-              <a:t>Provides information on the </a:t>
-            </a:r>
-            <a:r>
-              <a:rPr lang="en-US" b="1"/>
-              <a:t>correlation</a:t>
-            </a:r>
-            <a:r>
-              <a:rPr lang="en-US"/>
-              <a:t> of predictor variables</a:t>
-            </a:r>
-          </a:p>
-          <a:p>
-            <a:r>
-              <a:rPr lang="en-US"/>
-              <a:t>And information on how significantly the response variables varies with the predictor variables</a:t>
-            </a:r>
-          </a:p>
-        </p:txBody>
-      </p:sp>
-    </p:spTree>
-  </p:cSld>
-  <p:clrMapOvr>
-    <a:masterClrMapping/>
-  </p:clrMapOvr>
 </p:sld>
 </file>
 
